--- a/虚拟机1.pptx
+++ b/虚拟机1.pptx
@@ -156,7 +156,7 @@
           <p:cNvPr id="4" name="日期占位符 3">
             <a:extLst>
               <a:ext uri="{FF2B5EF4-FFF2-40B4-BE49-F238E27FC236}">
-                <a16:creationId xmlns:a16="http://schemas.microsoft.com/office/drawing/2014/main" id="{E3C88C80-19D1-4BDB-93D6-01C8B5D57E2B}"/>
+                <a16:creationId xmlns:a16="http://schemas.microsoft.com/office/drawing/2014/main" xmlns="" id="{E3C88C80-19D1-4BDB-93D6-01C8B5D57E2B}"/>
               </a:ext>
             </a:extLst>
           </p:cNvPr>
@@ -174,7 +174,7 @@
           <a:p>
             <a:fld id="{D3B685CF-05DD-4658-9B06-06845ED9451B}" type="datetimeFigureOut">
               <a:rPr lang="zh-CN" altLang="en-US" smtClean="0"/>
-              <a:t>2018/7/22</a:t>
+              <a:t>2018/7/23</a:t>
             </a:fld>
             <a:endParaRPr lang="zh-CN" altLang="en-US"/>
           </a:p>
@@ -185,7 +185,7 @@
           <p:cNvPr id="5" name="页脚占位符 4">
             <a:extLst>
               <a:ext uri="{FF2B5EF4-FFF2-40B4-BE49-F238E27FC236}">
-                <a16:creationId xmlns:a16="http://schemas.microsoft.com/office/drawing/2014/main" id="{DD2AB6A0-788E-44A1-9AE0-27A61338646E}"/>
+                <a16:creationId xmlns:a16="http://schemas.microsoft.com/office/drawing/2014/main" xmlns="" id="{DD2AB6A0-788E-44A1-9AE0-27A61338646E}"/>
               </a:ext>
             </a:extLst>
           </p:cNvPr>
@@ -210,7 +210,7 @@
           <p:cNvPr id="6" name="灯片编号占位符 5">
             <a:extLst>
               <a:ext uri="{FF2B5EF4-FFF2-40B4-BE49-F238E27FC236}">
-                <a16:creationId xmlns:a16="http://schemas.microsoft.com/office/drawing/2014/main" id="{990BFCAA-9D3B-477B-A442-619BF31A71E5}"/>
+                <a16:creationId xmlns:a16="http://schemas.microsoft.com/office/drawing/2014/main" xmlns="" id="{990BFCAA-9D3B-477B-A442-619BF31A71E5}"/>
               </a:ext>
             </a:extLst>
           </p:cNvPr>
@@ -239,7 +239,7 @@
           <p:cNvPr id="9" name="矩形 8">
             <a:extLst>
               <a:ext uri="{FF2B5EF4-FFF2-40B4-BE49-F238E27FC236}">
-                <a16:creationId xmlns:a16="http://schemas.microsoft.com/office/drawing/2014/main" id="{6C26513F-A3B8-4E41-B279-80D4C37DF881}"/>
+                <a16:creationId xmlns:a16="http://schemas.microsoft.com/office/drawing/2014/main" xmlns="" id="{6C26513F-A3B8-4E41-B279-80D4C37DF881}"/>
               </a:ext>
             </a:extLst>
           </p:cNvPr>
@@ -256,7 +256,7 @@
           </a:prstGeom>
           <a:blipFill dpi="0" rotWithShape="1">
             <a:blip r:embed="rId2">
-              <a:alphaModFix amt="10000"/>
+              <a:alphaModFix amt="8000"/>
             </a:blip>
             <a:srcRect/>
             <a:tile tx="0" ty="0" sx="100000" sy="100000" flip="none" algn="tl"/>
@@ -322,7 +322,7 @@
           <p:cNvPr id="2" name="标题 1">
             <a:extLst>
               <a:ext uri="{FF2B5EF4-FFF2-40B4-BE49-F238E27FC236}">
-                <a16:creationId xmlns:a16="http://schemas.microsoft.com/office/drawing/2014/main" id="{547EEB98-0393-480B-8E60-2A9EAD0978D9}"/>
+                <a16:creationId xmlns:a16="http://schemas.microsoft.com/office/drawing/2014/main" xmlns="" id="{547EEB98-0393-480B-8E60-2A9EAD0978D9}"/>
               </a:ext>
             </a:extLst>
           </p:cNvPr>
@@ -350,7 +350,7 @@
           <p:cNvPr id="3" name="竖排文字占位符 2">
             <a:extLst>
               <a:ext uri="{FF2B5EF4-FFF2-40B4-BE49-F238E27FC236}">
-                <a16:creationId xmlns:a16="http://schemas.microsoft.com/office/drawing/2014/main" id="{4D36B5DF-C4C3-4A77-8ACF-13B266642A8D}"/>
+                <a16:creationId xmlns:a16="http://schemas.microsoft.com/office/drawing/2014/main" xmlns="" id="{4D36B5DF-C4C3-4A77-8ACF-13B266642A8D}"/>
               </a:ext>
             </a:extLst>
           </p:cNvPr>
@@ -407,7 +407,7 @@
           <p:cNvPr id="4" name="日期占位符 3">
             <a:extLst>
               <a:ext uri="{FF2B5EF4-FFF2-40B4-BE49-F238E27FC236}">
-                <a16:creationId xmlns:a16="http://schemas.microsoft.com/office/drawing/2014/main" id="{DDE0ECAC-A3F9-42BE-BF00-901B87DA701C}"/>
+                <a16:creationId xmlns:a16="http://schemas.microsoft.com/office/drawing/2014/main" xmlns="" id="{DDE0ECAC-A3F9-42BE-BF00-901B87DA701C}"/>
               </a:ext>
             </a:extLst>
           </p:cNvPr>
@@ -425,7 +425,7 @@
           <a:p>
             <a:fld id="{D3B685CF-05DD-4658-9B06-06845ED9451B}" type="datetimeFigureOut">
               <a:rPr lang="zh-CN" altLang="en-US" smtClean="0"/>
-              <a:t>2018/7/22</a:t>
+              <a:t>2018/7/23</a:t>
             </a:fld>
             <a:endParaRPr lang="zh-CN" altLang="en-US"/>
           </a:p>
@@ -436,7 +436,7 @@
           <p:cNvPr id="5" name="页脚占位符 4">
             <a:extLst>
               <a:ext uri="{FF2B5EF4-FFF2-40B4-BE49-F238E27FC236}">
-                <a16:creationId xmlns:a16="http://schemas.microsoft.com/office/drawing/2014/main" id="{D1B573EA-E7CA-4CD3-976F-3BA8607257B3}"/>
+                <a16:creationId xmlns:a16="http://schemas.microsoft.com/office/drawing/2014/main" xmlns="" id="{D1B573EA-E7CA-4CD3-976F-3BA8607257B3}"/>
               </a:ext>
             </a:extLst>
           </p:cNvPr>
@@ -461,7 +461,7 @@
           <p:cNvPr id="6" name="灯片编号占位符 5">
             <a:extLst>
               <a:ext uri="{FF2B5EF4-FFF2-40B4-BE49-F238E27FC236}">
-                <a16:creationId xmlns:a16="http://schemas.microsoft.com/office/drawing/2014/main" id="{01F2393C-774F-4C61-B26E-7E31793FF25B}"/>
+                <a16:creationId xmlns:a16="http://schemas.microsoft.com/office/drawing/2014/main" xmlns="" id="{01F2393C-774F-4C61-B26E-7E31793FF25B}"/>
               </a:ext>
             </a:extLst>
           </p:cNvPr>
@@ -520,7 +520,7 @@
           <p:cNvPr id="2" name="竖排标题 1">
             <a:extLst>
               <a:ext uri="{FF2B5EF4-FFF2-40B4-BE49-F238E27FC236}">
-                <a16:creationId xmlns:a16="http://schemas.microsoft.com/office/drawing/2014/main" id="{EDD4389D-1F5C-49F4-A396-E863F331CF99}"/>
+                <a16:creationId xmlns:a16="http://schemas.microsoft.com/office/drawing/2014/main" xmlns="" id="{EDD4389D-1F5C-49F4-A396-E863F331CF99}"/>
               </a:ext>
             </a:extLst>
           </p:cNvPr>
@@ -553,7 +553,7 @@
           <p:cNvPr id="3" name="竖排文字占位符 2">
             <a:extLst>
               <a:ext uri="{FF2B5EF4-FFF2-40B4-BE49-F238E27FC236}">
-                <a16:creationId xmlns:a16="http://schemas.microsoft.com/office/drawing/2014/main" id="{868EED7C-014A-412F-A030-FEEF200577A8}"/>
+                <a16:creationId xmlns:a16="http://schemas.microsoft.com/office/drawing/2014/main" xmlns="" id="{868EED7C-014A-412F-A030-FEEF200577A8}"/>
               </a:ext>
             </a:extLst>
           </p:cNvPr>
@@ -615,7 +615,7 @@
           <p:cNvPr id="4" name="日期占位符 3">
             <a:extLst>
               <a:ext uri="{FF2B5EF4-FFF2-40B4-BE49-F238E27FC236}">
-                <a16:creationId xmlns:a16="http://schemas.microsoft.com/office/drawing/2014/main" id="{552C2468-D58E-409B-B5B9-B259BA5D47C5}"/>
+                <a16:creationId xmlns:a16="http://schemas.microsoft.com/office/drawing/2014/main" xmlns="" id="{552C2468-D58E-409B-B5B9-B259BA5D47C5}"/>
               </a:ext>
             </a:extLst>
           </p:cNvPr>
@@ -633,7 +633,7 @@
           <a:p>
             <a:fld id="{D3B685CF-05DD-4658-9B06-06845ED9451B}" type="datetimeFigureOut">
               <a:rPr lang="zh-CN" altLang="en-US" smtClean="0"/>
-              <a:t>2018/7/22</a:t>
+              <a:t>2018/7/23</a:t>
             </a:fld>
             <a:endParaRPr lang="zh-CN" altLang="en-US"/>
           </a:p>
@@ -644,7 +644,7 @@
           <p:cNvPr id="5" name="页脚占位符 4">
             <a:extLst>
               <a:ext uri="{FF2B5EF4-FFF2-40B4-BE49-F238E27FC236}">
-                <a16:creationId xmlns:a16="http://schemas.microsoft.com/office/drawing/2014/main" id="{39217E4D-8B68-498A-880E-43D36112B605}"/>
+                <a16:creationId xmlns:a16="http://schemas.microsoft.com/office/drawing/2014/main" xmlns="" id="{39217E4D-8B68-498A-880E-43D36112B605}"/>
               </a:ext>
             </a:extLst>
           </p:cNvPr>
@@ -669,7 +669,7 @@
           <p:cNvPr id="6" name="灯片编号占位符 5">
             <a:extLst>
               <a:ext uri="{FF2B5EF4-FFF2-40B4-BE49-F238E27FC236}">
-                <a16:creationId xmlns:a16="http://schemas.microsoft.com/office/drawing/2014/main" id="{8196A66A-5635-42D4-9D99-87FD143353B1}"/>
+                <a16:creationId xmlns:a16="http://schemas.microsoft.com/office/drawing/2014/main" xmlns="" id="{8196A66A-5635-42D4-9D99-87FD143353B1}"/>
               </a:ext>
             </a:extLst>
           </p:cNvPr>
@@ -728,7 +728,7 @@
           <p:cNvPr id="2" name="标题 1">
             <a:extLst>
               <a:ext uri="{FF2B5EF4-FFF2-40B4-BE49-F238E27FC236}">
-                <a16:creationId xmlns:a16="http://schemas.microsoft.com/office/drawing/2014/main" id="{EBD60D8C-16FE-4A0F-8162-224CE033DB87}"/>
+                <a16:creationId xmlns:a16="http://schemas.microsoft.com/office/drawing/2014/main" xmlns="" id="{EBD60D8C-16FE-4A0F-8162-224CE033DB87}"/>
               </a:ext>
             </a:extLst>
           </p:cNvPr>
@@ -756,7 +756,7 @@
           <p:cNvPr id="3" name="内容占位符 2">
             <a:extLst>
               <a:ext uri="{FF2B5EF4-FFF2-40B4-BE49-F238E27FC236}">
-                <a16:creationId xmlns:a16="http://schemas.microsoft.com/office/drawing/2014/main" id="{25FA777C-D381-45B9-8DE4-5B22917C81B7}"/>
+                <a16:creationId xmlns:a16="http://schemas.microsoft.com/office/drawing/2014/main" xmlns="" id="{25FA777C-D381-45B9-8DE4-5B22917C81B7}"/>
               </a:ext>
             </a:extLst>
           </p:cNvPr>
@@ -813,7 +813,7 @@
           <p:cNvPr id="4" name="日期占位符 3">
             <a:extLst>
               <a:ext uri="{FF2B5EF4-FFF2-40B4-BE49-F238E27FC236}">
-                <a16:creationId xmlns:a16="http://schemas.microsoft.com/office/drawing/2014/main" id="{19005A1B-C957-4703-9672-D38D7F0D42DE}"/>
+                <a16:creationId xmlns:a16="http://schemas.microsoft.com/office/drawing/2014/main" xmlns="" id="{19005A1B-C957-4703-9672-D38D7F0D42DE}"/>
               </a:ext>
             </a:extLst>
           </p:cNvPr>
@@ -831,7 +831,7 @@
           <a:p>
             <a:fld id="{D3B685CF-05DD-4658-9B06-06845ED9451B}" type="datetimeFigureOut">
               <a:rPr lang="zh-CN" altLang="en-US" smtClean="0"/>
-              <a:t>2018/7/22</a:t>
+              <a:t>2018/7/23</a:t>
             </a:fld>
             <a:endParaRPr lang="zh-CN" altLang="en-US"/>
           </a:p>
@@ -842,7 +842,7 @@
           <p:cNvPr id="5" name="页脚占位符 4">
             <a:extLst>
               <a:ext uri="{FF2B5EF4-FFF2-40B4-BE49-F238E27FC236}">
-                <a16:creationId xmlns:a16="http://schemas.microsoft.com/office/drawing/2014/main" id="{13B04B88-D41A-4688-9279-72DDE1B03570}"/>
+                <a16:creationId xmlns:a16="http://schemas.microsoft.com/office/drawing/2014/main" xmlns="" id="{13B04B88-D41A-4688-9279-72DDE1B03570}"/>
               </a:ext>
             </a:extLst>
           </p:cNvPr>
@@ -867,7 +867,7 @@
           <p:cNvPr id="6" name="灯片编号占位符 5">
             <a:extLst>
               <a:ext uri="{FF2B5EF4-FFF2-40B4-BE49-F238E27FC236}">
-                <a16:creationId xmlns:a16="http://schemas.microsoft.com/office/drawing/2014/main" id="{13906B67-1FC3-45D1-809F-1D068B01C2CC}"/>
+                <a16:creationId xmlns:a16="http://schemas.microsoft.com/office/drawing/2014/main" xmlns="" id="{13906B67-1FC3-45D1-809F-1D068B01C2CC}"/>
               </a:ext>
             </a:extLst>
           </p:cNvPr>
@@ -926,7 +926,7 @@
           <p:cNvPr id="2" name="标题 1">
             <a:extLst>
               <a:ext uri="{FF2B5EF4-FFF2-40B4-BE49-F238E27FC236}">
-                <a16:creationId xmlns:a16="http://schemas.microsoft.com/office/drawing/2014/main" id="{93829A10-6E5B-407F-B75D-F81C28EC3C99}"/>
+                <a16:creationId xmlns:a16="http://schemas.microsoft.com/office/drawing/2014/main" xmlns="" id="{93829A10-6E5B-407F-B75D-F81C28EC3C99}"/>
               </a:ext>
             </a:extLst>
           </p:cNvPr>
@@ -963,7 +963,7 @@
           <p:cNvPr id="3" name="文本占位符 2">
             <a:extLst>
               <a:ext uri="{FF2B5EF4-FFF2-40B4-BE49-F238E27FC236}">
-                <a16:creationId xmlns:a16="http://schemas.microsoft.com/office/drawing/2014/main" id="{5CE05E73-EB18-44B9-86FB-CE40702FDFF1}"/>
+                <a16:creationId xmlns:a16="http://schemas.microsoft.com/office/drawing/2014/main" xmlns="" id="{5CE05E73-EB18-44B9-86FB-CE40702FDFF1}"/>
               </a:ext>
             </a:extLst>
           </p:cNvPr>
@@ -1088,7 +1088,7 @@
           <p:cNvPr id="4" name="日期占位符 3">
             <a:extLst>
               <a:ext uri="{FF2B5EF4-FFF2-40B4-BE49-F238E27FC236}">
-                <a16:creationId xmlns:a16="http://schemas.microsoft.com/office/drawing/2014/main" id="{06DC7E8F-AA26-44A7-86A1-15FAC0515E8B}"/>
+                <a16:creationId xmlns:a16="http://schemas.microsoft.com/office/drawing/2014/main" xmlns="" id="{06DC7E8F-AA26-44A7-86A1-15FAC0515E8B}"/>
               </a:ext>
             </a:extLst>
           </p:cNvPr>
@@ -1106,7 +1106,7 @@
           <a:p>
             <a:fld id="{D3B685CF-05DD-4658-9B06-06845ED9451B}" type="datetimeFigureOut">
               <a:rPr lang="zh-CN" altLang="en-US" smtClean="0"/>
-              <a:t>2018/7/22</a:t>
+              <a:t>2018/7/23</a:t>
             </a:fld>
             <a:endParaRPr lang="zh-CN" altLang="en-US"/>
           </a:p>
@@ -1117,7 +1117,7 @@
           <p:cNvPr id="5" name="页脚占位符 4">
             <a:extLst>
               <a:ext uri="{FF2B5EF4-FFF2-40B4-BE49-F238E27FC236}">
-                <a16:creationId xmlns:a16="http://schemas.microsoft.com/office/drawing/2014/main" id="{5E53C6DD-ACA2-46A2-977E-CACA41DF418E}"/>
+                <a16:creationId xmlns:a16="http://schemas.microsoft.com/office/drawing/2014/main" xmlns="" id="{5E53C6DD-ACA2-46A2-977E-CACA41DF418E}"/>
               </a:ext>
             </a:extLst>
           </p:cNvPr>
@@ -1142,7 +1142,7 @@
           <p:cNvPr id="6" name="灯片编号占位符 5">
             <a:extLst>
               <a:ext uri="{FF2B5EF4-FFF2-40B4-BE49-F238E27FC236}">
-                <a16:creationId xmlns:a16="http://schemas.microsoft.com/office/drawing/2014/main" id="{94C0A770-B5C2-49A1-B551-FEBFEA495CCC}"/>
+                <a16:creationId xmlns:a16="http://schemas.microsoft.com/office/drawing/2014/main" xmlns="" id="{94C0A770-B5C2-49A1-B551-FEBFEA495CCC}"/>
               </a:ext>
             </a:extLst>
           </p:cNvPr>
@@ -1201,7 +1201,7 @@
           <p:cNvPr id="2" name="标题 1">
             <a:extLst>
               <a:ext uri="{FF2B5EF4-FFF2-40B4-BE49-F238E27FC236}">
-                <a16:creationId xmlns:a16="http://schemas.microsoft.com/office/drawing/2014/main" id="{20E86134-4E94-4A0C-A15D-B83812318D7B}"/>
+                <a16:creationId xmlns:a16="http://schemas.microsoft.com/office/drawing/2014/main" xmlns="" id="{20E86134-4E94-4A0C-A15D-B83812318D7B}"/>
               </a:ext>
             </a:extLst>
           </p:cNvPr>
@@ -1229,7 +1229,7 @@
           <p:cNvPr id="3" name="内容占位符 2">
             <a:extLst>
               <a:ext uri="{FF2B5EF4-FFF2-40B4-BE49-F238E27FC236}">
-                <a16:creationId xmlns:a16="http://schemas.microsoft.com/office/drawing/2014/main" id="{F96D7E77-2F48-4544-A1CD-9E86FCC55571}"/>
+                <a16:creationId xmlns:a16="http://schemas.microsoft.com/office/drawing/2014/main" xmlns="" id="{F96D7E77-2F48-4544-A1CD-9E86FCC55571}"/>
               </a:ext>
             </a:extLst>
           </p:cNvPr>
@@ -1291,7 +1291,7 @@
           <p:cNvPr id="4" name="内容占位符 3">
             <a:extLst>
               <a:ext uri="{FF2B5EF4-FFF2-40B4-BE49-F238E27FC236}">
-                <a16:creationId xmlns:a16="http://schemas.microsoft.com/office/drawing/2014/main" id="{378EF259-984C-4612-9697-1B614C457210}"/>
+                <a16:creationId xmlns:a16="http://schemas.microsoft.com/office/drawing/2014/main" xmlns="" id="{378EF259-984C-4612-9697-1B614C457210}"/>
               </a:ext>
             </a:extLst>
           </p:cNvPr>
@@ -1353,7 +1353,7 @@
           <p:cNvPr id="5" name="日期占位符 4">
             <a:extLst>
               <a:ext uri="{FF2B5EF4-FFF2-40B4-BE49-F238E27FC236}">
-                <a16:creationId xmlns:a16="http://schemas.microsoft.com/office/drawing/2014/main" id="{04FF540F-8520-4FB4-ACA3-49897EC342D8}"/>
+                <a16:creationId xmlns:a16="http://schemas.microsoft.com/office/drawing/2014/main" xmlns="" id="{04FF540F-8520-4FB4-ACA3-49897EC342D8}"/>
               </a:ext>
             </a:extLst>
           </p:cNvPr>
@@ -1371,7 +1371,7 @@
           <a:p>
             <a:fld id="{D3B685CF-05DD-4658-9B06-06845ED9451B}" type="datetimeFigureOut">
               <a:rPr lang="zh-CN" altLang="en-US" smtClean="0"/>
-              <a:t>2018/7/22</a:t>
+              <a:t>2018/7/23</a:t>
             </a:fld>
             <a:endParaRPr lang="zh-CN" altLang="en-US"/>
           </a:p>
@@ -1382,7 +1382,7 @@
           <p:cNvPr id="6" name="页脚占位符 5">
             <a:extLst>
               <a:ext uri="{FF2B5EF4-FFF2-40B4-BE49-F238E27FC236}">
-                <a16:creationId xmlns:a16="http://schemas.microsoft.com/office/drawing/2014/main" id="{93EAA31E-3C16-4F4D-B614-85753F02F6B7}"/>
+                <a16:creationId xmlns:a16="http://schemas.microsoft.com/office/drawing/2014/main" xmlns="" id="{93EAA31E-3C16-4F4D-B614-85753F02F6B7}"/>
               </a:ext>
             </a:extLst>
           </p:cNvPr>
@@ -1407,7 +1407,7 @@
           <p:cNvPr id="7" name="灯片编号占位符 6">
             <a:extLst>
               <a:ext uri="{FF2B5EF4-FFF2-40B4-BE49-F238E27FC236}">
-                <a16:creationId xmlns:a16="http://schemas.microsoft.com/office/drawing/2014/main" id="{672D8E7C-60B4-42A0-AD00-D18A2C69FA31}"/>
+                <a16:creationId xmlns:a16="http://schemas.microsoft.com/office/drawing/2014/main" xmlns="" id="{672D8E7C-60B4-42A0-AD00-D18A2C69FA31}"/>
               </a:ext>
             </a:extLst>
           </p:cNvPr>
@@ -1466,7 +1466,7 @@
           <p:cNvPr id="2" name="标题 1">
             <a:extLst>
               <a:ext uri="{FF2B5EF4-FFF2-40B4-BE49-F238E27FC236}">
-                <a16:creationId xmlns:a16="http://schemas.microsoft.com/office/drawing/2014/main" id="{3DAA7673-F055-48BB-BC0D-B50A12E1DFAB}"/>
+                <a16:creationId xmlns:a16="http://schemas.microsoft.com/office/drawing/2014/main" xmlns="" id="{3DAA7673-F055-48BB-BC0D-B50A12E1DFAB}"/>
               </a:ext>
             </a:extLst>
           </p:cNvPr>
@@ -1499,7 +1499,7 @@
           <p:cNvPr id="3" name="文本占位符 2">
             <a:extLst>
               <a:ext uri="{FF2B5EF4-FFF2-40B4-BE49-F238E27FC236}">
-                <a16:creationId xmlns:a16="http://schemas.microsoft.com/office/drawing/2014/main" id="{12565607-4068-4C48-8E05-1F84A51D9647}"/>
+                <a16:creationId xmlns:a16="http://schemas.microsoft.com/office/drawing/2014/main" xmlns="" id="{12565607-4068-4C48-8E05-1F84A51D9647}"/>
               </a:ext>
             </a:extLst>
           </p:cNvPr>
@@ -1570,7 +1570,7 @@
           <p:cNvPr id="4" name="内容占位符 3">
             <a:extLst>
               <a:ext uri="{FF2B5EF4-FFF2-40B4-BE49-F238E27FC236}">
-                <a16:creationId xmlns:a16="http://schemas.microsoft.com/office/drawing/2014/main" id="{18D95BEA-0F84-49F2-BC33-24F0EFB4FF5C}"/>
+                <a16:creationId xmlns:a16="http://schemas.microsoft.com/office/drawing/2014/main" xmlns="" id="{18D95BEA-0F84-49F2-BC33-24F0EFB4FF5C}"/>
               </a:ext>
             </a:extLst>
           </p:cNvPr>
@@ -1632,7 +1632,7 @@
           <p:cNvPr id="5" name="文本占位符 4">
             <a:extLst>
               <a:ext uri="{FF2B5EF4-FFF2-40B4-BE49-F238E27FC236}">
-                <a16:creationId xmlns:a16="http://schemas.microsoft.com/office/drawing/2014/main" id="{FADB7FA0-9F9C-47EB-ADEC-362EE55BD927}"/>
+                <a16:creationId xmlns:a16="http://schemas.microsoft.com/office/drawing/2014/main" xmlns="" id="{FADB7FA0-9F9C-47EB-ADEC-362EE55BD927}"/>
               </a:ext>
             </a:extLst>
           </p:cNvPr>
@@ -1703,7 +1703,7 @@
           <p:cNvPr id="6" name="内容占位符 5">
             <a:extLst>
               <a:ext uri="{FF2B5EF4-FFF2-40B4-BE49-F238E27FC236}">
-                <a16:creationId xmlns:a16="http://schemas.microsoft.com/office/drawing/2014/main" id="{E7248ACC-75CB-41AA-817D-12AE2F3C6FFE}"/>
+                <a16:creationId xmlns:a16="http://schemas.microsoft.com/office/drawing/2014/main" xmlns="" id="{E7248ACC-75CB-41AA-817D-12AE2F3C6FFE}"/>
               </a:ext>
             </a:extLst>
           </p:cNvPr>
@@ -1765,7 +1765,7 @@
           <p:cNvPr id="7" name="日期占位符 6">
             <a:extLst>
               <a:ext uri="{FF2B5EF4-FFF2-40B4-BE49-F238E27FC236}">
-                <a16:creationId xmlns:a16="http://schemas.microsoft.com/office/drawing/2014/main" id="{0DB29D8F-F426-4E51-A0A5-3C4CEC90EC5D}"/>
+                <a16:creationId xmlns:a16="http://schemas.microsoft.com/office/drawing/2014/main" xmlns="" id="{0DB29D8F-F426-4E51-A0A5-3C4CEC90EC5D}"/>
               </a:ext>
             </a:extLst>
           </p:cNvPr>
@@ -1783,7 +1783,7 @@
           <a:p>
             <a:fld id="{D3B685CF-05DD-4658-9B06-06845ED9451B}" type="datetimeFigureOut">
               <a:rPr lang="zh-CN" altLang="en-US" smtClean="0"/>
-              <a:t>2018/7/22</a:t>
+              <a:t>2018/7/23</a:t>
             </a:fld>
             <a:endParaRPr lang="zh-CN" altLang="en-US"/>
           </a:p>
@@ -1794,7 +1794,7 @@
           <p:cNvPr id="8" name="页脚占位符 7">
             <a:extLst>
               <a:ext uri="{FF2B5EF4-FFF2-40B4-BE49-F238E27FC236}">
-                <a16:creationId xmlns:a16="http://schemas.microsoft.com/office/drawing/2014/main" id="{A88F9B0E-30F6-457F-85F2-E64914582D9B}"/>
+                <a16:creationId xmlns:a16="http://schemas.microsoft.com/office/drawing/2014/main" xmlns="" id="{A88F9B0E-30F6-457F-85F2-E64914582D9B}"/>
               </a:ext>
             </a:extLst>
           </p:cNvPr>
@@ -1819,7 +1819,7 @@
           <p:cNvPr id="9" name="灯片编号占位符 8">
             <a:extLst>
               <a:ext uri="{FF2B5EF4-FFF2-40B4-BE49-F238E27FC236}">
-                <a16:creationId xmlns:a16="http://schemas.microsoft.com/office/drawing/2014/main" id="{A3E9E7FD-B0B2-4B59-94D3-CAF66405DB56}"/>
+                <a16:creationId xmlns:a16="http://schemas.microsoft.com/office/drawing/2014/main" xmlns="" id="{A3E9E7FD-B0B2-4B59-94D3-CAF66405DB56}"/>
               </a:ext>
             </a:extLst>
           </p:cNvPr>
@@ -1878,7 +1878,7 @@
           <p:cNvPr id="2" name="标题 1">
             <a:extLst>
               <a:ext uri="{FF2B5EF4-FFF2-40B4-BE49-F238E27FC236}">
-                <a16:creationId xmlns:a16="http://schemas.microsoft.com/office/drawing/2014/main" id="{6E8B22ED-2DBF-4A5A-8181-C8D94BB0A722}"/>
+                <a16:creationId xmlns:a16="http://schemas.microsoft.com/office/drawing/2014/main" xmlns="" id="{6E8B22ED-2DBF-4A5A-8181-C8D94BB0A722}"/>
               </a:ext>
             </a:extLst>
           </p:cNvPr>
@@ -1906,7 +1906,7 @@
           <p:cNvPr id="3" name="日期占位符 2">
             <a:extLst>
               <a:ext uri="{FF2B5EF4-FFF2-40B4-BE49-F238E27FC236}">
-                <a16:creationId xmlns:a16="http://schemas.microsoft.com/office/drawing/2014/main" id="{90CA4E6A-2A2F-4177-93FD-19E26096B93E}"/>
+                <a16:creationId xmlns:a16="http://schemas.microsoft.com/office/drawing/2014/main" xmlns="" id="{90CA4E6A-2A2F-4177-93FD-19E26096B93E}"/>
               </a:ext>
             </a:extLst>
           </p:cNvPr>
@@ -1924,7 +1924,7 @@
           <a:p>
             <a:fld id="{D3B685CF-05DD-4658-9B06-06845ED9451B}" type="datetimeFigureOut">
               <a:rPr lang="zh-CN" altLang="en-US" smtClean="0"/>
-              <a:t>2018/7/22</a:t>
+              <a:t>2018/7/23</a:t>
             </a:fld>
             <a:endParaRPr lang="zh-CN" altLang="en-US"/>
           </a:p>
@@ -1935,7 +1935,7 @@
           <p:cNvPr id="4" name="页脚占位符 3">
             <a:extLst>
               <a:ext uri="{FF2B5EF4-FFF2-40B4-BE49-F238E27FC236}">
-                <a16:creationId xmlns:a16="http://schemas.microsoft.com/office/drawing/2014/main" id="{621446D4-BE62-44A4-9C63-2BFF90455072}"/>
+                <a16:creationId xmlns:a16="http://schemas.microsoft.com/office/drawing/2014/main" xmlns="" id="{621446D4-BE62-44A4-9C63-2BFF90455072}"/>
               </a:ext>
             </a:extLst>
           </p:cNvPr>
@@ -1960,7 +1960,7 @@
           <p:cNvPr id="5" name="灯片编号占位符 4">
             <a:extLst>
               <a:ext uri="{FF2B5EF4-FFF2-40B4-BE49-F238E27FC236}">
-                <a16:creationId xmlns:a16="http://schemas.microsoft.com/office/drawing/2014/main" id="{B8A11A11-70A6-45E2-944D-56FD59670EBB}"/>
+                <a16:creationId xmlns:a16="http://schemas.microsoft.com/office/drawing/2014/main" xmlns="" id="{B8A11A11-70A6-45E2-944D-56FD59670EBB}"/>
               </a:ext>
             </a:extLst>
           </p:cNvPr>
@@ -2019,7 +2019,7 @@
           <p:cNvPr id="2" name="日期占位符 1">
             <a:extLst>
               <a:ext uri="{FF2B5EF4-FFF2-40B4-BE49-F238E27FC236}">
-                <a16:creationId xmlns:a16="http://schemas.microsoft.com/office/drawing/2014/main" id="{944D6401-666C-4E1E-B427-A901A7B2A96C}"/>
+                <a16:creationId xmlns:a16="http://schemas.microsoft.com/office/drawing/2014/main" xmlns="" id="{944D6401-666C-4E1E-B427-A901A7B2A96C}"/>
               </a:ext>
             </a:extLst>
           </p:cNvPr>
@@ -2037,7 +2037,7 @@
           <a:p>
             <a:fld id="{D3B685CF-05DD-4658-9B06-06845ED9451B}" type="datetimeFigureOut">
               <a:rPr lang="zh-CN" altLang="en-US" smtClean="0"/>
-              <a:t>2018/7/22</a:t>
+              <a:t>2018/7/23</a:t>
             </a:fld>
             <a:endParaRPr lang="zh-CN" altLang="en-US"/>
           </a:p>
@@ -2048,7 +2048,7 @@
           <p:cNvPr id="3" name="页脚占位符 2">
             <a:extLst>
               <a:ext uri="{FF2B5EF4-FFF2-40B4-BE49-F238E27FC236}">
-                <a16:creationId xmlns:a16="http://schemas.microsoft.com/office/drawing/2014/main" id="{C1141513-744D-4DB4-B4DB-10C84D946A98}"/>
+                <a16:creationId xmlns:a16="http://schemas.microsoft.com/office/drawing/2014/main" xmlns="" id="{C1141513-744D-4DB4-B4DB-10C84D946A98}"/>
               </a:ext>
             </a:extLst>
           </p:cNvPr>
@@ -2073,7 +2073,7 @@
           <p:cNvPr id="4" name="灯片编号占位符 3">
             <a:extLst>
               <a:ext uri="{FF2B5EF4-FFF2-40B4-BE49-F238E27FC236}">
-                <a16:creationId xmlns:a16="http://schemas.microsoft.com/office/drawing/2014/main" id="{50451892-D0AF-4AB1-A8B6-D32ECDC5BAD2}"/>
+                <a16:creationId xmlns:a16="http://schemas.microsoft.com/office/drawing/2014/main" xmlns="" id="{50451892-D0AF-4AB1-A8B6-D32ECDC5BAD2}"/>
               </a:ext>
             </a:extLst>
           </p:cNvPr>
@@ -2132,7 +2132,7 @@
           <p:cNvPr id="2" name="标题 1">
             <a:extLst>
               <a:ext uri="{FF2B5EF4-FFF2-40B4-BE49-F238E27FC236}">
-                <a16:creationId xmlns:a16="http://schemas.microsoft.com/office/drawing/2014/main" id="{1CDA1B03-EEB6-449F-B587-D8A250E3F408}"/>
+                <a16:creationId xmlns:a16="http://schemas.microsoft.com/office/drawing/2014/main" xmlns="" id="{1CDA1B03-EEB6-449F-B587-D8A250E3F408}"/>
               </a:ext>
             </a:extLst>
           </p:cNvPr>
@@ -2169,7 +2169,7 @@
           <p:cNvPr id="3" name="内容占位符 2">
             <a:extLst>
               <a:ext uri="{FF2B5EF4-FFF2-40B4-BE49-F238E27FC236}">
-                <a16:creationId xmlns:a16="http://schemas.microsoft.com/office/drawing/2014/main" id="{739C6ED7-0309-4F98-8E8C-1407596D463D}"/>
+                <a16:creationId xmlns:a16="http://schemas.microsoft.com/office/drawing/2014/main" xmlns="" id="{739C6ED7-0309-4F98-8E8C-1407596D463D}"/>
               </a:ext>
             </a:extLst>
           </p:cNvPr>
@@ -2259,7 +2259,7 @@
           <p:cNvPr id="4" name="文本占位符 3">
             <a:extLst>
               <a:ext uri="{FF2B5EF4-FFF2-40B4-BE49-F238E27FC236}">
-                <a16:creationId xmlns:a16="http://schemas.microsoft.com/office/drawing/2014/main" id="{8397134F-D875-45C7-8414-A1348E2A2713}"/>
+                <a16:creationId xmlns:a16="http://schemas.microsoft.com/office/drawing/2014/main" xmlns="" id="{8397134F-D875-45C7-8414-A1348E2A2713}"/>
               </a:ext>
             </a:extLst>
           </p:cNvPr>
@@ -2330,7 +2330,7 @@
           <p:cNvPr id="5" name="日期占位符 4">
             <a:extLst>
               <a:ext uri="{FF2B5EF4-FFF2-40B4-BE49-F238E27FC236}">
-                <a16:creationId xmlns:a16="http://schemas.microsoft.com/office/drawing/2014/main" id="{3CF02891-F26E-4C77-849A-A789958A3991}"/>
+                <a16:creationId xmlns:a16="http://schemas.microsoft.com/office/drawing/2014/main" xmlns="" id="{3CF02891-F26E-4C77-849A-A789958A3991}"/>
               </a:ext>
             </a:extLst>
           </p:cNvPr>
@@ -2348,7 +2348,7 @@
           <a:p>
             <a:fld id="{D3B685CF-05DD-4658-9B06-06845ED9451B}" type="datetimeFigureOut">
               <a:rPr lang="zh-CN" altLang="en-US" smtClean="0"/>
-              <a:t>2018/7/22</a:t>
+              <a:t>2018/7/23</a:t>
             </a:fld>
             <a:endParaRPr lang="zh-CN" altLang="en-US"/>
           </a:p>
@@ -2359,7 +2359,7 @@
           <p:cNvPr id="6" name="页脚占位符 5">
             <a:extLst>
               <a:ext uri="{FF2B5EF4-FFF2-40B4-BE49-F238E27FC236}">
-                <a16:creationId xmlns:a16="http://schemas.microsoft.com/office/drawing/2014/main" id="{10F794DC-9C23-41AA-871C-1B1F276F55FD}"/>
+                <a16:creationId xmlns:a16="http://schemas.microsoft.com/office/drawing/2014/main" xmlns="" id="{10F794DC-9C23-41AA-871C-1B1F276F55FD}"/>
               </a:ext>
             </a:extLst>
           </p:cNvPr>
@@ -2384,7 +2384,7 @@
           <p:cNvPr id="7" name="灯片编号占位符 6">
             <a:extLst>
               <a:ext uri="{FF2B5EF4-FFF2-40B4-BE49-F238E27FC236}">
-                <a16:creationId xmlns:a16="http://schemas.microsoft.com/office/drawing/2014/main" id="{EFE8E85E-3D90-4BF4-BD34-8097D272FE25}"/>
+                <a16:creationId xmlns:a16="http://schemas.microsoft.com/office/drawing/2014/main" xmlns="" id="{EFE8E85E-3D90-4BF4-BD34-8097D272FE25}"/>
               </a:ext>
             </a:extLst>
           </p:cNvPr>
@@ -2443,7 +2443,7 @@
           <p:cNvPr id="2" name="标题 1">
             <a:extLst>
               <a:ext uri="{FF2B5EF4-FFF2-40B4-BE49-F238E27FC236}">
-                <a16:creationId xmlns:a16="http://schemas.microsoft.com/office/drawing/2014/main" id="{6AF319B2-F2EA-495A-82D3-E6EB39D4A314}"/>
+                <a16:creationId xmlns:a16="http://schemas.microsoft.com/office/drawing/2014/main" xmlns="" id="{6AF319B2-F2EA-495A-82D3-E6EB39D4A314}"/>
               </a:ext>
             </a:extLst>
           </p:cNvPr>
@@ -2480,7 +2480,7 @@
           <p:cNvPr id="3" name="图片占位符 2">
             <a:extLst>
               <a:ext uri="{FF2B5EF4-FFF2-40B4-BE49-F238E27FC236}">
-                <a16:creationId xmlns:a16="http://schemas.microsoft.com/office/drawing/2014/main" id="{DC669108-E9E2-412C-92F4-801DAD27A8D8}"/>
+                <a16:creationId xmlns:a16="http://schemas.microsoft.com/office/drawing/2014/main" xmlns="" id="{DC669108-E9E2-412C-92F4-801DAD27A8D8}"/>
               </a:ext>
             </a:extLst>
           </p:cNvPr>
@@ -2547,7 +2547,7 @@
           <p:cNvPr id="4" name="文本占位符 3">
             <a:extLst>
               <a:ext uri="{FF2B5EF4-FFF2-40B4-BE49-F238E27FC236}">
-                <a16:creationId xmlns:a16="http://schemas.microsoft.com/office/drawing/2014/main" id="{F644806A-9C87-4B48-9471-9E8D8BC120E1}"/>
+                <a16:creationId xmlns:a16="http://schemas.microsoft.com/office/drawing/2014/main" xmlns="" id="{F644806A-9C87-4B48-9471-9E8D8BC120E1}"/>
               </a:ext>
             </a:extLst>
           </p:cNvPr>
@@ -2618,7 +2618,7 @@
           <p:cNvPr id="5" name="日期占位符 4">
             <a:extLst>
               <a:ext uri="{FF2B5EF4-FFF2-40B4-BE49-F238E27FC236}">
-                <a16:creationId xmlns:a16="http://schemas.microsoft.com/office/drawing/2014/main" id="{7BE6CDDA-FE39-4DB3-A68F-E1EBE86A321D}"/>
+                <a16:creationId xmlns:a16="http://schemas.microsoft.com/office/drawing/2014/main" xmlns="" id="{7BE6CDDA-FE39-4DB3-A68F-E1EBE86A321D}"/>
               </a:ext>
             </a:extLst>
           </p:cNvPr>
@@ -2636,7 +2636,7 @@
           <a:p>
             <a:fld id="{D3B685CF-05DD-4658-9B06-06845ED9451B}" type="datetimeFigureOut">
               <a:rPr lang="zh-CN" altLang="en-US" smtClean="0"/>
-              <a:t>2018/7/22</a:t>
+              <a:t>2018/7/23</a:t>
             </a:fld>
             <a:endParaRPr lang="zh-CN" altLang="en-US"/>
           </a:p>
@@ -2647,7 +2647,7 @@
           <p:cNvPr id="6" name="页脚占位符 5">
             <a:extLst>
               <a:ext uri="{FF2B5EF4-FFF2-40B4-BE49-F238E27FC236}">
-                <a16:creationId xmlns:a16="http://schemas.microsoft.com/office/drawing/2014/main" id="{EE0E17C6-1E15-4A08-99C9-CE3214A5BDB0}"/>
+                <a16:creationId xmlns:a16="http://schemas.microsoft.com/office/drawing/2014/main" xmlns="" id="{EE0E17C6-1E15-4A08-99C9-CE3214A5BDB0}"/>
               </a:ext>
             </a:extLst>
           </p:cNvPr>
@@ -2672,7 +2672,7 @@
           <p:cNvPr id="7" name="灯片编号占位符 6">
             <a:extLst>
               <a:ext uri="{FF2B5EF4-FFF2-40B4-BE49-F238E27FC236}">
-                <a16:creationId xmlns:a16="http://schemas.microsoft.com/office/drawing/2014/main" id="{F5EF518D-DE11-4978-A147-1D9DC5E1AEAA}"/>
+                <a16:creationId xmlns:a16="http://schemas.microsoft.com/office/drawing/2014/main" xmlns="" id="{F5EF518D-DE11-4978-A147-1D9DC5E1AEAA}"/>
               </a:ext>
             </a:extLst>
           </p:cNvPr>
@@ -2736,7 +2736,7 @@
           <p:cNvPr id="2" name="标题占位符 1">
             <a:extLst>
               <a:ext uri="{FF2B5EF4-FFF2-40B4-BE49-F238E27FC236}">
-                <a16:creationId xmlns:a16="http://schemas.microsoft.com/office/drawing/2014/main" id="{28EBF438-41A3-4937-996D-FA6764742BB8}"/>
+                <a16:creationId xmlns:a16="http://schemas.microsoft.com/office/drawing/2014/main" xmlns="" id="{28EBF438-41A3-4937-996D-FA6764742BB8}"/>
               </a:ext>
             </a:extLst>
           </p:cNvPr>
@@ -2774,7 +2774,7 @@
           <p:cNvPr id="3" name="文本占位符 2">
             <a:extLst>
               <a:ext uri="{FF2B5EF4-FFF2-40B4-BE49-F238E27FC236}">
-                <a16:creationId xmlns:a16="http://schemas.microsoft.com/office/drawing/2014/main" id="{FA3404A1-F618-4B83-9FE9-069EC716D197}"/>
+                <a16:creationId xmlns:a16="http://schemas.microsoft.com/office/drawing/2014/main" xmlns="" id="{FA3404A1-F618-4B83-9FE9-069EC716D197}"/>
               </a:ext>
             </a:extLst>
           </p:cNvPr>
@@ -2841,7 +2841,7 @@
           <p:cNvPr id="4" name="日期占位符 3">
             <a:extLst>
               <a:ext uri="{FF2B5EF4-FFF2-40B4-BE49-F238E27FC236}">
-                <a16:creationId xmlns:a16="http://schemas.microsoft.com/office/drawing/2014/main" id="{9C8E792F-4EBC-413C-A243-D97C66D1E2C0}"/>
+                <a16:creationId xmlns:a16="http://schemas.microsoft.com/office/drawing/2014/main" xmlns="" id="{9C8E792F-4EBC-413C-A243-D97C66D1E2C0}"/>
               </a:ext>
             </a:extLst>
           </p:cNvPr>
@@ -2877,7 +2877,7 @@
           <a:p>
             <a:fld id="{D3B685CF-05DD-4658-9B06-06845ED9451B}" type="datetimeFigureOut">
               <a:rPr lang="zh-CN" altLang="en-US" smtClean="0"/>
-              <a:t>2018/7/22</a:t>
+              <a:t>2018/7/23</a:t>
             </a:fld>
             <a:endParaRPr lang="zh-CN" altLang="en-US"/>
           </a:p>
@@ -2888,7 +2888,7 @@
           <p:cNvPr id="5" name="页脚占位符 4">
             <a:extLst>
               <a:ext uri="{FF2B5EF4-FFF2-40B4-BE49-F238E27FC236}">
-                <a16:creationId xmlns:a16="http://schemas.microsoft.com/office/drawing/2014/main" id="{8D5A4C37-2E6F-4F77-B247-ED9AAB071824}"/>
+                <a16:creationId xmlns:a16="http://schemas.microsoft.com/office/drawing/2014/main" xmlns="" id="{8D5A4C37-2E6F-4F77-B247-ED9AAB071824}"/>
               </a:ext>
             </a:extLst>
           </p:cNvPr>
@@ -2931,7 +2931,7 @@
           <p:cNvPr id="6" name="灯片编号占位符 5">
             <a:extLst>
               <a:ext uri="{FF2B5EF4-FFF2-40B4-BE49-F238E27FC236}">
-                <a16:creationId xmlns:a16="http://schemas.microsoft.com/office/drawing/2014/main" id="{665BB5BD-B023-490B-8DCF-87B72E474604}"/>
+                <a16:creationId xmlns:a16="http://schemas.microsoft.com/office/drawing/2014/main" xmlns="" id="{665BB5BD-B023-490B-8DCF-87B72E474604}"/>
               </a:ext>
             </a:extLst>
           </p:cNvPr>
@@ -3299,7 +3299,7 @@
           <p:cNvPr id="6" name="文本框 5">
             <a:extLst>
               <a:ext uri="{FF2B5EF4-FFF2-40B4-BE49-F238E27FC236}">
-                <a16:creationId xmlns:a16="http://schemas.microsoft.com/office/drawing/2014/main" id="{EF9A482E-16EC-486F-9826-66494BC347A6}"/>
+                <a16:creationId xmlns:a16="http://schemas.microsoft.com/office/drawing/2014/main" xmlns="" id="{EF9A482E-16EC-486F-9826-66494BC347A6}"/>
               </a:ext>
             </a:extLst>
           </p:cNvPr>
@@ -3339,7 +3339,7 @@
           <p:cNvPr id="2" name="文本框 1">
             <a:extLst>
               <a:ext uri="{FF2B5EF4-FFF2-40B4-BE49-F238E27FC236}">
-                <a16:creationId xmlns:a16="http://schemas.microsoft.com/office/drawing/2014/main" id="{A2D70462-C063-4807-A5D8-B3CF3584F8C6}"/>
+                <a16:creationId xmlns:a16="http://schemas.microsoft.com/office/drawing/2014/main" xmlns="" id="{A2D70462-C063-4807-A5D8-B3CF3584F8C6}"/>
               </a:ext>
             </a:extLst>
           </p:cNvPr>
@@ -3404,7 +3404,7 @@
           <p:cNvPr id="2" name="矩形 1">
             <a:extLst>
               <a:ext uri="{FF2B5EF4-FFF2-40B4-BE49-F238E27FC236}">
-                <a16:creationId xmlns:a16="http://schemas.microsoft.com/office/drawing/2014/main" id="{ED11C739-B461-4D43-A941-1A0BFD925806}"/>
+                <a16:creationId xmlns:a16="http://schemas.microsoft.com/office/drawing/2014/main" xmlns="" id="{ED11C739-B461-4D43-A941-1A0BFD925806}"/>
               </a:ext>
             </a:extLst>
           </p:cNvPr>
@@ -3476,7 +3476,7 @@
           <p:cNvPr id="2" name="矩形 1">
             <a:extLst>
               <a:ext uri="{FF2B5EF4-FFF2-40B4-BE49-F238E27FC236}">
-                <a16:creationId xmlns:a16="http://schemas.microsoft.com/office/drawing/2014/main" id="{E0282B59-59F0-4C97-A74C-9E75F42BE92C}"/>
+                <a16:creationId xmlns:a16="http://schemas.microsoft.com/office/drawing/2014/main" xmlns="" id="{E0282B59-59F0-4C97-A74C-9E75F42BE92C}"/>
               </a:ext>
             </a:extLst>
           </p:cNvPr>
@@ -3578,7 +3578,7 @@
           <p:cNvPr id="2" name="文本框 1">
             <a:extLst>
               <a:ext uri="{FF2B5EF4-FFF2-40B4-BE49-F238E27FC236}">
-                <a16:creationId xmlns:a16="http://schemas.microsoft.com/office/drawing/2014/main" id="{4F08DC2D-4A9D-402D-B53E-308B8BF537D9}"/>
+                <a16:creationId xmlns:a16="http://schemas.microsoft.com/office/drawing/2014/main" xmlns="" id="{4F08DC2D-4A9D-402D-B53E-308B8BF537D9}"/>
               </a:ext>
             </a:extLst>
           </p:cNvPr>
@@ -3613,7 +3613,7 @@
           <p:cNvPr id="3" name="文本框 2">
             <a:extLst>
               <a:ext uri="{FF2B5EF4-FFF2-40B4-BE49-F238E27FC236}">
-                <a16:creationId xmlns:a16="http://schemas.microsoft.com/office/drawing/2014/main" id="{97BCC2E6-AA59-4920-88BD-12CDDB0879BB}"/>
+                <a16:creationId xmlns:a16="http://schemas.microsoft.com/office/drawing/2014/main" xmlns="" id="{97BCC2E6-AA59-4920-88BD-12CDDB0879BB}"/>
               </a:ext>
             </a:extLst>
           </p:cNvPr>
@@ -3656,7 +3656,7 @@
           <p:cNvPr id="4" name="文本框 3">
             <a:extLst>
               <a:ext uri="{FF2B5EF4-FFF2-40B4-BE49-F238E27FC236}">
-                <a16:creationId xmlns:a16="http://schemas.microsoft.com/office/drawing/2014/main" id="{F60ECEE6-35DC-4045-97DB-8B8A5EFFF671}"/>
+                <a16:creationId xmlns:a16="http://schemas.microsoft.com/office/drawing/2014/main" xmlns="" id="{F60ECEE6-35DC-4045-97DB-8B8A5EFFF671}"/>
               </a:ext>
             </a:extLst>
           </p:cNvPr>
@@ -3699,7 +3699,7 @@
           <p:cNvPr id="5" name="文本框 4">
             <a:extLst>
               <a:ext uri="{FF2B5EF4-FFF2-40B4-BE49-F238E27FC236}">
-                <a16:creationId xmlns:a16="http://schemas.microsoft.com/office/drawing/2014/main" id="{F617076A-BE5B-437F-9936-04D6C904C5C0}"/>
+                <a16:creationId xmlns:a16="http://schemas.microsoft.com/office/drawing/2014/main" xmlns="" id="{F617076A-BE5B-437F-9936-04D6C904C5C0}"/>
               </a:ext>
             </a:extLst>
           </p:cNvPr>
@@ -3742,7 +3742,7 @@
           <p:cNvPr id="6" name="文本框 5">
             <a:extLst>
               <a:ext uri="{FF2B5EF4-FFF2-40B4-BE49-F238E27FC236}">
-                <a16:creationId xmlns:a16="http://schemas.microsoft.com/office/drawing/2014/main" id="{E6228F95-F047-424A-8B37-64DA5955CDAD}"/>
+                <a16:creationId xmlns:a16="http://schemas.microsoft.com/office/drawing/2014/main" xmlns="" id="{E6228F95-F047-424A-8B37-64DA5955CDAD}"/>
               </a:ext>
             </a:extLst>
           </p:cNvPr>
@@ -3782,7 +3782,7 @@
           <p:cNvPr id="7" name="文本框 6">
             <a:extLst>
               <a:ext uri="{FF2B5EF4-FFF2-40B4-BE49-F238E27FC236}">
-                <a16:creationId xmlns:a16="http://schemas.microsoft.com/office/drawing/2014/main" id="{2723524A-386E-4D2D-91FF-AFB54D0B789E}"/>
+                <a16:creationId xmlns:a16="http://schemas.microsoft.com/office/drawing/2014/main" xmlns="" id="{2723524A-386E-4D2D-91FF-AFB54D0B789E}"/>
               </a:ext>
             </a:extLst>
           </p:cNvPr>
@@ -3847,7 +3847,7 @@
           <p:cNvPr id="2" name="矩形 1">
             <a:extLst>
               <a:ext uri="{FF2B5EF4-FFF2-40B4-BE49-F238E27FC236}">
-                <a16:creationId xmlns:a16="http://schemas.microsoft.com/office/drawing/2014/main" id="{CA07AAB7-8B3E-4158-A919-8B56D56A31CA}"/>
+                <a16:creationId xmlns:a16="http://schemas.microsoft.com/office/drawing/2014/main" xmlns="" id="{CA07AAB7-8B3E-4158-A919-8B56D56A31CA}"/>
               </a:ext>
             </a:extLst>
           </p:cNvPr>
@@ -3889,7 +3889,7 @@
           <p:cNvPr id="5" name="矩形 4">
             <a:extLst>
               <a:ext uri="{FF2B5EF4-FFF2-40B4-BE49-F238E27FC236}">
-                <a16:creationId xmlns:a16="http://schemas.microsoft.com/office/drawing/2014/main" id="{57DFF98B-5F8F-46C2-856A-EDD782C631D4}"/>
+                <a16:creationId xmlns:a16="http://schemas.microsoft.com/office/drawing/2014/main" xmlns="" id="{57DFF98B-5F8F-46C2-856A-EDD782C631D4}"/>
               </a:ext>
             </a:extLst>
           </p:cNvPr>
@@ -3936,7 +3936,7 @@
           <p:cNvPr id="6" name="矩形 5">
             <a:extLst>
               <a:ext uri="{FF2B5EF4-FFF2-40B4-BE49-F238E27FC236}">
-                <a16:creationId xmlns:a16="http://schemas.microsoft.com/office/drawing/2014/main" id="{0007850F-2A32-4A11-BF1F-3786300964EA}"/>
+                <a16:creationId xmlns:a16="http://schemas.microsoft.com/office/drawing/2014/main" xmlns="" id="{0007850F-2A32-4A11-BF1F-3786300964EA}"/>
               </a:ext>
             </a:extLst>
           </p:cNvPr>
@@ -3983,7 +3983,7 @@
           <p:cNvPr id="7" name="矩形 6">
             <a:extLst>
               <a:ext uri="{FF2B5EF4-FFF2-40B4-BE49-F238E27FC236}">
-                <a16:creationId xmlns:a16="http://schemas.microsoft.com/office/drawing/2014/main" id="{8F9A1174-C279-4F37-8ECF-72073258577C}"/>
+                <a16:creationId xmlns:a16="http://schemas.microsoft.com/office/drawing/2014/main" xmlns="" id="{8F9A1174-C279-4F37-8ECF-72073258577C}"/>
               </a:ext>
             </a:extLst>
           </p:cNvPr>
@@ -4030,7 +4030,7 @@
           <p:cNvPr id="8" name="矩形 7">
             <a:extLst>
               <a:ext uri="{FF2B5EF4-FFF2-40B4-BE49-F238E27FC236}">
-                <a16:creationId xmlns:a16="http://schemas.microsoft.com/office/drawing/2014/main" id="{840A27A9-CB91-4C9D-96FE-E4065F1EC633}"/>
+                <a16:creationId xmlns:a16="http://schemas.microsoft.com/office/drawing/2014/main" xmlns="" id="{840A27A9-CB91-4C9D-96FE-E4065F1EC633}"/>
               </a:ext>
             </a:extLst>
           </p:cNvPr>
@@ -4077,7 +4077,7 @@
           <p:cNvPr id="9" name="矩形 8">
             <a:extLst>
               <a:ext uri="{FF2B5EF4-FFF2-40B4-BE49-F238E27FC236}">
-                <a16:creationId xmlns:a16="http://schemas.microsoft.com/office/drawing/2014/main" id="{459688D8-9A34-4C3A-9F66-696B546C908B}"/>
+                <a16:creationId xmlns:a16="http://schemas.microsoft.com/office/drawing/2014/main" xmlns="" id="{459688D8-9A34-4C3A-9F66-696B546C908B}"/>
               </a:ext>
             </a:extLst>
           </p:cNvPr>
@@ -4124,7 +4124,7 @@
           <p:cNvPr id="10" name="文本框 9">
             <a:extLst>
               <a:ext uri="{FF2B5EF4-FFF2-40B4-BE49-F238E27FC236}">
-                <a16:creationId xmlns:a16="http://schemas.microsoft.com/office/drawing/2014/main" id="{4E90851B-1A8F-42CC-BF01-8D50457F1672}"/>
+                <a16:creationId xmlns:a16="http://schemas.microsoft.com/office/drawing/2014/main" xmlns="" id="{4E90851B-1A8F-42CC-BF01-8D50457F1672}"/>
               </a:ext>
             </a:extLst>
           </p:cNvPr>
@@ -4164,7 +4164,7 @@
           <p:cNvPr id="11" name="箭头: 上下 10">
             <a:extLst>
               <a:ext uri="{FF2B5EF4-FFF2-40B4-BE49-F238E27FC236}">
-                <a16:creationId xmlns:a16="http://schemas.microsoft.com/office/drawing/2014/main" id="{852008AC-045F-4832-A62A-43F5CA7798E9}"/>
+                <a16:creationId xmlns:a16="http://schemas.microsoft.com/office/drawing/2014/main" xmlns="" id="{852008AC-045F-4832-A62A-43F5CA7798E9}"/>
               </a:ext>
             </a:extLst>
           </p:cNvPr>
@@ -4211,7 +4211,7 @@
           <p:cNvPr id="12" name="箭头: 上下 11">
             <a:extLst>
               <a:ext uri="{FF2B5EF4-FFF2-40B4-BE49-F238E27FC236}">
-                <a16:creationId xmlns:a16="http://schemas.microsoft.com/office/drawing/2014/main" id="{C25A8858-7DBB-4C4D-A293-61478901AEBE}"/>
+                <a16:creationId xmlns:a16="http://schemas.microsoft.com/office/drawing/2014/main" xmlns="" id="{C25A8858-7DBB-4C4D-A293-61478901AEBE}"/>
               </a:ext>
             </a:extLst>
           </p:cNvPr>
@@ -4258,7 +4258,7 @@
           <p:cNvPr id="13" name="矩形 12">
             <a:extLst>
               <a:ext uri="{FF2B5EF4-FFF2-40B4-BE49-F238E27FC236}">
-                <a16:creationId xmlns:a16="http://schemas.microsoft.com/office/drawing/2014/main" id="{62C6C5C6-A3A9-4628-A15B-EFAB884B5BAA}"/>
+                <a16:creationId xmlns:a16="http://schemas.microsoft.com/office/drawing/2014/main" xmlns="" id="{62C6C5C6-A3A9-4628-A15B-EFAB884B5BAA}"/>
               </a:ext>
             </a:extLst>
           </p:cNvPr>
@@ -4305,7 +4305,7 @@
           <p:cNvPr id="14" name="文本框 13">
             <a:extLst>
               <a:ext uri="{FF2B5EF4-FFF2-40B4-BE49-F238E27FC236}">
-                <a16:creationId xmlns:a16="http://schemas.microsoft.com/office/drawing/2014/main" id="{21BB0E39-E3F8-4B2D-9CAF-3BFE114383CA}"/>
+                <a16:creationId xmlns:a16="http://schemas.microsoft.com/office/drawing/2014/main" xmlns="" id="{21BB0E39-E3F8-4B2D-9CAF-3BFE114383CA}"/>
               </a:ext>
             </a:extLst>
           </p:cNvPr>
@@ -4344,7 +4344,7 @@
           <p:cNvPr id="15" name="文本框 14">
             <a:extLst>
               <a:ext uri="{FF2B5EF4-FFF2-40B4-BE49-F238E27FC236}">
-                <a16:creationId xmlns:a16="http://schemas.microsoft.com/office/drawing/2014/main" id="{AD454BDB-7E2D-4E76-B201-C963926E79A1}"/>
+                <a16:creationId xmlns:a16="http://schemas.microsoft.com/office/drawing/2014/main" xmlns="" id="{AD454BDB-7E2D-4E76-B201-C963926E79A1}"/>
               </a:ext>
             </a:extLst>
           </p:cNvPr>
@@ -4379,7 +4379,7 @@
           <p:cNvPr id="16" name="文本框 15">
             <a:extLst>
               <a:ext uri="{FF2B5EF4-FFF2-40B4-BE49-F238E27FC236}">
-                <a16:creationId xmlns:a16="http://schemas.microsoft.com/office/drawing/2014/main" id="{F140876A-7AB6-4A8F-99F4-153A9D8F526E}"/>
+                <a16:creationId xmlns:a16="http://schemas.microsoft.com/office/drawing/2014/main" xmlns="" id="{F140876A-7AB6-4A8F-99F4-153A9D8F526E}"/>
               </a:ext>
             </a:extLst>
           </p:cNvPr>
@@ -4419,7 +4419,7 @@
           <p:cNvPr id="17" name="文本框 16">
             <a:extLst>
               <a:ext uri="{FF2B5EF4-FFF2-40B4-BE49-F238E27FC236}">
-                <a16:creationId xmlns:a16="http://schemas.microsoft.com/office/drawing/2014/main" id="{B3BF9DB4-7D87-4853-9CAA-C73EE515736E}"/>
+                <a16:creationId xmlns:a16="http://schemas.microsoft.com/office/drawing/2014/main" xmlns="" id="{B3BF9DB4-7D87-4853-9CAA-C73EE515736E}"/>
               </a:ext>
             </a:extLst>
           </p:cNvPr>
@@ -4459,7 +4459,7 @@
           <p:cNvPr id="18" name="文本框 17">
             <a:extLst>
               <a:ext uri="{FF2B5EF4-FFF2-40B4-BE49-F238E27FC236}">
-                <a16:creationId xmlns:a16="http://schemas.microsoft.com/office/drawing/2014/main" id="{0E253371-F6D9-4D2C-B738-38B04BDB6607}"/>
+                <a16:creationId xmlns:a16="http://schemas.microsoft.com/office/drawing/2014/main" xmlns="" id="{0E253371-F6D9-4D2C-B738-38B04BDB6607}"/>
               </a:ext>
             </a:extLst>
           </p:cNvPr>
@@ -4499,7 +4499,7 @@
           <p:cNvPr id="19" name="箭头: 上下 18">
             <a:extLst>
               <a:ext uri="{FF2B5EF4-FFF2-40B4-BE49-F238E27FC236}">
-                <a16:creationId xmlns:a16="http://schemas.microsoft.com/office/drawing/2014/main" id="{B8C12048-62AA-4403-BA5E-2C5EC1B951B1}"/>
+                <a16:creationId xmlns:a16="http://schemas.microsoft.com/office/drawing/2014/main" xmlns="" id="{B8C12048-62AA-4403-BA5E-2C5EC1B951B1}"/>
               </a:ext>
             </a:extLst>
           </p:cNvPr>
@@ -4546,7 +4546,7 @@
           <p:cNvPr id="20" name="箭头: 上下 19">
             <a:extLst>
               <a:ext uri="{FF2B5EF4-FFF2-40B4-BE49-F238E27FC236}">
-                <a16:creationId xmlns:a16="http://schemas.microsoft.com/office/drawing/2014/main" id="{3F4E0DAE-DE9C-465D-BCC1-241CA6905389}"/>
+                <a16:creationId xmlns:a16="http://schemas.microsoft.com/office/drawing/2014/main" xmlns="" id="{3F4E0DAE-DE9C-465D-BCC1-241CA6905389}"/>
               </a:ext>
             </a:extLst>
           </p:cNvPr>
@@ -4593,7 +4593,7 @@
           <p:cNvPr id="21" name="文本框 20">
             <a:extLst>
               <a:ext uri="{FF2B5EF4-FFF2-40B4-BE49-F238E27FC236}">
-                <a16:creationId xmlns:a16="http://schemas.microsoft.com/office/drawing/2014/main" id="{BCC13642-7A30-45F8-B3C9-2620514AD52E}"/>
+                <a16:creationId xmlns:a16="http://schemas.microsoft.com/office/drawing/2014/main" xmlns="" id="{BCC13642-7A30-45F8-B3C9-2620514AD52E}"/>
               </a:ext>
             </a:extLst>
           </p:cNvPr>
@@ -4688,7 +4688,7 @@
           <p:cNvPr id="22" name="文本框 21">
             <a:extLst>
               <a:ext uri="{FF2B5EF4-FFF2-40B4-BE49-F238E27FC236}">
-                <a16:creationId xmlns:a16="http://schemas.microsoft.com/office/drawing/2014/main" id="{C9BA9FCA-18F1-432E-A867-7AD0211D4C50}"/>
+                <a16:creationId xmlns:a16="http://schemas.microsoft.com/office/drawing/2014/main" xmlns="" id="{C9BA9FCA-18F1-432E-A867-7AD0211D4C50}"/>
               </a:ext>
             </a:extLst>
           </p:cNvPr>
@@ -4762,7 +4762,7 @@
           <p:cNvPr id="3" name="矩形 2">
             <a:extLst>
               <a:ext uri="{FF2B5EF4-FFF2-40B4-BE49-F238E27FC236}">
-                <a16:creationId xmlns:a16="http://schemas.microsoft.com/office/drawing/2014/main" id="{F8EB3E5E-0CC1-4ABE-8642-2921415D4D95}"/>
+                <a16:creationId xmlns:a16="http://schemas.microsoft.com/office/drawing/2014/main" xmlns="" id="{F8EB3E5E-0CC1-4ABE-8642-2921415D4D95}"/>
               </a:ext>
             </a:extLst>
           </p:cNvPr>
@@ -4804,7 +4804,7 @@
           <p:cNvPr id="5" name="文本框 4">
             <a:extLst>
               <a:ext uri="{FF2B5EF4-FFF2-40B4-BE49-F238E27FC236}">
-                <a16:creationId xmlns:a16="http://schemas.microsoft.com/office/drawing/2014/main" id="{435F4BC5-B731-48E8-A3E1-FA2CEF8C66EC}"/>
+                <a16:creationId xmlns:a16="http://schemas.microsoft.com/office/drawing/2014/main" xmlns="" id="{435F4BC5-B731-48E8-A3E1-FA2CEF8C66EC}"/>
               </a:ext>
             </a:extLst>
           </p:cNvPr>
@@ -4847,7 +4847,7 @@
           <p:cNvPr id="6" name="矩形 5">
             <a:extLst>
               <a:ext uri="{FF2B5EF4-FFF2-40B4-BE49-F238E27FC236}">
-                <a16:creationId xmlns:a16="http://schemas.microsoft.com/office/drawing/2014/main" id="{59CF6EAA-C237-44C5-A03C-B21EC908BD53}"/>
+                <a16:creationId xmlns:a16="http://schemas.microsoft.com/office/drawing/2014/main" xmlns="" id="{59CF6EAA-C237-44C5-A03C-B21EC908BD53}"/>
               </a:ext>
             </a:extLst>
           </p:cNvPr>
@@ -4894,7 +4894,7 @@
           <p:cNvPr id="22" name="矩形 21">
             <a:extLst>
               <a:ext uri="{FF2B5EF4-FFF2-40B4-BE49-F238E27FC236}">
-                <a16:creationId xmlns:a16="http://schemas.microsoft.com/office/drawing/2014/main" id="{7403AE56-E91C-4129-B5F1-E45251A0EDF6}"/>
+                <a16:creationId xmlns:a16="http://schemas.microsoft.com/office/drawing/2014/main" xmlns="" id="{7403AE56-E91C-4129-B5F1-E45251A0EDF6}"/>
               </a:ext>
             </a:extLst>
           </p:cNvPr>
@@ -4979,7 +4979,7 @@
           <p:cNvPr id="28" name="文本框 27">
             <a:extLst>
               <a:ext uri="{FF2B5EF4-FFF2-40B4-BE49-F238E27FC236}">
-                <a16:creationId xmlns:a16="http://schemas.microsoft.com/office/drawing/2014/main" id="{79BE910A-B775-46C2-9D66-A3D71FE4C936}"/>
+                <a16:creationId xmlns:a16="http://schemas.microsoft.com/office/drawing/2014/main" xmlns="" id="{79BE910A-B775-46C2-9D66-A3D71FE4C936}"/>
               </a:ext>
             </a:extLst>
           </p:cNvPr>
@@ -5023,7 +5023,7 @@
           <p:cNvPr id="38" name="矩形 37">
             <a:extLst>
               <a:ext uri="{FF2B5EF4-FFF2-40B4-BE49-F238E27FC236}">
-                <a16:creationId xmlns:a16="http://schemas.microsoft.com/office/drawing/2014/main" id="{AF63298A-E8E9-4906-A46D-533EE8E30780}"/>
+                <a16:creationId xmlns:a16="http://schemas.microsoft.com/office/drawing/2014/main" xmlns="" id="{AF63298A-E8E9-4906-A46D-533EE8E30780}"/>
               </a:ext>
             </a:extLst>
           </p:cNvPr>
@@ -5108,7 +5108,7 @@
           <p:cNvPr id="39" name="矩形 38">
             <a:extLst>
               <a:ext uri="{FF2B5EF4-FFF2-40B4-BE49-F238E27FC236}">
-                <a16:creationId xmlns:a16="http://schemas.microsoft.com/office/drawing/2014/main" id="{90DF6EBB-4AB5-4E9B-8097-189B9D55C41A}"/>
+                <a16:creationId xmlns:a16="http://schemas.microsoft.com/office/drawing/2014/main" xmlns="" id="{90DF6EBB-4AB5-4E9B-8097-189B9D55C41A}"/>
               </a:ext>
             </a:extLst>
           </p:cNvPr>
@@ -5185,7 +5185,7 @@
           <p:cNvPr id="40" name="矩形 39">
             <a:extLst>
               <a:ext uri="{FF2B5EF4-FFF2-40B4-BE49-F238E27FC236}">
-                <a16:creationId xmlns:a16="http://schemas.microsoft.com/office/drawing/2014/main" id="{E4EC09E9-11B4-43F3-9D5D-ADE78B46F2FB}"/>
+                <a16:creationId xmlns:a16="http://schemas.microsoft.com/office/drawing/2014/main" xmlns="" id="{E4EC09E9-11B4-43F3-9D5D-ADE78B46F2FB}"/>
               </a:ext>
             </a:extLst>
           </p:cNvPr>
@@ -5268,7 +5268,7 @@
           <p:cNvPr id="41" name="矩形 40">
             <a:extLst>
               <a:ext uri="{FF2B5EF4-FFF2-40B4-BE49-F238E27FC236}">
-                <a16:creationId xmlns:a16="http://schemas.microsoft.com/office/drawing/2014/main" id="{6E90B86F-E749-4FCC-A98E-4BF1119C477D}"/>
+                <a16:creationId xmlns:a16="http://schemas.microsoft.com/office/drawing/2014/main" xmlns="" id="{6E90B86F-E749-4FCC-A98E-4BF1119C477D}"/>
               </a:ext>
             </a:extLst>
           </p:cNvPr>
@@ -5343,7 +5343,7 @@
           <p:cNvPr id="43" name="矩形 42">
             <a:extLst>
               <a:ext uri="{FF2B5EF4-FFF2-40B4-BE49-F238E27FC236}">
-                <a16:creationId xmlns:a16="http://schemas.microsoft.com/office/drawing/2014/main" id="{E16A3E5B-2A94-44DB-A50D-D8370339C89F}"/>
+                <a16:creationId xmlns:a16="http://schemas.microsoft.com/office/drawing/2014/main" xmlns="" id="{E16A3E5B-2A94-44DB-A50D-D8370339C89F}"/>
               </a:ext>
             </a:extLst>
           </p:cNvPr>
@@ -5448,7 +5448,7 @@
           <p:cNvPr id="2" name="矩形 1">
             <a:extLst>
               <a:ext uri="{FF2B5EF4-FFF2-40B4-BE49-F238E27FC236}">
-                <a16:creationId xmlns:a16="http://schemas.microsoft.com/office/drawing/2014/main" id="{EE67BE76-9ECB-4AC0-84E1-BF9F8D109FA0}"/>
+                <a16:creationId xmlns:a16="http://schemas.microsoft.com/office/drawing/2014/main" xmlns="" id="{EE67BE76-9ECB-4AC0-84E1-BF9F8D109FA0}"/>
               </a:ext>
             </a:extLst>
           </p:cNvPr>
@@ -5490,7 +5490,7 @@
           <p:cNvPr id="4" name="文本框 3">
             <a:extLst>
               <a:ext uri="{FF2B5EF4-FFF2-40B4-BE49-F238E27FC236}">
-                <a16:creationId xmlns:a16="http://schemas.microsoft.com/office/drawing/2014/main" id="{0EA5ABF7-6D70-46C8-A62C-95DD95BD881F}"/>
+                <a16:creationId xmlns:a16="http://schemas.microsoft.com/office/drawing/2014/main" xmlns="" id="{0EA5ABF7-6D70-46C8-A62C-95DD95BD881F}"/>
               </a:ext>
             </a:extLst>
           </p:cNvPr>
@@ -5537,7 +5537,7 @@
           <p:cNvPr id="7" name="文本框 6">
             <a:extLst>
               <a:ext uri="{FF2B5EF4-FFF2-40B4-BE49-F238E27FC236}">
-                <a16:creationId xmlns:a16="http://schemas.microsoft.com/office/drawing/2014/main" id="{B14388D5-D585-458A-99BA-D00F1C1478B0}"/>
+                <a16:creationId xmlns:a16="http://schemas.microsoft.com/office/drawing/2014/main" xmlns="" id="{B14388D5-D585-458A-99BA-D00F1C1478B0}"/>
               </a:ext>
             </a:extLst>
           </p:cNvPr>
@@ -5678,7 +5678,7 @@
           <p:cNvPr id="2" name="矩形 1">
             <a:extLst>
               <a:ext uri="{FF2B5EF4-FFF2-40B4-BE49-F238E27FC236}">
-                <a16:creationId xmlns:a16="http://schemas.microsoft.com/office/drawing/2014/main" id="{3A1EB159-E89D-44EB-9B2A-6C9B0756A967}"/>
+                <a16:creationId xmlns:a16="http://schemas.microsoft.com/office/drawing/2014/main" xmlns="" id="{3A1EB159-E89D-44EB-9B2A-6C9B0756A967}"/>
               </a:ext>
             </a:extLst>
           </p:cNvPr>
@@ -5720,7 +5720,7 @@
           <p:cNvPr id="4" name="文本框 3">
             <a:extLst>
               <a:ext uri="{FF2B5EF4-FFF2-40B4-BE49-F238E27FC236}">
-                <a16:creationId xmlns:a16="http://schemas.microsoft.com/office/drawing/2014/main" id="{928FCD62-AD93-4DAD-A657-B1959D7AD798}"/>
+                <a16:creationId xmlns:a16="http://schemas.microsoft.com/office/drawing/2014/main" xmlns="" id="{928FCD62-AD93-4DAD-A657-B1959D7AD798}"/>
               </a:ext>
             </a:extLst>
           </p:cNvPr>
@@ -5768,7 +5768,7 @@
           <p:cNvPr id="5" name="文本框 4">
             <a:extLst>
               <a:ext uri="{FF2B5EF4-FFF2-40B4-BE49-F238E27FC236}">
-                <a16:creationId xmlns:a16="http://schemas.microsoft.com/office/drawing/2014/main" id="{ED63FF54-EBE0-4DAE-B386-1C4648AF83E5}"/>
+                <a16:creationId xmlns:a16="http://schemas.microsoft.com/office/drawing/2014/main" xmlns="" id="{ED63FF54-EBE0-4DAE-B386-1C4648AF83E5}"/>
               </a:ext>
             </a:extLst>
           </p:cNvPr>
@@ -5827,7 +5827,7 @@
           <p:cNvPr id="6" name="文本框 5">
             <a:extLst>
               <a:ext uri="{FF2B5EF4-FFF2-40B4-BE49-F238E27FC236}">
-                <a16:creationId xmlns:a16="http://schemas.microsoft.com/office/drawing/2014/main" id="{6E5147B3-5162-4B84-9419-D44769980425}"/>
+                <a16:creationId xmlns:a16="http://schemas.microsoft.com/office/drawing/2014/main" xmlns="" id="{6E5147B3-5162-4B84-9419-D44769980425}"/>
               </a:ext>
             </a:extLst>
           </p:cNvPr>
@@ -5871,7 +5871,7 @@
           <p:cNvPr id="7" name="文本框 6">
             <a:extLst>
               <a:ext uri="{FF2B5EF4-FFF2-40B4-BE49-F238E27FC236}">
-                <a16:creationId xmlns:a16="http://schemas.microsoft.com/office/drawing/2014/main" id="{FF2C71F4-9F75-461E-8B29-AB1128D82EC3}"/>
+                <a16:creationId xmlns:a16="http://schemas.microsoft.com/office/drawing/2014/main" xmlns="" id="{FF2C71F4-9F75-461E-8B29-AB1128D82EC3}"/>
               </a:ext>
             </a:extLst>
           </p:cNvPr>
@@ -5922,7 +5922,7 @@
           <p:cNvPr id="8" name="矩形 7">
             <a:extLst>
               <a:ext uri="{FF2B5EF4-FFF2-40B4-BE49-F238E27FC236}">
-                <a16:creationId xmlns:a16="http://schemas.microsoft.com/office/drawing/2014/main" id="{16E9DC24-4233-49FC-B948-A42C30D32028}"/>
+                <a16:creationId xmlns:a16="http://schemas.microsoft.com/office/drawing/2014/main" xmlns="" id="{16E9DC24-4233-49FC-B948-A42C30D32028}"/>
               </a:ext>
             </a:extLst>
           </p:cNvPr>
@@ -5960,7 +5960,7 @@
           <p:cNvPr id="9" name="文本框 8">
             <a:extLst>
               <a:ext uri="{FF2B5EF4-FFF2-40B4-BE49-F238E27FC236}">
-                <a16:creationId xmlns:a16="http://schemas.microsoft.com/office/drawing/2014/main" id="{EA1BBF67-D5A3-404D-8A3F-8BC3210C1090}"/>
+                <a16:creationId xmlns:a16="http://schemas.microsoft.com/office/drawing/2014/main" xmlns="" id="{EA1BBF67-D5A3-404D-8A3F-8BC3210C1090}"/>
               </a:ext>
             </a:extLst>
           </p:cNvPr>
@@ -6032,7 +6032,7 @@
           <p:cNvPr id="10" name="文本框 9">
             <a:extLst>
               <a:ext uri="{FF2B5EF4-FFF2-40B4-BE49-F238E27FC236}">
-                <a16:creationId xmlns:a16="http://schemas.microsoft.com/office/drawing/2014/main" id="{8F0427EE-5878-4266-BAE8-BDAC8415DF08}"/>
+                <a16:creationId xmlns:a16="http://schemas.microsoft.com/office/drawing/2014/main" xmlns="" id="{8F0427EE-5878-4266-BAE8-BDAC8415DF08}"/>
               </a:ext>
             </a:extLst>
           </p:cNvPr>
@@ -6071,7 +6071,7 @@
           <p:cNvPr id="11" name="文本框 10">
             <a:extLst>
               <a:ext uri="{FF2B5EF4-FFF2-40B4-BE49-F238E27FC236}">
-                <a16:creationId xmlns:a16="http://schemas.microsoft.com/office/drawing/2014/main" id="{5DF6A1FA-4048-4053-B14C-709D3DDBC4C0}"/>
+                <a16:creationId xmlns:a16="http://schemas.microsoft.com/office/drawing/2014/main" xmlns="" id="{5DF6A1FA-4048-4053-B14C-709D3DDBC4C0}"/>
               </a:ext>
             </a:extLst>
           </p:cNvPr>
@@ -6140,7 +6140,7 @@
           <p:cNvPr id="2" name="矩形 1">
             <a:extLst>
               <a:ext uri="{FF2B5EF4-FFF2-40B4-BE49-F238E27FC236}">
-                <a16:creationId xmlns:a16="http://schemas.microsoft.com/office/drawing/2014/main" id="{6DCB4F7C-B52A-4D5E-B114-8C69DBD6C0DF}"/>
+                <a16:creationId xmlns:a16="http://schemas.microsoft.com/office/drawing/2014/main" xmlns="" id="{6DCB4F7C-B52A-4D5E-B114-8C69DBD6C0DF}"/>
               </a:ext>
             </a:extLst>
           </p:cNvPr>
@@ -6182,7 +6182,7 @@
           <p:cNvPr id="3" name="文本框 2">
             <a:extLst>
               <a:ext uri="{FF2B5EF4-FFF2-40B4-BE49-F238E27FC236}">
-                <a16:creationId xmlns:a16="http://schemas.microsoft.com/office/drawing/2014/main" id="{A7769E2D-4BD2-4D65-B4CF-C8F168DDB187}"/>
+                <a16:creationId xmlns:a16="http://schemas.microsoft.com/office/drawing/2014/main" xmlns="" id="{A7769E2D-4BD2-4D65-B4CF-C8F168DDB187}"/>
               </a:ext>
             </a:extLst>
           </p:cNvPr>
@@ -6221,7 +6221,7 @@
           <p:cNvPr id="4" name="文本框 3">
             <a:extLst>
               <a:ext uri="{FF2B5EF4-FFF2-40B4-BE49-F238E27FC236}">
-                <a16:creationId xmlns:a16="http://schemas.microsoft.com/office/drawing/2014/main" id="{628D04AF-BCFF-41FF-8FF9-A57DAAFD9D1C}"/>
+                <a16:creationId xmlns:a16="http://schemas.microsoft.com/office/drawing/2014/main" xmlns="" id="{628D04AF-BCFF-41FF-8FF9-A57DAAFD9D1C}"/>
               </a:ext>
             </a:extLst>
           </p:cNvPr>
@@ -6264,7 +6264,7 @@
           <p:cNvPr id="6" name="文本框 5">
             <a:extLst>
               <a:ext uri="{FF2B5EF4-FFF2-40B4-BE49-F238E27FC236}">
-                <a16:creationId xmlns:a16="http://schemas.microsoft.com/office/drawing/2014/main" id="{D970D1A9-527C-4F68-A990-AEE8248EDEF6}"/>
+                <a16:creationId xmlns:a16="http://schemas.microsoft.com/office/drawing/2014/main" xmlns="" id="{D970D1A9-527C-4F68-A990-AEE8248EDEF6}"/>
               </a:ext>
             </a:extLst>
           </p:cNvPr>
@@ -6311,7 +6311,7 @@
           <p:cNvPr id="7" name="文本框 6">
             <a:extLst>
               <a:ext uri="{FF2B5EF4-FFF2-40B4-BE49-F238E27FC236}">
-                <a16:creationId xmlns:a16="http://schemas.microsoft.com/office/drawing/2014/main" id="{57219A2E-A9E2-4CC1-96E1-BCC5A70F977E}"/>
+                <a16:creationId xmlns:a16="http://schemas.microsoft.com/office/drawing/2014/main" xmlns="" id="{57219A2E-A9E2-4CC1-96E1-BCC5A70F977E}"/>
               </a:ext>
             </a:extLst>
           </p:cNvPr>
@@ -6404,7 +6404,7 @@
           <p:cNvPr id="2" name="矩形 1">
             <a:extLst>
               <a:ext uri="{FF2B5EF4-FFF2-40B4-BE49-F238E27FC236}">
-                <a16:creationId xmlns:a16="http://schemas.microsoft.com/office/drawing/2014/main" id="{19DFEA49-A2FC-4FBA-9DBB-021BC61094FD}"/>
+                <a16:creationId xmlns:a16="http://schemas.microsoft.com/office/drawing/2014/main" xmlns="" id="{19DFEA49-A2FC-4FBA-9DBB-021BC61094FD}"/>
               </a:ext>
             </a:extLst>
           </p:cNvPr>
@@ -6438,6 +6438,286 @@
               <a:rPr lang="zh-CN" altLang="en-US" dirty="0"/>
               <a:t>内存结构</a:t>
             </a:r>
+          </a:p>
+        </p:txBody>
+      </p:sp>
+      <p:sp>
+        <p:nvSpPr>
+          <p:cNvPr id="3" name="文本框 2"/>
+          <p:cNvSpPr txBox="1"/>
+          <p:nvPr/>
+        </p:nvSpPr>
+        <p:spPr>
+          <a:xfrm>
+            <a:off x="626076" y="963827"/>
+            <a:ext cx="1864613" cy="369332"/>
+          </a:xfrm>
+          <a:prstGeom prst="rect">
+            <a:avLst/>
+          </a:prstGeom>
+          <a:noFill/>
+        </p:spPr>
+        <p:txBody>
+          <a:bodyPr wrap="none" rtlCol="0">
+            <a:spAutoFit/>
+          </a:bodyPr>
+          <a:lstStyle/>
+          <a:p>
+            <a:r>
+              <a:rPr lang="en-US" altLang="zh-CN" dirty="0" smtClean="0"/>
+              <a:t>2.3</a:t>
+            </a:r>
+            <a:r>
+              <a:rPr lang="zh-CN" altLang="en-US" dirty="0" smtClean="0"/>
+              <a:t>、本地方法栈</a:t>
+            </a:r>
+            <a:endParaRPr lang="zh-CN" altLang="en-US" dirty="0"/>
+          </a:p>
+        </p:txBody>
+      </p:sp>
+      <p:sp>
+        <p:nvSpPr>
+          <p:cNvPr id="5" name="文本框 4"/>
+          <p:cNvSpPr txBox="1"/>
+          <p:nvPr/>
+        </p:nvSpPr>
+        <p:spPr>
+          <a:xfrm>
+            <a:off x="2714919" y="963827"/>
+            <a:ext cx="8587819" cy="923330"/>
+          </a:xfrm>
+          <a:prstGeom prst="rect">
+            <a:avLst/>
+          </a:prstGeom>
+          <a:noFill/>
+        </p:spPr>
+        <p:txBody>
+          <a:bodyPr wrap="square" rtlCol="0">
+            <a:spAutoFit/>
+          </a:bodyPr>
+          <a:lstStyle/>
+          <a:p>
+            <a:r>
+              <a:rPr lang="zh-CN" altLang="en-US" dirty="0" smtClean="0"/>
+              <a:t>用于</a:t>
+            </a:r>
+            <a:r>
+              <a:rPr lang="en-US" altLang="zh-CN" dirty="0" smtClean="0"/>
+              <a:t>JVM</a:t>
+            </a:r>
+            <a:r>
+              <a:rPr lang="zh-CN" altLang="en-US" dirty="0" smtClean="0"/>
+              <a:t>支持</a:t>
+            </a:r>
+            <a:r>
+              <a:rPr lang="en-US" altLang="zh-CN" dirty="0" smtClean="0"/>
+              <a:t>native</a:t>
+            </a:r>
+            <a:r>
+              <a:rPr lang="zh-CN" altLang="en-US" dirty="0" smtClean="0"/>
+              <a:t>方法或者使用其他语言来实现指令集解释器。如果</a:t>
+            </a:r>
+            <a:r>
+              <a:rPr lang="en-US" altLang="zh-CN" dirty="0" smtClean="0"/>
+              <a:t>JVM</a:t>
+            </a:r>
+            <a:r>
+              <a:rPr lang="zh-CN" altLang="en-US" dirty="0" smtClean="0"/>
+              <a:t>不支持</a:t>
+            </a:r>
+            <a:r>
+              <a:rPr lang="en-US" altLang="zh-CN" dirty="0" smtClean="0"/>
+              <a:t>native</a:t>
+            </a:r>
+            <a:r>
+              <a:rPr lang="zh-CN" altLang="en-US" dirty="0" smtClean="0"/>
+              <a:t>方法，或者本身不依赖传统栈，那么</a:t>
+            </a:r>
+            <a:r>
+              <a:rPr lang="en-US" altLang="zh-CN" dirty="0" smtClean="0"/>
+              <a:t>JVM</a:t>
+            </a:r>
+            <a:r>
+              <a:rPr lang="zh-CN" altLang="en-US" dirty="0" smtClean="0"/>
+              <a:t>可以不提供本地方法栈。本地方法栈一般会在线程创建时按线程分配。抛错机制通</a:t>
+            </a:r>
+            <a:r>
+              <a:rPr lang="en-US" altLang="zh-CN" dirty="0" smtClean="0"/>
+              <a:t>JVM</a:t>
+            </a:r>
+            <a:r>
+              <a:rPr lang="zh-CN" altLang="en-US" dirty="0" smtClean="0"/>
+              <a:t>栈</a:t>
+            </a:r>
+            <a:endParaRPr lang="zh-CN" altLang="en-US" dirty="0"/>
+          </a:p>
+        </p:txBody>
+      </p:sp>
+      <p:sp>
+        <p:nvSpPr>
+          <p:cNvPr id="6" name="文本框 5"/>
+          <p:cNvSpPr txBox="1"/>
+          <p:nvPr/>
+        </p:nvSpPr>
+        <p:spPr>
+          <a:xfrm>
+            <a:off x="626076" y="3054285"/>
+            <a:ext cx="1431802" cy="369332"/>
+          </a:xfrm>
+          <a:prstGeom prst="rect">
+            <a:avLst/>
+          </a:prstGeom>
+          <a:noFill/>
+        </p:spPr>
+        <p:txBody>
+          <a:bodyPr wrap="none" rtlCol="0">
+            <a:spAutoFit/>
+          </a:bodyPr>
+          <a:lstStyle/>
+          <a:p>
+            <a:r>
+              <a:rPr lang="en-US" altLang="zh-CN" dirty="0" smtClean="0"/>
+              <a:t>2.4</a:t>
+            </a:r>
+            <a:r>
+              <a:rPr lang="zh-CN" altLang="en-US" dirty="0" smtClean="0"/>
+              <a:t>、方法区</a:t>
+            </a:r>
+            <a:endParaRPr lang="zh-CN" altLang="en-US" dirty="0"/>
+          </a:p>
+        </p:txBody>
+      </p:sp>
+      <p:sp>
+        <p:nvSpPr>
+          <p:cNvPr id="9" name="文本框 8"/>
+          <p:cNvSpPr txBox="1"/>
+          <p:nvPr/>
+        </p:nvSpPr>
+        <p:spPr>
+          <a:xfrm>
+            <a:off x="2714919" y="3054285"/>
+            <a:ext cx="8587819" cy="923330"/>
+          </a:xfrm>
+          <a:prstGeom prst="rect">
+            <a:avLst/>
+          </a:prstGeom>
+          <a:noFill/>
+        </p:spPr>
+        <p:txBody>
+          <a:bodyPr wrap="square" rtlCol="0">
+            <a:spAutoFit/>
+          </a:bodyPr>
+          <a:lstStyle/>
+          <a:p>
+            <a:r>
+              <a:rPr lang="zh-CN" altLang="en-US" dirty="0" smtClean="0"/>
+              <a:t>各个线程共享的运行时内存区域。存储了每个类信息、常量、静态变量、即时编译后的代码数据</a:t>
+            </a:r>
+            <a:r>
+              <a:rPr lang="en-US" altLang="zh-CN" dirty="0" smtClean="0"/>
+              <a:t>(</a:t>
+            </a:r>
+            <a:r>
+              <a:rPr lang="zh-CN" altLang="en-US" dirty="0" smtClean="0"/>
+              <a:t>如构造函数和普通方法的字节码内容</a:t>
+            </a:r>
+            <a:r>
+              <a:rPr lang="en-US" altLang="zh-CN" dirty="0" smtClean="0"/>
+              <a:t>)</a:t>
+            </a:r>
+            <a:r>
+              <a:rPr lang="zh-CN" altLang="en-US" dirty="0" smtClean="0"/>
+              <a:t>等。本质上不等于</a:t>
+            </a:r>
+            <a:r>
+              <a:rPr lang="en-US" altLang="zh-CN" dirty="0" smtClean="0"/>
+              <a:t>Permanent Generation</a:t>
+            </a:r>
+            <a:r>
+              <a:rPr lang="zh-CN" altLang="en-US" dirty="0" smtClean="0"/>
+              <a:t>。可以不实现垃圾收集与压缩。如果此空间不够，抛出</a:t>
+            </a:r>
+            <a:r>
+              <a:rPr lang="en-US" altLang="zh-CN" dirty="0" smtClean="0"/>
+              <a:t>OOM</a:t>
+            </a:r>
+            <a:r>
+              <a:rPr lang="zh-CN" altLang="en-US" dirty="0" smtClean="0"/>
+              <a:t>。</a:t>
+            </a:r>
+            <a:endParaRPr lang="zh-CN" altLang="en-US" dirty="0"/>
+          </a:p>
+        </p:txBody>
+      </p:sp>
+      <p:sp>
+        <p:nvSpPr>
+          <p:cNvPr id="10" name="文本框 9"/>
+          <p:cNvSpPr txBox="1"/>
+          <p:nvPr/>
+        </p:nvSpPr>
+        <p:spPr>
+          <a:xfrm>
+            <a:off x="626076" y="4873658"/>
+            <a:ext cx="2268570" cy="369332"/>
+          </a:xfrm>
+          <a:prstGeom prst="rect">
+            <a:avLst/>
+          </a:prstGeom>
+          <a:noFill/>
+        </p:spPr>
+        <p:txBody>
+          <a:bodyPr wrap="none" rtlCol="0">
+            <a:spAutoFit/>
+          </a:bodyPr>
+          <a:lstStyle/>
+          <a:p>
+            <a:r>
+              <a:rPr lang="en-US" altLang="zh-CN" dirty="0" smtClean="0"/>
+              <a:t>2.4.1</a:t>
+            </a:r>
+            <a:r>
+              <a:rPr lang="zh-CN" altLang="en-US" dirty="0" smtClean="0"/>
+              <a:t>、运行时常量池</a:t>
+            </a:r>
+            <a:endParaRPr lang="zh-CN" altLang="en-US" dirty="0"/>
+          </a:p>
+        </p:txBody>
+      </p:sp>
+      <p:sp>
+        <p:nvSpPr>
+          <p:cNvPr id="11" name="文本框 10"/>
+          <p:cNvSpPr txBox="1"/>
+          <p:nvPr/>
+        </p:nvSpPr>
+        <p:spPr>
+          <a:xfrm>
+            <a:off x="3412503" y="4873658"/>
+            <a:ext cx="7890235" cy="646331"/>
+          </a:xfrm>
+          <a:prstGeom prst="rect">
+            <a:avLst/>
+          </a:prstGeom>
+          <a:noFill/>
+        </p:spPr>
+        <p:txBody>
+          <a:bodyPr wrap="square" rtlCol="0">
+            <a:spAutoFit/>
+          </a:bodyPr>
+          <a:lstStyle/>
+          <a:p>
+            <a:r>
+              <a:rPr lang="zh-CN" altLang="en-US" smtClean="0"/>
+              <a:t>方法区一部分，用存放编译器生成的各种字面量和符号引用。受方法区的内存限制，当内存满时抛出</a:t>
+            </a:r>
+            <a:r>
+              <a:rPr lang="en-US" altLang="zh-CN" dirty="0" smtClean="0"/>
+              <a:t>OOM</a:t>
+            </a:r>
+            <a:r>
+              <a:rPr lang="zh-CN" altLang="en-US" dirty="0" smtClean="0"/>
+              <a:t>。</a:t>
+            </a:r>
+            <a:endParaRPr lang="zh-CN" altLang="en-US" dirty="0"/>
           </a:p>
         </p:txBody>
       </p:sp>
@@ -6476,7 +6756,7 @@
           <p:cNvPr id="2" name="矩形 1">
             <a:extLst>
               <a:ext uri="{FF2B5EF4-FFF2-40B4-BE49-F238E27FC236}">
-                <a16:creationId xmlns:a16="http://schemas.microsoft.com/office/drawing/2014/main" id="{6D3B5B92-279F-454F-9CD7-2B1C90580976}"/>
+                <a16:creationId xmlns:a16="http://schemas.microsoft.com/office/drawing/2014/main" xmlns="" id="{6D3B5B92-279F-454F-9CD7-2B1C90580976}"/>
               </a:ext>
             </a:extLst>
           </p:cNvPr>

--- a/虚拟机1.pptx
+++ b/虚拟机1.pptx
@@ -17,6 +17,9 @@
     <p:sldId id="267" r:id="rId11"/>
     <p:sldId id="268" r:id="rId12"/>
     <p:sldId id="269" r:id="rId13"/>
+    <p:sldId id="270" r:id="rId14"/>
+    <p:sldId id="271" r:id="rId15"/>
+    <p:sldId id="272" r:id="rId16"/>
   </p:sldIdLst>
   <p:sldSz cx="12192000" cy="6858000"/>
   <p:notesSz cx="6858000" cy="9144000"/>
@@ -156,7 +159,7 @@
           <p:cNvPr id="4" name="日期占位符 3">
             <a:extLst>
               <a:ext uri="{FF2B5EF4-FFF2-40B4-BE49-F238E27FC236}">
-                <a16:creationId xmlns:a16="http://schemas.microsoft.com/office/drawing/2014/main" xmlns="" id="{E3C88C80-19D1-4BDB-93D6-01C8B5D57E2B}"/>
+                <a16:creationId xmlns:a16="http://schemas.microsoft.com/office/drawing/2014/main" id="{E3C88C80-19D1-4BDB-93D6-01C8B5D57E2B}"/>
               </a:ext>
             </a:extLst>
           </p:cNvPr>
@@ -174,7 +177,7 @@
           <a:p>
             <a:fld id="{D3B685CF-05DD-4658-9B06-06845ED9451B}" type="datetimeFigureOut">
               <a:rPr lang="zh-CN" altLang="en-US" smtClean="0"/>
-              <a:t>2018/7/23</a:t>
+              <a:t>2018/7/26</a:t>
             </a:fld>
             <a:endParaRPr lang="zh-CN" altLang="en-US"/>
           </a:p>
@@ -185,7 +188,7 @@
           <p:cNvPr id="5" name="页脚占位符 4">
             <a:extLst>
               <a:ext uri="{FF2B5EF4-FFF2-40B4-BE49-F238E27FC236}">
-                <a16:creationId xmlns:a16="http://schemas.microsoft.com/office/drawing/2014/main" xmlns="" id="{DD2AB6A0-788E-44A1-9AE0-27A61338646E}"/>
+                <a16:creationId xmlns:a16="http://schemas.microsoft.com/office/drawing/2014/main" id="{DD2AB6A0-788E-44A1-9AE0-27A61338646E}"/>
               </a:ext>
             </a:extLst>
           </p:cNvPr>
@@ -210,7 +213,7 @@
           <p:cNvPr id="6" name="灯片编号占位符 5">
             <a:extLst>
               <a:ext uri="{FF2B5EF4-FFF2-40B4-BE49-F238E27FC236}">
-                <a16:creationId xmlns:a16="http://schemas.microsoft.com/office/drawing/2014/main" xmlns="" id="{990BFCAA-9D3B-477B-A442-619BF31A71E5}"/>
+                <a16:creationId xmlns:a16="http://schemas.microsoft.com/office/drawing/2014/main" id="{990BFCAA-9D3B-477B-A442-619BF31A71E5}"/>
               </a:ext>
             </a:extLst>
           </p:cNvPr>
@@ -239,7 +242,7 @@
           <p:cNvPr id="9" name="矩形 8">
             <a:extLst>
               <a:ext uri="{FF2B5EF4-FFF2-40B4-BE49-F238E27FC236}">
-                <a16:creationId xmlns:a16="http://schemas.microsoft.com/office/drawing/2014/main" xmlns="" id="{6C26513F-A3B8-4E41-B279-80D4C37DF881}"/>
+                <a16:creationId xmlns:a16="http://schemas.microsoft.com/office/drawing/2014/main" id="{6C26513F-A3B8-4E41-B279-80D4C37DF881}"/>
               </a:ext>
             </a:extLst>
           </p:cNvPr>
@@ -322,7 +325,7 @@
           <p:cNvPr id="2" name="标题 1">
             <a:extLst>
               <a:ext uri="{FF2B5EF4-FFF2-40B4-BE49-F238E27FC236}">
-                <a16:creationId xmlns:a16="http://schemas.microsoft.com/office/drawing/2014/main" xmlns="" id="{547EEB98-0393-480B-8E60-2A9EAD0978D9}"/>
+                <a16:creationId xmlns:a16="http://schemas.microsoft.com/office/drawing/2014/main" id="{547EEB98-0393-480B-8E60-2A9EAD0978D9}"/>
               </a:ext>
             </a:extLst>
           </p:cNvPr>
@@ -350,7 +353,7 @@
           <p:cNvPr id="3" name="竖排文字占位符 2">
             <a:extLst>
               <a:ext uri="{FF2B5EF4-FFF2-40B4-BE49-F238E27FC236}">
-                <a16:creationId xmlns:a16="http://schemas.microsoft.com/office/drawing/2014/main" xmlns="" id="{4D36B5DF-C4C3-4A77-8ACF-13B266642A8D}"/>
+                <a16:creationId xmlns:a16="http://schemas.microsoft.com/office/drawing/2014/main" id="{4D36B5DF-C4C3-4A77-8ACF-13B266642A8D}"/>
               </a:ext>
             </a:extLst>
           </p:cNvPr>
@@ -407,7 +410,7 @@
           <p:cNvPr id="4" name="日期占位符 3">
             <a:extLst>
               <a:ext uri="{FF2B5EF4-FFF2-40B4-BE49-F238E27FC236}">
-                <a16:creationId xmlns:a16="http://schemas.microsoft.com/office/drawing/2014/main" xmlns="" id="{DDE0ECAC-A3F9-42BE-BF00-901B87DA701C}"/>
+                <a16:creationId xmlns:a16="http://schemas.microsoft.com/office/drawing/2014/main" id="{DDE0ECAC-A3F9-42BE-BF00-901B87DA701C}"/>
               </a:ext>
             </a:extLst>
           </p:cNvPr>
@@ -425,7 +428,7 @@
           <a:p>
             <a:fld id="{D3B685CF-05DD-4658-9B06-06845ED9451B}" type="datetimeFigureOut">
               <a:rPr lang="zh-CN" altLang="en-US" smtClean="0"/>
-              <a:t>2018/7/23</a:t>
+              <a:t>2018/7/26</a:t>
             </a:fld>
             <a:endParaRPr lang="zh-CN" altLang="en-US"/>
           </a:p>
@@ -436,7 +439,7 @@
           <p:cNvPr id="5" name="页脚占位符 4">
             <a:extLst>
               <a:ext uri="{FF2B5EF4-FFF2-40B4-BE49-F238E27FC236}">
-                <a16:creationId xmlns:a16="http://schemas.microsoft.com/office/drawing/2014/main" xmlns="" id="{D1B573EA-E7CA-4CD3-976F-3BA8607257B3}"/>
+                <a16:creationId xmlns:a16="http://schemas.microsoft.com/office/drawing/2014/main" id="{D1B573EA-E7CA-4CD3-976F-3BA8607257B3}"/>
               </a:ext>
             </a:extLst>
           </p:cNvPr>
@@ -461,7 +464,7 @@
           <p:cNvPr id="6" name="灯片编号占位符 5">
             <a:extLst>
               <a:ext uri="{FF2B5EF4-FFF2-40B4-BE49-F238E27FC236}">
-                <a16:creationId xmlns:a16="http://schemas.microsoft.com/office/drawing/2014/main" xmlns="" id="{01F2393C-774F-4C61-B26E-7E31793FF25B}"/>
+                <a16:creationId xmlns:a16="http://schemas.microsoft.com/office/drawing/2014/main" id="{01F2393C-774F-4C61-B26E-7E31793FF25B}"/>
               </a:ext>
             </a:extLst>
           </p:cNvPr>
@@ -520,7 +523,7 @@
           <p:cNvPr id="2" name="竖排标题 1">
             <a:extLst>
               <a:ext uri="{FF2B5EF4-FFF2-40B4-BE49-F238E27FC236}">
-                <a16:creationId xmlns:a16="http://schemas.microsoft.com/office/drawing/2014/main" xmlns="" id="{EDD4389D-1F5C-49F4-A396-E863F331CF99}"/>
+                <a16:creationId xmlns:a16="http://schemas.microsoft.com/office/drawing/2014/main" id="{EDD4389D-1F5C-49F4-A396-E863F331CF99}"/>
               </a:ext>
             </a:extLst>
           </p:cNvPr>
@@ -553,7 +556,7 @@
           <p:cNvPr id="3" name="竖排文字占位符 2">
             <a:extLst>
               <a:ext uri="{FF2B5EF4-FFF2-40B4-BE49-F238E27FC236}">
-                <a16:creationId xmlns:a16="http://schemas.microsoft.com/office/drawing/2014/main" xmlns="" id="{868EED7C-014A-412F-A030-FEEF200577A8}"/>
+                <a16:creationId xmlns:a16="http://schemas.microsoft.com/office/drawing/2014/main" id="{868EED7C-014A-412F-A030-FEEF200577A8}"/>
               </a:ext>
             </a:extLst>
           </p:cNvPr>
@@ -615,7 +618,7 @@
           <p:cNvPr id="4" name="日期占位符 3">
             <a:extLst>
               <a:ext uri="{FF2B5EF4-FFF2-40B4-BE49-F238E27FC236}">
-                <a16:creationId xmlns:a16="http://schemas.microsoft.com/office/drawing/2014/main" xmlns="" id="{552C2468-D58E-409B-B5B9-B259BA5D47C5}"/>
+                <a16:creationId xmlns:a16="http://schemas.microsoft.com/office/drawing/2014/main" id="{552C2468-D58E-409B-B5B9-B259BA5D47C5}"/>
               </a:ext>
             </a:extLst>
           </p:cNvPr>
@@ -633,7 +636,7 @@
           <a:p>
             <a:fld id="{D3B685CF-05DD-4658-9B06-06845ED9451B}" type="datetimeFigureOut">
               <a:rPr lang="zh-CN" altLang="en-US" smtClean="0"/>
-              <a:t>2018/7/23</a:t>
+              <a:t>2018/7/26</a:t>
             </a:fld>
             <a:endParaRPr lang="zh-CN" altLang="en-US"/>
           </a:p>
@@ -644,7 +647,7 @@
           <p:cNvPr id="5" name="页脚占位符 4">
             <a:extLst>
               <a:ext uri="{FF2B5EF4-FFF2-40B4-BE49-F238E27FC236}">
-                <a16:creationId xmlns:a16="http://schemas.microsoft.com/office/drawing/2014/main" xmlns="" id="{39217E4D-8B68-498A-880E-43D36112B605}"/>
+                <a16:creationId xmlns:a16="http://schemas.microsoft.com/office/drawing/2014/main" id="{39217E4D-8B68-498A-880E-43D36112B605}"/>
               </a:ext>
             </a:extLst>
           </p:cNvPr>
@@ -669,7 +672,7 @@
           <p:cNvPr id="6" name="灯片编号占位符 5">
             <a:extLst>
               <a:ext uri="{FF2B5EF4-FFF2-40B4-BE49-F238E27FC236}">
-                <a16:creationId xmlns:a16="http://schemas.microsoft.com/office/drawing/2014/main" xmlns="" id="{8196A66A-5635-42D4-9D99-87FD143353B1}"/>
+                <a16:creationId xmlns:a16="http://schemas.microsoft.com/office/drawing/2014/main" id="{8196A66A-5635-42D4-9D99-87FD143353B1}"/>
               </a:ext>
             </a:extLst>
           </p:cNvPr>
@@ -728,7 +731,7 @@
           <p:cNvPr id="2" name="标题 1">
             <a:extLst>
               <a:ext uri="{FF2B5EF4-FFF2-40B4-BE49-F238E27FC236}">
-                <a16:creationId xmlns:a16="http://schemas.microsoft.com/office/drawing/2014/main" xmlns="" id="{EBD60D8C-16FE-4A0F-8162-224CE033DB87}"/>
+                <a16:creationId xmlns:a16="http://schemas.microsoft.com/office/drawing/2014/main" id="{EBD60D8C-16FE-4A0F-8162-224CE033DB87}"/>
               </a:ext>
             </a:extLst>
           </p:cNvPr>
@@ -756,7 +759,7 @@
           <p:cNvPr id="3" name="内容占位符 2">
             <a:extLst>
               <a:ext uri="{FF2B5EF4-FFF2-40B4-BE49-F238E27FC236}">
-                <a16:creationId xmlns:a16="http://schemas.microsoft.com/office/drawing/2014/main" xmlns="" id="{25FA777C-D381-45B9-8DE4-5B22917C81B7}"/>
+                <a16:creationId xmlns:a16="http://schemas.microsoft.com/office/drawing/2014/main" id="{25FA777C-D381-45B9-8DE4-5B22917C81B7}"/>
               </a:ext>
             </a:extLst>
           </p:cNvPr>
@@ -813,7 +816,7 @@
           <p:cNvPr id="4" name="日期占位符 3">
             <a:extLst>
               <a:ext uri="{FF2B5EF4-FFF2-40B4-BE49-F238E27FC236}">
-                <a16:creationId xmlns:a16="http://schemas.microsoft.com/office/drawing/2014/main" xmlns="" id="{19005A1B-C957-4703-9672-D38D7F0D42DE}"/>
+                <a16:creationId xmlns:a16="http://schemas.microsoft.com/office/drawing/2014/main" id="{19005A1B-C957-4703-9672-D38D7F0D42DE}"/>
               </a:ext>
             </a:extLst>
           </p:cNvPr>
@@ -831,7 +834,7 @@
           <a:p>
             <a:fld id="{D3B685CF-05DD-4658-9B06-06845ED9451B}" type="datetimeFigureOut">
               <a:rPr lang="zh-CN" altLang="en-US" smtClean="0"/>
-              <a:t>2018/7/23</a:t>
+              <a:t>2018/7/26</a:t>
             </a:fld>
             <a:endParaRPr lang="zh-CN" altLang="en-US"/>
           </a:p>
@@ -842,7 +845,7 @@
           <p:cNvPr id="5" name="页脚占位符 4">
             <a:extLst>
               <a:ext uri="{FF2B5EF4-FFF2-40B4-BE49-F238E27FC236}">
-                <a16:creationId xmlns:a16="http://schemas.microsoft.com/office/drawing/2014/main" xmlns="" id="{13B04B88-D41A-4688-9279-72DDE1B03570}"/>
+                <a16:creationId xmlns:a16="http://schemas.microsoft.com/office/drawing/2014/main" id="{13B04B88-D41A-4688-9279-72DDE1B03570}"/>
               </a:ext>
             </a:extLst>
           </p:cNvPr>
@@ -867,7 +870,7 @@
           <p:cNvPr id="6" name="灯片编号占位符 5">
             <a:extLst>
               <a:ext uri="{FF2B5EF4-FFF2-40B4-BE49-F238E27FC236}">
-                <a16:creationId xmlns:a16="http://schemas.microsoft.com/office/drawing/2014/main" xmlns="" id="{13906B67-1FC3-45D1-809F-1D068B01C2CC}"/>
+                <a16:creationId xmlns:a16="http://schemas.microsoft.com/office/drawing/2014/main" id="{13906B67-1FC3-45D1-809F-1D068B01C2CC}"/>
               </a:ext>
             </a:extLst>
           </p:cNvPr>
@@ -926,7 +929,7 @@
           <p:cNvPr id="2" name="标题 1">
             <a:extLst>
               <a:ext uri="{FF2B5EF4-FFF2-40B4-BE49-F238E27FC236}">
-                <a16:creationId xmlns:a16="http://schemas.microsoft.com/office/drawing/2014/main" xmlns="" id="{93829A10-6E5B-407F-B75D-F81C28EC3C99}"/>
+                <a16:creationId xmlns:a16="http://schemas.microsoft.com/office/drawing/2014/main" id="{93829A10-6E5B-407F-B75D-F81C28EC3C99}"/>
               </a:ext>
             </a:extLst>
           </p:cNvPr>
@@ -963,7 +966,7 @@
           <p:cNvPr id="3" name="文本占位符 2">
             <a:extLst>
               <a:ext uri="{FF2B5EF4-FFF2-40B4-BE49-F238E27FC236}">
-                <a16:creationId xmlns:a16="http://schemas.microsoft.com/office/drawing/2014/main" xmlns="" id="{5CE05E73-EB18-44B9-86FB-CE40702FDFF1}"/>
+                <a16:creationId xmlns:a16="http://schemas.microsoft.com/office/drawing/2014/main" id="{5CE05E73-EB18-44B9-86FB-CE40702FDFF1}"/>
               </a:ext>
             </a:extLst>
           </p:cNvPr>
@@ -1088,7 +1091,7 @@
           <p:cNvPr id="4" name="日期占位符 3">
             <a:extLst>
               <a:ext uri="{FF2B5EF4-FFF2-40B4-BE49-F238E27FC236}">
-                <a16:creationId xmlns:a16="http://schemas.microsoft.com/office/drawing/2014/main" xmlns="" id="{06DC7E8F-AA26-44A7-86A1-15FAC0515E8B}"/>
+                <a16:creationId xmlns:a16="http://schemas.microsoft.com/office/drawing/2014/main" id="{06DC7E8F-AA26-44A7-86A1-15FAC0515E8B}"/>
               </a:ext>
             </a:extLst>
           </p:cNvPr>
@@ -1106,7 +1109,7 @@
           <a:p>
             <a:fld id="{D3B685CF-05DD-4658-9B06-06845ED9451B}" type="datetimeFigureOut">
               <a:rPr lang="zh-CN" altLang="en-US" smtClean="0"/>
-              <a:t>2018/7/23</a:t>
+              <a:t>2018/7/26</a:t>
             </a:fld>
             <a:endParaRPr lang="zh-CN" altLang="en-US"/>
           </a:p>
@@ -1117,7 +1120,7 @@
           <p:cNvPr id="5" name="页脚占位符 4">
             <a:extLst>
               <a:ext uri="{FF2B5EF4-FFF2-40B4-BE49-F238E27FC236}">
-                <a16:creationId xmlns:a16="http://schemas.microsoft.com/office/drawing/2014/main" xmlns="" id="{5E53C6DD-ACA2-46A2-977E-CACA41DF418E}"/>
+                <a16:creationId xmlns:a16="http://schemas.microsoft.com/office/drawing/2014/main" id="{5E53C6DD-ACA2-46A2-977E-CACA41DF418E}"/>
               </a:ext>
             </a:extLst>
           </p:cNvPr>
@@ -1142,7 +1145,7 @@
           <p:cNvPr id="6" name="灯片编号占位符 5">
             <a:extLst>
               <a:ext uri="{FF2B5EF4-FFF2-40B4-BE49-F238E27FC236}">
-                <a16:creationId xmlns:a16="http://schemas.microsoft.com/office/drawing/2014/main" xmlns="" id="{94C0A770-B5C2-49A1-B551-FEBFEA495CCC}"/>
+                <a16:creationId xmlns:a16="http://schemas.microsoft.com/office/drawing/2014/main" id="{94C0A770-B5C2-49A1-B551-FEBFEA495CCC}"/>
               </a:ext>
             </a:extLst>
           </p:cNvPr>
@@ -1201,7 +1204,7 @@
           <p:cNvPr id="2" name="标题 1">
             <a:extLst>
               <a:ext uri="{FF2B5EF4-FFF2-40B4-BE49-F238E27FC236}">
-                <a16:creationId xmlns:a16="http://schemas.microsoft.com/office/drawing/2014/main" xmlns="" id="{20E86134-4E94-4A0C-A15D-B83812318D7B}"/>
+                <a16:creationId xmlns:a16="http://schemas.microsoft.com/office/drawing/2014/main" id="{20E86134-4E94-4A0C-A15D-B83812318D7B}"/>
               </a:ext>
             </a:extLst>
           </p:cNvPr>
@@ -1229,7 +1232,7 @@
           <p:cNvPr id="3" name="内容占位符 2">
             <a:extLst>
               <a:ext uri="{FF2B5EF4-FFF2-40B4-BE49-F238E27FC236}">
-                <a16:creationId xmlns:a16="http://schemas.microsoft.com/office/drawing/2014/main" xmlns="" id="{F96D7E77-2F48-4544-A1CD-9E86FCC55571}"/>
+                <a16:creationId xmlns:a16="http://schemas.microsoft.com/office/drawing/2014/main" id="{F96D7E77-2F48-4544-A1CD-9E86FCC55571}"/>
               </a:ext>
             </a:extLst>
           </p:cNvPr>
@@ -1291,7 +1294,7 @@
           <p:cNvPr id="4" name="内容占位符 3">
             <a:extLst>
               <a:ext uri="{FF2B5EF4-FFF2-40B4-BE49-F238E27FC236}">
-                <a16:creationId xmlns:a16="http://schemas.microsoft.com/office/drawing/2014/main" xmlns="" id="{378EF259-984C-4612-9697-1B614C457210}"/>
+                <a16:creationId xmlns:a16="http://schemas.microsoft.com/office/drawing/2014/main" id="{378EF259-984C-4612-9697-1B614C457210}"/>
               </a:ext>
             </a:extLst>
           </p:cNvPr>
@@ -1353,7 +1356,7 @@
           <p:cNvPr id="5" name="日期占位符 4">
             <a:extLst>
               <a:ext uri="{FF2B5EF4-FFF2-40B4-BE49-F238E27FC236}">
-                <a16:creationId xmlns:a16="http://schemas.microsoft.com/office/drawing/2014/main" xmlns="" id="{04FF540F-8520-4FB4-ACA3-49897EC342D8}"/>
+                <a16:creationId xmlns:a16="http://schemas.microsoft.com/office/drawing/2014/main" id="{04FF540F-8520-4FB4-ACA3-49897EC342D8}"/>
               </a:ext>
             </a:extLst>
           </p:cNvPr>
@@ -1371,7 +1374,7 @@
           <a:p>
             <a:fld id="{D3B685CF-05DD-4658-9B06-06845ED9451B}" type="datetimeFigureOut">
               <a:rPr lang="zh-CN" altLang="en-US" smtClean="0"/>
-              <a:t>2018/7/23</a:t>
+              <a:t>2018/7/26</a:t>
             </a:fld>
             <a:endParaRPr lang="zh-CN" altLang="en-US"/>
           </a:p>
@@ -1382,7 +1385,7 @@
           <p:cNvPr id="6" name="页脚占位符 5">
             <a:extLst>
               <a:ext uri="{FF2B5EF4-FFF2-40B4-BE49-F238E27FC236}">
-                <a16:creationId xmlns:a16="http://schemas.microsoft.com/office/drawing/2014/main" xmlns="" id="{93EAA31E-3C16-4F4D-B614-85753F02F6B7}"/>
+                <a16:creationId xmlns:a16="http://schemas.microsoft.com/office/drawing/2014/main" id="{93EAA31E-3C16-4F4D-B614-85753F02F6B7}"/>
               </a:ext>
             </a:extLst>
           </p:cNvPr>
@@ -1407,7 +1410,7 @@
           <p:cNvPr id="7" name="灯片编号占位符 6">
             <a:extLst>
               <a:ext uri="{FF2B5EF4-FFF2-40B4-BE49-F238E27FC236}">
-                <a16:creationId xmlns:a16="http://schemas.microsoft.com/office/drawing/2014/main" xmlns="" id="{672D8E7C-60B4-42A0-AD00-D18A2C69FA31}"/>
+                <a16:creationId xmlns:a16="http://schemas.microsoft.com/office/drawing/2014/main" id="{672D8E7C-60B4-42A0-AD00-D18A2C69FA31}"/>
               </a:ext>
             </a:extLst>
           </p:cNvPr>
@@ -1466,7 +1469,7 @@
           <p:cNvPr id="2" name="标题 1">
             <a:extLst>
               <a:ext uri="{FF2B5EF4-FFF2-40B4-BE49-F238E27FC236}">
-                <a16:creationId xmlns:a16="http://schemas.microsoft.com/office/drawing/2014/main" xmlns="" id="{3DAA7673-F055-48BB-BC0D-B50A12E1DFAB}"/>
+                <a16:creationId xmlns:a16="http://schemas.microsoft.com/office/drawing/2014/main" id="{3DAA7673-F055-48BB-BC0D-B50A12E1DFAB}"/>
               </a:ext>
             </a:extLst>
           </p:cNvPr>
@@ -1499,7 +1502,7 @@
           <p:cNvPr id="3" name="文本占位符 2">
             <a:extLst>
               <a:ext uri="{FF2B5EF4-FFF2-40B4-BE49-F238E27FC236}">
-                <a16:creationId xmlns:a16="http://schemas.microsoft.com/office/drawing/2014/main" xmlns="" id="{12565607-4068-4C48-8E05-1F84A51D9647}"/>
+                <a16:creationId xmlns:a16="http://schemas.microsoft.com/office/drawing/2014/main" id="{12565607-4068-4C48-8E05-1F84A51D9647}"/>
               </a:ext>
             </a:extLst>
           </p:cNvPr>
@@ -1570,7 +1573,7 @@
           <p:cNvPr id="4" name="内容占位符 3">
             <a:extLst>
               <a:ext uri="{FF2B5EF4-FFF2-40B4-BE49-F238E27FC236}">
-                <a16:creationId xmlns:a16="http://schemas.microsoft.com/office/drawing/2014/main" xmlns="" id="{18D95BEA-0F84-49F2-BC33-24F0EFB4FF5C}"/>
+                <a16:creationId xmlns:a16="http://schemas.microsoft.com/office/drawing/2014/main" id="{18D95BEA-0F84-49F2-BC33-24F0EFB4FF5C}"/>
               </a:ext>
             </a:extLst>
           </p:cNvPr>
@@ -1632,7 +1635,7 @@
           <p:cNvPr id="5" name="文本占位符 4">
             <a:extLst>
               <a:ext uri="{FF2B5EF4-FFF2-40B4-BE49-F238E27FC236}">
-                <a16:creationId xmlns:a16="http://schemas.microsoft.com/office/drawing/2014/main" xmlns="" id="{FADB7FA0-9F9C-47EB-ADEC-362EE55BD927}"/>
+                <a16:creationId xmlns:a16="http://schemas.microsoft.com/office/drawing/2014/main" id="{FADB7FA0-9F9C-47EB-ADEC-362EE55BD927}"/>
               </a:ext>
             </a:extLst>
           </p:cNvPr>
@@ -1703,7 +1706,7 @@
           <p:cNvPr id="6" name="内容占位符 5">
             <a:extLst>
               <a:ext uri="{FF2B5EF4-FFF2-40B4-BE49-F238E27FC236}">
-                <a16:creationId xmlns:a16="http://schemas.microsoft.com/office/drawing/2014/main" xmlns="" id="{E7248ACC-75CB-41AA-817D-12AE2F3C6FFE}"/>
+                <a16:creationId xmlns:a16="http://schemas.microsoft.com/office/drawing/2014/main" id="{E7248ACC-75CB-41AA-817D-12AE2F3C6FFE}"/>
               </a:ext>
             </a:extLst>
           </p:cNvPr>
@@ -1765,7 +1768,7 @@
           <p:cNvPr id="7" name="日期占位符 6">
             <a:extLst>
               <a:ext uri="{FF2B5EF4-FFF2-40B4-BE49-F238E27FC236}">
-                <a16:creationId xmlns:a16="http://schemas.microsoft.com/office/drawing/2014/main" xmlns="" id="{0DB29D8F-F426-4E51-A0A5-3C4CEC90EC5D}"/>
+                <a16:creationId xmlns:a16="http://schemas.microsoft.com/office/drawing/2014/main" id="{0DB29D8F-F426-4E51-A0A5-3C4CEC90EC5D}"/>
               </a:ext>
             </a:extLst>
           </p:cNvPr>
@@ -1783,7 +1786,7 @@
           <a:p>
             <a:fld id="{D3B685CF-05DD-4658-9B06-06845ED9451B}" type="datetimeFigureOut">
               <a:rPr lang="zh-CN" altLang="en-US" smtClean="0"/>
-              <a:t>2018/7/23</a:t>
+              <a:t>2018/7/26</a:t>
             </a:fld>
             <a:endParaRPr lang="zh-CN" altLang="en-US"/>
           </a:p>
@@ -1794,7 +1797,7 @@
           <p:cNvPr id="8" name="页脚占位符 7">
             <a:extLst>
               <a:ext uri="{FF2B5EF4-FFF2-40B4-BE49-F238E27FC236}">
-                <a16:creationId xmlns:a16="http://schemas.microsoft.com/office/drawing/2014/main" xmlns="" id="{A88F9B0E-30F6-457F-85F2-E64914582D9B}"/>
+                <a16:creationId xmlns:a16="http://schemas.microsoft.com/office/drawing/2014/main" id="{A88F9B0E-30F6-457F-85F2-E64914582D9B}"/>
               </a:ext>
             </a:extLst>
           </p:cNvPr>
@@ -1819,7 +1822,7 @@
           <p:cNvPr id="9" name="灯片编号占位符 8">
             <a:extLst>
               <a:ext uri="{FF2B5EF4-FFF2-40B4-BE49-F238E27FC236}">
-                <a16:creationId xmlns:a16="http://schemas.microsoft.com/office/drawing/2014/main" xmlns="" id="{A3E9E7FD-B0B2-4B59-94D3-CAF66405DB56}"/>
+                <a16:creationId xmlns:a16="http://schemas.microsoft.com/office/drawing/2014/main" id="{A3E9E7FD-B0B2-4B59-94D3-CAF66405DB56}"/>
               </a:ext>
             </a:extLst>
           </p:cNvPr>
@@ -1878,7 +1881,7 @@
           <p:cNvPr id="2" name="标题 1">
             <a:extLst>
               <a:ext uri="{FF2B5EF4-FFF2-40B4-BE49-F238E27FC236}">
-                <a16:creationId xmlns:a16="http://schemas.microsoft.com/office/drawing/2014/main" xmlns="" id="{6E8B22ED-2DBF-4A5A-8181-C8D94BB0A722}"/>
+                <a16:creationId xmlns:a16="http://schemas.microsoft.com/office/drawing/2014/main" id="{6E8B22ED-2DBF-4A5A-8181-C8D94BB0A722}"/>
               </a:ext>
             </a:extLst>
           </p:cNvPr>
@@ -1906,7 +1909,7 @@
           <p:cNvPr id="3" name="日期占位符 2">
             <a:extLst>
               <a:ext uri="{FF2B5EF4-FFF2-40B4-BE49-F238E27FC236}">
-                <a16:creationId xmlns:a16="http://schemas.microsoft.com/office/drawing/2014/main" xmlns="" id="{90CA4E6A-2A2F-4177-93FD-19E26096B93E}"/>
+                <a16:creationId xmlns:a16="http://schemas.microsoft.com/office/drawing/2014/main" id="{90CA4E6A-2A2F-4177-93FD-19E26096B93E}"/>
               </a:ext>
             </a:extLst>
           </p:cNvPr>
@@ -1924,7 +1927,7 @@
           <a:p>
             <a:fld id="{D3B685CF-05DD-4658-9B06-06845ED9451B}" type="datetimeFigureOut">
               <a:rPr lang="zh-CN" altLang="en-US" smtClean="0"/>
-              <a:t>2018/7/23</a:t>
+              <a:t>2018/7/26</a:t>
             </a:fld>
             <a:endParaRPr lang="zh-CN" altLang="en-US"/>
           </a:p>
@@ -1935,7 +1938,7 @@
           <p:cNvPr id="4" name="页脚占位符 3">
             <a:extLst>
               <a:ext uri="{FF2B5EF4-FFF2-40B4-BE49-F238E27FC236}">
-                <a16:creationId xmlns:a16="http://schemas.microsoft.com/office/drawing/2014/main" xmlns="" id="{621446D4-BE62-44A4-9C63-2BFF90455072}"/>
+                <a16:creationId xmlns:a16="http://schemas.microsoft.com/office/drawing/2014/main" id="{621446D4-BE62-44A4-9C63-2BFF90455072}"/>
               </a:ext>
             </a:extLst>
           </p:cNvPr>
@@ -1960,7 +1963,7 @@
           <p:cNvPr id="5" name="灯片编号占位符 4">
             <a:extLst>
               <a:ext uri="{FF2B5EF4-FFF2-40B4-BE49-F238E27FC236}">
-                <a16:creationId xmlns:a16="http://schemas.microsoft.com/office/drawing/2014/main" xmlns="" id="{B8A11A11-70A6-45E2-944D-56FD59670EBB}"/>
+                <a16:creationId xmlns:a16="http://schemas.microsoft.com/office/drawing/2014/main" id="{B8A11A11-70A6-45E2-944D-56FD59670EBB}"/>
               </a:ext>
             </a:extLst>
           </p:cNvPr>
@@ -2019,7 +2022,7 @@
           <p:cNvPr id="2" name="日期占位符 1">
             <a:extLst>
               <a:ext uri="{FF2B5EF4-FFF2-40B4-BE49-F238E27FC236}">
-                <a16:creationId xmlns:a16="http://schemas.microsoft.com/office/drawing/2014/main" xmlns="" id="{944D6401-666C-4E1E-B427-A901A7B2A96C}"/>
+                <a16:creationId xmlns:a16="http://schemas.microsoft.com/office/drawing/2014/main" id="{944D6401-666C-4E1E-B427-A901A7B2A96C}"/>
               </a:ext>
             </a:extLst>
           </p:cNvPr>
@@ -2037,7 +2040,7 @@
           <a:p>
             <a:fld id="{D3B685CF-05DD-4658-9B06-06845ED9451B}" type="datetimeFigureOut">
               <a:rPr lang="zh-CN" altLang="en-US" smtClean="0"/>
-              <a:t>2018/7/23</a:t>
+              <a:t>2018/7/26</a:t>
             </a:fld>
             <a:endParaRPr lang="zh-CN" altLang="en-US"/>
           </a:p>
@@ -2048,7 +2051,7 @@
           <p:cNvPr id="3" name="页脚占位符 2">
             <a:extLst>
               <a:ext uri="{FF2B5EF4-FFF2-40B4-BE49-F238E27FC236}">
-                <a16:creationId xmlns:a16="http://schemas.microsoft.com/office/drawing/2014/main" xmlns="" id="{C1141513-744D-4DB4-B4DB-10C84D946A98}"/>
+                <a16:creationId xmlns:a16="http://schemas.microsoft.com/office/drawing/2014/main" id="{C1141513-744D-4DB4-B4DB-10C84D946A98}"/>
               </a:ext>
             </a:extLst>
           </p:cNvPr>
@@ -2073,7 +2076,7 @@
           <p:cNvPr id="4" name="灯片编号占位符 3">
             <a:extLst>
               <a:ext uri="{FF2B5EF4-FFF2-40B4-BE49-F238E27FC236}">
-                <a16:creationId xmlns:a16="http://schemas.microsoft.com/office/drawing/2014/main" xmlns="" id="{50451892-D0AF-4AB1-A8B6-D32ECDC5BAD2}"/>
+                <a16:creationId xmlns:a16="http://schemas.microsoft.com/office/drawing/2014/main" id="{50451892-D0AF-4AB1-A8B6-D32ECDC5BAD2}"/>
               </a:ext>
             </a:extLst>
           </p:cNvPr>
@@ -2132,7 +2135,7 @@
           <p:cNvPr id="2" name="标题 1">
             <a:extLst>
               <a:ext uri="{FF2B5EF4-FFF2-40B4-BE49-F238E27FC236}">
-                <a16:creationId xmlns:a16="http://schemas.microsoft.com/office/drawing/2014/main" xmlns="" id="{1CDA1B03-EEB6-449F-B587-D8A250E3F408}"/>
+                <a16:creationId xmlns:a16="http://schemas.microsoft.com/office/drawing/2014/main" id="{1CDA1B03-EEB6-449F-B587-D8A250E3F408}"/>
               </a:ext>
             </a:extLst>
           </p:cNvPr>
@@ -2169,7 +2172,7 @@
           <p:cNvPr id="3" name="内容占位符 2">
             <a:extLst>
               <a:ext uri="{FF2B5EF4-FFF2-40B4-BE49-F238E27FC236}">
-                <a16:creationId xmlns:a16="http://schemas.microsoft.com/office/drawing/2014/main" xmlns="" id="{739C6ED7-0309-4F98-8E8C-1407596D463D}"/>
+                <a16:creationId xmlns:a16="http://schemas.microsoft.com/office/drawing/2014/main" id="{739C6ED7-0309-4F98-8E8C-1407596D463D}"/>
               </a:ext>
             </a:extLst>
           </p:cNvPr>
@@ -2259,7 +2262,7 @@
           <p:cNvPr id="4" name="文本占位符 3">
             <a:extLst>
               <a:ext uri="{FF2B5EF4-FFF2-40B4-BE49-F238E27FC236}">
-                <a16:creationId xmlns:a16="http://schemas.microsoft.com/office/drawing/2014/main" xmlns="" id="{8397134F-D875-45C7-8414-A1348E2A2713}"/>
+                <a16:creationId xmlns:a16="http://schemas.microsoft.com/office/drawing/2014/main" id="{8397134F-D875-45C7-8414-A1348E2A2713}"/>
               </a:ext>
             </a:extLst>
           </p:cNvPr>
@@ -2330,7 +2333,7 @@
           <p:cNvPr id="5" name="日期占位符 4">
             <a:extLst>
               <a:ext uri="{FF2B5EF4-FFF2-40B4-BE49-F238E27FC236}">
-                <a16:creationId xmlns:a16="http://schemas.microsoft.com/office/drawing/2014/main" xmlns="" id="{3CF02891-F26E-4C77-849A-A789958A3991}"/>
+                <a16:creationId xmlns:a16="http://schemas.microsoft.com/office/drawing/2014/main" id="{3CF02891-F26E-4C77-849A-A789958A3991}"/>
               </a:ext>
             </a:extLst>
           </p:cNvPr>
@@ -2348,7 +2351,7 @@
           <a:p>
             <a:fld id="{D3B685CF-05DD-4658-9B06-06845ED9451B}" type="datetimeFigureOut">
               <a:rPr lang="zh-CN" altLang="en-US" smtClean="0"/>
-              <a:t>2018/7/23</a:t>
+              <a:t>2018/7/26</a:t>
             </a:fld>
             <a:endParaRPr lang="zh-CN" altLang="en-US"/>
           </a:p>
@@ -2359,7 +2362,7 @@
           <p:cNvPr id="6" name="页脚占位符 5">
             <a:extLst>
               <a:ext uri="{FF2B5EF4-FFF2-40B4-BE49-F238E27FC236}">
-                <a16:creationId xmlns:a16="http://schemas.microsoft.com/office/drawing/2014/main" xmlns="" id="{10F794DC-9C23-41AA-871C-1B1F276F55FD}"/>
+                <a16:creationId xmlns:a16="http://schemas.microsoft.com/office/drawing/2014/main" id="{10F794DC-9C23-41AA-871C-1B1F276F55FD}"/>
               </a:ext>
             </a:extLst>
           </p:cNvPr>
@@ -2384,7 +2387,7 @@
           <p:cNvPr id="7" name="灯片编号占位符 6">
             <a:extLst>
               <a:ext uri="{FF2B5EF4-FFF2-40B4-BE49-F238E27FC236}">
-                <a16:creationId xmlns:a16="http://schemas.microsoft.com/office/drawing/2014/main" xmlns="" id="{EFE8E85E-3D90-4BF4-BD34-8097D272FE25}"/>
+                <a16:creationId xmlns:a16="http://schemas.microsoft.com/office/drawing/2014/main" id="{EFE8E85E-3D90-4BF4-BD34-8097D272FE25}"/>
               </a:ext>
             </a:extLst>
           </p:cNvPr>
@@ -2443,7 +2446,7 @@
           <p:cNvPr id="2" name="标题 1">
             <a:extLst>
               <a:ext uri="{FF2B5EF4-FFF2-40B4-BE49-F238E27FC236}">
-                <a16:creationId xmlns:a16="http://schemas.microsoft.com/office/drawing/2014/main" xmlns="" id="{6AF319B2-F2EA-495A-82D3-E6EB39D4A314}"/>
+                <a16:creationId xmlns:a16="http://schemas.microsoft.com/office/drawing/2014/main" id="{6AF319B2-F2EA-495A-82D3-E6EB39D4A314}"/>
               </a:ext>
             </a:extLst>
           </p:cNvPr>
@@ -2480,7 +2483,7 @@
           <p:cNvPr id="3" name="图片占位符 2">
             <a:extLst>
               <a:ext uri="{FF2B5EF4-FFF2-40B4-BE49-F238E27FC236}">
-                <a16:creationId xmlns:a16="http://schemas.microsoft.com/office/drawing/2014/main" xmlns="" id="{DC669108-E9E2-412C-92F4-801DAD27A8D8}"/>
+                <a16:creationId xmlns:a16="http://schemas.microsoft.com/office/drawing/2014/main" id="{DC669108-E9E2-412C-92F4-801DAD27A8D8}"/>
               </a:ext>
             </a:extLst>
           </p:cNvPr>
@@ -2547,7 +2550,7 @@
           <p:cNvPr id="4" name="文本占位符 3">
             <a:extLst>
               <a:ext uri="{FF2B5EF4-FFF2-40B4-BE49-F238E27FC236}">
-                <a16:creationId xmlns:a16="http://schemas.microsoft.com/office/drawing/2014/main" xmlns="" id="{F644806A-9C87-4B48-9471-9E8D8BC120E1}"/>
+                <a16:creationId xmlns:a16="http://schemas.microsoft.com/office/drawing/2014/main" id="{F644806A-9C87-4B48-9471-9E8D8BC120E1}"/>
               </a:ext>
             </a:extLst>
           </p:cNvPr>
@@ -2618,7 +2621,7 @@
           <p:cNvPr id="5" name="日期占位符 4">
             <a:extLst>
               <a:ext uri="{FF2B5EF4-FFF2-40B4-BE49-F238E27FC236}">
-                <a16:creationId xmlns:a16="http://schemas.microsoft.com/office/drawing/2014/main" xmlns="" id="{7BE6CDDA-FE39-4DB3-A68F-E1EBE86A321D}"/>
+                <a16:creationId xmlns:a16="http://schemas.microsoft.com/office/drawing/2014/main" id="{7BE6CDDA-FE39-4DB3-A68F-E1EBE86A321D}"/>
               </a:ext>
             </a:extLst>
           </p:cNvPr>
@@ -2636,7 +2639,7 @@
           <a:p>
             <a:fld id="{D3B685CF-05DD-4658-9B06-06845ED9451B}" type="datetimeFigureOut">
               <a:rPr lang="zh-CN" altLang="en-US" smtClean="0"/>
-              <a:t>2018/7/23</a:t>
+              <a:t>2018/7/26</a:t>
             </a:fld>
             <a:endParaRPr lang="zh-CN" altLang="en-US"/>
           </a:p>
@@ -2647,7 +2650,7 @@
           <p:cNvPr id="6" name="页脚占位符 5">
             <a:extLst>
               <a:ext uri="{FF2B5EF4-FFF2-40B4-BE49-F238E27FC236}">
-                <a16:creationId xmlns:a16="http://schemas.microsoft.com/office/drawing/2014/main" xmlns="" id="{EE0E17C6-1E15-4A08-99C9-CE3214A5BDB0}"/>
+                <a16:creationId xmlns:a16="http://schemas.microsoft.com/office/drawing/2014/main" id="{EE0E17C6-1E15-4A08-99C9-CE3214A5BDB0}"/>
               </a:ext>
             </a:extLst>
           </p:cNvPr>
@@ -2672,7 +2675,7 @@
           <p:cNvPr id="7" name="灯片编号占位符 6">
             <a:extLst>
               <a:ext uri="{FF2B5EF4-FFF2-40B4-BE49-F238E27FC236}">
-                <a16:creationId xmlns:a16="http://schemas.microsoft.com/office/drawing/2014/main" xmlns="" id="{F5EF518D-DE11-4978-A147-1D9DC5E1AEAA}"/>
+                <a16:creationId xmlns:a16="http://schemas.microsoft.com/office/drawing/2014/main" id="{F5EF518D-DE11-4978-A147-1D9DC5E1AEAA}"/>
               </a:ext>
             </a:extLst>
           </p:cNvPr>
@@ -2736,7 +2739,7 @@
           <p:cNvPr id="2" name="标题占位符 1">
             <a:extLst>
               <a:ext uri="{FF2B5EF4-FFF2-40B4-BE49-F238E27FC236}">
-                <a16:creationId xmlns:a16="http://schemas.microsoft.com/office/drawing/2014/main" xmlns="" id="{28EBF438-41A3-4937-996D-FA6764742BB8}"/>
+                <a16:creationId xmlns:a16="http://schemas.microsoft.com/office/drawing/2014/main" id="{28EBF438-41A3-4937-996D-FA6764742BB8}"/>
               </a:ext>
             </a:extLst>
           </p:cNvPr>
@@ -2774,7 +2777,7 @@
           <p:cNvPr id="3" name="文本占位符 2">
             <a:extLst>
               <a:ext uri="{FF2B5EF4-FFF2-40B4-BE49-F238E27FC236}">
-                <a16:creationId xmlns:a16="http://schemas.microsoft.com/office/drawing/2014/main" xmlns="" id="{FA3404A1-F618-4B83-9FE9-069EC716D197}"/>
+                <a16:creationId xmlns:a16="http://schemas.microsoft.com/office/drawing/2014/main" id="{FA3404A1-F618-4B83-9FE9-069EC716D197}"/>
               </a:ext>
             </a:extLst>
           </p:cNvPr>
@@ -2841,7 +2844,7 @@
           <p:cNvPr id="4" name="日期占位符 3">
             <a:extLst>
               <a:ext uri="{FF2B5EF4-FFF2-40B4-BE49-F238E27FC236}">
-                <a16:creationId xmlns:a16="http://schemas.microsoft.com/office/drawing/2014/main" xmlns="" id="{9C8E792F-4EBC-413C-A243-D97C66D1E2C0}"/>
+                <a16:creationId xmlns:a16="http://schemas.microsoft.com/office/drawing/2014/main" id="{9C8E792F-4EBC-413C-A243-D97C66D1E2C0}"/>
               </a:ext>
             </a:extLst>
           </p:cNvPr>
@@ -2877,7 +2880,7 @@
           <a:p>
             <a:fld id="{D3B685CF-05DD-4658-9B06-06845ED9451B}" type="datetimeFigureOut">
               <a:rPr lang="zh-CN" altLang="en-US" smtClean="0"/>
-              <a:t>2018/7/23</a:t>
+              <a:t>2018/7/26</a:t>
             </a:fld>
             <a:endParaRPr lang="zh-CN" altLang="en-US"/>
           </a:p>
@@ -2888,7 +2891,7 @@
           <p:cNvPr id="5" name="页脚占位符 4">
             <a:extLst>
               <a:ext uri="{FF2B5EF4-FFF2-40B4-BE49-F238E27FC236}">
-                <a16:creationId xmlns:a16="http://schemas.microsoft.com/office/drawing/2014/main" xmlns="" id="{8D5A4C37-2E6F-4F77-B247-ED9AAB071824}"/>
+                <a16:creationId xmlns:a16="http://schemas.microsoft.com/office/drawing/2014/main" id="{8D5A4C37-2E6F-4F77-B247-ED9AAB071824}"/>
               </a:ext>
             </a:extLst>
           </p:cNvPr>
@@ -2931,7 +2934,7 @@
           <p:cNvPr id="6" name="灯片编号占位符 5">
             <a:extLst>
               <a:ext uri="{FF2B5EF4-FFF2-40B4-BE49-F238E27FC236}">
-                <a16:creationId xmlns:a16="http://schemas.microsoft.com/office/drawing/2014/main" xmlns="" id="{665BB5BD-B023-490B-8DCF-87B72E474604}"/>
+                <a16:creationId xmlns:a16="http://schemas.microsoft.com/office/drawing/2014/main" id="{665BB5BD-B023-490B-8DCF-87B72E474604}"/>
               </a:ext>
             </a:extLst>
           </p:cNvPr>
@@ -3299,7 +3302,7 @@
           <p:cNvPr id="6" name="文本框 5">
             <a:extLst>
               <a:ext uri="{FF2B5EF4-FFF2-40B4-BE49-F238E27FC236}">
-                <a16:creationId xmlns:a16="http://schemas.microsoft.com/office/drawing/2014/main" xmlns="" id="{EF9A482E-16EC-486F-9826-66494BC347A6}"/>
+                <a16:creationId xmlns:a16="http://schemas.microsoft.com/office/drawing/2014/main" id="{EF9A482E-16EC-486F-9826-66494BC347A6}"/>
               </a:ext>
             </a:extLst>
           </p:cNvPr>
@@ -3339,7 +3342,7 @@
           <p:cNvPr id="2" name="文本框 1">
             <a:extLst>
               <a:ext uri="{FF2B5EF4-FFF2-40B4-BE49-F238E27FC236}">
-                <a16:creationId xmlns:a16="http://schemas.microsoft.com/office/drawing/2014/main" xmlns="" id="{A2D70462-C063-4807-A5D8-B3CF3584F8C6}"/>
+                <a16:creationId xmlns:a16="http://schemas.microsoft.com/office/drawing/2014/main" id="{A2D70462-C063-4807-A5D8-B3CF3584F8C6}"/>
               </a:ext>
             </a:extLst>
           </p:cNvPr>
@@ -3404,7 +3407,7 @@
           <p:cNvPr id="2" name="矩形 1">
             <a:extLst>
               <a:ext uri="{FF2B5EF4-FFF2-40B4-BE49-F238E27FC236}">
-                <a16:creationId xmlns:a16="http://schemas.microsoft.com/office/drawing/2014/main" xmlns="" id="{ED11C739-B461-4D43-A941-1A0BFD925806}"/>
+                <a16:creationId xmlns:a16="http://schemas.microsoft.com/office/drawing/2014/main" id="{ED11C739-B461-4D43-A941-1A0BFD925806}"/>
               </a:ext>
             </a:extLst>
           </p:cNvPr>
@@ -3414,7 +3417,7 @@
         <p:spPr>
           <a:xfrm>
             <a:off x="75849" y="208881"/>
-            <a:ext cx="1989647" cy="369332"/>
+            <a:ext cx="2451312" cy="369332"/>
           </a:xfrm>
           <a:prstGeom prst="rect">
             <a:avLst/>
@@ -3428,7 +3431,7 @@
           <a:p>
             <a:r>
               <a:rPr lang="zh-CN" altLang="en-US" dirty="0"/>
-              <a:t>二、</a:t>
+              <a:t>三、对象在</a:t>
             </a:r>
             <a:r>
               <a:rPr lang="en-US" altLang="zh-CN" dirty="0"/>
@@ -3436,11 +3439,727 @@
             </a:r>
             <a:r>
               <a:rPr lang="zh-CN" altLang="en-US" dirty="0"/>
-              <a:t>内存结构</a:t>
-            </a:r>
-          </a:p>
-        </p:txBody>
-      </p:sp>
+              <a:t>内存中</a:t>
+            </a:r>
+          </a:p>
+        </p:txBody>
+      </p:sp>
+      <p:sp>
+        <p:nvSpPr>
+          <p:cNvPr id="3" name="文本框 2">
+            <a:extLst>
+              <a:ext uri="{FF2B5EF4-FFF2-40B4-BE49-F238E27FC236}">
+                <a16:creationId xmlns:a16="http://schemas.microsoft.com/office/drawing/2014/main" id="{3CE3C6CE-63E3-4611-8265-B95D4C0143E4}"/>
+              </a:ext>
+            </a:extLst>
+          </p:cNvPr>
+          <p:cNvSpPr txBox="1"/>
+          <p:nvPr/>
+        </p:nvSpPr>
+        <p:spPr>
+          <a:xfrm>
+            <a:off x="279871" y="751802"/>
+            <a:ext cx="1864613" cy="369332"/>
+          </a:xfrm>
+          <a:prstGeom prst="rect">
+            <a:avLst/>
+          </a:prstGeom>
+          <a:noFill/>
+        </p:spPr>
+        <p:txBody>
+          <a:bodyPr wrap="none" rtlCol="0">
+            <a:spAutoFit/>
+          </a:bodyPr>
+          <a:lstStyle/>
+          <a:p>
+            <a:r>
+              <a:rPr lang="en-US" altLang="zh-CN" dirty="0"/>
+              <a:t>3.1</a:t>
+            </a:r>
+            <a:r>
+              <a:rPr lang="zh-CN" altLang="en-US" dirty="0"/>
+              <a:t>、对象的表示</a:t>
+            </a:r>
+          </a:p>
+        </p:txBody>
+      </p:sp>
+      <p:sp>
+        <p:nvSpPr>
+          <p:cNvPr id="4" name="文本框 3">
+            <a:extLst>
+              <a:ext uri="{FF2B5EF4-FFF2-40B4-BE49-F238E27FC236}">
+                <a16:creationId xmlns:a16="http://schemas.microsoft.com/office/drawing/2014/main" id="{03CE9708-58DF-4ACA-8778-29D3D1FA8315}"/>
+              </a:ext>
+            </a:extLst>
+          </p:cNvPr>
+          <p:cNvSpPr txBox="1"/>
+          <p:nvPr/>
+        </p:nvSpPr>
+        <p:spPr>
+          <a:xfrm>
+            <a:off x="2429124" y="751802"/>
+            <a:ext cx="7565666" cy="923330"/>
+          </a:xfrm>
+          <a:prstGeom prst="rect">
+            <a:avLst/>
+          </a:prstGeom>
+          <a:noFill/>
+        </p:spPr>
+        <p:txBody>
+          <a:bodyPr wrap="square" rtlCol="0">
+            <a:spAutoFit/>
+          </a:bodyPr>
+          <a:lstStyle/>
+          <a:p>
+            <a:r>
+              <a:rPr lang="en-US" altLang="zh-CN" dirty="0"/>
+              <a:t>JVM</a:t>
+            </a:r>
+            <a:r>
+              <a:rPr lang="zh-CN" altLang="en-US" dirty="0"/>
+              <a:t>规范不强制规定对象的内部结构应当如何表示，各个</a:t>
+            </a:r>
+            <a:r>
+              <a:rPr lang="en-US" altLang="zh-CN" dirty="0"/>
+              <a:t>JVM</a:t>
+            </a:r>
+            <a:r>
+              <a:rPr lang="zh-CN" altLang="en-US" dirty="0"/>
+              <a:t>实现方式不同。这里以</a:t>
+            </a:r>
+            <a:r>
+              <a:rPr lang="en-US" altLang="zh-CN" dirty="0" err="1"/>
+              <a:t>HotSpot</a:t>
+            </a:r>
+            <a:r>
+              <a:rPr lang="zh-CN" altLang="en-US" dirty="0"/>
+              <a:t>虚拟机和常用的内存区域</a:t>
+            </a:r>
+            <a:r>
+              <a:rPr lang="en-US" altLang="zh-CN" dirty="0"/>
+              <a:t>java</a:t>
+            </a:r>
+            <a:r>
+              <a:rPr lang="zh-CN" altLang="en-US" dirty="0"/>
+              <a:t>堆为例，讨论对象分配、布局和访问的全过程。</a:t>
+            </a:r>
+          </a:p>
+        </p:txBody>
+      </p:sp>
+      <p:sp>
+        <p:nvSpPr>
+          <p:cNvPr id="5" name="文本框 4">
+            <a:extLst>
+              <a:ext uri="{FF2B5EF4-FFF2-40B4-BE49-F238E27FC236}">
+                <a16:creationId xmlns:a16="http://schemas.microsoft.com/office/drawing/2014/main" id="{85E98BCA-F078-4D9C-91D4-D95EAC9124F4}"/>
+              </a:ext>
+            </a:extLst>
+          </p:cNvPr>
+          <p:cNvSpPr txBox="1"/>
+          <p:nvPr/>
+        </p:nvSpPr>
+        <p:spPr>
+          <a:xfrm>
+            <a:off x="279871" y="2202512"/>
+            <a:ext cx="1633781" cy="369332"/>
+          </a:xfrm>
+          <a:prstGeom prst="rect">
+            <a:avLst/>
+          </a:prstGeom>
+          <a:noFill/>
+        </p:spPr>
+        <p:txBody>
+          <a:bodyPr wrap="none" rtlCol="0">
+            <a:spAutoFit/>
+          </a:bodyPr>
+          <a:lstStyle/>
+          <a:p>
+            <a:r>
+              <a:rPr lang="en-US" altLang="zh-CN" dirty="0"/>
+              <a:t>3.2</a:t>
+            </a:r>
+            <a:r>
+              <a:rPr lang="zh-CN" altLang="en-US" dirty="0"/>
+              <a:t>、对象结构</a:t>
+            </a:r>
+          </a:p>
+        </p:txBody>
+      </p:sp>
+      <p:sp>
+        <p:nvSpPr>
+          <p:cNvPr id="6" name="文本框 5">
+            <a:extLst>
+              <a:ext uri="{FF2B5EF4-FFF2-40B4-BE49-F238E27FC236}">
+                <a16:creationId xmlns:a16="http://schemas.microsoft.com/office/drawing/2014/main" id="{4ED55963-C395-42A3-B59D-E2949F13B44D}"/>
+              </a:ext>
+            </a:extLst>
+          </p:cNvPr>
+          <p:cNvSpPr txBox="1"/>
+          <p:nvPr/>
+        </p:nvSpPr>
+        <p:spPr>
+          <a:xfrm>
+            <a:off x="2429124" y="2202512"/>
+            <a:ext cx="8738484" cy="646331"/>
+          </a:xfrm>
+          <a:prstGeom prst="rect">
+            <a:avLst/>
+          </a:prstGeom>
+          <a:noFill/>
+        </p:spPr>
+        <p:txBody>
+          <a:bodyPr wrap="square" rtlCol="0">
+            <a:spAutoFit/>
+          </a:bodyPr>
+          <a:lstStyle/>
+          <a:p>
+            <a:r>
+              <a:rPr lang="zh-CN" altLang="en-US" dirty="0"/>
+              <a:t>对象在内存中的结构可以分为三块区域：对象头</a:t>
+            </a:r>
+            <a:r>
+              <a:rPr lang="en-US" altLang="zh-CN" dirty="0"/>
+              <a:t>(Header)</a:t>
+            </a:r>
+            <a:r>
+              <a:rPr lang="zh-CN" altLang="en-US" dirty="0"/>
+              <a:t>、实例数据</a:t>
+            </a:r>
+            <a:r>
+              <a:rPr lang="en-US" altLang="zh-CN" dirty="0"/>
+              <a:t>(Instance Data)</a:t>
+            </a:r>
+            <a:r>
+              <a:rPr lang="zh-CN" altLang="en-US" dirty="0"/>
+              <a:t>和对齐填充</a:t>
+            </a:r>
+            <a:r>
+              <a:rPr lang="en-US" altLang="zh-CN" dirty="0"/>
+              <a:t>(Padding)</a:t>
+            </a:r>
+            <a:r>
+              <a:rPr lang="zh-CN" altLang="en-US" dirty="0"/>
+              <a:t>。</a:t>
+            </a:r>
+          </a:p>
+        </p:txBody>
+      </p:sp>
+      <p:sp>
+        <p:nvSpPr>
+          <p:cNvPr id="7" name="文本框 6">
+            <a:extLst>
+              <a:ext uri="{FF2B5EF4-FFF2-40B4-BE49-F238E27FC236}">
+                <a16:creationId xmlns:a16="http://schemas.microsoft.com/office/drawing/2014/main" id="{C4B94CF5-78B6-425A-AF3A-5E031F765196}"/>
+              </a:ext>
+            </a:extLst>
+          </p:cNvPr>
+          <p:cNvSpPr txBox="1"/>
+          <p:nvPr/>
+        </p:nvSpPr>
+        <p:spPr>
+          <a:xfrm>
+            <a:off x="279871" y="3502550"/>
+            <a:ext cx="2068195" cy="369332"/>
+          </a:xfrm>
+          <a:prstGeom prst="rect">
+            <a:avLst/>
+          </a:prstGeom>
+          <a:noFill/>
+        </p:spPr>
+        <p:txBody>
+          <a:bodyPr wrap="none" rtlCol="0">
+            <a:spAutoFit/>
+          </a:bodyPr>
+          <a:lstStyle/>
+          <a:p>
+            <a:r>
+              <a:rPr lang="en-US" altLang="zh-CN" dirty="0"/>
+              <a:t>3.2.1</a:t>
+            </a:r>
+            <a:r>
+              <a:rPr lang="zh-CN" altLang="en-US" dirty="0"/>
+              <a:t>、</a:t>
+            </a:r>
+            <a:r>
+              <a:rPr lang="en-US" altLang="zh-CN" dirty="0"/>
+              <a:t> Mark Word</a:t>
+            </a:r>
+          </a:p>
+        </p:txBody>
+      </p:sp>
+      <p:sp>
+        <p:nvSpPr>
+          <p:cNvPr id="8" name="文本框 7">
+            <a:extLst>
+              <a:ext uri="{FF2B5EF4-FFF2-40B4-BE49-F238E27FC236}">
+                <a16:creationId xmlns:a16="http://schemas.microsoft.com/office/drawing/2014/main" id="{46BACB41-E382-404A-BA43-8719BA91A5B9}"/>
+              </a:ext>
+            </a:extLst>
+          </p:cNvPr>
+          <p:cNvSpPr txBox="1"/>
+          <p:nvPr/>
+        </p:nvSpPr>
+        <p:spPr>
+          <a:xfrm>
+            <a:off x="2429124" y="3502550"/>
+            <a:ext cx="8130209" cy="1200329"/>
+          </a:xfrm>
+          <a:prstGeom prst="rect">
+            <a:avLst/>
+          </a:prstGeom>
+          <a:noFill/>
+        </p:spPr>
+        <p:txBody>
+          <a:bodyPr wrap="square" rtlCol="0">
+            <a:spAutoFit/>
+          </a:bodyPr>
+          <a:lstStyle/>
+          <a:p>
+            <a:r>
+              <a:rPr lang="zh-CN" altLang="en-US" dirty="0"/>
+              <a:t>对象头第一部分，用于存储对象自身的运行时数据，这部分数据的长度在</a:t>
+            </a:r>
+            <a:r>
+              <a:rPr lang="en-US" altLang="zh-CN" dirty="0"/>
+              <a:t>32</a:t>
+            </a:r>
+            <a:r>
+              <a:rPr lang="zh-CN" altLang="en-US" dirty="0"/>
+              <a:t>位和</a:t>
+            </a:r>
+            <a:r>
+              <a:rPr lang="en-US" altLang="zh-CN" dirty="0"/>
+              <a:t>64</a:t>
+            </a:r>
+            <a:r>
+              <a:rPr lang="zh-CN" altLang="en-US" dirty="0"/>
+              <a:t>位</a:t>
+            </a:r>
+            <a:r>
+              <a:rPr lang="en-US" altLang="zh-CN" dirty="0"/>
+              <a:t>JVM</a:t>
+            </a:r>
+            <a:r>
+              <a:rPr lang="zh-CN" altLang="en-US" dirty="0"/>
+              <a:t>中分别为</a:t>
+            </a:r>
+            <a:r>
+              <a:rPr lang="en-US" altLang="zh-CN" dirty="0"/>
+              <a:t>32bit</a:t>
+            </a:r>
+            <a:r>
+              <a:rPr lang="zh-CN" altLang="en-US" dirty="0"/>
+              <a:t>和</a:t>
+            </a:r>
+            <a:r>
+              <a:rPr lang="en-US" altLang="zh-CN" dirty="0"/>
+              <a:t>64bit</a:t>
+            </a:r>
+            <a:r>
+              <a:rPr lang="zh-CN" altLang="en-US" dirty="0"/>
+              <a:t>。考虑到</a:t>
+            </a:r>
+            <a:r>
+              <a:rPr lang="en-US" altLang="zh-CN" dirty="0"/>
+              <a:t>JVM</a:t>
+            </a:r>
+            <a:r>
+              <a:rPr lang="zh-CN" altLang="en-US" dirty="0"/>
+              <a:t>的空间效率，</a:t>
+            </a:r>
+            <a:r>
+              <a:rPr lang="en-US" altLang="zh-CN" dirty="0"/>
+              <a:t> Mark Word</a:t>
+            </a:r>
+            <a:r>
+              <a:rPr lang="zh-CN" altLang="en-US" dirty="0"/>
+              <a:t>被设计成一个非固定的数据结构，以便在极小的空间内存储尽量多的信息，它会根据对象的状态复用自己的存储空间。</a:t>
+            </a:r>
+          </a:p>
+        </p:txBody>
+      </p:sp>
+      <p:graphicFrame>
+        <p:nvGraphicFramePr>
+          <p:cNvPr id="9" name="表格 8">
+            <a:extLst>
+              <a:ext uri="{FF2B5EF4-FFF2-40B4-BE49-F238E27FC236}">
+                <a16:creationId xmlns:a16="http://schemas.microsoft.com/office/drawing/2014/main" id="{8C7264C3-EF8E-40E7-B47C-C9F8474B40A8}"/>
+              </a:ext>
+            </a:extLst>
+          </p:cNvPr>
+          <p:cNvGraphicFramePr>
+            <a:graphicFrameLocks noGrp="1"/>
+          </p:cNvGraphicFramePr>
+          <p:nvPr>
+            <p:extLst>
+              <p:ext uri="{D42A27DB-BD31-4B8C-83A1-F6EECF244321}">
+                <p14:modId xmlns:p14="http://schemas.microsoft.com/office/powerpoint/2010/main" val="726323122"/>
+              </p:ext>
+            </p:extLst>
+          </p:nvPr>
+        </p:nvGraphicFramePr>
+        <p:xfrm>
+          <a:off x="2527161" y="4778194"/>
+          <a:ext cx="7698267" cy="1832226"/>
+        </p:xfrm>
+        <a:graphic>
+          <a:graphicData uri="http://schemas.openxmlformats.org/drawingml/2006/table">
+            <a:tbl>
+              <a:tblPr firstRow="1" bandRow="1">
+                <a:tableStyleId>{5C22544A-7EE6-4342-B048-85BDC9FD1C3A}</a:tableStyleId>
+              </a:tblPr>
+              <a:tblGrid>
+                <a:gridCol w="3263152">
+                  <a:extLst>
+                    <a:ext uri="{9D8B030D-6E8A-4147-A177-3AD203B41FA5}">
+                      <a16:colId xmlns:a16="http://schemas.microsoft.com/office/drawing/2014/main" val="398078932"/>
+                    </a:ext>
+                  </a:extLst>
+                </a:gridCol>
+                <a:gridCol w="1281953">
+                  <a:extLst>
+                    <a:ext uri="{9D8B030D-6E8A-4147-A177-3AD203B41FA5}">
+                      <a16:colId xmlns:a16="http://schemas.microsoft.com/office/drawing/2014/main" val="850375041"/>
+                    </a:ext>
+                  </a:extLst>
+                </a:gridCol>
+                <a:gridCol w="3153162">
+                  <a:extLst>
+                    <a:ext uri="{9D8B030D-6E8A-4147-A177-3AD203B41FA5}">
+                      <a16:colId xmlns:a16="http://schemas.microsoft.com/office/drawing/2014/main" val="3122848370"/>
+                    </a:ext>
+                  </a:extLst>
+                </a:gridCol>
+              </a:tblGrid>
+              <a:tr h="305371">
+                <a:tc>
+                  <a:txBody>
+                    <a:bodyPr/>
+                    <a:lstStyle/>
+                    <a:p>
+                      <a:pPr algn="ctr"/>
+                      <a:r>
+                        <a:rPr lang="zh-CN" altLang="en-US" sz="1100" dirty="0"/>
+                        <a:t>存储内容</a:t>
+                      </a:r>
+                    </a:p>
+                  </a:txBody>
+                  <a:tcPr marL="86384" marR="86384" marT="43192" marB="43192" anchor="ctr"/>
+                </a:tc>
+                <a:tc>
+                  <a:txBody>
+                    <a:bodyPr/>
+                    <a:lstStyle/>
+                    <a:p>
+                      <a:pPr algn="ctr"/>
+                      <a:r>
+                        <a:rPr lang="zh-CN" altLang="en-US" sz="1100" dirty="0"/>
+                        <a:t>标志位</a:t>
+                      </a:r>
+                    </a:p>
+                  </a:txBody>
+                  <a:tcPr marL="86384" marR="86384" marT="43192" marB="43192" anchor="ctr"/>
+                </a:tc>
+                <a:tc>
+                  <a:txBody>
+                    <a:bodyPr/>
+                    <a:lstStyle/>
+                    <a:p>
+                      <a:pPr algn="ctr"/>
+                      <a:r>
+                        <a:rPr lang="zh-CN" altLang="en-US" sz="1100" dirty="0"/>
+                        <a:t>状态</a:t>
+                      </a:r>
+                    </a:p>
+                  </a:txBody>
+                  <a:tcPr marL="86384" marR="86384" marT="43192" marB="43192" anchor="ctr"/>
+                </a:tc>
+                <a:extLst>
+                  <a:ext uri="{0D108BD9-81ED-4DB2-BD59-A6C34878D82A}">
+                    <a16:rowId xmlns:a16="http://schemas.microsoft.com/office/drawing/2014/main" val="3441575816"/>
+                  </a:ext>
+                </a:extLst>
+              </a:tr>
+              <a:tr h="305371">
+                <a:tc>
+                  <a:txBody>
+                    <a:bodyPr/>
+                    <a:lstStyle/>
+                    <a:p>
+                      <a:pPr algn="ctr"/>
+                      <a:r>
+                        <a:rPr lang="zh-CN" altLang="en-US" sz="1100" dirty="0"/>
+                        <a:t>对象哈希码、对象分代年龄</a:t>
+                      </a:r>
+                    </a:p>
+                  </a:txBody>
+                  <a:tcPr marL="86384" marR="86384" marT="43192" marB="43192" anchor="ctr"/>
+                </a:tc>
+                <a:tc>
+                  <a:txBody>
+                    <a:bodyPr/>
+                    <a:lstStyle/>
+                    <a:p>
+                      <a:pPr algn="ctr"/>
+                      <a:r>
+                        <a:rPr lang="en-US" altLang="zh-CN" sz="1100" dirty="0"/>
+                        <a:t>01</a:t>
+                      </a:r>
+                      <a:endParaRPr lang="zh-CN" altLang="en-US" sz="1100" dirty="0"/>
+                    </a:p>
+                  </a:txBody>
+                  <a:tcPr marL="86384" marR="86384" marT="43192" marB="43192" anchor="ctr"/>
+                </a:tc>
+                <a:tc>
+                  <a:txBody>
+                    <a:bodyPr/>
+                    <a:lstStyle/>
+                    <a:p>
+                      <a:pPr algn="ctr"/>
+                      <a:r>
+                        <a:rPr lang="zh-CN" altLang="en-US" sz="1100" dirty="0"/>
+                        <a:t>未锁定</a:t>
+                      </a:r>
+                    </a:p>
+                  </a:txBody>
+                  <a:tcPr marL="86384" marR="86384" marT="43192" marB="43192" anchor="ctr"/>
+                </a:tc>
+                <a:extLst>
+                  <a:ext uri="{0D108BD9-81ED-4DB2-BD59-A6C34878D82A}">
+                    <a16:rowId xmlns:a16="http://schemas.microsoft.com/office/drawing/2014/main" val="1940009901"/>
+                  </a:ext>
+                </a:extLst>
+              </a:tr>
+              <a:tr h="305371">
+                <a:tc>
+                  <a:txBody>
+                    <a:bodyPr/>
+                    <a:lstStyle/>
+                    <a:p>
+                      <a:pPr algn="ctr"/>
+                      <a:r>
+                        <a:rPr lang="zh-CN" altLang="en-US" sz="1100" dirty="0"/>
+                        <a:t>指向锁记录的指针</a:t>
+                      </a:r>
+                    </a:p>
+                  </a:txBody>
+                  <a:tcPr marL="86384" marR="86384" marT="43192" marB="43192" anchor="ctr"/>
+                </a:tc>
+                <a:tc>
+                  <a:txBody>
+                    <a:bodyPr/>
+                    <a:lstStyle/>
+                    <a:p>
+                      <a:pPr algn="ctr"/>
+                      <a:r>
+                        <a:rPr lang="en-US" altLang="zh-CN" sz="1100" dirty="0"/>
+                        <a:t>00</a:t>
+                      </a:r>
+                      <a:endParaRPr lang="zh-CN" altLang="en-US" sz="1100" dirty="0"/>
+                    </a:p>
+                  </a:txBody>
+                  <a:tcPr marL="86384" marR="86384" marT="43192" marB="43192" anchor="ctr"/>
+                </a:tc>
+                <a:tc>
+                  <a:txBody>
+                    <a:bodyPr/>
+                    <a:lstStyle/>
+                    <a:p>
+                      <a:pPr algn="ctr"/>
+                      <a:r>
+                        <a:rPr lang="zh-CN" altLang="en-US" sz="1100" dirty="0"/>
+                        <a:t>轻量级锁定</a:t>
+                      </a:r>
+                    </a:p>
+                  </a:txBody>
+                  <a:tcPr marL="86384" marR="86384" marT="43192" marB="43192" anchor="ctr"/>
+                </a:tc>
+                <a:extLst>
+                  <a:ext uri="{0D108BD9-81ED-4DB2-BD59-A6C34878D82A}">
+                    <a16:rowId xmlns:a16="http://schemas.microsoft.com/office/drawing/2014/main" val="3460300317"/>
+                  </a:ext>
+                </a:extLst>
+              </a:tr>
+              <a:tr h="305371">
+                <a:tc>
+                  <a:txBody>
+                    <a:bodyPr/>
+                    <a:lstStyle/>
+                    <a:p>
+                      <a:pPr algn="ctr"/>
+                      <a:r>
+                        <a:rPr lang="zh-CN" altLang="en-US" sz="1100" dirty="0"/>
+                        <a:t>指向重量级锁的指针</a:t>
+                      </a:r>
+                    </a:p>
+                  </a:txBody>
+                  <a:tcPr marL="86384" marR="86384" marT="43192" marB="43192" anchor="ctr"/>
+                </a:tc>
+                <a:tc>
+                  <a:txBody>
+                    <a:bodyPr/>
+                    <a:lstStyle/>
+                    <a:p>
+                      <a:pPr algn="ctr"/>
+                      <a:r>
+                        <a:rPr lang="en-US" altLang="zh-CN" sz="1100" dirty="0"/>
+                        <a:t>10</a:t>
+                      </a:r>
+                      <a:endParaRPr lang="zh-CN" altLang="en-US" sz="1100" dirty="0"/>
+                    </a:p>
+                  </a:txBody>
+                  <a:tcPr marL="86384" marR="86384" marT="43192" marB="43192" anchor="ctr"/>
+                </a:tc>
+                <a:tc>
+                  <a:txBody>
+                    <a:bodyPr/>
+                    <a:lstStyle/>
+                    <a:p>
+                      <a:pPr algn="ctr"/>
+                      <a:r>
+                        <a:rPr lang="zh-CN" altLang="en-US" sz="1100" dirty="0"/>
+                        <a:t>膨胀</a:t>
+                      </a:r>
+                      <a:r>
+                        <a:rPr lang="en-US" altLang="zh-CN" sz="1100" dirty="0"/>
+                        <a:t>(</a:t>
+                      </a:r>
+                      <a:r>
+                        <a:rPr lang="zh-CN" altLang="en-US" sz="1100" dirty="0"/>
+                        <a:t>重量级锁定</a:t>
+                      </a:r>
+                      <a:r>
+                        <a:rPr lang="en-US" altLang="zh-CN" sz="1100" dirty="0"/>
+                        <a:t>)</a:t>
+                      </a:r>
+                      <a:endParaRPr lang="zh-CN" altLang="en-US" sz="1100" dirty="0"/>
+                    </a:p>
+                  </a:txBody>
+                  <a:tcPr marL="86384" marR="86384" marT="43192" marB="43192" anchor="ctr"/>
+                </a:tc>
+                <a:extLst>
+                  <a:ext uri="{0D108BD9-81ED-4DB2-BD59-A6C34878D82A}">
+                    <a16:rowId xmlns:a16="http://schemas.microsoft.com/office/drawing/2014/main" val="3424884313"/>
+                  </a:ext>
+                </a:extLst>
+              </a:tr>
+              <a:tr h="305371">
+                <a:tc>
+                  <a:txBody>
+                    <a:bodyPr/>
+                    <a:lstStyle/>
+                    <a:p>
+                      <a:pPr algn="ctr"/>
+                      <a:r>
+                        <a:rPr lang="zh-CN" altLang="en-US" sz="1100" dirty="0"/>
+                        <a:t>空，不需要记录信息</a:t>
+                      </a:r>
+                    </a:p>
+                  </a:txBody>
+                  <a:tcPr marL="86384" marR="86384" marT="43192" marB="43192" anchor="ctr"/>
+                </a:tc>
+                <a:tc>
+                  <a:txBody>
+                    <a:bodyPr/>
+                    <a:lstStyle/>
+                    <a:p>
+                      <a:pPr algn="ctr"/>
+                      <a:r>
+                        <a:rPr lang="en-US" altLang="zh-CN" sz="1100" dirty="0"/>
+                        <a:t>11</a:t>
+                      </a:r>
+                      <a:endParaRPr lang="zh-CN" altLang="en-US" sz="1100" dirty="0"/>
+                    </a:p>
+                  </a:txBody>
+                  <a:tcPr marL="86384" marR="86384" marT="43192" marB="43192" anchor="ctr"/>
+                </a:tc>
+                <a:tc>
+                  <a:txBody>
+                    <a:bodyPr/>
+                    <a:lstStyle/>
+                    <a:p>
+                      <a:pPr algn="ctr"/>
+                      <a:r>
+                        <a:rPr lang="en-US" altLang="zh-CN" sz="1100" dirty="0"/>
+                        <a:t>GC</a:t>
+                      </a:r>
+                      <a:r>
+                        <a:rPr lang="zh-CN" altLang="en-US" sz="1100" dirty="0"/>
+                        <a:t>标记</a:t>
+                      </a:r>
+                    </a:p>
+                  </a:txBody>
+                  <a:tcPr marL="86384" marR="86384" marT="43192" marB="43192" anchor="ctr"/>
+                </a:tc>
+                <a:extLst>
+                  <a:ext uri="{0D108BD9-81ED-4DB2-BD59-A6C34878D82A}">
+                    <a16:rowId xmlns:a16="http://schemas.microsoft.com/office/drawing/2014/main" val="657617255"/>
+                  </a:ext>
+                </a:extLst>
+              </a:tr>
+              <a:tr h="305371">
+                <a:tc>
+                  <a:txBody>
+                    <a:bodyPr/>
+                    <a:lstStyle/>
+                    <a:p>
+                      <a:pPr algn="ctr"/>
+                      <a:r>
+                        <a:rPr lang="zh-CN" altLang="en-US" sz="1100" dirty="0"/>
+                        <a:t>偏向线程</a:t>
+                      </a:r>
+                      <a:r>
+                        <a:rPr lang="en-US" altLang="zh-CN" sz="1100" dirty="0"/>
+                        <a:t>ID</a:t>
+                      </a:r>
+                      <a:r>
+                        <a:rPr lang="zh-CN" altLang="en-US" sz="1100" dirty="0"/>
+                        <a:t>、偏向时间戳、对象分代年龄</a:t>
+                      </a:r>
+                      <a:endParaRPr lang="en-US" altLang="zh-CN" sz="1100" dirty="0"/>
+                    </a:p>
+                  </a:txBody>
+                  <a:tcPr marL="86384" marR="86384" marT="43192" marB="43192" anchor="ctr"/>
+                </a:tc>
+                <a:tc>
+                  <a:txBody>
+                    <a:bodyPr/>
+                    <a:lstStyle/>
+                    <a:p>
+                      <a:pPr algn="ctr"/>
+                      <a:r>
+                        <a:rPr lang="en-US" altLang="zh-CN" sz="1100" dirty="0"/>
+                        <a:t>01</a:t>
+                      </a:r>
+                      <a:endParaRPr lang="zh-CN" altLang="en-US" sz="1100" dirty="0"/>
+                    </a:p>
+                  </a:txBody>
+                  <a:tcPr marL="86384" marR="86384" marT="43192" marB="43192" anchor="ctr"/>
+                </a:tc>
+                <a:tc>
+                  <a:txBody>
+                    <a:bodyPr/>
+                    <a:lstStyle/>
+                    <a:p>
+                      <a:pPr algn="ctr"/>
+                      <a:r>
+                        <a:rPr lang="zh-CN" altLang="en-US" sz="1100" dirty="0"/>
+                        <a:t>可偏向</a:t>
+                      </a:r>
+                    </a:p>
+                  </a:txBody>
+                  <a:tcPr marL="86384" marR="86384" marT="43192" marB="43192" anchor="ctr"/>
+                </a:tc>
+                <a:extLst>
+                  <a:ext uri="{0D108BD9-81ED-4DB2-BD59-A6C34878D82A}">
+                    <a16:rowId xmlns:a16="http://schemas.microsoft.com/office/drawing/2014/main" val="846300043"/>
+                  </a:ext>
+                </a:extLst>
+              </a:tr>
+            </a:tbl>
+          </a:graphicData>
+        </a:graphic>
+      </p:graphicFrame>
     </p:spTree>
     <p:extLst>
       <p:ext uri="{BB962C8B-B14F-4D97-AF65-F5344CB8AC3E}">
@@ -3476,7 +4195,7 @@
           <p:cNvPr id="2" name="矩形 1">
             <a:extLst>
               <a:ext uri="{FF2B5EF4-FFF2-40B4-BE49-F238E27FC236}">
-                <a16:creationId xmlns:a16="http://schemas.microsoft.com/office/drawing/2014/main" xmlns="" id="{E0282B59-59F0-4C97-A74C-9E75F42BE92C}"/>
+                <a16:creationId xmlns:a16="http://schemas.microsoft.com/office/drawing/2014/main" id="{E0282B59-59F0-4C97-A74C-9E75F42BE92C}"/>
               </a:ext>
             </a:extLst>
           </p:cNvPr>
@@ -3486,7 +4205,7 @@
         <p:spPr>
           <a:xfrm>
             <a:off x="75849" y="208881"/>
-            <a:ext cx="1989647" cy="369332"/>
+            <a:ext cx="2451312" cy="369332"/>
           </a:xfrm>
           <a:prstGeom prst="rect">
             <a:avLst/>
@@ -3500,7 +4219,7 @@
           <a:p>
             <a:r>
               <a:rPr lang="zh-CN" altLang="en-US" dirty="0"/>
-              <a:t>二、</a:t>
+              <a:t>三、对象在</a:t>
             </a:r>
             <a:r>
               <a:rPr lang="en-US" altLang="zh-CN" dirty="0"/>
@@ -3508,7 +4227,330 @@
             </a:r>
             <a:r>
               <a:rPr lang="zh-CN" altLang="en-US" dirty="0"/>
-              <a:t>内存结构</a:t>
+              <a:t>内存中</a:t>
+            </a:r>
+          </a:p>
+        </p:txBody>
+      </p:sp>
+      <p:sp>
+        <p:nvSpPr>
+          <p:cNvPr id="4" name="文本框 3">
+            <a:extLst>
+              <a:ext uri="{FF2B5EF4-FFF2-40B4-BE49-F238E27FC236}">
+                <a16:creationId xmlns:a16="http://schemas.microsoft.com/office/drawing/2014/main" id="{D729752F-43CA-4755-9AB9-85681A60E4D3}"/>
+              </a:ext>
+            </a:extLst>
+          </p:cNvPr>
+          <p:cNvSpPr txBox="1"/>
+          <p:nvPr/>
+        </p:nvSpPr>
+        <p:spPr>
+          <a:xfrm>
+            <a:off x="484094" y="963706"/>
+            <a:ext cx="1576072" cy="369332"/>
+          </a:xfrm>
+          <a:prstGeom prst="rect">
+            <a:avLst/>
+          </a:prstGeom>
+          <a:noFill/>
+        </p:spPr>
+        <p:txBody>
+          <a:bodyPr wrap="none" rtlCol="0">
+            <a:spAutoFit/>
+          </a:bodyPr>
+          <a:lstStyle/>
+          <a:p>
+            <a:r>
+              <a:rPr lang="en-US" altLang="zh-CN" dirty="0"/>
+              <a:t>3.2.2</a:t>
+            </a:r>
+            <a:r>
+              <a:rPr lang="zh-CN" altLang="en-US" dirty="0"/>
+              <a:t>类型指针</a:t>
+            </a:r>
+          </a:p>
+        </p:txBody>
+      </p:sp>
+      <p:sp>
+        <p:nvSpPr>
+          <p:cNvPr id="5" name="文本框 4">
+            <a:extLst>
+              <a:ext uri="{FF2B5EF4-FFF2-40B4-BE49-F238E27FC236}">
+                <a16:creationId xmlns:a16="http://schemas.microsoft.com/office/drawing/2014/main" id="{B411A470-8761-4D6A-A43E-7685F1F767F0}"/>
+              </a:ext>
+            </a:extLst>
+          </p:cNvPr>
+          <p:cNvSpPr txBox="1"/>
+          <p:nvPr/>
+        </p:nvSpPr>
+        <p:spPr>
+          <a:xfrm>
+            <a:off x="2434796" y="963706"/>
+            <a:ext cx="8394570" cy="923330"/>
+          </a:xfrm>
+          <a:prstGeom prst="rect">
+            <a:avLst/>
+          </a:prstGeom>
+          <a:noFill/>
+        </p:spPr>
+        <p:txBody>
+          <a:bodyPr wrap="square" rtlCol="0">
+            <a:spAutoFit/>
+          </a:bodyPr>
+          <a:lstStyle/>
+          <a:p>
+            <a:r>
+              <a:rPr lang="zh-CN" altLang="en-US" dirty="0"/>
+              <a:t>对象头第二部分，即对象指向它的类元数据的指针。但不是所有</a:t>
+            </a:r>
+            <a:r>
+              <a:rPr lang="en-US" altLang="zh-CN" dirty="0"/>
+              <a:t>JVM</a:t>
+            </a:r>
+            <a:r>
+              <a:rPr lang="zh-CN" altLang="en-US" dirty="0"/>
+              <a:t>实现必须在对象数据上保留类型。另外，如果对象是一个</a:t>
+            </a:r>
+            <a:r>
+              <a:rPr lang="en-US" altLang="zh-CN" dirty="0"/>
+              <a:t>java</a:t>
+            </a:r>
+            <a:r>
+              <a:rPr lang="zh-CN" altLang="en-US" dirty="0"/>
+              <a:t>数组，那在对象头中需要记录数组长度。</a:t>
+            </a:r>
+          </a:p>
+        </p:txBody>
+      </p:sp>
+      <p:sp>
+        <p:nvSpPr>
+          <p:cNvPr id="6" name="文本框 5">
+            <a:extLst>
+              <a:ext uri="{FF2B5EF4-FFF2-40B4-BE49-F238E27FC236}">
+                <a16:creationId xmlns:a16="http://schemas.microsoft.com/office/drawing/2014/main" id="{6569C66C-7320-4027-9293-4B815F0A425E}"/>
+              </a:ext>
+            </a:extLst>
+          </p:cNvPr>
+          <p:cNvSpPr txBox="1"/>
+          <p:nvPr/>
+        </p:nvSpPr>
+        <p:spPr>
+          <a:xfrm>
+            <a:off x="484094" y="2232212"/>
+            <a:ext cx="1806905" cy="369332"/>
+          </a:xfrm>
+          <a:prstGeom prst="rect">
+            <a:avLst/>
+          </a:prstGeom>
+          <a:noFill/>
+        </p:spPr>
+        <p:txBody>
+          <a:bodyPr wrap="none" rtlCol="0">
+            <a:spAutoFit/>
+          </a:bodyPr>
+          <a:lstStyle/>
+          <a:p>
+            <a:r>
+              <a:rPr lang="en-US" altLang="zh-CN" dirty="0"/>
+              <a:t>3.2.3</a:t>
+            </a:r>
+            <a:r>
+              <a:rPr lang="zh-CN" altLang="en-US" dirty="0"/>
+              <a:t>、实例数据</a:t>
+            </a:r>
+            <a:endParaRPr lang="en-US" altLang="zh-CN" dirty="0"/>
+          </a:p>
+        </p:txBody>
+      </p:sp>
+      <p:sp>
+        <p:nvSpPr>
+          <p:cNvPr id="7" name="文本框 6">
+            <a:extLst>
+              <a:ext uri="{FF2B5EF4-FFF2-40B4-BE49-F238E27FC236}">
+                <a16:creationId xmlns:a16="http://schemas.microsoft.com/office/drawing/2014/main" id="{CB7FDFC5-5314-46C5-9E27-27FADBF356ED}"/>
+              </a:ext>
+            </a:extLst>
+          </p:cNvPr>
+          <p:cNvSpPr txBox="1"/>
+          <p:nvPr/>
+        </p:nvSpPr>
+        <p:spPr>
+          <a:xfrm>
+            <a:off x="2434796" y="2232212"/>
+            <a:ext cx="9045388" cy="923330"/>
+          </a:xfrm>
+          <a:prstGeom prst="rect">
+            <a:avLst/>
+          </a:prstGeom>
+          <a:noFill/>
+        </p:spPr>
+        <p:txBody>
+          <a:bodyPr wrap="square" rtlCol="0">
+            <a:spAutoFit/>
+          </a:bodyPr>
+          <a:lstStyle/>
+          <a:p>
+            <a:r>
+              <a:rPr lang="zh-CN" altLang="en-US" dirty="0"/>
+              <a:t>对象的有效信息存储在这块。无论是从父类继承的，还是子类定义的，都需要记录起来。存储顺序受</a:t>
+            </a:r>
+            <a:r>
+              <a:rPr lang="en-US" altLang="zh-CN" dirty="0"/>
+              <a:t>JVM</a:t>
+            </a:r>
+            <a:r>
+              <a:rPr lang="zh-CN" altLang="en-US" dirty="0"/>
+              <a:t>分配策略参数和字段在</a:t>
+            </a:r>
+            <a:r>
+              <a:rPr lang="en-US" altLang="zh-CN" dirty="0"/>
+              <a:t>java</a:t>
+            </a:r>
+            <a:r>
+              <a:rPr lang="zh-CN" altLang="en-US" dirty="0"/>
+              <a:t>源码中定义顺序的影响。默认的分配策略为</a:t>
+            </a:r>
+            <a:r>
+              <a:rPr lang="en-US" altLang="zh-CN" dirty="0"/>
+              <a:t>longs/doubles</a:t>
+            </a:r>
+            <a:r>
+              <a:rPr lang="zh-CN" altLang="en-US" dirty="0"/>
+              <a:t>，</a:t>
+            </a:r>
+            <a:r>
+              <a:rPr lang="en-US" altLang="zh-CN" dirty="0" err="1"/>
+              <a:t>ints</a:t>
+            </a:r>
+            <a:r>
+              <a:rPr lang="zh-CN" altLang="en-US" dirty="0"/>
+              <a:t>，</a:t>
+            </a:r>
+            <a:r>
+              <a:rPr lang="en-US" altLang="zh-CN" dirty="0"/>
+              <a:t>shorts/chars</a:t>
+            </a:r>
+            <a:r>
+              <a:rPr lang="zh-CN" altLang="en-US" dirty="0"/>
+              <a:t>，</a:t>
+            </a:r>
+            <a:r>
+              <a:rPr lang="en-US" altLang="zh-CN" dirty="0"/>
+              <a:t>bytes/</a:t>
+            </a:r>
+            <a:r>
+              <a:rPr lang="en-US" altLang="zh-CN" dirty="0" err="1"/>
+              <a:t>booleans</a:t>
+            </a:r>
+            <a:r>
+              <a:rPr lang="zh-CN" altLang="en-US" dirty="0"/>
+              <a:t>，</a:t>
+            </a:r>
+            <a:r>
+              <a:rPr lang="en-US" altLang="zh-CN" dirty="0" err="1"/>
+              <a:t>oop</a:t>
+            </a:r>
+            <a:r>
+              <a:rPr lang="zh-CN" altLang="en-US" dirty="0"/>
+              <a:t>。</a:t>
+            </a:r>
+          </a:p>
+        </p:txBody>
+      </p:sp>
+      <p:sp>
+        <p:nvSpPr>
+          <p:cNvPr id="8" name="文本框 7">
+            <a:extLst>
+              <a:ext uri="{FF2B5EF4-FFF2-40B4-BE49-F238E27FC236}">
+                <a16:creationId xmlns:a16="http://schemas.microsoft.com/office/drawing/2014/main" id="{B155AF42-B995-47A7-8A7A-B923D1B6927F}"/>
+              </a:ext>
+            </a:extLst>
+          </p:cNvPr>
+          <p:cNvSpPr txBox="1"/>
+          <p:nvPr/>
+        </p:nvSpPr>
+        <p:spPr>
+          <a:xfrm>
+            <a:off x="484094" y="3675530"/>
+            <a:ext cx="1867819" cy="369332"/>
+          </a:xfrm>
+          <a:prstGeom prst="rect">
+            <a:avLst/>
+          </a:prstGeom>
+          <a:noFill/>
+        </p:spPr>
+        <p:txBody>
+          <a:bodyPr wrap="none" rtlCol="0">
+            <a:spAutoFit/>
+          </a:bodyPr>
+          <a:lstStyle/>
+          <a:p>
+            <a:r>
+              <a:rPr lang="en-US" altLang="zh-CN" dirty="0"/>
+              <a:t>3.2.4</a:t>
+            </a:r>
+            <a:r>
+              <a:rPr lang="zh-CN" altLang="en-US" dirty="0"/>
+              <a:t>、对齐填充</a:t>
+            </a:r>
+          </a:p>
+        </p:txBody>
+      </p:sp>
+      <p:sp>
+        <p:nvSpPr>
+          <p:cNvPr id="10" name="文本框 9">
+            <a:extLst>
+              <a:ext uri="{FF2B5EF4-FFF2-40B4-BE49-F238E27FC236}">
+                <a16:creationId xmlns:a16="http://schemas.microsoft.com/office/drawing/2014/main" id="{48B08708-F8E9-4F88-838A-82197A3C2E0E}"/>
+              </a:ext>
+            </a:extLst>
+          </p:cNvPr>
+          <p:cNvSpPr txBox="1"/>
+          <p:nvPr/>
+        </p:nvSpPr>
+        <p:spPr>
+          <a:xfrm>
+            <a:off x="2434796" y="3675530"/>
+            <a:ext cx="8296835" cy="923330"/>
+          </a:xfrm>
+          <a:prstGeom prst="rect">
+            <a:avLst/>
+          </a:prstGeom>
+          <a:noFill/>
+        </p:spPr>
+        <p:txBody>
+          <a:bodyPr wrap="square" rtlCol="0">
+            <a:spAutoFit/>
+          </a:bodyPr>
+          <a:lstStyle/>
+          <a:p>
+            <a:r>
+              <a:rPr lang="zh-CN" altLang="en-US" dirty="0"/>
+              <a:t>这部分不是必然存在，也没特别含义，仅仅起着占位符的作用。因为</a:t>
+            </a:r>
+            <a:r>
+              <a:rPr lang="en-US" altLang="zh-CN" dirty="0"/>
+              <a:t>JVM</a:t>
+            </a:r>
+            <a:r>
+              <a:rPr lang="zh-CN" altLang="en-US" dirty="0"/>
+              <a:t>的自动内存管理系统要求对象起始地址必须是</a:t>
+            </a:r>
+            <a:r>
+              <a:rPr lang="en-US" altLang="zh-CN" dirty="0"/>
+              <a:t>8</a:t>
+            </a:r>
+            <a:r>
+              <a:rPr lang="zh-CN" altLang="en-US" dirty="0"/>
+              <a:t>字节的整数倍，即对象的大小必须是</a:t>
+            </a:r>
+            <a:r>
+              <a:rPr lang="en-US" altLang="zh-CN" dirty="0"/>
+              <a:t>8</a:t>
+            </a:r>
+            <a:r>
+              <a:rPr lang="zh-CN" altLang="en-US" dirty="0"/>
+              <a:t>字节的整数倍。</a:t>
             </a:r>
           </a:p>
         </p:txBody>
@@ -3543,10 +4585,4660 @@
           <a:chExt cx="0" cy="0"/>
         </a:xfrm>
       </p:grpSpPr>
+      <p:sp>
+        <p:nvSpPr>
+          <p:cNvPr id="2" name="矩形 1">
+            <a:extLst>
+              <a:ext uri="{FF2B5EF4-FFF2-40B4-BE49-F238E27FC236}">
+                <a16:creationId xmlns:a16="http://schemas.microsoft.com/office/drawing/2014/main" id="{E5D7952D-0D55-45FB-8B6A-8D800D4C6823}"/>
+              </a:ext>
+            </a:extLst>
+          </p:cNvPr>
+          <p:cNvSpPr/>
+          <p:nvPr/>
+        </p:nvSpPr>
+        <p:spPr>
+          <a:xfrm>
+            <a:off x="244556" y="294946"/>
+            <a:ext cx="2451312" cy="369332"/>
+          </a:xfrm>
+          <a:prstGeom prst="rect">
+            <a:avLst/>
+          </a:prstGeom>
+        </p:spPr>
+        <p:txBody>
+          <a:bodyPr wrap="none">
+            <a:spAutoFit/>
+          </a:bodyPr>
+          <a:lstStyle/>
+          <a:p>
+            <a:r>
+              <a:rPr lang="zh-CN" altLang="en-US" dirty="0"/>
+              <a:t>三、对象在</a:t>
+            </a:r>
+            <a:r>
+              <a:rPr lang="en-US" altLang="zh-CN" dirty="0"/>
+              <a:t>JVM</a:t>
+            </a:r>
+            <a:r>
+              <a:rPr lang="zh-CN" altLang="en-US" dirty="0"/>
+              <a:t>内存中</a:t>
+            </a:r>
+          </a:p>
+        </p:txBody>
+      </p:sp>
+      <p:sp>
+        <p:nvSpPr>
+          <p:cNvPr id="4" name="文本框 3">
+            <a:extLst>
+              <a:ext uri="{FF2B5EF4-FFF2-40B4-BE49-F238E27FC236}">
+                <a16:creationId xmlns:a16="http://schemas.microsoft.com/office/drawing/2014/main" id="{4E2FA07B-0388-4B8B-B4CE-ADBD7D3FA6F4}"/>
+              </a:ext>
+            </a:extLst>
+          </p:cNvPr>
+          <p:cNvSpPr txBox="1"/>
+          <p:nvPr/>
+        </p:nvSpPr>
+        <p:spPr>
+          <a:xfrm>
+            <a:off x="434788" y="675056"/>
+            <a:ext cx="2326278" cy="369332"/>
+          </a:xfrm>
+          <a:prstGeom prst="rect">
+            <a:avLst/>
+          </a:prstGeom>
+          <a:noFill/>
+        </p:spPr>
+        <p:txBody>
+          <a:bodyPr wrap="none" rtlCol="0">
+            <a:spAutoFit/>
+          </a:bodyPr>
+          <a:lstStyle/>
+          <a:p>
+            <a:r>
+              <a:rPr lang="en-US" altLang="zh-CN" dirty="0"/>
+              <a:t>3.3</a:t>
+            </a:r>
+            <a:r>
+              <a:rPr lang="zh-CN" altLang="en-US" dirty="0"/>
+              <a:t>、对象访问的定位</a:t>
+            </a:r>
+          </a:p>
+        </p:txBody>
+      </p:sp>
+      <p:sp>
+        <p:nvSpPr>
+          <p:cNvPr id="5" name="文本框 4">
+            <a:extLst>
+              <a:ext uri="{FF2B5EF4-FFF2-40B4-BE49-F238E27FC236}">
+                <a16:creationId xmlns:a16="http://schemas.microsoft.com/office/drawing/2014/main" id="{D6988CEF-E658-4D67-9304-DD4C4627AF0E}"/>
+              </a:ext>
+            </a:extLst>
+          </p:cNvPr>
+          <p:cNvSpPr txBox="1"/>
+          <p:nvPr/>
+        </p:nvSpPr>
+        <p:spPr>
+          <a:xfrm>
+            <a:off x="2819399" y="675056"/>
+            <a:ext cx="8063753" cy="923330"/>
+          </a:xfrm>
+          <a:prstGeom prst="rect">
+            <a:avLst/>
+          </a:prstGeom>
+          <a:noFill/>
+        </p:spPr>
+        <p:txBody>
+          <a:bodyPr wrap="square" rtlCol="0">
+            <a:spAutoFit/>
+          </a:bodyPr>
+          <a:lstStyle/>
+          <a:p>
+            <a:r>
+              <a:rPr lang="zh-CN" altLang="en-US" dirty="0"/>
+              <a:t>由于</a:t>
+            </a:r>
+            <a:r>
+              <a:rPr lang="en-US" altLang="zh-CN" dirty="0"/>
+              <a:t>reference</a:t>
+            </a:r>
+            <a:r>
+              <a:rPr lang="zh-CN" altLang="en-US" dirty="0"/>
+              <a:t>类型在</a:t>
+            </a:r>
+            <a:r>
+              <a:rPr lang="en-US" altLang="zh-CN" dirty="0"/>
+              <a:t>java</a:t>
+            </a:r>
+            <a:r>
+              <a:rPr lang="zh-CN" altLang="en-US" dirty="0"/>
+              <a:t>虚拟机规范中只规定了一个指向对象的引用，并没有定义这个引用应该通过何种方式去定位、访问堆中的对象的具体位置。目前主流访问方式有使用句柄和直接指针两种。</a:t>
+            </a:r>
+          </a:p>
+        </p:txBody>
+      </p:sp>
+      <p:sp>
+        <p:nvSpPr>
+          <p:cNvPr id="6" name="矩形 5">
+            <a:extLst>
+              <a:ext uri="{FF2B5EF4-FFF2-40B4-BE49-F238E27FC236}">
+                <a16:creationId xmlns:a16="http://schemas.microsoft.com/office/drawing/2014/main" id="{604E5F54-6716-42A4-9A91-8C8C64E2B977}"/>
+              </a:ext>
+            </a:extLst>
+          </p:cNvPr>
+          <p:cNvSpPr/>
+          <p:nvPr/>
+        </p:nvSpPr>
+        <p:spPr>
+          <a:xfrm>
+            <a:off x="986118" y="1597958"/>
+            <a:ext cx="9964270" cy="2398059"/>
+          </a:xfrm>
+          <a:prstGeom prst="rect">
+            <a:avLst/>
+          </a:prstGeom>
+          <a:noFill/>
+        </p:spPr>
+        <p:style>
+          <a:lnRef idx="2">
+            <a:schemeClr val="accent1">
+              <a:shade val="50000"/>
+            </a:schemeClr>
+          </a:lnRef>
+          <a:fillRef idx="1">
+            <a:schemeClr val="accent1"/>
+          </a:fillRef>
+          <a:effectRef idx="0">
+            <a:schemeClr val="accent1"/>
+          </a:effectRef>
+          <a:fontRef idx="minor">
+            <a:schemeClr val="lt1"/>
+          </a:fontRef>
+        </p:style>
+        <p:txBody>
+          <a:bodyPr rtlCol="0" anchor="ctr"/>
+          <a:lstStyle/>
+          <a:p>
+            <a:pPr algn="ctr"/>
+            <a:endParaRPr lang="zh-CN" altLang="en-US"/>
+          </a:p>
+        </p:txBody>
+      </p:sp>
+      <p:sp>
+        <p:nvSpPr>
+          <p:cNvPr id="7" name="矩形 6">
+            <a:extLst>
+              <a:ext uri="{FF2B5EF4-FFF2-40B4-BE49-F238E27FC236}">
+                <a16:creationId xmlns:a16="http://schemas.microsoft.com/office/drawing/2014/main" id="{2DA19C9E-BA11-4F6C-AA31-BDB6B17C1788}"/>
+              </a:ext>
+            </a:extLst>
+          </p:cNvPr>
+          <p:cNvSpPr/>
+          <p:nvPr/>
+        </p:nvSpPr>
+        <p:spPr>
+          <a:xfrm>
+            <a:off x="986118" y="4244788"/>
+            <a:ext cx="9964270" cy="2398059"/>
+          </a:xfrm>
+          <a:prstGeom prst="rect">
+            <a:avLst/>
+          </a:prstGeom>
+          <a:noFill/>
+        </p:spPr>
+        <p:style>
+          <a:lnRef idx="2">
+            <a:schemeClr val="accent1">
+              <a:shade val="50000"/>
+            </a:schemeClr>
+          </a:lnRef>
+          <a:fillRef idx="1">
+            <a:schemeClr val="accent1"/>
+          </a:fillRef>
+          <a:effectRef idx="0">
+            <a:schemeClr val="accent1"/>
+          </a:effectRef>
+          <a:fontRef idx="minor">
+            <a:schemeClr val="lt1"/>
+          </a:fontRef>
+        </p:style>
+        <p:txBody>
+          <a:bodyPr rtlCol="0" anchor="ctr"/>
+          <a:lstStyle/>
+          <a:p>
+            <a:pPr algn="ctr"/>
+            <a:endParaRPr lang="zh-CN" altLang="en-US"/>
+          </a:p>
+        </p:txBody>
+      </p:sp>
+      <p:sp>
+        <p:nvSpPr>
+          <p:cNvPr id="8" name="文本框 7">
+            <a:extLst>
+              <a:ext uri="{FF2B5EF4-FFF2-40B4-BE49-F238E27FC236}">
+                <a16:creationId xmlns:a16="http://schemas.microsoft.com/office/drawing/2014/main" id="{9BE3B97F-9B33-4A1A-970A-9E7F9060BDCB}"/>
+              </a:ext>
+            </a:extLst>
+          </p:cNvPr>
+          <p:cNvSpPr txBox="1"/>
+          <p:nvPr/>
+        </p:nvSpPr>
+        <p:spPr>
+          <a:xfrm>
+            <a:off x="986118" y="1587180"/>
+            <a:ext cx="2031325" cy="369332"/>
+          </a:xfrm>
+          <a:prstGeom prst="rect">
+            <a:avLst/>
+          </a:prstGeom>
+          <a:noFill/>
+        </p:spPr>
+        <p:txBody>
+          <a:bodyPr wrap="none" rtlCol="0">
+            <a:spAutoFit/>
+          </a:bodyPr>
+          <a:lstStyle/>
+          <a:p>
+            <a:r>
+              <a:rPr lang="zh-CN" altLang="en-US" dirty="0"/>
+              <a:t>通过句柄访问对象</a:t>
+            </a:r>
+          </a:p>
+        </p:txBody>
+      </p:sp>
+      <p:sp>
+        <p:nvSpPr>
+          <p:cNvPr id="9" name="文本框 8">
+            <a:extLst>
+              <a:ext uri="{FF2B5EF4-FFF2-40B4-BE49-F238E27FC236}">
+                <a16:creationId xmlns:a16="http://schemas.microsoft.com/office/drawing/2014/main" id="{3B902597-B030-4237-9237-BD859AF99C5F}"/>
+              </a:ext>
+            </a:extLst>
+          </p:cNvPr>
+          <p:cNvSpPr txBox="1"/>
+          <p:nvPr/>
+        </p:nvSpPr>
+        <p:spPr>
+          <a:xfrm>
+            <a:off x="986118" y="4244788"/>
+            <a:ext cx="2560316" cy="369332"/>
+          </a:xfrm>
+          <a:prstGeom prst="rect">
+            <a:avLst/>
+          </a:prstGeom>
+          <a:noFill/>
+        </p:spPr>
+        <p:txBody>
+          <a:bodyPr wrap="none" rtlCol="0">
+            <a:spAutoFit/>
+          </a:bodyPr>
+          <a:lstStyle/>
+          <a:p>
+            <a:r>
+              <a:rPr lang="zh-CN" altLang="en-US" dirty="0"/>
+              <a:t>通过直接指针访问对象</a:t>
+            </a:r>
+          </a:p>
+        </p:txBody>
+      </p:sp>
+      <p:graphicFrame>
+        <p:nvGraphicFramePr>
+          <p:cNvPr id="10" name="表格 9">
+            <a:extLst>
+              <a:ext uri="{FF2B5EF4-FFF2-40B4-BE49-F238E27FC236}">
+                <a16:creationId xmlns:a16="http://schemas.microsoft.com/office/drawing/2014/main" id="{F91C5D87-98DA-4039-ACEA-65CD915D725E}"/>
+              </a:ext>
+            </a:extLst>
+          </p:cNvPr>
+          <p:cNvGraphicFramePr>
+            <a:graphicFrameLocks noGrp="1"/>
+          </p:cNvGraphicFramePr>
+          <p:nvPr>
+            <p:extLst>
+              <p:ext uri="{D42A27DB-BD31-4B8C-83A1-F6EECF244321}">
+                <p14:modId xmlns:p14="http://schemas.microsoft.com/office/powerpoint/2010/main" val="1579795075"/>
+              </p:ext>
+            </p:extLst>
+          </p:nvPr>
+        </p:nvGraphicFramePr>
+        <p:xfrm>
+          <a:off x="2855258" y="1922358"/>
+          <a:ext cx="891989" cy="1914112"/>
+        </p:xfrm>
+        <a:graphic>
+          <a:graphicData uri="http://schemas.openxmlformats.org/drawingml/2006/table">
+            <a:tbl>
+              <a:tblPr firstRow="1" bandRow="1">
+                <a:tableStyleId>{5C22544A-7EE6-4342-B048-85BDC9FD1C3A}</a:tableStyleId>
+              </a:tblPr>
+              <a:tblGrid>
+                <a:gridCol w="891989">
+                  <a:extLst>
+                    <a:ext uri="{9D8B030D-6E8A-4147-A177-3AD203B41FA5}">
+                      <a16:colId xmlns:a16="http://schemas.microsoft.com/office/drawing/2014/main" val="2275018847"/>
+                    </a:ext>
+                  </a:extLst>
+                </a:gridCol>
+              </a:tblGrid>
+              <a:tr h="239264">
+                <a:tc>
+                  <a:txBody>
+                    <a:bodyPr/>
+                    <a:lstStyle/>
+                    <a:p>
+                      <a:r>
+                        <a:rPr lang="zh-CN" altLang="en-US" sz="1100" dirty="0"/>
+                        <a:t>本地变量表</a:t>
+                      </a:r>
+                    </a:p>
+                  </a:txBody>
+                  <a:tcPr marL="60462" marR="60462" marT="30231" marB="30231"/>
+                </a:tc>
+                <a:extLst>
+                  <a:ext uri="{0D108BD9-81ED-4DB2-BD59-A6C34878D82A}">
+                    <a16:rowId xmlns:a16="http://schemas.microsoft.com/office/drawing/2014/main" val="2467569243"/>
+                  </a:ext>
+                </a:extLst>
+              </a:tr>
+              <a:tr h="239264">
+                <a:tc>
+                  <a:txBody>
+                    <a:bodyPr/>
+                    <a:lstStyle/>
+                    <a:p>
+                      <a:r>
+                        <a:rPr lang="en-US" altLang="zh-CN" sz="1100" dirty="0"/>
+                        <a:t>Int</a:t>
+                      </a:r>
+                      <a:endParaRPr lang="zh-CN" altLang="en-US" sz="1100" dirty="0"/>
+                    </a:p>
+                  </a:txBody>
+                  <a:tcPr marL="60462" marR="60462" marT="30231" marB="30231"/>
+                </a:tc>
+                <a:extLst>
+                  <a:ext uri="{0D108BD9-81ED-4DB2-BD59-A6C34878D82A}">
+                    <a16:rowId xmlns:a16="http://schemas.microsoft.com/office/drawing/2014/main" val="3742645867"/>
+                  </a:ext>
+                </a:extLst>
+              </a:tr>
+              <a:tr h="239264">
+                <a:tc>
+                  <a:txBody>
+                    <a:bodyPr/>
+                    <a:lstStyle/>
+                    <a:p>
+                      <a:r>
+                        <a:rPr lang="en-US" altLang="zh-CN" sz="1100" dirty="0"/>
+                        <a:t>short</a:t>
+                      </a:r>
+                      <a:endParaRPr lang="zh-CN" altLang="en-US" sz="1100" dirty="0"/>
+                    </a:p>
+                  </a:txBody>
+                  <a:tcPr marL="60462" marR="60462" marT="30231" marB="30231"/>
+                </a:tc>
+                <a:extLst>
+                  <a:ext uri="{0D108BD9-81ED-4DB2-BD59-A6C34878D82A}">
+                    <a16:rowId xmlns:a16="http://schemas.microsoft.com/office/drawing/2014/main" val="2483115152"/>
+                  </a:ext>
+                </a:extLst>
+              </a:tr>
+              <a:tr h="239264">
+                <a:tc>
+                  <a:txBody>
+                    <a:bodyPr/>
+                    <a:lstStyle/>
+                    <a:p>
+                      <a:r>
+                        <a:rPr lang="en-US" altLang="zh-CN" sz="1100" dirty="0"/>
+                        <a:t>reference</a:t>
+                      </a:r>
+                      <a:endParaRPr lang="zh-CN" altLang="en-US" sz="1100" dirty="0"/>
+                    </a:p>
+                  </a:txBody>
+                  <a:tcPr marL="60462" marR="60462" marT="30231" marB="30231"/>
+                </a:tc>
+                <a:extLst>
+                  <a:ext uri="{0D108BD9-81ED-4DB2-BD59-A6C34878D82A}">
+                    <a16:rowId xmlns:a16="http://schemas.microsoft.com/office/drawing/2014/main" val="4050285855"/>
+                  </a:ext>
+                </a:extLst>
+              </a:tr>
+              <a:tr h="239264">
+                <a:tc>
+                  <a:txBody>
+                    <a:bodyPr/>
+                    <a:lstStyle/>
+                    <a:p>
+                      <a:r>
+                        <a:rPr lang="zh-CN" altLang="en-US" sz="1100" dirty="0"/>
+                        <a:t>。。。。</a:t>
+                      </a:r>
+                    </a:p>
+                  </a:txBody>
+                  <a:tcPr marL="60462" marR="60462" marT="30231" marB="30231"/>
+                </a:tc>
+                <a:extLst>
+                  <a:ext uri="{0D108BD9-81ED-4DB2-BD59-A6C34878D82A}">
+                    <a16:rowId xmlns:a16="http://schemas.microsoft.com/office/drawing/2014/main" val="745688596"/>
+                  </a:ext>
+                </a:extLst>
+              </a:tr>
+              <a:tr h="239264">
+                <a:tc>
+                  <a:txBody>
+                    <a:bodyPr/>
+                    <a:lstStyle/>
+                    <a:p>
+                      <a:endParaRPr lang="zh-CN" altLang="en-US" sz="1100"/>
+                    </a:p>
+                  </a:txBody>
+                  <a:tcPr marL="60462" marR="60462" marT="30231" marB="30231"/>
+                </a:tc>
+                <a:extLst>
+                  <a:ext uri="{0D108BD9-81ED-4DB2-BD59-A6C34878D82A}">
+                    <a16:rowId xmlns:a16="http://schemas.microsoft.com/office/drawing/2014/main" val="1198656897"/>
+                  </a:ext>
+                </a:extLst>
+              </a:tr>
+              <a:tr h="239264">
+                <a:tc>
+                  <a:txBody>
+                    <a:bodyPr/>
+                    <a:lstStyle/>
+                    <a:p>
+                      <a:endParaRPr lang="zh-CN" altLang="en-US" sz="1100" dirty="0"/>
+                    </a:p>
+                  </a:txBody>
+                  <a:tcPr marL="60462" marR="60462" marT="30231" marB="30231"/>
+                </a:tc>
+                <a:extLst>
+                  <a:ext uri="{0D108BD9-81ED-4DB2-BD59-A6C34878D82A}">
+                    <a16:rowId xmlns:a16="http://schemas.microsoft.com/office/drawing/2014/main" val="2987639292"/>
+                  </a:ext>
+                </a:extLst>
+              </a:tr>
+              <a:tr h="239264">
+                <a:tc>
+                  <a:txBody>
+                    <a:bodyPr/>
+                    <a:lstStyle/>
+                    <a:p>
+                      <a:endParaRPr lang="zh-CN" altLang="en-US" sz="1100" dirty="0"/>
+                    </a:p>
+                  </a:txBody>
+                  <a:tcPr marL="60462" marR="60462" marT="30231" marB="30231"/>
+                </a:tc>
+                <a:extLst>
+                  <a:ext uri="{0D108BD9-81ED-4DB2-BD59-A6C34878D82A}">
+                    <a16:rowId xmlns:a16="http://schemas.microsoft.com/office/drawing/2014/main" val="268538533"/>
+                  </a:ext>
+                </a:extLst>
+              </a:tr>
+            </a:tbl>
+          </a:graphicData>
+        </a:graphic>
+      </p:graphicFrame>
+      <p:sp>
+        <p:nvSpPr>
+          <p:cNvPr id="11" name="矩形 10">
+            <a:extLst>
+              <a:ext uri="{FF2B5EF4-FFF2-40B4-BE49-F238E27FC236}">
+                <a16:creationId xmlns:a16="http://schemas.microsoft.com/office/drawing/2014/main" id="{4BEE6BDA-6FEC-471C-9DD7-7A680E383731}"/>
+              </a:ext>
+            </a:extLst>
+          </p:cNvPr>
+          <p:cNvSpPr/>
+          <p:nvPr/>
+        </p:nvSpPr>
+        <p:spPr>
+          <a:xfrm>
+            <a:off x="4926105" y="1685365"/>
+            <a:ext cx="4455459" cy="914400"/>
+          </a:xfrm>
+          <a:prstGeom prst="rect">
+            <a:avLst/>
+          </a:prstGeom>
+          <a:noFill/>
+        </p:spPr>
+        <p:style>
+          <a:lnRef idx="2">
+            <a:schemeClr val="accent1">
+              <a:shade val="50000"/>
+            </a:schemeClr>
+          </a:lnRef>
+          <a:fillRef idx="1">
+            <a:schemeClr val="accent1"/>
+          </a:fillRef>
+          <a:effectRef idx="0">
+            <a:schemeClr val="accent1"/>
+          </a:effectRef>
+          <a:fontRef idx="minor">
+            <a:schemeClr val="lt1"/>
+          </a:fontRef>
+        </p:style>
+        <p:txBody>
+          <a:bodyPr rtlCol="0" anchor="ctr"/>
+          <a:lstStyle/>
+          <a:p>
+            <a:pPr algn="ctr"/>
+            <a:endParaRPr lang="zh-CN" altLang="en-US"/>
+          </a:p>
+        </p:txBody>
+      </p:sp>
+      <p:sp>
+        <p:nvSpPr>
+          <p:cNvPr id="12" name="矩形 11">
+            <a:extLst>
+              <a:ext uri="{FF2B5EF4-FFF2-40B4-BE49-F238E27FC236}">
+                <a16:creationId xmlns:a16="http://schemas.microsoft.com/office/drawing/2014/main" id="{6AB18FBE-455B-48B2-8517-A8371EACE46A}"/>
+              </a:ext>
+            </a:extLst>
+          </p:cNvPr>
+          <p:cNvSpPr/>
+          <p:nvPr/>
+        </p:nvSpPr>
+        <p:spPr>
+          <a:xfrm>
+            <a:off x="4926105" y="2840691"/>
+            <a:ext cx="4455459" cy="914400"/>
+          </a:xfrm>
+          <a:prstGeom prst="rect">
+            <a:avLst/>
+          </a:prstGeom>
+          <a:noFill/>
+        </p:spPr>
+        <p:style>
+          <a:lnRef idx="2">
+            <a:schemeClr val="accent1">
+              <a:shade val="50000"/>
+            </a:schemeClr>
+          </a:lnRef>
+          <a:fillRef idx="1">
+            <a:schemeClr val="accent1"/>
+          </a:fillRef>
+          <a:effectRef idx="0">
+            <a:schemeClr val="accent1"/>
+          </a:effectRef>
+          <a:fontRef idx="minor">
+            <a:schemeClr val="lt1"/>
+          </a:fontRef>
+        </p:style>
+        <p:txBody>
+          <a:bodyPr rtlCol="0" anchor="ctr"/>
+          <a:lstStyle/>
+          <a:p>
+            <a:pPr algn="ctr"/>
+            <a:endParaRPr lang="zh-CN" altLang="en-US"/>
+          </a:p>
+        </p:txBody>
+      </p:sp>
+      <p:sp>
+        <p:nvSpPr>
+          <p:cNvPr id="13" name="矩形 12">
+            <a:extLst>
+              <a:ext uri="{FF2B5EF4-FFF2-40B4-BE49-F238E27FC236}">
+                <a16:creationId xmlns:a16="http://schemas.microsoft.com/office/drawing/2014/main" id="{095114B0-3278-45BD-83DA-F8820EA4A583}"/>
+              </a:ext>
+            </a:extLst>
+          </p:cNvPr>
+          <p:cNvSpPr/>
+          <p:nvPr/>
+        </p:nvSpPr>
+        <p:spPr>
+          <a:xfrm>
+            <a:off x="4926105" y="4374777"/>
+            <a:ext cx="4455459" cy="914400"/>
+          </a:xfrm>
+          <a:prstGeom prst="rect">
+            <a:avLst/>
+          </a:prstGeom>
+          <a:noFill/>
+        </p:spPr>
+        <p:style>
+          <a:lnRef idx="2">
+            <a:schemeClr val="accent1">
+              <a:shade val="50000"/>
+            </a:schemeClr>
+          </a:lnRef>
+          <a:fillRef idx="1">
+            <a:schemeClr val="accent1"/>
+          </a:fillRef>
+          <a:effectRef idx="0">
+            <a:schemeClr val="accent1"/>
+          </a:effectRef>
+          <a:fontRef idx="minor">
+            <a:schemeClr val="lt1"/>
+          </a:fontRef>
+        </p:style>
+        <p:txBody>
+          <a:bodyPr rtlCol="0" anchor="ctr"/>
+          <a:lstStyle/>
+          <a:p>
+            <a:pPr algn="ctr"/>
+            <a:endParaRPr lang="zh-CN" altLang="en-US"/>
+          </a:p>
+        </p:txBody>
+      </p:sp>
+      <p:sp>
+        <p:nvSpPr>
+          <p:cNvPr id="14" name="矩形 13">
+            <a:extLst>
+              <a:ext uri="{FF2B5EF4-FFF2-40B4-BE49-F238E27FC236}">
+                <a16:creationId xmlns:a16="http://schemas.microsoft.com/office/drawing/2014/main" id="{2C3CA776-62EF-40D1-8526-1E61A2D95157}"/>
+              </a:ext>
+            </a:extLst>
+          </p:cNvPr>
+          <p:cNvSpPr/>
+          <p:nvPr/>
+        </p:nvSpPr>
+        <p:spPr>
+          <a:xfrm>
+            <a:off x="4926105" y="5530103"/>
+            <a:ext cx="4455459" cy="914400"/>
+          </a:xfrm>
+          <a:prstGeom prst="rect">
+            <a:avLst/>
+          </a:prstGeom>
+          <a:noFill/>
+        </p:spPr>
+        <p:style>
+          <a:lnRef idx="2">
+            <a:schemeClr val="accent1">
+              <a:shade val="50000"/>
+            </a:schemeClr>
+          </a:lnRef>
+          <a:fillRef idx="1">
+            <a:schemeClr val="accent1"/>
+          </a:fillRef>
+          <a:effectRef idx="0">
+            <a:schemeClr val="accent1"/>
+          </a:effectRef>
+          <a:fontRef idx="minor">
+            <a:schemeClr val="lt1"/>
+          </a:fontRef>
+        </p:style>
+        <p:txBody>
+          <a:bodyPr rtlCol="0" anchor="ctr"/>
+          <a:lstStyle/>
+          <a:p>
+            <a:pPr algn="ctr"/>
+            <a:endParaRPr lang="zh-CN" altLang="en-US"/>
+          </a:p>
+        </p:txBody>
+      </p:sp>
+      <p:graphicFrame>
+        <p:nvGraphicFramePr>
+          <p:cNvPr id="15" name="表格 14">
+            <a:extLst>
+              <a:ext uri="{FF2B5EF4-FFF2-40B4-BE49-F238E27FC236}">
+                <a16:creationId xmlns:a16="http://schemas.microsoft.com/office/drawing/2014/main" id="{341354A9-BC32-44CE-A956-EAC6EAE022AE}"/>
+              </a:ext>
+            </a:extLst>
+          </p:cNvPr>
+          <p:cNvGraphicFramePr>
+            <a:graphicFrameLocks noGrp="1"/>
+          </p:cNvGraphicFramePr>
+          <p:nvPr>
+            <p:extLst>
+              <p:ext uri="{D42A27DB-BD31-4B8C-83A1-F6EECF244321}">
+                <p14:modId xmlns:p14="http://schemas.microsoft.com/office/powerpoint/2010/main" val="1407580675"/>
+              </p:ext>
+            </p:extLst>
+          </p:nvPr>
+        </p:nvGraphicFramePr>
+        <p:xfrm>
+          <a:off x="2868705" y="4614120"/>
+          <a:ext cx="891989" cy="1914112"/>
+        </p:xfrm>
+        <a:graphic>
+          <a:graphicData uri="http://schemas.openxmlformats.org/drawingml/2006/table">
+            <a:tbl>
+              <a:tblPr firstRow="1" bandRow="1">
+                <a:tableStyleId>{5C22544A-7EE6-4342-B048-85BDC9FD1C3A}</a:tableStyleId>
+              </a:tblPr>
+              <a:tblGrid>
+                <a:gridCol w="891989">
+                  <a:extLst>
+                    <a:ext uri="{9D8B030D-6E8A-4147-A177-3AD203B41FA5}">
+                      <a16:colId xmlns:a16="http://schemas.microsoft.com/office/drawing/2014/main" val="2275018847"/>
+                    </a:ext>
+                  </a:extLst>
+                </a:gridCol>
+              </a:tblGrid>
+              <a:tr h="239264">
+                <a:tc>
+                  <a:txBody>
+                    <a:bodyPr/>
+                    <a:lstStyle/>
+                    <a:p>
+                      <a:r>
+                        <a:rPr lang="zh-CN" altLang="en-US" sz="1100" dirty="0"/>
+                        <a:t>本地变量表</a:t>
+                      </a:r>
+                    </a:p>
+                  </a:txBody>
+                  <a:tcPr marL="60462" marR="60462" marT="30231" marB="30231"/>
+                </a:tc>
+                <a:extLst>
+                  <a:ext uri="{0D108BD9-81ED-4DB2-BD59-A6C34878D82A}">
+                    <a16:rowId xmlns:a16="http://schemas.microsoft.com/office/drawing/2014/main" val="2467569243"/>
+                  </a:ext>
+                </a:extLst>
+              </a:tr>
+              <a:tr h="239264">
+                <a:tc>
+                  <a:txBody>
+                    <a:bodyPr/>
+                    <a:lstStyle/>
+                    <a:p>
+                      <a:r>
+                        <a:rPr lang="en-US" altLang="zh-CN" sz="1100" dirty="0"/>
+                        <a:t>Int</a:t>
+                      </a:r>
+                      <a:endParaRPr lang="zh-CN" altLang="en-US" sz="1100" dirty="0"/>
+                    </a:p>
+                  </a:txBody>
+                  <a:tcPr marL="60462" marR="60462" marT="30231" marB="30231"/>
+                </a:tc>
+                <a:extLst>
+                  <a:ext uri="{0D108BD9-81ED-4DB2-BD59-A6C34878D82A}">
+                    <a16:rowId xmlns:a16="http://schemas.microsoft.com/office/drawing/2014/main" val="3742645867"/>
+                  </a:ext>
+                </a:extLst>
+              </a:tr>
+              <a:tr h="239264">
+                <a:tc>
+                  <a:txBody>
+                    <a:bodyPr/>
+                    <a:lstStyle/>
+                    <a:p>
+                      <a:r>
+                        <a:rPr lang="en-US" altLang="zh-CN" sz="1100" dirty="0"/>
+                        <a:t>short</a:t>
+                      </a:r>
+                      <a:endParaRPr lang="zh-CN" altLang="en-US" sz="1100" dirty="0"/>
+                    </a:p>
+                  </a:txBody>
+                  <a:tcPr marL="60462" marR="60462" marT="30231" marB="30231"/>
+                </a:tc>
+                <a:extLst>
+                  <a:ext uri="{0D108BD9-81ED-4DB2-BD59-A6C34878D82A}">
+                    <a16:rowId xmlns:a16="http://schemas.microsoft.com/office/drawing/2014/main" val="2483115152"/>
+                  </a:ext>
+                </a:extLst>
+              </a:tr>
+              <a:tr h="239264">
+                <a:tc>
+                  <a:txBody>
+                    <a:bodyPr/>
+                    <a:lstStyle/>
+                    <a:p>
+                      <a:r>
+                        <a:rPr lang="en-US" altLang="zh-CN" sz="1100" dirty="0"/>
+                        <a:t>reference</a:t>
+                      </a:r>
+                      <a:endParaRPr lang="zh-CN" altLang="en-US" sz="1100" dirty="0"/>
+                    </a:p>
+                  </a:txBody>
+                  <a:tcPr marL="60462" marR="60462" marT="30231" marB="30231"/>
+                </a:tc>
+                <a:extLst>
+                  <a:ext uri="{0D108BD9-81ED-4DB2-BD59-A6C34878D82A}">
+                    <a16:rowId xmlns:a16="http://schemas.microsoft.com/office/drawing/2014/main" val="4050285855"/>
+                  </a:ext>
+                </a:extLst>
+              </a:tr>
+              <a:tr h="239264">
+                <a:tc>
+                  <a:txBody>
+                    <a:bodyPr/>
+                    <a:lstStyle/>
+                    <a:p>
+                      <a:r>
+                        <a:rPr lang="zh-CN" altLang="en-US" sz="1100" dirty="0"/>
+                        <a:t>。。。。</a:t>
+                      </a:r>
+                    </a:p>
+                  </a:txBody>
+                  <a:tcPr marL="60462" marR="60462" marT="30231" marB="30231"/>
+                </a:tc>
+                <a:extLst>
+                  <a:ext uri="{0D108BD9-81ED-4DB2-BD59-A6C34878D82A}">
+                    <a16:rowId xmlns:a16="http://schemas.microsoft.com/office/drawing/2014/main" val="745688596"/>
+                  </a:ext>
+                </a:extLst>
+              </a:tr>
+              <a:tr h="239264">
+                <a:tc>
+                  <a:txBody>
+                    <a:bodyPr/>
+                    <a:lstStyle/>
+                    <a:p>
+                      <a:endParaRPr lang="zh-CN" altLang="en-US" sz="1100"/>
+                    </a:p>
+                  </a:txBody>
+                  <a:tcPr marL="60462" marR="60462" marT="30231" marB="30231"/>
+                </a:tc>
+                <a:extLst>
+                  <a:ext uri="{0D108BD9-81ED-4DB2-BD59-A6C34878D82A}">
+                    <a16:rowId xmlns:a16="http://schemas.microsoft.com/office/drawing/2014/main" val="1198656897"/>
+                  </a:ext>
+                </a:extLst>
+              </a:tr>
+              <a:tr h="239264">
+                <a:tc>
+                  <a:txBody>
+                    <a:bodyPr/>
+                    <a:lstStyle/>
+                    <a:p>
+                      <a:endParaRPr lang="zh-CN" altLang="en-US" sz="1100" dirty="0"/>
+                    </a:p>
+                  </a:txBody>
+                  <a:tcPr marL="60462" marR="60462" marT="30231" marB="30231"/>
+                </a:tc>
+                <a:extLst>
+                  <a:ext uri="{0D108BD9-81ED-4DB2-BD59-A6C34878D82A}">
+                    <a16:rowId xmlns:a16="http://schemas.microsoft.com/office/drawing/2014/main" val="2987639292"/>
+                  </a:ext>
+                </a:extLst>
+              </a:tr>
+              <a:tr h="239264">
+                <a:tc>
+                  <a:txBody>
+                    <a:bodyPr/>
+                    <a:lstStyle/>
+                    <a:p>
+                      <a:endParaRPr lang="zh-CN" altLang="en-US" sz="1100" dirty="0"/>
+                    </a:p>
+                  </a:txBody>
+                  <a:tcPr marL="60462" marR="60462" marT="30231" marB="30231"/>
+                </a:tc>
+                <a:extLst>
+                  <a:ext uri="{0D108BD9-81ED-4DB2-BD59-A6C34878D82A}">
+                    <a16:rowId xmlns:a16="http://schemas.microsoft.com/office/drawing/2014/main" val="268538533"/>
+                  </a:ext>
+                </a:extLst>
+              </a:tr>
+            </a:tbl>
+          </a:graphicData>
+        </a:graphic>
+      </p:graphicFrame>
+      <p:sp>
+        <p:nvSpPr>
+          <p:cNvPr id="16" name="文本框 15">
+            <a:extLst>
+              <a:ext uri="{FF2B5EF4-FFF2-40B4-BE49-F238E27FC236}">
+                <a16:creationId xmlns:a16="http://schemas.microsoft.com/office/drawing/2014/main" id="{FFDA91AD-EDF8-4BBD-B686-895F471C6DE3}"/>
+              </a:ext>
+            </a:extLst>
+          </p:cNvPr>
+          <p:cNvSpPr txBox="1"/>
+          <p:nvPr/>
+        </p:nvSpPr>
+        <p:spPr>
+          <a:xfrm>
+            <a:off x="6917231" y="1664124"/>
+            <a:ext cx="473206" cy="215444"/>
+          </a:xfrm>
+          <a:prstGeom prst="rect">
+            <a:avLst/>
+          </a:prstGeom>
+          <a:noFill/>
+        </p:spPr>
+        <p:txBody>
+          <a:bodyPr wrap="none" rtlCol="0">
+            <a:spAutoFit/>
+          </a:bodyPr>
+          <a:lstStyle/>
+          <a:p>
+            <a:r>
+              <a:rPr lang="en-US" altLang="zh-CN" sz="800" dirty="0"/>
+              <a:t>Java</a:t>
+            </a:r>
+            <a:r>
+              <a:rPr lang="zh-CN" altLang="en-US" sz="800" dirty="0"/>
+              <a:t>堆</a:t>
+            </a:r>
+          </a:p>
+        </p:txBody>
+      </p:sp>
+      <p:sp>
+        <p:nvSpPr>
+          <p:cNvPr id="17" name="文本框 16">
+            <a:extLst>
+              <a:ext uri="{FF2B5EF4-FFF2-40B4-BE49-F238E27FC236}">
+                <a16:creationId xmlns:a16="http://schemas.microsoft.com/office/drawing/2014/main" id="{04166541-F235-47A6-A978-0C0014F96A61}"/>
+              </a:ext>
+            </a:extLst>
+          </p:cNvPr>
+          <p:cNvSpPr txBox="1"/>
+          <p:nvPr/>
+        </p:nvSpPr>
+        <p:spPr>
+          <a:xfrm>
+            <a:off x="6917231" y="4429454"/>
+            <a:ext cx="473206" cy="215444"/>
+          </a:xfrm>
+          <a:prstGeom prst="rect">
+            <a:avLst/>
+          </a:prstGeom>
+          <a:noFill/>
+        </p:spPr>
+        <p:txBody>
+          <a:bodyPr wrap="none" rtlCol="0">
+            <a:spAutoFit/>
+          </a:bodyPr>
+          <a:lstStyle/>
+          <a:p>
+            <a:r>
+              <a:rPr lang="en-US" altLang="zh-CN" sz="800" dirty="0"/>
+              <a:t>Java</a:t>
+            </a:r>
+            <a:r>
+              <a:rPr lang="zh-CN" altLang="en-US" sz="800" dirty="0"/>
+              <a:t>堆</a:t>
+            </a:r>
+          </a:p>
+        </p:txBody>
+      </p:sp>
+      <p:sp>
+        <p:nvSpPr>
+          <p:cNvPr id="18" name="矩形 17">
+            <a:extLst>
+              <a:ext uri="{FF2B5EF4-FFF2-40B4-BE49-F238E27FC236}">
+                <a16:creationId xmlns:a16="http://schemas.microsoft.com/office/drawing/2014/main" id="{5A635806-9679-4B93-8AEB-9DB0EF5087BC}"/>
+              </a:ext>
+            </a:extLst>
+          </p:cNvPr>
+          <p:cNvSpPr/>
+          <p:nvPr/>
+        </p:nvSpPr>
+        <p:spPr>
+          <a:xfrm>
+            <a:off x="5239871" y="2157559"/>
+            <a:ext cx="1281953" cy="144007"/>
+          </a:xfrm>
+          <a:prstGeom prst="rect">
+            <a:avLst/>
+          </a:prstGeom>
+          <a:noFill/>
+        </p:spPr>
+        <p:style>
+          <a:lnRef idx="2">
+            <a:schemeClr val="accent1">
+              <a:shade val="50000"/>
+            </a:schemeClr>
+          </a:lnRef>
+          <a:fillRef idx="1">
+            <a:schemeClr val="accent1"/>
+          </a:fillRef>
+          <a:effectRef idx="0">
+            <a:schemeClr val="accent1"/>
+          </a:effectRef>
+          <a:fontRef idx="minor">
+            <a:schemeClr val="lt1"/>
+          </a:fontRef>
+        </p:style>
+        <p:txBody>
+          <a:bodyPr rtlCol="0" anchor="ctr"/>
+          <a:lstStyle/>
+          <a:p>
+            <a:pPr algn="ctr"/>
+            <a:endParaRPr lang="zh-CN" altLang="en-US"/>
+          </a:p>
+        </p:txBody>
+      </p:sp>
+      <p:sp>
+        <p:nvSpPr>
+          <p:cNvPr id="19" name="矩形 18">
+            <a:extLst>
+              <a:ext uri="{FF2B5EF4-FFF2-40B4-BE49-F238E27FC236}">
+                <a16:creationId xmlns:a16="http://schemas.microsoft.com/office/drawing/2014/main" id="{0C66DA8A-4A66-4EA5-9B31-00D059C53F0F}"/>
+              </a:ext>
+            </a:extLst>
+          </p:cNvPr>
+          <p:cNvSpPr/>
+          <p:nvPr/>
+        </p:nvSpPr>
+        <p:spPr>
+          <a:xfrm>
+            <a:off x="5239871" y="2297705"/>
+            <a:ext cx="1281953" cy="144007"/>
+          </a:xfrm>
+          <a:prstGeom prst="rect">
+            <a:avLst/>
+          </a:prstGeom>
+          <a:noFill/>
+        </p:spPr>
+        <p:style>
+          <a:lnRef idx="2">
+            <a:schemeClr val="accent1">
+              <a:shade val="50000"/>
+            </a:schemeClr>
+          </a:lnRef>
+          <a:fillRef idx="1">
+            <a:schemeClr val="accent1"/>
+          </a:fillRef>
+          <a:effectRef idx="0">
+            <a:schemeClr val="accent1"/>
+          </a:effectRef>
+          <a:fontRef idx="minor">
+            <a:schemeClr val="lt1"/>
+          </a:fontRef>
+        </p:style>
+        <p:txBody>
+          <a:bodyPr rtlCol="0" anchor="ctr"/>
+          <a:lstStyle/>
+          <a:p>
+            <a:pPr algn="ctr"/>
+            <a:endParaRPr lang="zh-CN" altLang="en-US"/>
+          </a:p>
+        </p:txBody>
+      </p:sp>
+      <p:sp>
+        <p:nvSpPr>
+          <p:cNvPr id="20" name="文本框 19">
+            <a:extLst>
+              <a:ext uri="{FF2B5EF4-FFF2-40B4-BE49-F238E27FC236}">
+                <a16:creationId xmlns:a16="http://schemas.microsoft.com/office/drawing/2014/main" id="{5BED0038-A352-4E77-A5C0-58BEDF2C06D2}"/>
+              </a:ext>
+            </a:extLst>
+          </p:cNvPr>
+          <p:cNvSpPr txBox="1"/>
+          <p:nvPr/>
+        </p:nvSpPr>
+        <p:spPr>
+          <a:xfrm>
+            <a:off x="5326849" y="2111816"/>
+            <a:ext cx="1107996" cy="215444"/>
+          </a:xfrm>
+          <a:prstGeom prst="rect">
+            <a:avLst/>
+          </a:prstGeom>
+          <a:noFill/>
+        </p:spPr>
+        <p:txBody>
+          <a:bodyPr wrap="none" rtlCol="0">
+            <a:spAutoFit/>
+          </a:bodyPr>
+          <a:lstStyle/>
+          <a:p>
+            <a:r>
+              <a:rPr lang="zh-CN" altLang="en-US" sz="800" dirty="0"/>
+              <a:t>对象实例数据的指针</a:t>
+            </a:r>
+          </a:p>
+        </p:txBody>
+      </p:sp>
+      <p:sp>
+        <p:nvSpPr>
+          <p:cNvPr id="21" name="文本框 20">
+            <a:extLst>
+              <a:ext uri="{FF2B5EF4-FFF2-40B4-BE49-F238E27FC236}">
+                <a16:creationId xmlns:a16="http://schemas.microsoft.com/office/drawing/2014/main" id="{5AC97E26-F999-40BE-B5A5-3AF840D7ACDD}"/>
+              </a:ext>
+            </a:extLst>
+          </p:cNvPr>
+          <p:cNvSpPr txBox="1"/>
+          <p:nvPr/>
+        </p:nvSpPr>
+        <p:spPr>
+          <a:xfrm>
+            <a:off x="5326849" y="2263917"/>
+            <a:ext cx="1107996" cy="215444"/>
+          </a:xfrm>
+          <a:prstGeom prst="rect">
+            <a:avLst/>
+          </a:prstGeom>
+          <a:noFill/>
+        </p:spPr>
+        <p:txBody>
+          <a:bodyPr wrap="none" rtlCol="0">
+            <a:spAutoFit/>
+          </a:bodyPr>
+          <a:lstStyle/>
+          <a:p>
+            <a:r>
+              <a:rPr lang="zh-CN" altLang="en-US" sz="800" dirty="0"/>
+              <a:t>对象类型数据的指针</a:t>
+            </a:r>
+          </a:p>
+        </p:txBody>
+      </p:sp>
+      <p:cxnSp>
+        <p:nvCxnSpPr>
+          <p:cNvPr id="23" name="直接连接符 22">
+            <a:extLst>
+              <a:ext uri="{FF2B5EF4-FFF2-40B4-BE49-F238E27FC236}">
+                <a16:creationId xmlns:a16="http://schemas.microsoft.com/office/drawing/2014/main" id="{001FFA6D-F4C6-48C6-96CD-14650754B557}"/>
+              </a:ext>
+            </a:extLst>
+          </p:cNvPr>
+          <p:cNvCxnSpPr/>
+          <p:nvPr/>
+        </p:nvCxnSpPr>
+        <p:spPr>
+          <a:xfrm>
+            <a:off x="7064188" y="2043953"/>
+            <a:ext cx="0" cy="475129"/>
+          </a:xfrm>
+          <a:prstGeom prst="line">
+            <a:avLst/>
+          </a:prstGeom>
+        </p:spPr>
+        <p:style>
+          <a:lnRef idx="1">
+            <a:schemeClr val="accent1"/>
+          </a:lnRef>
+          <a:fillRef idx="0">
+            <a:schemeClr val="accent1"/>
+          </a:fillRef>
+          <a:effectRef idx="0">
+            <a:schemeClr val="accent1"/>
+          </a:effectRef>
+          <a:fontRef idx="minor">
+            <a:schemeClr val="tx1"/>
+          </a:fontRef>
+        </p:style>
+      </p:cxnSp>
+      <p:sp>
+        <p:nvSpPr>
+          <p:cNvPr id="24" name="椭圆 23">
+            <a:extLst>
+              <a:ext uri="{FF2B5EF4-FFF2-40B4-BE49-F238E27FC236}">
+                <a16:creationId xmlns:a16="http://schemas.microsoft.com/office/drawing/2014/main" id="{2670BC8F-5059-42A2-AABA-2465A83FED2B}"/>
+              </a:ext>
+            </a:extLst>
+          </p:cNvPr>
+          <p:cNvSpPr/>
+          <p:nvPr/>
+        </p:nvSpPr>
+        <p:spPr>
+          <a:xfrm>
+            <a:off x="7597588" y="2043953"/>
+            <a:ext cx="1438836" cy="435408"/>
+          </a:xfrm>
+          <a:prstGeom prst="ellipse">
+            <a:avLst/>
+          </a:prstGeom>
+          <a:noFill/>
+        </p:spPr>
+        <p:style>
+          <a:lnRef idx="2">
+            <a:schemeClr val="accent1">
+              <a:shade val="50000"/>
+            </a:schemeClr>
+          </a:lnRef>
+          <a:fillRef idx="1">
+            <a:schemeClr val="accent1"/>
+          </a:fillRef>
+          <a:effectRef idx="0">
+            <a:schemeClr val="accent1"/>
+          </a:effectRef>
+          <a:fontRef idx="minor">
+            <a:schemeClr val="lt1"/>
+          </a:fontRef>
+        </p:style>
+        <p:txBody>
+          <a:bodyPr rtlCol="0" anchor="ctr"/>
+          <a:lstStyle/>
+          <a:p>
+            <a:pPr algn="ctr"/>
+            <a:r>
+              <a:rPr lang="zh-CN" altLang="en-US" sz="1050" dirty="0">
+                <a:solidFill>
+                  <a:schemeClr val="tx1"/>
+                </a:solidFill>
+              </a:rPr>
+              <a:t>对象实例数据</a:t>
+            </a:r>
+          </a:p>
+        </p:txBody>
+      </p:sp>
+      <p:sp>
+        <p:nvSpPr>
+          <p:cNvPr id="25" name="椭圆 24">
+            <a:extLst>
+              <a:ext uri="{FF2B5EF4-FFF2-40B4-BE49-F238E27FC236}">
+                <a16:creationId xmlns:a16="http://schemas.microsoft.com/office/drawing/2014/main" id="{59ED4BD3-2699-43E5-8E45-84DE412AF289}"/>
+              </a:ext>
+            </a:extLst>
+          </p:cNvPr>
+          <p:cNvSpPr/>
+          <p:nvPr/>
+        </p:nvSpPr>
+        <p:spPr>
+          <a:xfrm>
+            <a:off x="7310718" y="3016624"/>
+            <a:ext cx="1658470" cy="583885"/>
+          </a:xfrm>
+          <a:prstGeom prst="ellipse">
+            <a:avLst/>
+          </a:prstGeom>
+          <a:noFill/>
+        </p:spPr>
+        <p:style>
+          <a:lnRef idx="2">
+            <a:schemeClr val="accent1">
+              <a:shade val="50000"/>
+            </a:schemeClr>
+          </a:lnRef>
+          <a:fillRef idx="1">
+            <a:schemeClr val="accent1"/>
+          </a:fillRef>
+          <a:effectRef idx="0">
+            <a:schemeClr val="accent1"/>
+          </a:effectRef>
+          <a:fontRef idx="minor">
+            <a:schemeClr val="lt1"/>
+          </a:fontRef>
+        </p:style>
+        <p:txBody>
+          <a:bodyPr rtlCol="0" anchor="ctr"/>
+          <a:lstStyle/>
+          <a:p>
+            <a:pPr algn="ctr"/>
+            <a:r>
+              <a:rPr lang="zh-CN" altLang="en-US" sz="1050" dirty="0">
+                <a:solidFill>
+                  <a:schemeClr val="tx1"/>
+                </a:solidFill>
+              </a:rPr>
+              <a:t>对象类型数据</a:t>
+            </a:r>
+          </a:p>
+        </p:txBody>
+      </p:sp>
+      <p:sp>
+        <p:nvSpPr>
+          <p:cNvPr id="26" name="椭圆 25">
+            <a:extLst>
+              <a:ext uri="{FF2B5EF4-FFF2-40B4-BE49-F238E27FC236}">
+                <a16:creationId xmlns:a16="http://schemas.microsoft.com/office/drawing/2014/main" id="{D96F45B3-3E16-41DB-8F4D-78F56792418D}"/>
+              </a:ext>
+            </a:extLst>
+          </p:cNvPr>
+          <p:cNvSpPr/>
+          <p:nvPr/>
+        </p:nvSpPr>
+        <p:spPr>
+          <a:xfrm>
+            <a:off x="5195047" y="4540215"/>
+            <a:ext cx="1519518" cy="632420"/>
+          </a:xfrm>
+          <a:prstGeom prst="ellipse">
+            <a:avLst/>
+          </a:prstGeom>
+          <a:noFill/>
+        </p:spPr>
+        <p:style>
+          <a:lnRef idx="2">
+            <a:schemeClr val="accent1">
+              <a:shade val="50000"/>
+            </a:schemeClr>
+          </a:lnRef>
+          <a:fillRef idx="1">
+            <a:schemeClr val="accent1"/>
+          </a:fillRef>
+          <a:effectRef idx="0">
+            <a:schemeClr val="accent1"/>
+          </a:effectRef>
+          <a:fontRef idx="minor">
+            <a:schemeClr val="lt1"/>
+          </a:fontRef>
+        </p:style>
+        <p:txBody>
+          <a:bodyPr rtlCol="0" anchor="ctr"/>
+          <a:lstStyle/>
+          <a:p>
+            <a:pPr algn="ctr"/>
+            <a:endParaRPr lang="zh-CN" altLang="en-US"/>
+          </a:p>
+        </p:txBody>
+      </p:sp>
+      <p:sp>
+        <p:nvSpPr>
+          <p:cNvPr id="27" name="椭圆 26">
+            <a:extLst>
+              <a:ext uri="{FF2B5EF4-FFF2-40B4-BE49-F238E27FC236}">
+                <a16:creationId xmlns:a16="http://schemas.microsoft.com/office/drawing/2014/main" id="{4463DC81-AE83-4A23-A804-5C7C325754AC}"/>
+              </a:ext>
+            </a:extLst>
+          </p:cNvPr>
+          <p:cNvSpPr/>
+          <p:nvPr/>
+        </p:nvSpPr>
+        <p:spPr>
+          <a:xfrm>
+            <a:off x="7342094" y="5674659"/>
+            <a:ext cx="1766047" cy="654423"/>
+          </a:xfrm>
+          <a:prstGeom prst="ellipse">
+            <a:avLst/>
+          </a:prstGeom>
+          <a:noFill/>
+        </p:spPr>
+        <p:style>
+          <a:lnRef idx="2">
+            <a:schemeClr val="accent1">
+              <a:shade val="50000"/>
+            </a:schemeClr>
+          </a:lnRef>
+          <a:fillRef idx="1">
+            <a:schemeClr val="accent1"/>
+          </a:fillRef>
+          <a:effectRef idx="0">
+            <a:schemeClr val="accent1"/>
+          </a:effectRef>
+          <a:fontRef idx="minor">
+            <a:schemeClr val="lt1"/>
+          </a:fontRef>
+        </p:style>
+        <p:txBody>
+          <a:bodyPr rtlCol="0" anchor="ctr"/>
+          <a:lstStyle/>
+          <a:p>
+            <a:pPr algn="ctr"/>
+            <a:r>
+              <a:rPr lang="zh-CN" altLang="en-US" sz="1100" dirty="0">
+                <a:solidFill>
+                  <a:schemeClr val="tx1"/>
+                </a:solidFill>
+              </a:rPr>
+              <a:t>对象类型数据</a:t>
+            </a:r>
+          </a:p>
+        </p:txBody>
+      </p:sp>
+      <p:sp>
+        <p:nvSpPr>
+          <p:cNvPr id="30" name="文本框 29">
+            <a:extLst>
+              <a:ext uri="{FF2B5EF4-FFF2-40B4-BE49-F238E27FC236}">
+                <a16:creationId xmlns:a16="http://schemas.microsoft.com/office/drawing/2014/main" id="{CEA3AA77-78B0-4B23-B33D-D8381D76D1AB}"/>
+              </a:ext>
+            </a:extLst>
+          </p:cNvPr>
+          <p:cNvSpPr txBox="1"/>
+          <p:nvPr/>
+        </p:nvSpPr>
+        <p:spPr>
+          <a:xfrm>
+            <a:off x="8013076" y="1758595"/>
+            <a:ext cx="607859" cy="261610"/>
+          </a:xfrm>
+          <a:prstGeom prst="rect">
+            <a:avLst/>
+          </a:prstGeom>
+          <a:noFill/>
+        </p:spPr>
+        <p:txBody>
+          <a:bodyPr wrap="none" rtlCol="0">
+            <a:spAutoFit/>
+          </a:bodyPr>
+          <a:lstStyle/>
+          <a:p>
+            <a:r>
+              <a:rPr lang="zh-CN" altLang="en-US" sz="1050" dirty="0"/>
+              <a:t>实例池</a:t>
+            </a:r>
+          </a:p>
+        </p:txBody>
+      </p:sp>
+      <p:sp>
+        <p:nvSpPr>
+          <p:cNvPr id="31" name="文本框 30">
+            <a:extLst>
+              <a:ext uri="{FF2B5EF4-FFF2-40B4-BE49-F238E27FC236}">
+                <a16:creationId xmlns:a16="http://schemas.microsoft.com/office/drawing/2014/main" id="{133945E4-E134-4A68-A60B-9AD465EB394A}"/>
+              </a:ext>
+            </a:extLst>
+          </p:cNvPr>
+          <p:cNvSpPr txBox="1"/>
+          <p:nvPr/>
+        </p:nvSpPr>
+        <p:spPr>
+          <a:xfrm>
+            <a:off x="5556294" y="1742804"/>
+            <a:ext cx="607859" cy="261610"/>
+          </a:xfrm>
+          <a:prstGeom prst="rect">
+            <a:avLst/>
+          </a:prstGeom>
+          <a:noFill/>
+        </p:spPr>
+        <p:txBody>
+          <a:bodyPr wrap="none" rtlCol="0">
+            <a:spAutoFit/>
+          </a:bodyPr>
+          <a:lstStyle/>
+          <a:p>
+            <a:r>
+              <a:rPr lang="zh-CN" altLang="en-US" sz="1100" dirty="0"/>
+              <a:t>句柄池</a:t>
+            </a:r>
+          </a:p>
+        </p:txBody>
+      </p:sp>
+      <p:sp>
+        <p:nvSpPr>
+          <p:cNvPr id="32" name="文本框 31">
+            <a:extLst>
+              <a:ext uri="{FF2B5EF4-FFF2-40B4-BE49-F238E27FC236}">
+                <a16:creationId xmlns:a16="http://schemas.microsoft.com/office/drawing/2014/main" id="{FB276F5A-D6B9-4FEE-818E-34F0F7E9E021}"/>
+              </a:ext>
+            </a:extLst>
+          </p:cNvPr>
+          <p:cNvSpPr txBox="1"/>
+          <p:nvPr/>
+        </p:nvSpPr>
+        <p:spPr>
+          <a:xfrm>
+            <a:off x="5968253" y="2855136"/>
+            <a:ext cx="607859" cy="261610"/>
+          </a:xfrm>
+          <a:prstGeom prst="rect">
+            <a:avLst/>
+          </a:prstGeom>
+          <a:noFill/>
+        </p:spPr>
+        <p:txBody>
+          <a:bodyPr wrap="none" rtlCol="0">
+            <a:spAutoFit/>
+          </a:bodyPr>
+          <a:lstStyle/>
+          <a:p>
+            <a:r>
+              <a:rPr lang="zh-CN" altLang="en-US" sz="1100" dirty="0"/>
+              <a:t>方法区</a:t>
+            </a:r>
+          </a:p>
+        </p:txBody>
+      </p:sp>
+      <p:cxnSp>
+        <p:nvCxnSpPr>
+          <p:cNvPr id="34" name="直接箭头连接符 33">
+            <a:extLst>
+              <a:ext uri="{FF2B5EF4-FFF2-40B4-BE49-F238E27FC236}">
+                <a16:creationId xmlns:a16="http://schemas.microsoft.com/office/drawing/2014/main" id="{2992167D-D15F-4E64-8B1D-A1BCCA20D7F7}"/>
+              </a:ext>
+            </a:extLst>
+          </p:cNvPr>
+          <p:cNvCxnSpPr>
+            <a:stCxn id="18" idx="3"/>
+            <a:endCxn id="24" idx="2"/>
+          </p:cNvCxnSpPr>
+          <p:nvPr/>
+        </p:nvCxnSpPr>
+        <p:spPr>
+          <a:xfrm>
+            <a:off x="6521824" y="2229563"/>
+            <a:ext cx="1075764" cy="32094"/>
+          </a:xfrm>
+          <a:prstGeom prst="straightConnector1">
+            <a:avLst/>
+          </a:prstGeom>
+          <a:ln>
+            <a:tailEnd type="triangle"/>
+          </a:ln>
+        </p:spPr>
+        <p:style>
+          <a:lnRef idx="1">
+            <a:schemeClr val="accent1"/>
+          </a:lnRef>
+          <a:fillRef idx="0">
+            <a:schemeClr val="accent1"/>
+          </a:fillRef>
+          <a:effectRef idx="0">
+            <a:schemeClr val="accent1"/>
+          </a:effectRef>
+          <a:fontRef idx="minor">
+            <a:schemeClr val="tx1"/>
+          </a:fontRef>
+        </p:style>
+      </p:cxnSp>
+      <p:cxnSp>
+        <p:nvCxnSpPr>
+          <p:cNvPr id="36" name="直接箭头连接符 35">
+            <a:extLst>
+              <a:ext uri="{FF2B5EF4-FFF2-40B4-BE49-F238E27FC236}">
+                <a16:creationId xmlns:a16="http://schemas.microsoft.com/office/drawing/2014/main" id="{A4899338-EC81-4D76-A18C-8729FBA983D7}"/>
+              </a:ext>
+            </a:extLst>
+          </p:cNvPr>
+          <p:cNvCxnSpPr>
+            <a:stCxn id="19" idx="3"/>
+            <a:endCxn id="25" idx="1"/>
+          </p:cNvCxnSpPr>
+          <p:nvPr/>
+        </p:nvCxnSpPr>
+        <p:spPr>
+          <a:xfrm>
+            <a:off x="6521824" y="2369709"/>
+            <a:ext cx="1031771" cy="732423"/>
+          </a:xfrm>
+          <a:prstGeom prst="straightConnector1">
+            <a:avLst/>
+          </a:prstGeom>
+          <a:ln>
+            <a:tailEnd type="triangle"/>
+          </a:ln>
+        </p:spPr>
+        <p:style>
+          <a:lnRef idx="1">
+            <a:schemeClr val="accent1"/>
+          </a:lnRef>
+          <a:fillRef idx="0">
+            <a:schemeClr val="accent1"/>
+          </a:fillRef>
+          <a:effectRef idx="0">
+            <a:schemeClr val="accent1"/>
+          </a:effectRef>
+          <a:fontRef idx="minor">
+            <a:schemeClr val="tx1"/>
+          </a:fontRef>
+        </p:style>
+      </p:cxnSp>
+      <p:sp>
+        <p:nvSpPr>
+          <p:cNvPr id="38" name="文本框 37">
+            <a:extLst>
+              <a:ext uri="{FF2B5EF4-FFF2-40B4-BE49-F238E27FC236}">
+                <a16:creationId xmlns:a16="http://schemas.microsoft.com/office/drawing/2014/main" id="{ED8CD7A5-155B-4343-9C73-F34787218A0F}"/>
+              </a:ext>
+            </a:extLst>
+          </p:cNvPr>
+          <p:cNvSpPr txBox="1"/>
+          <p:nvPr/>
+        </p:nvSpPr>
+        <p:spPr>
+          <a:xfrm>
+            <a:off x="6175432" y="5571176"/>
+            <a:ext cx="607859" cy="261610"/>
+          </a:xfrm>
+          <a:prstGeom prst="rect">
+            <a:avLst/>
+          </a:prstGeom>
+          <a:noFill/>
+        </p:spPr>
+        <p:txBody>
+          <a:bodyPr wrap="none" rtlCol="0">
+            <a:spAutoFit/>
+          </a:bodyPr>
+          <a:lstStyle/>
+          <a:p>
+            <a:r>
+              <a:rPr lang="zh-CN" altLang="en-US" sz="1100" dirty="0"/>
+              <a:t>方法区</a:t>
+            </a:r>
+          </a:p>
+        </p:txBody>
+      </p:sp>
+      <p:sp>
+        <p:nvSpPr>
+          <p:cNvPr id="39" name="文本框 38">
+            <a:extLst>
+              <a:ext uri="{FF2B5EF4-FFF2-40B4-BE49-F238E27FC236}">
+                <a16:creationId xmlns:a16="http://schemas.microsoft.com/office/drawing/2014/main" id="{54A7D6D0-8C92-410B-8CBC-217CBDC9AE30}"/>
+              </a:ext>
+            </a:extLst>
+          </p:cNvPr>
+          <p:cNvSpPr txBox="1"/>
+          <p:nvPr/>
+        </p:nvSpPr>
+        <p:spPr>
+          <a:xfrm>
+            <a:off x="5480738" y="4902476"/>
+            <a:ext cx="954107" cy="246221"/>
+          </a:xfrm>
+          <a:prstGeom prst="rect">
+            <a:avLst/>
+          </a:prstGeom>
+          <a:noFill/>
+        </p:spPr>
+        <p:txBody>
+          <a:bodyPr wrap="none" rtlCol="0">
+            <a:spAutoFit/>
+          </a:bodyPr>
+          <a:lstStyle/>
+          <a:p>
+            <a:r>
+              <a:rPr lang="zh-CN" altLang="en-US" sz="1000" dirty="0"/>
+              <a:t>对象实例数据</a:t>
+            </a:r>
+          </a:p>
+        </p:txBody>
+      </p:sp>
+      <p:sp>
+        <p:nvSpPr>
+          <p:cNvPr id="40" name="矩形 39">
+            <a:extLst>
+              <a:ext uri="{FF2B5EF4-FFF2-40B4-BE49-F238E27FC236}">
+                <a16:creationId xmlns:a16="http://schemas.microsoft.com/office/drawing/2014/main" id="{D8D85CEF-89CF-425A-B4F0-4B4E6DA6133F}"/>
+              </a:ext>
+            </a:extLst>
+          </p:cNvPr>
+          <p:cNvSpPr/>
+          <p:nvPr/>
+        </p:nvSpPr>
+        <p:spPr>
+          <a:xfrm>
+            <a:off x="5412514" y="4705839"/>
+            <a:ext cx="1163598" cy="160189"/>
+          </a:xfrm>
+          <a:prstGeom prst="rect">
+            <a:avLst/>
+          </a:prstGeom>
+          <a:noFill/>
+        </p:spPr>
+        <p:style>
+          <a:lnRef idx="2">
+            <a:schemeClr val="accent1">
+              <a:shade val="50000"/>
+            </a:schemeClr>
+          </a:lnRef>
+          <a:fillRef idx="1">
+            <a:schemeClr val="accent1"/>
+          </a:fillRef>
+          <a:effectRef idx="0">
+            <a:schemeClr val="accent1"/>
+          </a:effectRef>
+          <a:fontRef idx="minor">
+            <a:schemeClr val="lt1"/>
+          </a:fontRef>
+        </p:style>
+        <p:txBody>
+          <a:bodyPr rtlCol="0" anchor="ctr"/>
+          <a:lstStyle/>
+          <a:p>
+            <a:pPr algn="ctr"/>
+            <a:r>
+              <a:rPr lang="zh-CN" altLang="en-US" sz="800" dirty="0">
+                <a:solidFill>
+                  <a:schemeClr val="tx1"/>
+                </a:solidFill>
+              </a:rPr>
+              <a:t>对象类型数据的指针</a:t>
+            </a:r>
+          </a:p>
+        </p:txBody>
+      </p:sp>
+      <p:cxnSp>
+        <p:nvCxnSpPr>
+          <p:cNvPr id="42" name="直接箭头连接符 41">
+            <a:extLst>
+              <a:ext uri="{FF2B5EF4-FFF2-40B4-BE49-F238E27FC236}">
+                <a16:creationId xmlns:a16="http://schemas.microsoft.com/office/drawing/2014/main" id="{DEE88C10-4EEB-4A1B-A478-60B02DB895D0}"/>
+              </a:ext>
+            </a:extLst>
+          </p:cNvPr>
+          <p:cNvCxnSpPr>
+            <a:cxnSpLocks/>
+            <a:stCxn id="40" idx="3"/>
+            <a:endCxn id="27" idx="1"/>
+          </p:cNvCxnSpPr>
+          <p:nvPr/>
+        </p:nvCxnSpPr>
+        <p:spPr>
+          <a:xfrm>
+            <a:off x="6576112" y="4785934"/>
+            <a:ext cx="1024614" cy="984563"/>
+          </a:xfrm>
+          <a:prstGeom prst="straightConnector1">
+            <a:avLst/>
+          </a:prstGeom>
+          <a:ln>
+            <a:tailEnd type="triangle"/>
+          </a:ln>
+        </p:spPr>
+        <p:style>
+          <a:lnRef idx="1">
+            <a:schemeClr val="accent1"/>
+          </a:lnRef>
+          <a:fillRef idx="0">
+            <a:schemeClr val="accent1"/>
+          </a:fillRef>
+          <a:effectRef idx="0">
+            <a:schemeClr val="accent1"/>
+          </a:effectRef>
+          <a:fontRef idx="minor">
+            <a:schemeClr val="tx1"/>
+          </a:fontRef>
+        </p:style>
+      </p:cxnSp>
+      <p:cxnSp>
+        <p:nvCxnSpPr>
+          <p:cNvPr id="46" name="直接箭头连接符 45">
+            <a:extLst>
+              <a:ext uri="{FF2B5EF4-FFF2-40B4-BE49-F238E27FC236}">
+                <a16:creationId xmlns:a16="http://schemas.microsoft.com/office/drawing/2014/main" id="{CA583E32-4B31-48CB-8FC0-ABFED48D8B9E}"/>
+              </a:ext>
+            </a:extLst>
+          </p:cNvPr>
+          <p:cNvCxnSpPr>
+            <a:cxnSpLocks/>
+            <a:endCxn id="18" idx="1"/>
+          </p:cNvCxnSpPr>
+          <p:nvPr/>
+        </p:nvCxnSpPr>
+        <p:spPr>
+          <a:xfrm flipV="1">
+            <a:off x="3723963" y="2229563"/>
+            <a:ext cx="1515908" cy="608386"/>
+          </a:xfrm>
+          <a:prstGeom prst="straightConnector1">
+            <a:avLst/>
+          </a:prstGeom>
+          <a:ln>
+            <a:tailEnd type="triangle"/>
+          </a:ln>
+        </p:spPr>
+        <p:style>
+          <a:lnRef idx="1">
+            <a:schemeClr val="accent1"/>
+          </a:lnRef>
+          <a:fillRef idx="0">
+            <a:schemeClr val="accent1"/>
+          </a:fillRef>
+          <a:effectRef idx="0">
+            <a:schemeClr val="accent1"/>
+          </a:effectRef>
+          <a:fontRef idx="minor">
+            <a:schemeClr val="tx1"/>
+          </a:fontRef>
+        </p:style>
+      </p:cxnSp>
+      <p:cxnSp>
+        <p:nvCxnSpPr>
+          <p:cNvPr id="49" name="直接箭头连接符 48">
+            <a:extLst>
+              <a:ext uri="{FF2B5EF4-FFF2-40B4-BE49-F238E27FC236}">
+                <a16:creationId xmlns:a16="http://schemas.microsoft.com/office/drawing/2014/main" id="{9DF5A52F-7F77-4EA3-BA69-1B794B14628D}"/>
+              </a:ext>
+            </a:extLst>
+          </p:cNvPr>
+          <p:cNvCxnSpPr>
+            <a:endCxn id="26" idx="2"/>
+          </p:cNvCxnSpPr>
+          <p:nvPr/>
+        </p:nvCxnSpPr>
+        <p:spPr>
+          <a:xfrm flipV="1">
+            <a:off x="3723963" y="4856425"/>
+            <a:ext cx="1471084" cy="673678"/>
+          </a:xfrm>
+          <a:prstGeom prst="straightConnector1">
+            <a:avLst/>
+          </a:prstGeom>
+          <a:ln>
+            <a:tailEnd type="triangle"/>
+          </a:ln>
+        </p:spPr>
+        <p:style>
+          <a:lnRef idx="1">
+            <a:schemeClr val="accent1"/>
+          </a:lnRef>
+          <a:fillRef idx="0">
+            <a:schemeClr val="accent1"/>
+          </a:fillRef>
+          <a:effectRef idx="0">
+            <a:schemeClr val="accent1"/>
+          </a:effectRef>
+          <a:fontRef idx="minor">
+            <a:schemeClr val="tx1"/>
+          </a:fontRef>
+        </p:style>
+      </p:cxnSp>
     </p:spTree>
     <p:extLst>
       <p:ext uri="{BB962C8B-B14F-4D97-AF65-F5344CB8AC3E}">
         <p14:creationId xmlns:p14="http://schemas.microsoft.com/office/powerpoint/2010/main" val="421086634"/>
+      </p:ext>
+    </p:extLst>
+  </p:cSld>
+  <p:clrMapOvr>
+    <a:masterClrMapping/>
+  </p:clrMapOvr>
+</p:sld>
+</file>
+
+<file path=ppt/slides/slide13.xml><?xml version="1.0" encoding="utf-8"?>
+<p:sld xmlns:a="http://schemas.openxmlformats.org/drawingml/2006/main" xmlns:r="http://schemas.openxmlformats.org/officeDocument/2006/relationships" xmlns:p="http://schemas.openxmlformats.org/presentationml/2006/main">
+  <p:cSld>
+    <p:spTree>
+      <p:nvGrpSpPr>
+        <p:cNvPr id="1" name=""/>
+        <p:cNvGrpSpPr/>
+        <p:nvPr/>
+      </p:nvGrpSpPr>
+      <p:grpSpPr>
+        <a:xfrm>
+          <a:off x="0" y="0"/>
+          <a:ext cx="0" cy="0"/>
+          <a:chOff x="0" y="0"/>
+          <a:chExt cx="0" cy="0"/>
+        </a:xfrm>
+      </p:grpSpPr>
+      <p:sp>
+        <p:nvSpPr>
+          <p:cNvPr id="6" name="Rectangle 4">
+            <a:extLst>
+              <a:ext uri="{FF2B5EF4-FFF2-40B4-BE49-F238E27FC236}">
+                <a16:creationId xmlns:a16="http://schemas.microsoft.com/office/drawing/2014/main" id="{5945EC54-8A51-4292-8A56-DDC058EBCD91}"/>
+              </a:ext>
+            </a:extLst>
+          </p:cNvPr>
+          <p:cNvSpPr>
+            <a:spLocks noChangeArrowheads="1"/>
+          </p:cNvSpPr>
+          <p:nvPr/>
+        </p:nvSpPr>
+        <p:spPr bwMode="auto">
+          <a:xfrm>
+            <a:off x="914400" y="1421378"/>
+            <a:ext cx="9354671" cy="1200329"/>
+          </a:xfrm>
+          <a:prstGeom prst="rect">
+            <a:avLst/>
+          </a:prstGeom>
+          <a:solidFill>
+            <a:srgbClr val="FFFFFF"/>
+          </a:solidFill>
+          <a:ln>
+            <a:noFill/>
+          </a:ln>
+          <a:effectLst/>
+          <a:extLst>
+            <a:ext uri="{91240B29-F687-4F45-9708-019B960494DF}">
+              <a14:hiddenLine xmlns:a14="http://schemas.microsoft.com/office/drawing/2010/main" w="9525">
+                <a:solidFill>
+                  <a:schemeClr val="tx1"/>
+                </a:solidFill>
+                <a:miter lim="800000"/>
+                <a:headEnd/>
+                <a:tailEnd/>
+              </a14:hiddenLine>
+            </a:ext>
+            <a:ext uri="{AF507438-7753-43E0-B8FC-AC1667EBCBE1}">
+              <a14:hiddenEffects xmlns:a14="http://schemas.microsoft.com/office/drawing/2010/main">
+                <a:effectLst>
+                  <a:outerShdw dist="35921" dir="2700000" algn="ctr" rotWithShape="0">
+                    <a:schemeClr val="bg2"/>
+                  </a:outerShdw>
+                </a:effectLst>
+              </a14:hiddenEffects>
+            </a:ext>
+          </a:extLst>
+        </p:spPr>
+        <p:txBody>
+          <a:bodyPr vert="horz" wrap="square" lIns="91440" tIns="45720" rIns="91440" bIns="45720" numCol="1" anchor="ctr" anchorCtr="0" compatLnSpc="1">
+            <a:prstTxWarp prst="textNoShape">
+              <a:avLst/>
+            </a:prstTxWarp>
+            <a:spAutoFit/>
+          </a:bodyPr>
+          <a:lstStyle/>
+          <a:p>
+            <a:pPr lvl="0" eaLnBrk="0" fontAlgn="base" hangingPunct="0">
+              <a:spcBef>
+                <a:spcPct val="0"/>
+              </a:spcBef>
+              <a:spcAft>
+                <a:spcPct val="0"/>
+              </a:spcAft>
+            </a:pPr>
+            <a:r>
+              <a:rPr lang="en-US" altLang="zh-CN" sz="900" b="1" dirty="0">
+                <a:solidFill>
+                  <a:srgbClr val="000080"/>
+                </a:solidFill>
+                <a:latin typeface="宋体" panose="02010600030101010101" pitchFamily="2" charset="-122"/>
+                <a:ea typeface="宋体" panose="02010600030101010101" pitchFamily="2" charset="-122"/>
+              </a:rPr>
+              <a:t>//-Xms10m -Xmx10m -XX:+</a:t>
+            </a:r>
+            <a:r>
+              <a:rPr lang="en-US" altLang="zh-CN" sz="900" b="1" dirty="0" err="1">
+                <a:solidFill>
+                  <a:srgbClr val="000080"/>
+                </a:solidFill>
+                <a:latin typeface="宋体" panose="02010600030101010101" pitchFamily="2" charset="-122"/>
+                <a:ea typeface="宋体" panose="02010600030101010101" pitchFamily="2" charset="-122"/>
+              </a:rPr>
+              <a:t>HeapDumpOnOutOfMemoryError</a:t>
+            </a:r>
+            <a:endParaRPr lang="en-US" altLang="zh-CN" sz="900" b="1" dirty="0">
+              <a:solidFill>
+                <a:srgbClr val="000080"/>
+              </a:solidFill>
+              <a:latin typeface="宋体" panose="02010600030101010101" pitchFamily="2" charset="-122"/>
+              <a:ea typeface="宋体" panose="02010600030101010101" pitchFamily="2" charset="-122"/>
+            </a:endParaRPr>
+          </a:p>
+          <a:p>
+            <a:pPr lvl="0" eaLnBrk="0" fontAlgn="base" hangingPunct="0">
+              <a:spcBef>
+                <a:spcPct val="0"/>
+              </a:spcBef>
+              <a:spcAft>
+                <a:spcPct val="0"/>
+              </a:spcAft>
+            </a:pPr>
+            <a:r>
+              <a:rPr lang="zh-CN" altLang="zh-CN" sz="900" b="1" dirty="0">
+                <a:solidFill>
+                  <a:srgbClr val="000080"/>
+                </a:solidFill>
+                <a:latin typeface="宋体" panose="02010600030101010101" pitchFamily="2" charset="-122"/>
+                <a:ea typeface="宋体" panose="02010600030101010101" pitchFamily="2" charset="-122"/>
+              </a:rPr>
+              <a:t>static class </a:t>
+            </a:r>
+            <a:r>
+              <a:rPr lang="zh-CN" altLang="zh-CN" sz="900" dirty="0">
+                <a:solidFill>
+                  <a:srgbClr val="000000"/>
+                </a:solidFill>
+                <a:latin typeface="宋体" panose="02010600030101010101" pitchFamily="2" charset="-122"/>
+                <a:ea typeface="宋体" panose="02010600030101010101" pitchFamily="2" charset="-122"/>
+              </a:rPr>
+              <a:t>TestObj{}</a:t>
+            </a:r>
+            <a:endParaRPr kumimoji="0" lang="en-US" altLang="zh-CN" sz="900" b="1" i="0" u="none" strike="noStrike" cap="none" normalizeH="0" baseline="0" dirty="0">
+              <a:ln>
+                <a:noFill/>
+              </a:ln>
+              <a:solidFill>
+                <a:srgbClr val="000080"/>
+              </a:solidFill>
+              <a:effectLst/>
+              <a:latin typeface="宋体" panose="02010600030101010101" pitchFamily="2" charset="-122"/>
+              <a:ea typeface="宋体" panose="02010600030101010101" pitchFamily="2" charset="-122"/>
+            </a:endParaRPr>
+          </a:p>
+          <a:p>
+            <a:pPr marL="0" marR="0" lvl="0" indent="0" algn="l" defTabSz="914400" rtl="0" eaLnBrk="0" fontAlgn="base" latinLnBrk="0" hangingPunct="0">
+              <a:lnSpc>
+                <a:spcPct val="100000"/>
+              </a:lnSpc>
+              <a:spcBef>
+                <a:spcPct val="0"/>
+              </a:spcBef>
+              <a:spcAft>
+                <a:spcPct val="0"/>
+              </a:spcAft>
+              <a:buClrTx/>
+              <a:buSzTx/>
+              <a:buFontTx/>
+              <a:buNone/>
+              <a:tabLst/>
+            </a:pPr>
+            <a:r>
+              <a:rPr kumimoji="0" lang="zh-CN" altLang="zh-CN" sz="900" b="1" i="0" u="none" strike="noStrike" cap="none" normalizeH="0" baseline="0" dirty="0">
+                <a:ln>
+                  <a:noFill/>
+                </a:ln>
+                <a:solidFill>
+                  <a:srgbClr val="000080"/>
+                </a:solidFill>
+                <a:effectLst/>
+                <a:latin typeface="宋体" panose="02010600030101010101" pitchFamily="2" charset="-122"/>
+                <a:ea typeface="宋体" panose="02010600030101010101" pitchFamily="2" charset="-122"/>
+              </a:rPr>
+              <a:t>public static void </a:t>
+            </a:r>
+            <a:r>
+              <a:rPr kumimoji="0" lang="zh-CN" altLang="zh-CN" sz="900" b="0" i="0" u="none" strike="noStrike" cap="none" normalizeH="0" baseline="0" dirty="0">
+                <a:ln>
+                  <a:noFill/>
+                </a:ln>
+                <a:solidFill>
+                  <a:srgbClr val="000000"/>
+                </a:solidFill>
+                <a:effectLst/>
+                <a:latin typeface="宋体" panose="02010600030101010101" pitchFamily="2" charset="-122"/>
+                <a:ea typeface="宋体" panose="02010600030101010101" pitchFamily="2" charset="-122"/>
+              </a:rPr>
+              <a:t>main(String[] arg) </a:t>
+            </a:r>
+            <a:r>
+              <a:rPr kumimoji="0" lang="zh-CN" altLang="zh-CN" sz="900" b="1" i="0" u="none" strike="noStrike" cap="none" normalizeH="0" baseline="0" dirty="0">
+                <a:ln>
+                  <a:noFill/>
+                </a:ln>
+                <a:solidFill>
+                  <a:srgbClr val="000080"/>
+                </a:solidFill>
+                <a:effectLst/>
+                <a:latin typeface="宋体" panose="02010600030101010101" pitchFamily="2" charset="-122"/>
+                <a:ea typeface="宋体" panose="02010600030101010101" pitchFamily="2" charset="-122"/>
+              </a:rPr>
+              <a:t>throws </a:t>
+            </a:r>
+            <a:r>
+              <a:rPr kumimoji="0" lang="zh-CN" altLang="zh-CN" sz="900" b="0" i="0" u="none" strike="noStrike" cap="none" normalizeH="0" baseline="0" dirty="0">
+                <a:ln>
+                  <a:noFill/>
+                </a:ln>
+                <a:solidFill>
+                  <a:srgbClr val="000000"/>
+                </a:solidFill>
+                <a:effectLst/>
+                <a:latin typeface="宋体" panose="02010600030101010101" pitchFamily="2" charset="-122"/>
+                <a:ea typeface="宋体" panose="02010600030101010101" pitchFamily="2" charset="-122"/>
+              </a:rPr>
+              <a:t>Exception {</a:t>
+            </a:r>
+            <a:br>
+              <a:rPr kumimoji="0" lang="zh-CN" altLang="zh-CN" sz="900" b="0" i="0" u="none" strike="noStrike" cap="none" normalizeH="0" baseline="0" dirty="0">
+                <a:ln>
+                  <a:noFill/>
+                </a:ln>
+                <a:solidFill>
+                  <a:srgbClr val="000000"/>
+                </a:solidFill>
+                <a:effectLst/>
+                <a:latin typeface="宋体" panose="02010600030101010101" pitchFamily="2" charset="-122"/>
+                <a:ea typeface="宋体" panose="02010600030101010101" pitchFamily="2" charset="-122"/>
+              </a:rPr>
+            </a:br>
+            <a:r>
+              <a:rPr kumimoji="0" lang="zh-CN" altLang="zh-CN" sz="900" b="0" i="0" u="none" strike="noStrike" cap="none" normalizeH="0" baseline="0" dirty="0">
+                <a:ln>
+                  <a:noFill/>
+                </a:ln>
+                <a:solidFill>
+                  <a:srgbClr val="000000"/>
+                </a:solidFill>
+                <a:effectLst/>
+                <a:latin typeface="宋体" panose="02010600030101010101" pitchFamily="2" charset="-122"/>
+                <a:ea typeface="宋体" panose="02010600030101010101" pitchFamily="2" charset="-122"/>
+              </a:rPr>
+              <a:t>    List&lt;TestObj&gt; list = </a:t>
+            </a:r>
+            <a:r>
+              <a:rPr kumimoji="0" lang="zh-CN" altLang="zh-CN" sz="900" b="1" i="0" u="none" strike="noStrike" cap="none" normalizeH="0" baseline="0" dirty="0">
+                <a:ln>
+                  <a:noFill/>
+                </a:ln>
+                <a:solidFill>
+                  <a:srgbClr val="000080"/>
+                </a:solidFill>
+                <a:effectLst/>
+                <a:latin typeface="宋体" panose="02010600030101010101" pitchFamily="2" charset="-122"/>
+                <a:ea typeface="宋体" panose="02010600030101010101" pitchFamily="2" charset="-122"/>
+              </a:rPr>
+              <a:t>new </a:t>
+            </a:r>
+            <a:r>
+              <a:rPr kumimoji="0" lang="zh-CN" altLang="zh-CN" sz="900" b="0" i="0" u="none" strike="noStrike" cap="none" normalizeH="0" baseline="0" dirty="0">
+                <a:ln>
+                  <a:noFill/>
+                </a:ln>
+                <a:solidFill>
+                  <a:srgbClr val="000000"/>
+                </a:solidFill>
+                <a:effectLst/>
+                <a:latin typeface="宋体" panose="02010600030101010101" pitchFamily="2" charset="-122"/>
+                <a:ea typeface="宋体" panose="02010600030101010101" pitchFamily="2" charset="-122"/>
+              </a:rPr>
+              <a:t>ArrayList&lt;&gt;();</a:t>
+            </a:r>
+            <a:br>
+              <a:rPr kumimoji="0" lang="zh-CN" altLang="zh-CN" sz="900" b="0" i="0" u="none" strike="noStrike" cap="none" normalizeH="0" baseline="0" dirty="0">
+                <a:ln>
+                  <a:noFill/>
+                </a:ln>
+                <a:solidFill>
+                  <a:srgbClr val="000000"/>
+                </a:solidFill>
+                <a:effectLst/>
+                <a:latin typeface="宋体" panose="02010600030101010101" pitchFamily="2" charset="-122"/>
+                <a:ea typeface="宋体" panose="02010600030101010101" pitchFamily="2" charset="-122"/>
+              </a:rPr>
+            </a:br>
+            <a:r>
+              <a:rPr kumimoji="0" lang="zh-CN" altLang="zh-CN" sz="900" b="0" i="0" u="none" strike="noStrike" cap="none" normalizeH="0" baseline="0" dirty="0">
+                <a:ln>
+                  <a:noFill/>
+                </a:ln>
+                <a:solidFill>
+                  <a:srgbClr val="000000"/>
+                </a:solidFill>
+                <a:effectLst/>
+                <a:latin typeface="宋体" panose="02010600030101010101" pitchFamily="2" charset="-122"/>
+                <a:ea typeface="宋体" panose="02010600030101010101" pitchFamily="2" charset="-122"/>
+              </a:rPr>
+              <a:t>    </a:t>
+            </a:r>
+            <a:r>
+              <a:rPr kumimoji="0" lang="zh-CN" altLang="zh-CN" sz="900" b="1" i="0" u="none" strike="noStrike" cap="none" normalizeH="0" baseline="0" dirty="0">
+                <a:ln>
+                  <a:noFill/>
+                </a:ln>
+                <a:solidFill>
+                  <a:srgbClr val="000080"/>
+                </a:solidFill>
+                <a:effectLst/>
+                <a:latin typeface="宋体" panose="02010600030101010101" pitchFamily="2" charset="-122"/>
+                <a:ea typeface="宋体" panose="02010600030101010101" pitchFamily="2" charset="-122"/>
+              </a:rPr>
+              <a:t>while</a:t>
+            </a:r>
+            <a:r>
+              <a:rPr kumimoji="0" lang="zh-CN" altLang="zh-CN" sz="900" b="0" i="0" u="none" strike="noStrike" cap="none" normalizeH="0" baseline="0" dirty="0">
+                <a:ln>
+                  <a:noFill/>
+                </a:ln>
+                <a:solidFill>
+                  <a:srgbClr val="000000"/>
+                </a:solidFill>
+                <a:effectLst/>
+                <a:latin typeface="宋体" panose="02010600030101010101" pitchFamily="2" charset="-122"/>
+                <a:ea typeface="宋体" panose="02010600030101010101" pitchFamily="2" charset="-122"/>
+              </a:rPr>
+              <a:t>(</a:t>
+            </a:r>
+            <a:r>
+              <a:rPr kumimoji="0" lang="zh-CN" altLang="zh-CN" sz="900" b="1" i="0" u="none" strike="noStrike" cap="none" normalizeH="0" baseline="0" dirty="0">
+                <a:ln>
+                  <a:noFill/>
+                </a:ln>
+                <a:solidFill>
+                  <a:srgbClr val="000080"/>
+                </a:solidFill>
+                <a:effectLst/>
+                <a:latin typeface="宋体" panose="02010600030101010101" pitchFamily="2" charset="-122"/>
+                <a:ea typeface="宋体" panose="02010600030101010101" pitchFamily="2" charset="-122"/>
+              </a:rPr>
+              <a:t>true</a:t>
+            </a:r>
+            <a:r>
+              <a:rPr kumimoji="0" lang="zh-CN" altLang="zh-CN" sz="900" b="0" i="0" u="none" strike="noStrike" cap="none" normalizeH="0" baseline="0" dirty="0">
+                <a:ln>
+                  <a:noFill/>
+                </a:ln>
+                <a:solidFill>
+                  <a:srgbClr val="000000"/>
+                </a:solidFill>
+                <a:effectLst/>
+                <a:latin typeface="宋体" panose="02010600030101010101" pitchFamily="2" charset="-122"/>
+                <a:ea typeface="宋体" panose="02010600030101010101" pitchFamily="2" charset="-122"/>
+              </a:rPr>
+              <a:t>){</a:t>
+            </a:r>
+            <a:br>
+              <a:rPr kumimoji="0" lang="zh-CN" altLang="zh-CN" sz="900" b="0" i="0" u="none" strike="noStrike" cap="none" normalizeH="0" baseline="0" dirty="0">
+                <a:ln>
+                  <a:noFill/>
+                </a:ln>
+                <a:solidFill>
+                  <a:srgbClr val="000000"/>
+                </a:solidFill>
+                <a:effectLst/>
+                <a:latin typeface="宋体" panose="02010600030101010101" pitchFamily="2" charset="-122"/>
+                <a:ea typeface="宋体" panose="02010600030101010101" pitchFamily="2" charset="-122"/>
+              </a:rPr>
+            </a:br>
+            <a:r>
+              <a:rPr kumimoji="0" lang="zh-CN" altLang="zh-CN" sz="900" b="0" i="0" u="none" strike="noStrike" cap="none" normalizeH="0" baseline="0" dirty="0">
+                <a:ln>
+                  <a:noFill/>
+                </a:ln>
+                <a:solidFill>
+                  <a:srgbClr val="000000"/>
+                </a:solidFill>
+                <a:effectLst/>
+                <a:latin typeface="宋体" panose="02010600030101010101" pitchFamily="2" charset="-122"/>
+                <a:ea typeface="宋体" panose="02010600030101010101" pitchFamily="2" charset="-122"/>
+              </a:rPr>
+              <a:t>        list.add(</a:t>
+            </a:r>
+            <a:r>
+              <a:rPr kumimoji="0" lang="zh-CN" altLang="zh-CN" sz="900" b="1" i="0" u="none" strike="noStrike" cap="none" normalizeH="0" baseline="0" dirty="0">
+                <a:ln>
+                  <a:noFill/>
+                </a:ln>
+                <a:solidFill>
+                  <a:srgbClr val="000080"/>
+                </a:solidFill>
+                <a:effectLst/>
+                <a:latin typeface="宋体" panose="02010600030101010101" pitchFamily="2" charset="-122"/>
+                <a:ea typeface="宋体" panose="02010600030101010101" pitchFamily="2" charset="-122"/>
+              </a:rPr>
+              <a:t>new </a:t>
+            </a:r>
+            <a:r>
+              <a:rPr kumimoji="0" lang="zh-CN" altLang="zh-CN" sz="900" b="0" i="0" u="none" strike="noStrike" cap="none" normalizeH="0" baseline="0" dirty="0">
+                <a:ln>
+                  <a:noFill/>
+                </a:ln>
+                <a:solidFill>
+                  <a:srgbClr val="000000"/>
+                </a:solidFill>
+                <a:effectLst/>
+                <a:latin typeface="宋体" panose="02010600030101010101" pitchFamily="2" charset="-122"/>
+                <a:ea typeface="宋体" panose="02010600030101010101" pitchFamily="2" charset="-122"/>
+              </a:rPr>
+              <a:t>TestObj());</a:t>
+            </a:r>
+            <a:br>
+              <a:rPr kumimoji="0" lang="zh-CN" altLang="zh-CN" sz="900" b="0" i="0" u="none" strike="noStrike" cap="none" normalizeH="0" baseline="0" dirty="0">
+                <a:ln>
+                  <a:noFill/>
+                </a:ln>
+                <a:solidFill>
+                  <a:srgbClr val="000000"/>
+                </a:solidFill>
+                <a:effectLst/>
+                <a:latin typeface="宋体" panose="02010600030101010101" pitchFamily="2" charset="-122"/>
+                <a:ea typeface="宋体" panose="02010600030101010101" pitchFamily="2" charset="-122"/>
+              </a:rPr>
+            </a:br>
+            <a:r>
+              <a:rPr kumimoji="0" lang="zh-CN" altLang="zh-CN" sz="900" b="0" i="0" u="none" strike="noStrike" cap="none" normalizeH="0" baseline="0" dirty="0">
+                <a:ln>
+                  <a:noFill/>
+                </a:ln>
+                <a:solidFill>
+                  <a:srgbClr val="000000"/>
+                </a:solidFill>
+                <a:effectLst/>
+                <a:latin typeface="宋体" panose="02010600030101010101" pitchFamily="2" charset="-122"/>
+                <a:ea typeface="宋体" panose="02010600030101010101" pitchFamily="2" charset="-122"/>
+              </a:rPr>
+              <a:t>    }</a:t>
+            </a:r>
+            <a:br>
+              <a:rPr kumimoji="0" lang="zh-CN" altLang="zh-CN" sz="900" b="0" i="0" u="none" strike="noStrike" cap="none" normalizeH="0" baseline="0" dirty="0">
+                <a:ln>
+                  <a:noFill/>
+                </a:ln>
+                <a:solidFill>
+                  <a:srgbClr val="000000"/>
+                </a:solidFill>
+                <a:effectLst/>
+                <a:latin typeface="宋体" panose="02010600030101010101" pitchFamily="2" charset="-122"/>
+                <a:ea typeface="宋体" panose="02010600030101010101" pitchFamily="2" charset="-122"/>
+              </a:rPr>
+            </a:br>
+            <a:r>
+              <a:rPr kumimoji="0" lang="zh-CN" altLang="zh-CN" sz="900" b="0" i="0" u="none" strike="noStrike" cap="none" normalizeH="0" baseline="0" dirty="0">
+                <a:ln>
+                  <a:noFill/>
+                </a:ln>
+                <a:solidFill>
+                  <a:srgbClr val="000000"/>
+                </a:solidFill>
+                <a:effectLst/>
+                <a:latin typeface="宋体" panose="02010600030101010101" pitchFamily="2" charset="-122"/>
+                <a:ea typeface="宋体" panose="02010600030101010101" pitchFamily="2" charset="-122"/>
+              </a:rPr>
+              <a:t>}</a:t>
+            </a:r>
+            <a:endParaRPr kumimoji="0" lang="zh-CN" altLang="zh-CN" sz="1800" b="0" i="0" u="none" strike="noStrike" cap="none" normalizeH="0" baseline="0" dirty="0">
+              <a:ln>
+                <a:noFill/>
+              </a:ln>
+              <a:solidFill>
+                <a:schemeClr val="tx1"/>
+              </a:solidFill>
+              <a:effectLst/>
+              <a:latin typeface="Arial" panose="020B0604020202020204" pitchFamily="34" charset="0"/>
+            </a:endParaRPr>
+          </a:p>
+        </p:txBody>
+      </p:sp>
+      <p:sp>
+        <p:nvSpPr>
+          <p:cNvPr id="7" name="文本框 6">
+            <a:extLst>
+              <a:ext uri="{FF2B5EF4-FFF2-40B4-BE49-F238E27FC236}">
+                <a16:creationId xmlns:a16="http://schemas.microsoft.com/office/drawing/2014/main" id="{4879DD97-D62B-4470-91BE-0C1AA504AA87}"/>
+              </a:ext>
+            </a:extLst>
+          </p:cNvPr>
+          <p:cNvSpPr txBox="1"/>
+          <p:nvPr/>
+        </p:nvSpPr>
+        <p:spPr>
+          <a:xfrm>
+            <a:off x="381000" y="174812"/>
+            <a:ext cx="2579552" cy="369332"/>
+          </a:xfrm>
+          <a:prstGeom prst="rect">
+            <a:avLst/>
+          </a:prstGeom>
+          <a:noFill/>
+        </p:spPr>
+        <p:txBody>
+          <a:bodyPr wrap="none" rtlCol="0">
+            <a:spAutoFit/>
+          </a:bodyPr>
+          <a:lstStyle/>
+          <a:p>
+            <a:r>
+              <a:rPr lang="zh-CN" altLang="en-US" dirty="0"/>
+              <a:t>四、</a:t>
+            </a:r>
+            <a:r>
+              <a:rPr lang="en-US" altLang="zh-CN" dirty="0" err="1"/>
+              <a:t>OutOfMemoryError</a:t>
+            </a:r>
+            <a:endParaRPr lang="zh-CN" altLang="en-US" dirty="0"/>
+          </a:p>
+        </p:txBody>
+      </p:sp>
+      <p:sp>
+        <p:nvSpPr>
+          <p:cNvPr id="8" name="文本框 7">
+            <a:extLst>
+              <a:ext uri="{FF2B5EF4-FFF2-40B4-BE49-F238E27FC236}">
+                <a16:creationId xmlns:a16="http://schemas.microsoft.com/office/drawing/2014/main" id="{6A5EFE78-C191-41BB-A4C0-E8AAD6853CEB}"/>
+              </a:ext>
+            </a:extLst>
+          </p:cNvPr>
+          <p:cNvSpPr txBox="1"/>
+          <p:nvPr/>
+        </p:nvSpPr>
+        <p:spPr>
+          <a:xfrm>
+            <a:off x="874059" y="918882"/>
+            <a:ext cx="1172116" cy="369332"/>
+          </a:xfrm>
+          <a:prstGeom prst="rect">
+            <a:avLst/>
+          </a:prstGeom>
+          <a:noFill/>
+        </p:spPr>
+        <p:txBody>
+          <a:bodyPr wrap="none" rtlCol="0">
+            <a:spAutoFit/>
+          </a:bodyPr>
+          <a:lstStyle/>
+          <a:p>
+            <a:r>
+              <a:rPr lang="en-US" altLang="zh-CN" dirty="0"/>
+              <a:t>4.1</a:t>
+            </a:r>
+            <a:r>
+              <a:rPr lang="zh-CN" altLang="en-US" dirty="0"/>
+              <a:t>堆溢出</a:t>
+            </a:r>
+          </a:p>
+        </p:txBody>
+      </p:sp>
+      <p:pic>
+        <p:nvPicPr>
+          <p:cNvPr id="9" name="图片 8">
+            <a:extLst>
+              <a:ext uri="{FF2B5EF4-FFF2-40B4-BE49-F238E27FC236}">
+                <a16:creationId xmlns:a16="http://schemas.microsoft.com/office/drawing/2014/main" id="{1DE7FBDE-9CE8-4454-B1C2-3AF3788A36AF}"/>
+              </a:ext>
+            </a:extLst>
+          </p:cNvPr>
+          <p:cNvPicPr>
+            <a:picLocks noChangeAspect="1"/>
+          </p:cNvPicPr>
+          <p:nvPr/>
+        </p:nvPicPr>
+        <p:blipFill>
+          <a:blip r:embed="rId2"/>
+          <a:stretch>
+            <a:fillRect/>
+          </a:stretch>
+        </p:blipFill>
+        <p:spPr>
+          <a:xfrm>
+            <a:off x="640976" y="3241815"/>
+            <a:ext cx="5034109" cy="2235620"/>
+          </a:xfrm>
+          <a:prstGeom prst="rect">
+            <a:avLst/>
+          </a:prstGeom>
+        </p:spPr>
+      </p:pic>
+      <p:sp>
+        <p:nvSpPr>
+          <p:cNvPr id="10" name="文本框 9">
+            <a:extLst>
+              <a:ext uri="{FF2B5EF4-FFF2-40B4-BE49-F238E27FC236}">
+                <a16:creationId xmlns:a16="http://schemas.microsoft.com/office/drawing/2014/main" id="{38F8F7DE-34EA-4E77-B8C6-0A27D7011EE3}"/>
+              </a:ext>
+            </a:extLst>
+          </p:cNvPr>
+          <p:cNvSpPr txBox="1"/>
+          <p:nvPr/>
+        </p:nvSpPr>
+        <p:spPr>
+          <a:xfrm>
+            <a:off x="6131859" y="3209365"/>
+            <a:ext cx="5419165" cy="2585323"/>
+          </a:xfrm>
+          <a:prstGeom prst="rect">
+            <a:avLst/>
+          </a:prstGeom>
+          <a:noFill/>
+        </p:spPr>
+        <p:txBody>
+          <a:bodyPr wrap="square" rtlCol="0">
+            <a:spAutoFit/>
+          </a:bodyPr>
+          <a:lstStyle/>
+          <a:p>
+            <a:r>
+              <a:rPr lang="zh-CN" altLang="en-US" dirty="0"/>
+              <a:t>解决这块区域的异常，一般的手段是先通过内存映像分析工具，对</a:t>
+            </a:r>
+            <a:r>
+              <a:rPr lang="en-US" altLang="zh-CN" dirty="0"/>
+              <a:t>Dump</a:t>
+            </a:r>
+            <a:r>
+              <a:rPr lang="zh-CN" altLang="en-US" dirty="0"/>
+              <a:t>出来的堆转储快照进行分析，重点是确认内存中的对象是否必要的，也就是先要分清楚到底是出现了内存泄漏</a:t>
+            </a:r>
+            <a:r>
+              <a:rPr lang="en-US" altLang="zh-CN" dirty="0"/>
+              <a:t>(Memory Leak)</a:t>
+            </a:r>
+            <a:r>
+              <a:rPr lang="zh-CN" altLang="en-US" dirty="0"/>
+              <a:t>还是内存溢出。</a:t>
+            </a:r>
+            <a:endParaRPr lang="en-US" altLang="zh-CN" dirty="0"/>
+          </a:p>
+          <a:p>
+            <a:r>
+              <a:rPr lang="zh-CN" altLang="en-US" dirty="0"/>
+              <a:t>如果内存泄漏，可以通过工具查看泄漏对象到</a:t>
+            </a:r>
+            <a:r>
+              <a:rPr lang="en-US" altLang="zh-CN" dirty="0"/>
+              <a:t>GC Roots</a:t>
+            </a:r>
+            <a:r>
+              <a:rPr lang="zh-CN" altLang="en-US" dirty="0"/>
+              <a:t>引用链。</a:t>
+            </a:r>
+            <a:endParaRPr lang="en-US" altLang="zh-CN" dirty="0"/>
+          </a:p>
+          <a:p>
+            <a:r>
+              <a:rPr lang="zh-CN" altLang="en-US" dirty="0"/>
+              <a:t>如果不存在内存泄漏，试着调大参数，并从代码层面减少程序运行期间的内存消耗。</a:t>
+            </a:r>
+            <a:endParaRPr lang="en-US" altLang="zh-CN" dirty="0"/>
+          </a:p>
+        </p:txBody>
+      </p:sp>
+    </p:spTree>
+    <p:extLst>
+      <p:ext uri="{BB962C8B-B14F-4D97-AF65-F5344CB8AC3E}">
+        <p14:creationId xmlns:p14="http://schemas.microsoft.com/office/powerpoint/2010/main" val="2367896747"/>
+      </p:ext>
+    </p:extLst>
+  </p:cSld>
+  <p:clrMapOvr>
+    <a:masterClrMapping/>
+  </p:clrMapOvr>
+</p:sld>
+</file>
+
+<file path=ppt/slides/slide14.xml><?xml version="1.0" encoding="utf-8"?>
+<p:sld xmlns:a="http://schemas.openxmlformats.org/drawingml/2006/main" xmlns:r="http://schemas.openxmlformats.org/officeDocument/2006/relationships" xmlns:p="http://schemas.openxmlformats.org/presentationml/2006/main">
+  <p:cSld>
+    <p:spTree>
+      <p:nvGrpSpPr>
+        <p:cNvPr id="1" name=""/>
+        <p:cNvGrpSpPr/>
+        <p:nvPr/>
+      </p:nvGrpSpPr>
+      <p:grpSpPr>
+        <a:xfrm>
+          <a:off x="0" y="0"/>
+          <a:ext cx="0" cy="0"/>
+          <a:chOff x="0" y="0"/>
+          <a:chExt cx="0" cy="0"/>
+        </a:xfrm>
+      </p:grpSpPr>
+      <p:sp>
+        <p:nvSpPr>
+          <p:cNvPr id="2" name="文本框 1">
+            <a:extLst>
+              <a:ext uri="{FF2B5EF4-FFF2-40B4-BE49-F238E27FC236}">
+                <a16:creationId xmlns:a16="http://schemas.microsoft.com/office/drawing/2014/main" id="{BFD4A343-6BD1-4891-A7EA-6FC7A62393FF}"/>
+              </a:ext>
+            </a:extLst>
+          </p:cNvPr>
+          <p:cNvSpPr txBox="1"/>
+          <p:nvPr/>
+        </p:nvSpPr>
+        <p:spPr>
+          <a:xfrm>
+            <a:off x="381000" y="174812"/>
+            <a:ext cx="2579552" cy="369332"/>
+          </a:xfrm>
+          <a:prstGeom prst="rect">
+            <a:avLst/>
+          </a:prstGeom>
+          <a:noFill/>
+        </p:spPr>
+        <p:txBody>
+          <a:bodyPr wrap="none" rtlCol="0">
+            <a:spAutoFit/>
+          </a:bodyPr>
+          <a:lstStyle/>
+          <a:p>
+            <a:r>
+              <a:rPr lang="zh-CN" altLang="en-US" dirty="0"/>
+              <a:t>四、</a:t>
+            </a:r>
+            <a:r>
+              <a:rPr lang="en-US" altLang="zh-CN" dirty="0" err="1"/>
+              <a:t>OutOfMemoryError</a:t>
+            </a:r>
+            <a:endParaRPr lang="zh-CN" altLang="en-US" dirty="0"/>
+          </a:p>
+        </p:txBody>
+      </p:sp>
+      <p:sp>
+        <p:nvSpPr>
+          <p:cNvPr id="3" name="文本框 2">
+            <a:extLst>
+              <a:ext uri="{FF2B5EF4-FFF2-40B4-BE49-F238E27FC236}">
+                <a16:creationId xmlns:a16="http://schemas.microsoft.com/office/drawing/2014/main" id="{4C440139-592E-4E01-8D20-3DAF12465700}"/>
+              </a:ext>
+            </a:extLst>
+          </p:cNvPr>
+          <p:cNvSpPr txBox="1"/>
+          <p:nvPr/>
+        </p:nvSpPr>
+        <p:spPr>
+          <a:xfrm>
+            <a:off x="381000" y="618564"/>
+            <a:ext cx="3082895" cy="369332"/>
+          </a:xfrm>
+          <a:prstGeom prst="rect">
+            <a:avLst/>
+          </a:prstGeom>
+          <a:noFill/>
+        </p:spPr>
+        <p:txBody>
+          <a:bodyPr wrap="none" rtlCol="0">
+            <a:spAutoFit/>
+          </a:bodyPr>
+          <a:lstStyle/>
+          <a:p>
+            <a:r>
+              <a:rPr lang="en-US" altLang="zh-CN" dirty="0"/>
+              <a:t>4.2</a:t>
+            </a:r>
+            <a:r>
+              <a:rPr lang="zh-CN" altLang="en-US" dirty="0"/>
+              <a:t>、</a:t>
+            </a:r>
+            <a:r>
+              <a:rPr lang="en-US" altLang="zh-CN" dirty="0"/>
+              <a:t>JVM</a:t>
+            </a:r>
+            <a:r>
+              <a:rPr lang="zh-CN" altLang="en-US" dirty="0"/>
+              <a:t>栈和本地方法溢出</a:t>
+            </a:r>
+            <a:endParaRPr lang="en-US" altLang="zh-CN" dirty="0"/>
+          </a:p>
+        </p:txBody>
+      </p:sp>
+      <p:sp>
+        <p:nvSpPr>
+          <p:cNvPr id="4" name="文本框 3">
+            <a:extLst>
+              <a:ext uri="{FF2B5EF4-FFF2-40B4-BE49-F238E27FC236}">
+                <a16:creationId xmlns:a16="http://schemas.microsoft.com/office/drawing/2014/main" id="{ECFF59F0-8C81-4D57-B806-BE3B8B238E75}"/>
+              </a:ext>
+            </a:extLst>
+          </p:cNvPr>
+          <p:cNvSpPr txBox="1"/>
+          <p:nvPr/>
+        </p:nvSpPr>
+        <p:spPr>
+          <a:xfrm>
+            <a:off x="381000" y="1024766"/>
+            <a:ext cx="1576072" cy="369332"/>
+          </a:xfrm>
+          <a:prstGeom prst="rect">
+            <a:avLst/>
+          </a:prstGeom>
+          <a:noFill/>
+        </p:spPr>
+        <p:txBody>
+          <a:bodyPr wrap="none" rtlCol="0">
+            <a:spAutoFit/>
+          </a:bodyPr>
+          <a:lstStyle/>
+          <a:p>
+            <a:r>
+              <a:rPr lang="en-US" altLang="zh-CN" dirty="0"/>
+              <a:t>4.2.1</a:t>
+            </a:r>
+            <a:r>
+              <a:rPr lang="zh-CN" altLang="en-US" dirty="0"/>
+              <a:t>、单线程</a:t>
+            </a:r>
+          </a:p>
+        </p:txBody>
+      </p:sp>
+      <p:sp>
+        <p:nvSpPr>
+          <p:cNvPr id="5" name="Rectangle 1">
+            <a:extLst>
+              <a:ext uri="{FF2B5EF4-FFF2-40B4-BE49-F238E27FC236}">
+                <a16:creationId xmlns:a16="http://schemas.microsoft.com/office/drawing/2014/main" id="{875B7C3C-9926-436E-A7F8-6309A5B3E9AB}"/>
+              </a:ext>
+            </a:extLst>
+          </p:cNvPr>
+          <p:cNvSpPr>
+            <a:spLocks noChangeArrowheads="1"/>
+          </p:cNvSpPr>
+          <p:nvPr/>
+        </p:nvSpPr>
+        <p:spPr bwMode="auto">
+          <a:xfrm>
+            <a:off x="560295" y="1561833"/>
+            <a:ext cx="9982199" cy="2446824"/>
+          </a:xfrm>
+          <a:prstGeom prst="rect">
+            <a:avLst/>
+          </a:prstGeom>
+          <a:solidFill>
+            <a:srgbClr val="FFFFFF"/>
+          </a:solidFill>
+          <a:ln>
+            <a:noFill/>
+          </a:ln>
+          <a:effectLst/>
+          <a:extLst>
+            <a:ext uri="{91240B29-F687-4F45-9708-019B960494DF}">
+              <a14:hiddenLine xmlns:a14="http://schemas.microsoft.com/office/drawing/2010/main" w="9525">
+                <a:solidFill>
+                  <a:schemeClr val="tx1"/>
+                </a:solidFill>
+                <a:miter lim="800000"/>
+                <a:headEnd/>
+                <a:tailEnd/>
+              </a14:hiddenLine>
+            </a:ext>
+            <a:ext uri="{AF507438-7753-43E0-B8FC-AC1667EBCBE1}">
+              <a14:hiddenEffects xmlns:a14="http://schemas.microsoft.com/office/drawing/2010/main">
+                <a:effectLst>
+                  <a:outerShdw dist="35921" dir="2700000" algn="ctr" rotWithShape="0">
+                    <a:schemeClr val="bg2"/>
+                  </a:outerShdw>
+                </a:effectLst>
+              </a14:hiddenEffects>
+            </a:ext>
+          </a:extLst>
+        </p:spPr>
+        <p:txBody>
+          <a:bodyPr vert="horz" wrap="square" lIns="91440" tIns="45720" rIns="91440" bIns="45720" numCol="1" anchor="ctr" anchorCtr="0" compatLnSpc="1">
+            <a:prstTxWarp prst="textNoShape">
+              <a:avLst/>
+            </a:prstTxWarp>
+            <a:spAutoFit/>
+          </a:bodyPr>
+          <a:lstStyle/>
+          <a:p>
+            <a:pPr marL="0" marR="0" lvl="0" indent="0" algn="l" defTabSz="914400" rtl="0" eaLnBrk="0" fontAlgn="base" latinLnBrk="0" hangingPunct="0">
+              <a:lnSpc>
+                <a:spcPct val="100000"/>
+              </a:lnSpc>
+              <a:spcBef>
+                <a:spcPct val="0"/>
+              </a:spcBef>
+              <a:spcAft>
+                <a:spcPct val="0"/>
+              </a:spcAft>
+              <a:buClrTx/>
+              <a:buSzTx/>
+              <a:buFontTx/>
+              <a:buNone/>
+              <a:tabLst/>
+            </a:pPr>
+            <a:r>
+              <a:rPr kumimoji="0" lang="en-US" altLang="zh-CN" sz="900" b="1" i="0" u="none" strike="noStrike" cap="none" normalizeH="0" baseline="0" dirty="0">
+                <a:ln>
+                  <a:noFill/>
+                </a:ln>
+                <a:solidFill>
+                  <a:srgbClr val="000080"/>
+                </a:solidFill>
+                <a:effectLst/>
+                <a:latin typeface="宋体" panose="02010600030101010101" pitchFamily="2" charset="-122"/>
+                <a:ea typeface="宋体" panose="02010600030101010101" pitchFamily="2" charset="-122"/>
+              </a:rPr>
+              <a:t>//-Xss128k</a:t>
+            </a:r>
+          </a:p>
+          <a:p>
+            <a:pPr marL="0" marR="0" lvl="0" indent="0" algn="l" defTabSz="914400" rtl="0" eaLnBrk="0" fontAlgn="base" latinLnBrk="0" hangingPunct="0">
+              <a:lnSpc>
+                <a:spcPct val="100000"/>
+              </a:lnSpc>
+              <a:spcBef>
+                <a:spcPct val="0"/>
+              </a:spcBef>
+              <a:spcAft>
+                <a:spcPct val="0"/>
+              </a:spcAft>
+              <a:buClrTx/>
+              <a:buSzTx/>
+              <a:buFontTx/>
+              <a:buNone/>
+              <a:tabLst/>
+            </a:pPr>
+            <a:r>
+              <a:rPr kumimoji="0" lang="zh-CN" altLang="zh-CN" sz="900" b="1" i="0" u="none" strike="noStrike" cap="none" normalizeH="0" baseline="0" dirty="0">
+                <a:ln>
+                  <a:noFill/>
+                </a:ln>
+                <a:solidFill>
+                  <a:srgbClr val="000080"/>
+                </a:solidFill>
+                <a:effectLst/>
+                <a:latin typeface="宋体" panose="02010600030101010101" pitchFamily="2" charset="-122"/>
+                <a:ea typeface="宋体" panose="02010600030101010101" pitchFamily="2" charset="-122"/>
+              </a:rPr>
+              <a:t>private int </a:t>
+            </a:r>
+            <a:r>
+              <a:rPr kumimoji="0" lang="zh-CN" altLang="zh-CN" sz="900" b="1" i="0" u="none" strike="noStrike" cap="none" normalizeH="0" baseline="0" dirty="0">
+                <a:ln>
+                  <a:noFill/>
+                </a:ln>
+                <a:solidFill>
+                  <a:srgbClr val="660E7A"/>
+                </a:solidFill>
+                <a:effectLst/>
+                <a:latin typeface="宋体" panose="02010600030101010101" pitchFamily="2" charset="-122"/>
+                <a:ea typeface="宋体" panose="02010600030101010101" pitchFamily="2" charset="-122"/>
+              </a:rPr>
+              <a:t>test</a:t>
+            </a:r>
+            <a:r>
+              <a:rPr kumimoji="0" lang="zh-CN" altLang="zh-CN" sz="900" b="0" i="0" u="none" strike="noStrike" cap="none" normalizeH="0" baseline="0" dirty="0">
+                <a:ln>
+                  <a:noFill/>
+                </a:ln>
+                <a:solidFill>
+                  <a:srgbClr val="000000"/>
+                </a:solidFill>
+                <a:effectLst/>
+                <a:latin typeface="宋体" panose="02010600030101010101" pitchFamily="2" charset="-122"/>
+                <a:ea typeface="宋体" panose="02010600030101010101" pitchFamily="2" charset="-122"/>
+              </a:rPr>
+              <a:t>=</a:t>
+            </a:r>
+            <a:r>
+              <a:rPr kumimoji="0" lang="zh-CN" altLang="zh-CN" sz="900" b="0" i="0" u="none" strike="noStrike" cap="none" normalizeH="0" baseline="0" dirty="0">
+                <a:ln>
+                  <a:noFill/>
+                </a:ln>
+                <a:solidFill>
+                  <a:srgbClr val="0000FF"/>
+                </a:solidFill>
+                <a:effectLst/>
+                <a:latin typeface="宋体" panose="02010600030101010101" pitchFamily="2" charset="-122"/>
+                <a:ea typeface="宋体" panose="02010600030101010101" pitchFamily="2" charset="-122"/>
+              </a:rPr>
+              <a:t>1</a:t>
+            </a:r>
+            <a:r>
+              <a:rPr kumimoji="0" lang="zh-CN" altLang="zh-CN" sz="900" b="0" i="0" u="none" strike="noStrike" cap="none" normalizeH="0" baseline="0" dirty="0">
+                <a:ln>
+                  <a:noFill/>
+                </a:ln>
+                <a:solidFill>
+                  <a:srgbClr val="000000"/>
+                </a:solidFill>
+                <a:effectLst/>
+                <a:latin typeface="宋体" panose="02010600030101010101" pitchFamily="2" charset="-122"/>
+                <a:ea typeface="宋体" panose="02010600030101010101" pitchFamily="2" charset="-122"/>
+              </a:rPr>
+              <a:t>;</a:t>
+            </a:r>
+            <a:br>
+              <a:rPr kumimoji="0" lang="zh-CN" altLang="zh-CN" sz="900" b="0" i="0" u="none" strike="noStrike" cap="none" normalizeH="0" baseline="0" dirty="0">
+                <a:ln>
+                  <a:noFill/>
+                </a:ln>
+                <a:solidFill>
+                  <a:srgbClr val="000000"/>
+                </a:solidFill>
+                <a:effectLst/>
+                <a:latin typeface="宋体" panose="02010600030101010101" pitchFamily="2" charset="-122"/>
+                <a:ea typeface="宋体" panose="02010600030101010101" pitchFamily="2" charset="-122"/>
+              </a:rPr>
+            </a:br>
+            <a:br>
+              <a:rPr kumimoji="0" lang="zh-CN" altLang="zh-CN" sz="900" b="0" i="0" u="none" strike="noStrike" cap="none" normalizeH="0" baseline="0" dirty="0">
+                <a:ln>
+                  <a:noFill/>
+                </a:ln>
+                <a:solidFill>
+                  <a:srgbClr val="000000"/>
+                </a:solidFill>
+                <a:effectLst/>
+                <a:latin typeface="宋体" panose="02010600030101010101" pitchFamily="2" charset="-122"/>
+                <a:ea typeface="宋体" panose="02010600030101010101" pitchFamily="2" charset="-122"/>
+              </a:rPr>
+            </a:br>
+            <a:r>
+              <a:rPr kumimoji="0" lang="zh-CN" altLang="zh-CN" sz="900" b="1" i="0" u="none" strike="noStrike" cap="none" normalizeH="0" baseline="0" dirty="0">
+                <a:ln>
+                  <a:noFill/>
+                </a:ln>
+                <a:solidFill>
+                  <a:srgbClr val="000080"/>
+                </a:solidFill>
+                <a:effectLst/>
+                <a:latin typeface="宋体" panose="02010600030101010101" pitchFamily="2" charset="-122"/>
+                <a:ea typeface="宋体" panose="02010600030101010101" pitchFamily="2" charset="-122"/>
+              </a:rPr>
+              <a:t>public void </a:t>
+            </a:r>
+            <a:r>
+              <a:rPr kumimoji="0" lang="zh-CN" altLang="zh-CN" sz="900" b="0" i="0" u="none" strike="noStrike" cap="none" normalizeH="0" baseline="0" dirty="0">
+                <a:ln>
+                  <a:noFill/>
+                </a:ln>
+                <a:solidFill>
+                  <a:srgbClr val="000000"/>
+                </a:solidFill>
+                <a:effectLst/>
+                <a:latin typeface="宋体" panose="02010600030101010101" pitchFamily="2" charset="-122"/>
+                <a:ea typeface="宋体" panose="02010600030101010101" pitchFamily="2" charset="-122"/>
+              </a:rPr>
+              <a:t>stackLeak(){</a:t>
+            </a:r>
+            <a:br>
+              <a:rPr kumimoji="0" lang="zh-CN" altLang="zh-CN" sz="900" b="0" i="0" u="none" strike="noStrike" cap="none" normalizeH="0" baseline="0" dirty="0">
+                <a:ln>
+                  <a:noFill/>
+                </a:ln>
+                <a:solidFill>
+                  <a:srgbClr val="000000"/>
+                </a:solidFill>
+                <a:effectLst/>
+                <a:latin typeface="宋体" panose="02010600030101010101" pitchFamily="2" charset="-122"/>
+                <a:ea typeface="宋体" panose="02010600030101010101" pitchFamily="2" charset="-122"/>
+              </a:rPr>
+            </a:br>
+            <a:r>
+              <a:rPr kumimoji="0" lang="zh-CN" altLang="zh-CN" sz="900" b="0" i="0" u="none" strike="noStrike" cap="none" normalizeH="0" baseline="0" dirty="0">
+                <a:ln>
+                  <a:noFill/>
+                </a:ln>
+                <a:solidFill>
+                  <a:srgbClr val="000000"/>
+                </a:solidFill>
+                <a:effectLst/>
+                <a:latin typeface="宋体" panose="02010600030101010101" pitchFamily="2" charset="-122"/>
+                <a:ea typeface="宋体" panose="02010600030101010101" pitchFamily="2" charset="-122"/>
+              </a:rPr>
+              <a:t>    </a:t>
+            </a:r>
+            <a:r>
+              <a:rPr kumimoji="0" lang="zh-CN" altLang="zh-CN" sz="900" b="1" i="0" u="none" strike="noStrike" cap="none" normalizeH="0" baseline="0" dirty="0">
+                <a:ln>
+                  <a:noFill/>
+                </a:ln>
+                <a:solidFill>
+                  <a:srgbClr val="660E7A"/>
+                </a:solidFill>
+                <a:effectLst/>
+                <a:latin typeface="宋体" panose="02010600030101010101" pitchFamily="2" charset="-122"/>
+                <a:ea typeface="宋体" panose="02010600030101010101" pitchFamily="2" charset="-122"/>
+              </a:rPr>
+              <a:t>test</a:t>
+            </a:r>
+            <a:r>
+              <a:rPr kumimoji="0" lang="zh-CN" altLang="zh-CN" sz="900" b="0" i="0" u="none" strike="noStrike" cap="none" normalizeH="0" baseline="0" dirty="0">
+                <a:ln>
+                  <a:noFill/>
+                </a:ln>
+                <a:solidFill>
+                  <a:srgbClr val="000000"/>
+                </a:solidFill>
+                <a:effectLst/>
+                <a:latin typeface="宋体" panose="02010600030101010101" pitchFamily="2" charset="-122"/>
+                <a:ea typeface="宋体" panose="02010600030101010101" pitchFamily="2" charset="-122"/>
+              </a:rPr>
+              <a:t>++;</a:t>
+            </a:r>
+            <a:br>
+              <a:rPr kumimoji="0" lang="zh-CN" altLang="zh-CN" sz="900" b="0" i="0" u="none" strike="noStrike" cap="none" normalizeH="0" baseline="0" dirty="0">
+                <a:ln>
+                  <a:noFill/>
+                </a:ln>
+                <a:solidFill>
+                  <a:srgbClr val="000000"/>
+                </a:solidFill>
+                <a:effectLst/>
+                <a:latin typeface="宋体" panose="02010600030101010101" pitchFamily="2" charset="-122"/>
+                <a:ea typeface="宋体" panose="02010600030101010101" pitchFamily="2" charset="-122"/>
+              </a:rPr>
+            </a:br>
+            <a:r>
+              <a:rPr kumimoji="0" lang="zh-CN" altLang="zh-CN" sz="900" b="0" i="0" u="none" strike="noStrike" cap="none" normalizeH="0" baseline="0" dirty="0">
+                <a:ln>
+                  <a:noFill/>
+                </a:ln>
+                <a:solidFill>
+                  <a:srgbClr val="000000"/>
+                </a:solidFill>
+                <a:effectLst/>
+                <a:latin typeface="宋体" panose="02010600030101010101" pitchFamily="2" charset="-122"/>
+                <a:ea typeface="宋体" panose="02010600030101010101" pitchFamily="2" charset="-122"/>
+              </a:rPr>
+              <a:t>    stackLeak();</a:t>
+            </a:r>
+            <a:br>
+              <a:rPr kumimoji="0" lang="zh-CN" altLang="zh-CN" sz="900" b="0" i="0" u="none" strike="noStrike" cap="none" normalizeH="0" baseline="0" dirty="0">
+                <a:ln>
+                  <a:noFill/>
+                </a:ln>
+                <a:solidFill>
+                  <a:srgbClr val="000000"/>
+                </a:solidFill>
+                <a:effectLst/>
+                <a:latin typeface="宋体" panose="02010600030101010101" pitchFamily="2" charset="-122"/>
+                <a:ea typeface="宋体" panose="02010600030101010101" pitchFamily="2" charset="-122"/>
+              </a:rPr>
+            </a:br>
+            <a:r>
+              <a:rPr kumimoji="0" lang="zh-CN" altLang="zh-CN" sz="900" b="0" i="0" u="none" strike="noStrike" cap="none" normalizeH="0" baseline="0" dirty="0">
+                <a:ln>
+                  <a:noFill/>
+                </a:ln>
+                <a:solidFill>
+                  <a:srgbClr val="000000"/>
+                </a:solidFill>
+                <a:effectLst/>
+                <a:latin typeface="宋体" panose="02010600030101010101" pitchFamily="2" charset="-122"/>
+                <a:ea typeface="宋体" panose="02010600030101010101" pitchFamily="2" charset="-122"/>
+              </a:rPr>
+              <a:t>}</a:t>
+            </a:r>
+            <a:br>
+              <a:rPr kumimoji="0" lang="zh-CN" altLang="zh-CN" sz="900" b="0" i="0" u="none" strike="noStrike" cap="none" normalizeH="0" baseline="0" dirty="0">
+                <a:ln>
+                  <a:noFill/>
+                </a:ln>
+                <a:solidFill>
+                  <a:srgbClr val="000000"/>
+                </a:solidFill>
+                <a:effectLst/>
+                <a:latin typeface="宋体" panose="02010600030101010101" pitchFamily="2" charset="-122"/>
+                <a:ea typeface="宋体" panose="02010600030101010101" pitchFamily="2" charset="-122"/>
+              </a:rPr>
+            </a:br>
+            <a:br>
+              <a:rPr kumimoji="0" lang="zh-CN" altLang="zh-CN" sz="900" b="0" i="0" u="none" strike="noStrike" cap="none" normalizeH="0" baseline="0" dirty="0">
+                <a:ln>
+                  <a:noFill/>
+                </a:ln>
+                <a:solidFill>
+                  <a:srgbClr val="000000"/>
+                </a:solidFill>
+                <a:effectLst/>
+                <a:latin typeface="宋体" panose="02010600030101010101" pitchFamily="2" charset="-122"/>
+                <a:ea typeface="宋体" panose="02010600030101010101" pitchFamily="2" charset="-122"/>
+              </a:rPr>
+            </a:br>
+            <a:r>
+              <a:rPr kumimoji="0" lang="zh-CN" altLang="zh-CN" sz="900" b="1" i="0" u="none" strike="noStrike" cap="none" normalizeH="0" baseline="0" dirty="0">
+                <a:ln>
+                  <a:noFill/>
+                </a:ln>
+                <a:solidFill>
+                  <a:srgbClr val="000080"/>
+                </a:solidFill>
+                <a:effectLst/>
+                <a:latin typeface="宋体" panose="02010600030101010101" pitchFamily="2" charset="-122"/>
+                <a:ea typeface="宋体" panose="02010600030101010101" pitchFamily="2" charset="-122"/>
+              </a:rPr>
+              <a:t>public static void </a:t>
+            </a:r>
+            <a:r>
+              <a:rPr kumimoji="0" lang="zh-CN" altLang="zh-CN" sz="900" b="0" i="0" u="none" strike="noStrike" cap="none" normalizeH="0" baseline="0" dirty="0">
+                <a:ln>
+                  <a:noFill/>
+                </a:ln>
+                <a:solidFill>
+                  <a:srgbClr val="000000"/>
+                </a:solidFill>
+                <a:effectLst/>
+                <a:latin typeface="宋体" panose="02010600030101010101" pitchFamily="2" charset="-122"/>
+                <a:ea typeface="宋体" panose="02010600030101010101" pitchFamily="2" charset="-122"/>
+              </a:rPr>
+              <a:t>main(String[] arg) </a:t>
+            </a:r>
+            <a:r>
+              <a:rPr kumimoji="0" lang="zh-CN" altLang="zh-CN" sz="900" b="1" i="0" u="none" strike="noStrike" cap="none" normalizeH="0" baseline="0" dirty="0">
+                <a:ln>
+                  <a:noFill/>
+                </a:ln>
+                <a:solidFill>
+                  <a:srgbClr val="000080"/>
+                </a:solidFill>
+                <a:effectLst/>
+                <a:latin typeface="宋体" panose="02010600030101010101" pitchFamily="2" charset="-122"/>
+                <a:ea typeface="宋体" panose="02010600030101010101" pitchFamily="2" charset="-122"/>
+              </a:rPr>
+              <a:t>throws </a:t>
+            </a:r>
+            <a:r>
+              <a:rPr kumimoji="0" lang="zh-CN" altLang="zh-CN" sz="900" b="0" i="0" u="none" strike="noStrike" cap="none" normalizeH="0" baseline="0" dirty="0">
+                <a:ln>
+                  <a:noFill/>
+                </a:ln>
+                <a:solidFill>
+                  <a:srgbClr val="000000"/>
+                </a:solidFill>
+                <a:effectLst/>
+                <a:latin typeface="宋体" panose="02010600030101010101" pitchFamily="2" charset="-122"/>
+                <a:ea typeface="宋体" panose="02010600030101010101" pitchFamily="2" charset="-122"/>
+              </a:rPr>
+              <a:t>Exception {</a:t>
+            </a:r>
+            <a:br>
+              <a:rPr kumimoji="0" lang="zh-CN" altLang="zh-CN" sz="900" b="0" i="0" u="none" strike="noStrike" cap="none" normalizeH="0" baseline="0" dirty="0">
+                <a:ln>
+                  <a:noFill/>
+                </a:ln>
+                <a:solidFill>
+                  <a:srgbClr val="000000"/>
+                </a:solidFill>
+                <a:effectLst/>
+                <a:latin typeface="宋体" panose="02010600030101010101" pitchFamily="2" charset="-122"/>
+                <a:ea typeface="宋体" panose="02010600030101010101" pitchFamily="2" charset="-122"/>
+              </a:rPr>
+            </a:br>
+            <a:r>
+              <a:rPr kumimoji="0" lang="zh-CN" altLang="zh-CN" sz="900" b="0" i="0" u="none" strike="noStrike" cap="none" normalizeH="0" baseline="0" dirty="0">
+                <a:ln>
+                  <a:noFill/>
+                </a:ln>
+                <a:solidFill>
+                  <a:srgbClr val="000000"/>
+                </a:solidFill>
+                <a:effectLst/>
+                <a:latin typeface="宋体" panose="02010600030101010101" pitchFamily="2" charset="-122"/>
+                <a:ea typeface="宋体" panose="02010600030101010101" pitchFamily="2" charset="-122"/>
+              </a:rPr>
+              <a:t>    SchedulerApplicationTests applicationTests = </a:t>
+            </a:r>
+            <a:r>
+              <a:rPr kumimoji="0" lang="zh-CN" altLang="zh-CN" sz="900" b="1" i="0" u="none" strike="noStrike" cap="none" normalizeH="0" baseline="0" dirty="0">
+                <a:ln>
+                  <a:noFill/>
+                </a:ln>
+                <a:solidFill>
+                  <a:srgbClr val="000080"/>
+                </a:solidFill>
+                <a:effectLst/>
+                <a:latin typeface="宋体" panose="02010600030101010101" pitchFamily="2" charset="-122"/>
+                <a:ea typeface="宋体" panose="02010600030101010101" pitchFamily="2" charset="-122"/>
+              </a:rPr>
+              <a:t>new </a:t>
+            </a:r>
+            <a:r>
+              <a:rPr kumimoji="0" lang="zh-CN" altLang="zh-CN" sz="900" b="0" i="0" u="none" strike="noStrike" cap="none" normalizeH="0" baseline="0" dirty="0">
+                <a:ln>
+                  <a:noFill/>
+                </a:ln>
+                <a:solidFill>
+                  <a:srgbClr val="000000"/>
+                </a:solidFill>
+                <a:effectLst/>
+                <a:latin typeface="宋体" panose="02010600030101010101" pitchFamily="2" charset="-122"/>
+                <a:ea typeface="宋体" panose="02010600030101010101" pitchFamily="2" charset="-122"/>
+              </a:rPr>
+              <a:t>SchedulerApplicationTests();</a:t>
+            </a:r>
+            <a:br>
+              <a:rPr kumimoji="0" lang="zh-CN" altLang="zh-CN" sz="900" b="0" i="0" u="none" strike="noStrike" cap="none" normalizeH="0" baseline="0" dirty="0">
+                <a:ln>
+                  <a:noFill/>
+                </a:ln>
+                <a:solidFill>
+                  <a:srgbClr val="000000"/>
+                </a:solidFill>
+                <a:effectLst/>
+                <a:latin typeface="宋体" panose="02010600030101010101" pitchFamily="2" charset="-122"/>
+                <a:ea typeface="宋体" panose="02010600030101010101" pitchFamily="2" charset="-122"/>
+              </a:rPr>
+            </a:br>
+            <a:r>
+              <a:rPr kumimoji="0" lang="zh-CN" altLang="zh-CN" sz="900" b="0" i="0" u="none" strike="noStrike" cap="none" normalizeH="0" baseline="0" dirty="0">
+                <a:ln>
+                  <a:noFill/>
+                </a:ln>
+                <a:solidFill>
+                  <a:srgbClr val="000000"/>
+                </a:solidFill>
+                <a:effectLst/>
+                <a:latin typeface="宋体" panose="02010600030101010101" pitchFamily="2" charset="-122"/>
+                <a:ea typeface="宋体" panose="02010600030101010101" pitchFamily="2" charset="-122"/>
+              </a:rPr>
+              <a:t>    </a:t>
+            </a:r>
+            <a:r>
+              <a:rPr kumimoji="0" lang="zh-CN" altLang="zh-CN" sz="900" b="1" i="0" u="none" strike="noStrike" cap="none" normalizeH="0" baseline="0" dirty="0">
+                <a:ln>
+                  <a:noFill/>
+                </a:ln>
+                <a:solidFill>
+                  <a:srgbClr val="000080"/>
+                </a:solidFill>
+                <a:effectLst/>
+                <a:latin typeface="宋体" panose="02010600030101010101" pitchFamily="2" charset="-122"/>
+                <a:ea typeface="宋体" panose="02010600030101010101" pitchFamily="2" charset="-122"/>
+              </a:rPr>
+              <a:t>try</a:t>
+            </a:r>
+            <a:r>
+              <a:rPr kumimoji="0" lang="zh-CN" altLang="zh-CN" sz="900" b="0" i="0" u="none" strike="noStrike" cap="none" normalizeH="0" baseline="0" dirty="0">
+                <a:ln>
+                  <a:noFill/>
+                </a:ln>
+                <a:solidFill>
+                  <a:srgbClr val="000000"/>
+                </a:solidFill>
+                <a:effectLst/>
+                <a:latin typeface="宋体" panose="02010600030101010101" pitchFamily="2" charset="-122"/>
+                <a:ea typeface="宋体" panose="02010600030101010101" pitchFamily="2" charset="-122"/>
+              </a:rPr>
+              <a:t>{</a:t>
+            </a:r>
+            <a:br>
+              <a:rPr kumimoji="0" lang="zh-CN" altLang="zh-CN" sz="900" b="0" i="0" u="none" strike="noStrike" cap="none" normalizeH="0" baseline="0" dirty="0">
+                <a:ln>
+                  <a:noFill/>
+                </a:ln>
+                <a:solidFill>
+                  <a:srgbClr val="000000"/>
+                </a:solidFill>
+                <a:effectLst/>
+                <a:latin typeface="宋体" panose="02010600030101010101" pitchFamily="2" charset="-122"/>
+                <a:ea typeface="宋体" panose="02010600030101010101" pitchFamily="2" charset="-122"/>
+              </a:rPr>
+            </a:br>
+            <a:r>
+              <a:rPr kumimoji="0" lang="zh-CN" altLang="zh-CN" sz="900" b="0" i="0" u="none" strike="noStrike" cap="none" normalizeH="0" baseline="0" dirty="0">
+                <a:ln>
+                  <a:noFill/>
+                </a:ln>
+                <a:solidFill>
+                  <a:srgbClr val="000000"/>
+                </a:solidFill>
+                <a:effectLst/>
+                <a:latin typeface="宋体" panose="02010600030101010101" pitchFamily="2" charset="-122"/>
+                <a:ea typeface="宋体" panose="02010600030101010101" pitchFamily="2" charset="-122"/>
+              </a:rPr>
+              <a:t>        applicationTests.stackLeak();</a:t>
+            </a:r>
+            <a:br>
+              <a:rPr kumimoji="0" lang="zh-CN" altLang="zh-CN" sz="900" b="0" i="0" u="none" strike="noStrike" cap="none" normalizeH="0" baseline="0" dirty="0">
+                <a:ln>
+                  <a:noFill/>
+                </a:ln>
+                <a:solidFill>
+                  <a:srgbClr val="000000"/>
+                </a:solidFill>
+                <a:effectLst/>
+                <a:latin typeface="宋体" panose="02010600030101010101" pitchFamily="2" charset="-122"/>
+                <a:ea typeface="宋体" panose="02010600030101010101" pitchFamily="2" charset="-122"/>
+              </a:rPr>
+            </a:br>
+            <a:r>
+              <a:rPr kumimoji="0" lang="zh-CN" altLang="zh-CN" sz="900" b="0" i="0" u="none" strike="noStrike" cap="none" normalizeH="0" baseline="0" dirty="0">
+                <a:ln>
+                  <a:noFill/>
+                </a:ln>
+                <a:solidFill>
+                  <a:srgbClr val="000000"/>
+                </a:solidFill>
+                <a:effectLst/>
+                <a:latin typeface="宋体" panose="02010600030101010101" pitchFamily="2" charset="-122"/>
+                <a:ea typeface="宋体" panose="02010600030101010101" pitchFamily="2" charset="-122"/>
+              </a:rPr>
+              <a:t>    }</a:t>
+            </a:r>
+            <a:r>
+              <a:rPr kumimoji="0" lang="zh-CN" altLang="zh-CN" sz="900" b="1" i="0" u="none" strike="noStrike" cap="none" normalizeH="0" baseline="0" dirty="0">
+                <a:ln>
+                  <a:noFill/>
+                </a:ln>
+                <a:solidFill>
+                  <a:srgbClr val="000080"/>
+                </a:solidFill>
+                <a:effectLst/>
+                <a:latin typeface="宋体" panose="02010600030101010101" pitchFamily="2" charset="-122"/>
+                <a:ea typeface="宋体" panose="02010600030101010101" pitchFamily="2" charset="-122"/>
+              </a:rPr>
+              <a:t>catch </a:t>
+            </a:r>
+            <a:r>
+              <a:rPr kumimoji="0" lang="zh-CN" altLang="zh-CN" sz="900" b="0" i="0" u="none" strike="noStrike" cap="none" normalizeH="0" baseline="0" dirty="0">
+                <a:ln>
+                  <a:noFill/>
+                </a:ln>
+                <a:solidFill>
+                  <a:srgbClr val="000000"/>
+                </a:solidFill>
+                <a:effectLst/>
+                <a:latin typeface="宋体" panose="02010600030101010101" pitchFamily="2" charset="-122"/>
+                <a:ea typeface="宋体" panose="02010600030101010101" pitchFamily="2" charset="-122"/>
+              </a:rPr>
+              <a:t>(Throwable e){</a:t>
+            </a:r>
+            <a:br>
+              <a:rPr kumimoji="0" lang="zh-CN" altLang="zh-CN" sz="900" b="0" i="0" u="none" strike="noStrike" cap="none" normalizeH="0" baseline="0" dirty="0">
+                <a:ln>
+                  <a:noFill/>
+                </a:ln>
+                <a:solidFill>
+                  <a:srgbClr val="000000"/>
+                </a:solidFill>
+                <a:effectLst/>
+                <a:latin typeface="宋体" panose="02010600030101010101" pitchFamily="2" charset="-122"/>
+                <a:ea typeface="宋体" panose="02010600030101010101" pitchFamily="2" charset="-122"/>
+              </a:rPr>
+            </a:br>
+            <a:r>
+              <a:rPr kumimoji="0" lang="zh-CN" altLang="zh-CN" sz="900" b="0" i="0" u="none" strike="noStrike" cap="none" normalizeH="0" baseline="0" dirty="0">
+                <a:ln>
+                  <a:noFill/>
+                </a:ln>
+                <a:solidFill>
+                  <a:srgbClr val="000000"/>
+                </a:solidFill>
+                <a:effectLst/>
+                <a:latin typeface="宋体" panose="02010600030101010101" pitchFamily="2" charset="-122"/>
+                <a:ea typeface="宋体" panose="02010600030101010101" pitchFamily="2" charset="-122"/>
+              </a:rPr>
+              <a:t>        System.</a:t>
+            </a:r>
+            <a:r>
+              <a:rPr kumimoji="0" lang="zh-CN" altLang="zh-CN" sz="900" b="1" i="1" u="none" strike="noStrike" cap="none" normalizeH="0" baseline="0" dirty="0">
+                <a:ln>
+                  <a:noFill/>
+                </a:ln>
+                <a:solidFill>
+                  <a:srgbClr val="660E7A"/>
+                </a:solidFill>
+                <a:effectLst/>
+                <a:latin typeface="宋体" panose="02010600030101010101" pitchFamily="2" charset="-122"/>
+                <a:ea typeface="宋体" panose="02010600030101010101" pitchFamily="2" charset="-122"/>
+              </a:rPr>
+              <a:t>out</a:t>
+            </a:r>
+            <a:r>
+              <a:rPr kumimoji="0" lang="zh-CN" altLang="zh-CN" sz="900" b="0" i="0" u="none" strike="noStrike" cap="none" normalizeH="0" baseline="0" dirty="0">
+                <a:ln>
+                  <a:noFill/>
+                </a:ln>
+                <a:solidFill>
+                  <a:srgbClr val="000000"/>
+                </a:solidFill>
+                <a:effectLst/>
+                <a:latin typeface="宋体" panose="02010600030101010101" pitchFamily="2" charset="-122"/>
+                <a:ea typeface="宋体" panose="02010600030101010101" pitchFamily="2" charset="-122"/>
+              </a:rPr>
+              <a:t>.println(</a:t>
+            </a:r>
+            <a:r>
+              <a:rPr kumimoji="0" lang="zh-CN" altLang="zh-CN" sz="900" b="1" i="0" u="none" strike="noStrike" cap="none" normalizeH="0" baseline="0" dirty="0">
+                <a:ln>
+                  <a:noFill/>
+                </a:ln>
+                <a:solidFill>
+                  <a:srgbClr val="008000"/>
+                </a:solidFill>
+                <a:effectLst/>
+                <a:latin typeface="宋体" panose="02010600030101010101" pitchFamily="2" charset="-122"/>
+                <a:ea typeface="宋体" panose="02010600030101010101" pitchFamily="2" charset="-122"/>
+              </a:rPr>
+              <a:t>"testNum"</a:t>
+            </a:r>
+            <a:r>
+              <a:rPr kumimoji="0" lang="zh-CN" altLang="zh-CN" sz="900" b="0" i="0" u="none" strike="noStrike" cap="none" normalizeH="0" baseline="0" dirty="0">
+                <a:ln>
+                  <a:noFill/>
+                </a:ln>
+                <a:solidFill>
+                  <a:srgbClr val="000000"/>
+                </a:solidFill>
+                <a:effectLst/>
+                <a:latin typeface="宋体" panose="02010600030101010101" pitchFamily="2" charset="-122"/>
+                <a:ea typeface="宋体" panose="02010600030101010101" pitchFamily="2" charset="-122"/>
+              </a:rPr>
+              <a:t>+applicationTests.</a:t>
+            </a:r>
+            <a:r>
+              <a:rPr kumimoji="0" lang="zh-CN" altLang="zh-CN" sz="900" b="1" i="0" u="none" strike="noStrike" cap="none" normalizeH="0" baseline="0" dirty="0">
+                <a:ln>
+                  <a:noFill/>
+                </a:ln>
+                <a:solidFill>
+                  <a:srgbClr val="660E7A"/>
+                </a:solidFill>
+                <a:effectLst/>
+                <a:latin typeface="宋体" panose="02010600030101010101" pitchFamily="2" charset="-122"/>
+                <a:ea typeface="宋体" panose="02010600030101010101" pitchFamily="2" charset="-122"/>
+              </a:rPr>
+              <a:t>test</a:t>
+            </a:r>
+            <a:r>
+              <a:rPr kumimoji="0" lang="zh-CN" altLang="zh-CN" sz="900" b="0" i="0" u="none" strike="noStrike" cap="none" normalizeH="0" baseline="0" dirty="0">
+                <a:ln>
+                  <a:noFill/>
+                </a:ln>
+                <a:solidFill>
+                  <a:srgbClr val="000000"/>
+                </a:solidFill>
+                <a:effectLst/>
+                <a:latin typeface="宋体" panose="02010600030101010101" pitchFamily="2" charset="-122"/>
+                <a:ea typeface="宋体" panose="02010600030101010101" pitchFamily="2" charset="-122"/>
+              </a:rPr>
+              <a:t>);</a:t>
+            </a:r>
+            <a:br>
+              <a:rPr kumimoji="0" lang="zh-CN" altLang="zh-CN" sz="900" b="0" i="0" u="none" strike="noStrike" cap="none" normalizeH="0" baseline="0" dirty="0">
+                <a:ln>
+                  <a:noFill/>
+                </a:ln>
+                <a:solidFill>
+                  <a:srgbClr val="000000"/>
+                </a:solidFill>
+                <a:effectLst/>
+                <a:latin typeface="宋体" panose="02010600030101010101" pitchFamily="2" charset="-122"/>
+                <a:ea typeface="宋体" panose="02010600030101010101" pitchFamily="2" charset="-122"/>
+              </a:rPr>
+            </a:br>
+            <a:r>
+              <a:rPr kumimoji="0" lang="zh-CN" altLang="zh-CN" sz="900" b="0" i="0" u="none" strike="noStrike" cap="none" normalizeH="0" baseline="0" dirty="0">
+                <a:ln>
+                  <a:noFill/>
+                </a:ln>
+                <a:solidFill>
+                  <a:srgbClr val="000000"/>
+                </a:solidFill>
+                <a:effectLst/>
+                <a:latin typeface="宋体" panose="02010600030101010101" pitchFamily="2" charset="-122"/>
+                <a:ea typeface="宋体" panose="02010600030101010101" pitchFamily="2" charset="-122"/>
+              </a:rPr>
+              <a:t>        </a:t>
+            </a:r>
+            <a:r>
+              <a:rPr kumimoji="0" lang="zh-CN" altLang="zh-CN" sz="900" b="1" i="0" u="none" strike="noStrike" cap="none" normalizeH="0" baseline="0" dirty="0">
+                <a:ln>
+                  <a:noFill/>
+                </a:ln>
+                <a:solidFill>
+                  <a:srgbClr val="000080"/>
+                </a:solidFill>
+                <a:effectLst/>
+                <a:latin typeface="宋体" panose="02010600030101010101" pitchFamily="2" charset="-122"/>
+                <a:ea typeface="宋体" panose="02010600030101010101" pitchFamily="2" charset="-122"/>
+              </a:rPr>
+              <a:t>throw  </a:t>
+            </a:r>
+            <a:r>
+              <a:rPr kumimoji="0" lang="zh-CN" altLang="zh-CN" sz="900" b="0" i="0" u="none" strike="noStrike" cap="none" normalizeH="0" baseline="0" dirty="0">
+                <a:ln>
+                  <a:noFill/>
+                </a:ln>
+                <a:solidFill>
+                  <a:srgbClr val="000000"/>
+                </a:solidFill>
+                <a:effectLst/>
+                <a:latin typeface="宋体" panose="02010600030101010101" pitchFamily="2" charset="-122"/>
+                <a:ea typeface="宋体" panose="02010600030101010101" pitchFamily="2" charset="-122"/>
+              </a:rPr>
+              <a:t>e;</a:t>
+            </a:r>
+            <a:br>
+              <a:rPr kumimoji="0" lang="zh-CN" altLang="zh-CN" sz="900" b="0" i="0" u="none" strike="noStrike" cap="none" normalizeH="0" baseline="0" dirty="0">
+                <a:ln>
+                  <a:noFill/>
+                </a:ln>
+                <a:solidFill>
+                  <a:srgbClr val="000000"/>
+                </a:solidFill>
+                <a:effectLst/>
+                <a:latin typeface="宋体" panose="02010600030101010101" pitchFamily="2" charset="-122"/>
+                <a:ea typeface="宋体" panose="02010600030101010101" pitchFamily="2" charset="-122"/>
+              </a:rPr>
+            </a:br>
+            <a:r>
+              <a:rPr kumimoji="0" lang="zh-CN" altLang="zh-CN" sz="900" b="0" i="0" u="none" strike="noStrike" cap="none" normalizeH="0" baseline="0" dirty="0">
+                <a:ln>
+                  <a:noFill/>
+                </a:ln>
+                <a:solidFill>
+                  <a:srgbClr val="000000"/>
+                </a:solidFill>
+                <a:effectLst/>
+                <a:latin typeface="宋体" panose="02010600030101010101" pitchFamily="2" charset="-122"/>
+                <a:ea typeface="宋体" panose="02010600030101010101" pitchFamily="2" charset="-122"/>
+              </a:rPr>
+              <a:t>    }</a:t>
+            </a:r>
+            <a:br>
+              <a:rPr kumimoji="0" lang="zh-CN" altLang="zh-CN" sz="900" b="0" i="0" u="none" strike="noStrike" cap="none" normalizeH="0" baseline="0" dirty="0">
+                <a:ln>
+                  <a:noFill/>
+                </a:ln>
+                <a:solidFill>
+                  <a:srgbClr val="000000"/>
+                </a:solidFill>
+                <a:effectLst/>
+                <a:latin typeface="宋体" panose="02010600030101010101" pitchFamily="2" charset="-122"/>
+                <a:ea typeface="宋体" panose="02010600030101010101" pitchFamily="2" charset="-122"/>
+              </a:rPr>
+            </a:br>
+            <a:r>
+              <a:rPr kumimoji="0" lang="zh-CN" altLang="zh-CN" sz="900" b="0" i="0" u="none" strike="noStrike" cap="none" normalizeH="0" baseline="0" dirty="0">
+                <a:ln>
+                  <a:noFill/>
+                </a:ln>
+                <a:solidFill>
+                  <a:srgbClr val="000000"/>
+                </a:solidFill>
+                <a:effectLst/>
+                <a:latin typeface="宋体" panose="02010600030101010101" pitchFamily="2" charset="-122"/>
+                <a:ea typeface="宋体" panose="02010600030101010101" pitchFamily="2" charset="-122"/>
+              </a:rPr>
+              <a:t>}</a:t>
+            </a:r>
+            <a:endParaRPr kumimoji="0" lang="zh-CN" altLang="zh-CN" sz="1800" b="0" i="0" u="none" strike="noStrike" cap="none" normalizeH="0" baseline="0" dirty="0">
+              <a:ln>
+                <a:noFill/>
+              </a:ln>
+              <a:solidFill>
+                <a:schemeClr val="tx1"/>
+              </a:solidFill>
+              <a:effectLst/>
+              <a:latin typeface="Arial" panose="020B0604020202020204" pitchFamily="34" charset="0"/>
+            </a:endParaRPr>
+          </a:p>
+        </p:txBody>
+      </p:sp>
+      <p:pic>
+        <p:nvPicPr>
+          <p:cNvPr id="6" name="图片 5">
+            <a:extLst>
+              <a:ext uri="{FF2B5EF4-FFF2-40B4-BE49-F238E27FC236}">
+                <a16:creationId xmlns:a16="http://schemas.microsoft.com/office/drawing/2014/main" id="{088C5117-1889-475D-B86E-C29148D0B9C0}"/>
+              </a:ext>
+            </a:extLst>
+          </p:cNvPr>
+          <p:cNvPicPr>
+            <a:picLocks noChangeAspect="1"/>
+          </p:cNvPicPr>
+          <p:nvPr/>
+        </p:nvPicPr>
+        <p:blipFill>
+          <a:blip r:embed="rId2"/>
+          <a:stretch>
+            <a:fillRect/>
+          </a:stretch>
+        </p:blipFill>
+        <p:spPr>
+          <a:xfrm>
+            <a:off x="560295" y="4315287"/>
+            <a:ext cx="4407126" cy="1924149"/>
+          </a:xfrm>
+          <a:prstGeom prst="rect">
+            <a:avLst/>
+          </a:prstGeom>
+        </p:spPr>
+      </p:pic>
+      <p:sp>
+        <p:nvSpPr>
+          <p:cNvPr id="7" name="文本框 6">
+            <a:extLst>
+              <a:ext uri="{FF2B5EF4-FFF2-40B4-BE49-F238E27FC236}">
+                <a16:creationId xmlns:a16="http://schemas.microsoft.com/office/drawing/2014/main" id="{D5909058-F13D-4F7F-9854-9FBFA23C8C22}"/>
+              </a:ext>
+            </a:extLst>
+          </p:cNvPr>
+          <p:cNvSpPr txBox="1"/>
+          <p:nvPr/>
+        </p:nvSpPr>
+        <p:spPr>
+          <a:xfrm>
+            <a:off x="6288741" y="4764741"/>
+            <a:ext cx="5091953" cy="646331"/>
+          </a:xfrm>
+          <a:prstGeom prst="rect">
+            <a:avLst/>
+          </a:prstGeom>
+          <a:noFill/>
+        </p:spPr>
+        <p:txBody>
+          <a:bodyPr wrap="square" rtlCol="0">
+            <a:spAutoFit/>
+          </a:bodyPr>
+          <a:lstStyle/>
+          <a:p>
+            <a:r>
+              <a:rPr lang="zh-CN" altLang="en-US" dirty="0"/>
+              <a:t>在单线程下，无论由于栈帧太大还是</a:t>
+            </a:r>
+            <a:r>
+              <a:rPr lang="en-US" altLang="zh-CN" dirty="0"/>
+              <a:t>JVM</a:t>
+            </a:r>
+            <a:r>
+              <a:rPr lang="zh-CN" altLang="en-US" dirty="0"/>
+              <a:t>栈容量太小，当内存不足时，均抛出</a:t>
+            </a:r>
+            <a:r>
+              <a:rPr lang="en-US" altLang="zh-CN" dirty="0" err="1"/>
+              <a:t>StackOverflowError</a:t>
+            </a:r>
+            <a:endParaRPr lang="zh-CN" altLang="en-US" dirty="0"/>
+          </a:p>
+        </p:txBody>
+      </p:sp>
+    </p:spTree>
+    <p:extLst>
+      <p:ext uri="{BB962C8B-B14F-4D97-AF65-F5344CB8AC3E}">
+        <p14:creationId xmlns:p14="http://schemas.microsoft.com/office/powerpoint/2010/main" val="240239708"/>
+      </p:ext>
+    </p:extLst>
+  </p:cSld>
+  <p:clrMapOvr>
+    <a:masterClrMapping/>
+  </p:clrMapOvr>
+</p:sld>
+</file>
+
+<file path=ppt/slides/slide15.xml><?xml version="1.0" encoding="utf-8"?>
+<p:sld xmlns:a="http://schemas.openxmlformats.org/drawingml/2006/main" xmlns:r="http://schemas.openxmlformats.org/officeDocument/2006/relationships" xmlns:p="http://schemas.openxmlformats.org/presentationml/2006/main">
+  <p:cSld>
+    <p:spTree>
+      <p:nvGrpSpPr>
+        <p:cNvPr id="1" name=""/>
+        <p:cNvGrpSpPr/>
+        <p:nvPr/>
+      </p:nvGrpSpPr>
+      <p:grpSpPr>
+        <a:xfrm>
+          <a:off x="0" y="0"/>
+          <a:ext cx="0" cy="0"/>
+          <a:chOff x="0" y="0"/>
+          <a:chExt cx="0" cy="0"/>
+        </a:xfrm>
+      </p:grpSpPr>
+      <p:sp>
+        <p:nvSpPr>
+          <p:cNvPr id="2" name="文本框 1">
+            <a:extLst>
+              <a:ext uri="{FF2B5EF4-FFF2-40B4-BE49-F238E27FC236}">
+                <a16:creationId xmlns:a16="http://schemas.microsoft.com/office/drawing/2014/main" id="{355C2B6A-B405-487A-AE71-3D6EBD101893}"/>
+              </a:ext>
+            </a:extLst>
+          </p:cNvPr>
+          <p:cNvSpPr txBox="1"/>
+          <p:nvPr/>
+        </p:nvSpPr>
+        <p:spPr>
+          <a:xfrm>
+            <a:off x="381000" y="174812"/>
+            <a:ext cx="2579552" cy="369332"/>
+          </a:xfrm>
+          <a:prstGeom prst="rect">
+            <a:avLst/>
+          </a:prstGeom>
+          <a:noFill/>
+        </p:spPr>
+        <p:txBody>
+          <a:bodyPr wrap="none" rtlCol="0">
+            <a:spAutoFit/>
+          </a:bodyPr>
+          <a:lstStyle/>
+          <a:p>
+            <a:r>
+              <a:rPr lang="zh-CN" altLang="en-US" dirty="0"/>
+              <a:t>四、</a:t>
+            </a:r>
+            <a:r>
+              <a:rPr lang="en-US" altLang="zh-CN" dirty="0" err="1"/>
+              <a:t>OutOfMemoryError</a:t>
+            </a:r>
+            <a:endParaRPr lang="zh-CN" altLang="en-US" dirty="0"/>
+          </a:p>
+        </p:txBody>
+      </p:sp>
+      <p:sp>
+        <p:nvSpPr>
+          <p:cNvPr id="3" name="文本框 2">
+            <a:extLst>
+              <a:ext uri="{FF2B5EF4-FFF2-40B4-BE49-F238E27FC236}">
+                <a16:creationId xmlns:a16="http://schemas.microsoft.com/office/drawing/2014/main" id="{6AC11BD9-E165-4113-A5DA-9E84BEE1C877}"/>
+              </a:ext>
+            </a:extLst>
+          </p:cNvPr>
+          <p:cNvSpPr txBox="1"/>
+          <p:nvPr/>
+        </p:nvSpPr>
+        <p:spPr>
+          <a:xfrm>
+            <a:off x="381000" y="618564"/>
+            <a:ext cx="3082895" cy="369332"/>
+          </a:xfrm>
+          <a:prstGeom prst="rect">
+            <a:avLst/>
+          </a:prstGeom>
+          <a:noFill/>
+        </p:spPr>
+        <p:txBody>
+          <a:bodyPr wrap="none" rtlCol="0">
+            <a:spAutoFit/>
+          </a:bodyPr>
+          <a:lstStyle/>
+          <a:p>
+            <a:r>
+              <a:rPr lang="en-US" altLang="zh-CN" dirty="0"/>
+              <a:t>4.2</a:t>
+            </a:r>
+            <a:r>
+              <a:rPr lang="zh-CN" altLang="en-US" dirty="0"/>
+              <a:t>、</a:t>
+            </a:r>
+            <a:r>
+              <a:rPr lang="en-US" altLang="zh-CN" dirty="0"/>
+              <a:t>JVM</a:t>
+            </a:r>
+            <a:r>
+              <a:rPr lang="zh-CN" altLang="en-US" dirty="0"/>
+              <a:t>栈和本地方法溢出</a:t>
+            </a:r>
+            <a:endParaRPr lang="en-US" altLang="zh-CN" dirty="0"/>
+          </a:p>
+        </p:txBody>
+      </p:sp>
+      <p:sp>
+        <p:nvSpPr>
+          <p:cNvPr id="4" name="文本框 3">
+            <a:extLst>
+              <a:ext uri="{FF2B5EF4-FFF2-40B4-BE49-F238E27FC236}">
+                <a16:creationId xmlns:a16="http://schemas.microsoft.com/office/drawing/2014/main" id="{891EC48F-6EF9-4226-A1B1-32E3B2A12721}"/>
+              </a:ext>
+            </a:extLst>
+          </p:cNvPr>
+          <p:cNvSpPr txBox="1"/>
+          <p:nvPr/>
+        </p:nvSpPr>
+        <p:spPr>
+          <a:xfrm>
+            <a:off x="753035" y="1156447"/>
+            <a:ext cx="1576072" cy="369332"/>
+          </a:xfrm>
+          <a:prstGeom prst="rect">
+            <a:avLst/>
+          </a:prstGeom>
+          <a:noFill/>
+        </p:spPr>
+        <p:txBody>
+          <a:bodyPr wrap="none" rtlCol="0">
+            <a:spAutoFit/>
+          </a:bodyPr>
+          <a:lstStyle/>
+          <a:p>
+            <a:r>
+              <a:rPr lang="en-US" altLang="zh-CN" dirty="0"/>
+              <a:t>4.2.2</a:t>
+            </a:r>
+            <a:r>
+              <a:rPr lang="zh-CN" altLang="en-US" dirty="0"/>
+              <a:t>、多线程</a:t>
+            </a:r>
+          </a:p>
+        </p:txBody>
+      </p:sp>
+      <p:sp>
+        <p:nvSpPr>
+          <p:cNvPr id="5" name="Rectangle 1">
+            <a:extLst>
+              <a:ext uri="{FF2B5EF4-FFF2-40B4-BE49-F238E27FC236}">
+                <a16:creationId xmlns:a16="http://schemas.microsoft.com/office/drawing/2014/main" id="{F0B08925-E846-4ADF-A4D8-B1248BA21341}"/>
+              </a:ext>
+            </a:extLst>
+          </p:cNvPr>
+          <p:cNvSpPr>
+            <a:spLocks noChangeArrowheads="1"/>
+          </p:cNvSpPr>
+          <p:nvPr/>
+        </p:nvSpPr>
+        <p:spPr bwMode="auto">
+          <a:xfrm>
+            <a:off x="381000" y="1910205"/>
+            <a:ext cx="8408894" cy="2723823"/>
+          </a:xfrm>
+          <a:prstGeom prst="rect">
+            <a:avLst/>
+          </a:prstGeom>
+          <a:solidFill>
+            <a:srgbClr val="FFFFFF"/>
+          </a:solidFill>
+          <a:ln>
+            <a:noFill/>
+          </a:ln>
+          <a:effectLst/>
+          <a:extLst>
+            <a:ext uri="{91240B29-F687-4F45-9708-019B960494DF}">
+              <a14:hiddenLine xmlns:a14="http://schemas.microsoft.com/office/drawing/2010/main" w="9525">
+                <a:solidFill>
+                  <a:schemeClr val="tx1"/>
+                </a:solidFill>
+                <a:miter lim="800000"/>
+                <a:headEnd/>
+                <a:tailEnd/>
+              </a14:hiddenLine>
+            </a:ext>
+            <a:ext uri="{AF507438-7753-43E0-B8FC-AC1667EBCBE1}">
+              <a14:hiddenEffects xmlns:a14="http://schemas.microsoft.com/office/drawing/2010/main">
+                <a:effectLst>
+                  <a:outerShdw dist="35921" dir="2700000" algn="ctr" rotWithShape="0">
+                    <a:schemeClr val="bg2"/>
+                  </a:outerShdw>
+                </a:effectLst>
+              </a14:hiddenEffects>
+            </a:ext>
+          </a:extLst>
+        </p:spPr>
+        <p:txBody>
+          <a:bodyPr vert="horz" wrap="square" lIns="91440" tIns="45720" rIns="91440" bIns="45720" numCol="1" anchor="ctr" anchorCtr="0" compatLnSpc="1">
+            <a:prstTxWarp prst="textNoShape">
+              <a:avLst/>
+            </a:prstTxWarp>
+            <a:spAutoFit/>
+          </a:bodyPr>
+          <a:lstStyle/>
+          <a:p>
+            <a:pPr marL="0" marR="0" lvl="0" indent="0" algn="l" defTabSz="914400" rtl="0" eaLnBrk="0" fontAlgn="base" latinLnBrk="0" hangingPunct="0">
+              <a:lnSpc>
+                <a:spcPct val="100000"/>
+              </a:lnSpc>
+              <a:spcBef>
+                <a:spcPct val="0"/>
+              </a:spcBef>
+              <a:spcAft>
+                <a:spcPct val="0"/>
+              </a:spcAft>
+              <a:buClrTx/>
+              <a:buSzTx/>
+              <a:buFontTx/>
+              <a:buNone/>
+              <a:tabLst/>
+            </a:pPr>
+            <a:r>
+              <a:rPr kumimoji="0" lang="en-US" altLang="zh-CN" sz="900" b="1" i="0" u="none" strike="noStrike" cap="none" normalizeH="0" baseline="0" dirty="0">
+                <a:ln>
+                  <a:noFill/>
+                </a:ln>
+                <a:solidFill>
+                  <a:srgbClr val="000080"/>
+                </a:solidFill>
+                <a:effectLst/>
+                <a:latin typeface="宋体" panose="02010600030101010101" pitchFamily="2" charset="-122"/>
+                <a:ea typeface="宋体" panose="02010600030101010101" pitchFamily="2" charset="-122"/>
+              </a:rPr>
+              <a:t>//-Xss2M</a:t>
+            </a:r>
+          </a:p>
+          <a:p>
+            <a:pPr marL="0" marR="0" lvl="0" indent="0" algn="l" defTabSz="914400" rtl="0" eaLnBrk="0" fontAlgn="base" latinLnBrk="0" hangingPunct="0">
+              <a:lnSpc>
+                <a:spcPct val="100000"/>
+              </a:lnSpc>
+              <a:spcBef>
+                <a:spcPct val="0"/>
+              </a:spcBef>
+              <a:spcAft>
+                <a:spcPct val="0"/>
+              </a:spcAft>
+              <a:buClrTx/>
+              <a:buSzTx/>
+              <a:buFontTx/>
+              <a:buNone/>
+              <a:tabLst/>
+            </a:pPr>
+            <a:r>
+              <a:rPr kumimoji="0" lang="zh-CN" altLang="zh-CN" sz="900" b="1" i="0" u="none" strike="noStrike" cap="none" normalizeH="0" baseline="0" dirty="0">
+                <a:ln>
+                  <a:noFill/>
+                </a:ln>
+                <a:solidFill>
+                  <a:srgbClr val="000080"/>
+                </a:solidFill>
+                <a:effectLst/>
+                <a:latin typeface="宋体" panose="02010600030101010101" pitchFamily="2" charset="-122"/>
+                <a:ea typeface="宋体" panose="02010600030101010101" pitchFamily="2" charset="-122"/>
+              </a:rPr>
+              <a:t>public void </a:t>
+            </a:r>
+            <a:r>
+              <a:rPr kumimoji="0" lang="zh-CN" altLang="zh-CN" sz="900" b="0" i="0" u="none" strike="noStrike" cap="none" normalizeH="0" baseline="0" dirty="0">
+                <a:ln>
+                  <a:noFill/>
+                </a:ln>
+                <a:solidFill>
+                  <a:srgbClr val="000000"/>
+                </a:solidFill>
+                <a:effectLst/>
+                <a:latin typeface="宋体" panose="02010600030101010101" pitchFamily="2" charset="-122"/>
+                <a:ea typeface="宋体" panose="02010600030101010101" pitchFamily="2" charset="-122"/>
+              </a:rPr>
+              <a:t>stackLeak() {</a:t>
+            </a:r>
+            <a:br>
+              <a:rPr kumimoji="0" lang="zh-CN" altLang="zh-CN" sz="900" b="0" i="0" u="none" strike="noStrike" cap="none" normalizeH="0" baseline="0" dirty="0">
+                <a:ln>
+                  <a:noFill/>
+                </a:ln>
+                <a:solidFill>
+                  <a:srgbClr val="000000"/>
+                </a:solidFill>
+                <a:effectLst/>
+                <a:latin typeface="宋体" panose="02010600030101010101" pitchFamily="2" charset="-122"/>
+                <a:ea typeface="宋体" panose="02010600030101010101" pitchFamily="2" charset="-122"/>
+              </a:rPr>
+            </a:br>
+            <a:r>
+              <a:rPr kumimoji="0" lang="zh-CN" altLang="zh-CN" sz="900" b="0" i="0" u="none" strike="noStrike" cap="none" normalizeH="0" baseline="0" dirty="0">
+                <a:ln>
+                  <a:noFill/>
+                </a:ln>
+                <a:solidFill>
+                  <a:srgbClr val="000000"/>
+                </a:solidFill>
+                <a:effectLst/>
+                <a:latin typeface="宋体" panose="02010600030101010101" pitchFamily="2" charset="-122"/>
+                <a:ea typeface="宋体" panose="02010600030101010101" pitchFamily="2" charset="-122"/>
+              </a:rPr>
+              <a:t>    </a:t>
+            </a:r>
+            <a:r>
+              <a:rPr kumimoji="0" lang="zh-CN" altLang="zh-CN" sz="900" b="1" i="0" u="none" strike="noStrike" cap="none" normalizeH="0" baseline="0" dirty="0">
+                <a:ln>
+                  <a:noFill/>
+                </a:ln>
+                <a:solidFill>
+                  <a:srgbClr val="000080"/>
+                </a:solidFill>
+                <a:effectLst/>
+                <a:latin typeface="宋体" panose="02010600030101010101" pitchFamily="2" charset="-122"/>
+                <a:ea typeface="宋体" panose="02010600030101010101" pitchFamily="2" charset="-122"/>
+              </a:rPr>
+              <a:t>while </a:t>
+            </a:r>
+            <a:r>
+              <a:rPr kumimoji="0" lang="zh-CN" altLang="zh-CN" sz="900" b="0" i="0" u="none" strike="noStrike" cap="none" normalizeH="0" baseline="0" dirty="0">
+                <a:ln>
+                  <a:noFill/>
+                </a:ln>
+                <a:solidFill>
+                  <a:srgbClr val="000000"/>
+                </a:solidFill>
+                <a:effectLst/>
+                <a:latin typeface="宋体" panose="02010600030101010101" pitchFamily="2" charset="-122"/>
+                <a:ea typeface="宋体" panose="02010600030101010101" pitchFamily="2" charset="-122"/>
+              </a:rPr>
+              <a:t>(</a:t>
+            </a:r>
+            <a:r>
+              <a:rPr kumimoji="0" lang="zh-CN" altLang="zh-CN" sz="900" b="1" i="0" u="none" strike="noStrike" cap="none" normalizeH="0" baseline="0" dirty="0">
+                <a:ln>
+                  <a:noFill/>
+                </a:ln>
+                <a:solidFill>
+                  <a:srgbClr val="000080"/>
+                </a:solidFill>
+                <a:effectLst/>
+                <a:latin typeface="宋体" panose="02010600030101010101" pitchFamily="2" charset="-122"/>
+                <a:ea typeface="宋体" panose="02010600030101010101" pitchFamily="2" charset="-122"/>
+              </a:rPr>
+              <a:t>true</a:t>
+            </a:r>
+            <a:r>
+              <a:rPr kumimoji="0" lang="zh-CN" altLang="zh-CN" sz="900" b="0" i="0" u="none" strike="noStrike" cap="none" normalizeH="0" baseline="0" dirty="0">
+                <a:ln>
+                  <a:noFill/>
+                </a:ln>
+                <a:solidFill>
+                  <a:srgbClr val="000000"/>
+                </a:solidFill>
+                <a:effectLst/>
+                <a:latin typeface="宋体" panose="02010600030101010101" pitchFamily="2" charset="-122"/>
+                <a:ea typeface="宋体" panose="02010600030101010101" pitchFamily="2" charset="-122"/>
+              </a:rPr>
+              <a:t>) {}</a:t>
+            </a:r>
+            <a:br>
+              <a:rPr kumimoji="0" lang="zh-CN" altLang="zh-CN" sz="900" b="0" i="0" u="none" strike="noStrike" cap="none" normalizeH="0" baseline="0" dirty="0">
+                <a:ln>
+                  <a:noFill/>
+                </a:ln>
+                <a:solidFill>
+                  <a:srgbClr val="000000"/>
+                </a:solidFill>
+                <a:effectLst/>
+                <a:latin typeface="宋体" panose="02010600030101010101" pitchFamily="2" charset="-122"/>
+                <a:ea typeface="宋体" panose="02010600030101010101" pitchFamily="2" charset="-122"/>
+              </a:rPr>
+            </a:br>
+            <a:r>
+              <a:rPr kumimoji="0" lang="zh-CN" altLang="zh-CN" sz="900" b="0" i="0" u="none" strike="noStrike" cap="none" normalizeH="0" baseline="0" dirty="0">
+                <a:ln>
+                  <a:noFill/>
+                </a:ln>
+                <a:solidFill>
+                  <a:srgbClr val="000000"/>
+                </a:solidFill>
+                <a:effectLst/>
+                <a:latin typeface="宋体" panose="02010600030101010101" pitchFamily="2" charset="-122"/>
+                <a:ea typeface="宋体" panose="02010600030101010101" pitchFamily="2" charset="-122"/>
+              </a:rPr>
+              <a:t>}</a:t>
+            </a:r>
+            <a:br>
+              <a:rPr kumimoji="0" lang="zh-CN" altLang="zh-CN" sz="900" b="0" i="0" u="none" strike="noStrike" cap="none" normalizeH="0" baseline="0" dirty="0">
+                <a:ln>
+                  <a:noFill/>
+                </a:ln>
+                <a:solidFill>
+                  <a:srgbClr val="000000"/>
+                </a:solidFill>
+                <a:effectLst/>
+                <a:latin typeface="宋体" panose="02010600030101010101" pitchFamily="2" charset="-122"/>
+                <a:ea typeface="宋体" panose="02010600030101010101" pitchFamily="2" charset="-122"/>
+              </a:rPr>
+            </a:br>
+            <a:br>
+              <a:rPr kumimoji="0" lang="zh-CN" altLang="zh-CN" sz="900" b="0" i="0" u="none" strike="noStrike" cap="none" normalizeH="0" baseline="0" dirty="0">
+                <a:ln>
+                  <a:noFill/>
+                </a:ln>
+                <a:solidFill>
+                  <a:srgbClr val="000000"/>
+                </a:solidFill>
+                <a:effectLst/>
+                <a:latin typeface="宋体" panose="02010600030101010101" pitchFamily="2" charset="-122"/>
+                <a:ea typeface="宋体" panose="02010600030101010101" pitchFamily="2" charset="-122"/>
+              </a:rPr>
+            </a:br>
+            <a:r>
+              <a:rPr kumimoji="0" lang="zh-CN" altLang="zh-CN" sz="900" b="1" i="0" u="none" strike="noStrike" cap="none" normalizeH="0" baseline="0" dirty="0">
+                <a:ln>
+                  <a:noFill/>
+                </a:ln>
+                <a:solidFill>
+                  <a:srgbClr val="000080"/>
+                </a:solidFill>
+                <a:effectLst/>
+                <a:latin typeface="宋体" panose="02010600030101010101" pitchFamily="2" charset="-122"/>
+                <a:ea typeface="宋体" panose="02010600030101010101" pitchFamily="2" charset="-122"/>
+              </a:rPr>
+              <a:t>public void </a:t>
+            </a:r>
+            <a:r>
+              <a:rPr kumimoji="0" lang="zh-CN" altLang="zh-CN" sz="900" b="0" i="0" u="none" strike="noStrike" cap="none" normalizeH="0" baseline="0" dirty="0">
+                <a:ln>
+                  <a:noFill/>
+                </a:ln>
+                <a:solidFill>
+                  <a:srgbClr val="000000"/>
+                </a:solidFill>
+                <a:effectLst/>
+                <a:latin typeface="宋体" panose="02010600030101010101" pitchFamily="2" charset="-122"/>
+                <a:ea typeface="宋体" panose="02010600030101010101" pitchFamily="2" charset="-122"/>
+              </a:rPr>
+              <a:t>StartTest() {</a:t>
+            </a:r>
+            <a:br>
+              <a:rPr kumimoji="0" lang="zh-CN" altLang="zh-CN" sz="900" b="0" i="0" u="none" strike="noStrike" cap="none" normalizeH="0" baseline="0" dirty="0">
+                <a:ln>
+                  <a:noFill/>
+                </a:ln>
+                <a:solidFill>
+                  <a:srgbClr val="000000"/>
+                </a:solidFill>
+                <a:effectLst/>
+                <a:latin typeface="宋体" panose="02010600030101010101" pitchFamily="2" charset="-122"/>
+                <a:ea typeface="宋体" panose="02010600030101010101" pitchFamily="2" charset="-122"/>
+              </a:rPr>
+            </a:br>
+            <a:r>
+              <a:rPr kumimoji="0" lang="zh-CN" altLang="zh-CN" sz="900" b="0" i="0" u="none" strike="noStrike" cap="none" normalizeH="0" baseline="0" dirty="0">
+                <a:ln>
+                  <a:noFill/>
+                </a:ln>
+                <a:solidFill>
+                  <a:srgbClr val="000000"/>
+                </a:solidFill>
+                <a:effectLst/>
+                <a:latin typeface="宋体" panose="02010600030101010101" pitchFamily="2" charset="-122"/>
+                <a:ea typeface="宋体" panose="02010600030101010101" pitchFamily="2" charset="-122"/>
+              </a:rPr>
+              <a:t>    </a:t>
+            </a:r>
+            <a:r>
+              <a:rPr kumimoji="0" lang="zh-CN" altLang="zh-CN" sz="900" b="1" i="0" u="none" strike="noStrike" cap="none" normalizeH="0" baseline="0" dirty="0">
+                <a:ln>
+                  <a:noFill/>
+                </a:ln>
+                <a:solidFill>
+                  <a:srgbClr val="000080"/>
+                </a:solidFill>
+                <a:effectLst/>
+                <a:latin typeface="宋体" panose="02010600030101010101" pitchFamily="2" charset="-122"/>
+                <a:ea typeface="宋体" panose="02010600030101010101" pitchFamily="2" charset="-122"/>
+              </a:rPr>
+              <a:t>while </a:t>
+            </a:r>
+            <a:r>
+              <a:rPr kumimoji="0" lang="zh-CN" altLang="zh-CN" sz="900" b="0" i="0" u="none" strike="noStrike" cap="none" normalizeH="0" baseline="0" dirty="0">
+                <a:ln>
+                  <a:noFill/>
+                </a:ln>
+                <a:solidFill>
+                  <a:srgbClr val="000000"/>
+                </a:solidFill>
+                <a:effectLst/>
+                <a:latin typeface="宋体" panose="02010600030101010101" pitchFamily="2" charset="-122"/>
+                <a:ea typeface="宋体" panose="02010600030101010101" pitchFamily="2" charset="-122"/>
+              </a:rPr>
+              <a:t>(</a:t>
+            </a:r>
+            <a:r>
+              <a:rPr kumimoji="0" lang="zh-CN" altLang="zh-CN" sz="900" b="1" i="0" u="none" strike="noStrike" cap="none" normalizeH="0" baseline="0" dirty="0">
+                <a:ln>
+                  <a:noFill/>
+                </a:ln>
+                <a:solidFill>
+                  <a:srgbClr val="000080"/>
+                </a:solidFill>
+                <a:effectLst/>
+                <a:latin typeface="宋体" panose="02010600030101010101" pitchFamily="2" charset="-122"/>
+                <a:ea typeface="宋体" panose="02010600030101010101" pitchFamily="2" charset="-122"/>
+              </a:rPr>
+              <a:t>true</a:t>
+            </a:r>
+            <a:r>
+              <a:rPr kumimoji="0" lang="zh-CN" altLang="zh-CN" sz="900" b="0" i="0" u="none" strike="noStrike" cap="none" normalizeH="0" baseline="0" dirty="0">
+                <a:ln>
+                  <a:noFill/>
+                </a:ln>
+                <a:solidFill>
+                  <a:srgbClr val="000000"/>
+                </a:solidFill>
+                <a:effectLst/>
+                <a:latin typeface="宋体" panose="02010600030101010101" pitchFamily="2" charset="-122"/>
+                <a:ea typeface="宋体" panose="02010600030101010101" pitchFamily="2" charset="-122"/>
+              </a:rPr>
+              <a:t>) {</a:t>
+            </a:r>
+            <a:br>
+              <a:rPr kumimoji="0" lang="zh-CN" altLang="zh-CN" sz="900" b="0" i="0" u="none" strike="noStrike" cap="none" normalizeH="0" baseline="0" dirty="0">
+                <a:ln>
+                  <a:noFill/>
+                </a:ln>
+                <a:solidFill>
+                  <a:srgbClr val="000000"/>
+                </a:solidFill>
+                <a:effectLst/>
+                <a:latin typeface="宋体" panose="02010600030101010101" pitchFamily="2" charset="-122"/>
+                <a:ea typeface="宋体" panose="02010600030101010101" pitchFamily="2" charset="-122"/>
+              </a:rPr>
+            </a:br>
+            <a:r>
+              <a:rPr kumimoji="0" lang="zh-CN" altLang="zh-CN" sz="900" b="0" i="0" u="none" strike="noStrike" cap="none" normalizeH="0" baseline="0" dirty="0">
+                <a:ln>
+                  <a:noFill/>
+                </a:ln>
+                <a:solidFill>
+                  <a:srgbClr val="000000"/>
+                </a:solidFill>
+                <a:effectLst/>
+                <a:latin typeface="宋体" panose="02010600030101010101" pitchFamily="2" charset="-122"/>
+                <a:ea typeface="宋体" panose="02010600030101010101" pitchFamily="2" charset="-122"/>
+              </a:rPr>
+              <a:t>        Thread thread = </a:t>
+            </a:r>
+            <a:r>
+              <a:rPr kumimoji="0" lang="zh-CN" altLang="zh-CN" sz="900" b="1" i="0" u="none" strike="noStrike" cap="none" normalizeH="0" baseline="0" dirty="0">
+                <a:ln>
+                  <a:noFill/>
+                </a:ln>
+                <a:solidFill>
+                  <a:srgbClr val="000080"/>
+                </a:solidFill>
+                <a:effectLst/>
+                <a:latin typeface="宋体" panose="02010600030101010101" pitchFamily="2" charset="-122"/>
+                <a:ea typeface="宋体" panose="02010600030101010101" pitchFamily="2" charset="-122"/>
+              </a:rPr>
+              <a:t>new </a:t>
+            </a:r>
+            <a:r>
+              <a:rPr kumimoji="0" lang="zh-CN" altLang="zh-CN" sz="900" b="0" i="0" u="none" strike="noStrike" cap="none" normalizeH="0" baseline="0" dirty="0">
+                <a:ln>
+                  <a:noFill/>
+                </a:ln>
+                <a:solidFill>
+                  <a:srgbClr val="000000"/>
+                </a:solidFill>
+                <a:effectLst/>
+                <a:latin typeface="宋体" panose="02010600030101010101" pitchFamily="2" charset="-122"/>
+                <a:ea typeface="宋体" panose="02010600030101010101" pitchFamily="2" charset="-122"/>
+              </a:rPr>
+              <a:t>Thread(</a:t>
+            </a:r>
+            <a:r>
+              <a:rPr kumimoji="0" lang="zh-CN" altLang="zh-CN" sz="900" b="1" i="0" u="none" strike="noStrike" cap="none" normalizeH="0" baseline="0" dirty="0">
+                <a:ln>
+                  <a:noFill/>
+                </a:ln>
+                <a:solidFill>
+                  <a:srgbClr val="000080"/>
+                </a:solidFill>
+                <a:effectLst/>
+                <a:latin typeface="宋体" panose="02010600030101010101" pitchFamily="2" charset="-122"/>
+                <a:ea typeface="宋体" panose="02010600030101010101" pitchFamily="2" charset="-122"/>
+              </a:rPr>
+              <a:t>new </a:t>
+            </a:r>
+            <a:r>
+              <a:rPr kumimoji="0" lang="zh-CN" altLang="zh-CN" sz="900" b="0" i="0" u="none" strike="noStrike" cap="none" normalizeH="0" baseline="0" dirty="0">
+                <a:ln>
+                  <a:noFill/>
+                </a:ln>
+                <a:solidFill>
+                  <a:srgbClr val="000000"/>
+                </a:solidFill>
+                <a:effectLst/>
+                <a:latin typeface="宋体" panose="02010600030101010101" pitchFamily="2" charset="-122"/>
+                <a:ea typeface="宋体" panose="02010600030101010101" pitchFamily="2" charset="-122"/>
+              </a:rPr>
+              <a:t>Runnable() {</a:t>
+            </a:r>
+            <a:br>
+              <a:rPr kumimoji="0" lang="zh-CN" altLang="zh-CN" sz="900" b="0" i="0" u="none" strike="noStrike" cap="none" normalizeH="0" baseline="0" dirty="0">
+                <a:ln>
+                  <a:noFill/>
+                </a:ln>
+                <a:solidFill>
+                  <a:srgbClr val="000000"/>
+                </a:solidFill>
+                <a:effectLst/>
+                <a:latin typeface="宋体" panose="02010600030101010101" pitchFamily="2" charset="-122"/>
+                <a:ea typeface="宋体" panose="02010600030101010101" pitchFamily="2" charset="-122"/>
+              </a:rPr>
+            </a:br>
+            <a:r>
+              <a:rPr kumimoji="0" lang="zh-CN" altLang="zh-CN" sz="900" b="0" i="0" u="none" strike="noStrike" cap="none" normalizeH="0" baseline="0" dirty="0">
+                <a:ln>
+                  <a:noFill/>
+                </a:ln>
+                <a:solidFill>
+                  <a:srgbClr val="000000"/>
+                </a:solidFill>
+                <a:effectLst/>
+                <a:latin typeface="宋体" panose="02010600030101010101" pitchFamily="2" charset="-122"/>
+                <a:ea typeface="宋体" panose="02010600030101010101" pitchFamily="2" charset="-122"/>
+              </a:rPr>
+              <a:t>            </a:t>
+            </a:r>
+            <a:r>
+              <a:rPr kumimoji="0" lang="zh-CN" altLang="zh-CN" sz="900" b="0" i="0" u="none" strike="noStrike" cap="none" normalizeH="0" baseline="0" dirty="0">
+                <a:ln>
+                  <a:noFill/>
+                </a:ln>
+                <a:solidFill>
+                  <a:srgbClr val="808000"/>
+                </a:solidFill>
+                <a:effectLst/>
+                <a:latin typeface="宋体" panose="02010600030101010101" pitchFamily="2" charset="-122"/>
+                <a:ea typeface="宋体" panose="02010600030101010101" pitchFamily="2" charset="-122"/>
+              </a:rPr>
+              <a:t>@Override</a:t>
+            </a:r>
+            <a:br>
+              <a:rPr kumimoji="0" lang="zh-CN" altLang="zh-CN" sz="900" b="0" i="0" u="none" strike="noStrike" cap="none" normalizeH="0" baseline="0" dirty="0">
+                <a:ln>
+                  <a:noFill/>
+                </a:ln>
+                <a:solidFill>
+                  <a:srgbClr val="808000"/>
+                </a:solidFill>
+                <a:effectLst/>
+                <a:latin typeface="宋体" panose="02010600030101010101" pitchFamily="2" charset="-122"/>
+                <a:ea typeface="宋体" panose="02010600030101010101" pitchFamily="2" charset="-122"/>
+              </a:rPr>
+            </a:br>
+            <a:r>
+              <a:rPr kumimoji="0" lang="zh-CN" altLang="zh-CN" sz="900" b="0" i="0" u="none" strike="noStrike" cap="none" normalizeH="0" baseline="0" dirty="0">
+                <a:ln>
+                  <a:noFill/>
+                </a:ln>
+                <a:solidFill>
+                  <a:srgbClr val="808000"/>
+                </a:solidFill>
+                <a:effectLst/>
+                <a:latin typeface="宋体" panose="02010600030101010101" pitchFamily="2" charset="-122"/>
+                <a:ea typeface="宋体" panose="02010600030101010101" pitchFamily="2" charset="-122"/>
+              </a:rPr>
+              <a:t>            </a:t>
+            </a:r>
+            <a:r>
+              <a:rPr kumimoji="0" lang="zh-CN" altLang="zh-CN" sz="900" b="1" i="0" u="none" strike="noStrike" cap="none" normalizeH="0" baseline="0" dirty="0">
+                <a:ln>
+                  <a:noFill/>
+                </a:ln>
+                <a:solidFill>
+                  <a:srgbClr val="000080"/>
+                </a:solidFill>
+                <a:effectLst/>
+                <a:latin typeface="宋体" panose="02010600030101010101" pitchFamily="2" charset="-122"/>
+                <a:ea typeface="宋体" panose="02010600030101010101" pitchFamily="2" charset="-122"/>
+              </a:rPr>
+              <a:t>public void </a:t>
+            </a:r>
+            <a:r>
+              <a:rPr kumimoji="0" lang="zh-CN" altLang="zh-CN" sz="900" b="0" i="0" u="none" strike="noStrike" cap="none" normalizeH="0" baseline="0" dirty="0">
+                <a:ln>
+                  <a:noFill/>
+                </a:ln>
+                <a:solidFill>
+                  <a:srgbClr val="000000"/>
+                </a:solidFill>
+                <a:effectLst/>
+                <a:latin typeface="宋体" panose="02010600030101010101" pitchFamily="2" charset="-122"/>
+                <a:ea typeface="宋体" panose="02010600030101010101" pitchFamily="2" charset="-122"/>
+              </a:rPr>
+              <a:t>run() {</a:t>
+            </a:r>
+            <a:br>
+              <a:rPr kumimoji="0" lang="zh-CN" altLang="zh-CN" sz="900" b="0" i="0" u="none" strike="noStrike" cap="none" normalizeH="0" baseline="0" dirty="0">
+                <a:ln>
+                  <a:noFill/>
+                </a:ln>
+                <a:solidFill>
+                  <a:srgbClr val="000000"/>
+                </a:solidFill>
+                <a:effectLst/>
+                <a:latin typeface="宋体" panose="02010600030101010101" pitchFamily="2" charset="-122"/>
+                <a:ea typeface="宋体" panose="02010600030101010101" pitchFamily="2" charset="-122"/>
+              </a:rPr>
+            </a:br>
+            <a:r>
+              <a:rPr kumimoji="0" lang="zh-CN" altLang="zh-CN" sz="900" b="0" i="0" u="none" strike="noStrike" cap="none" normalizeH="0" baseline="0" dirty="0">
+                <a:ln>
+                  <a:noFill/>
+                </a:ln>
+                <a:solidFill>
+                  <a:srgbClr val="000000"/>
+                </a:solidFill>
+                <a:effectLst/>
+                <a:latin typeface="宋体" panose="02010600030101010101" pitchFamily="2" charset="-122"/>
+                <a:ea typeface="宋体" panose="02010600030101010101" pitchFamily="2" charset="-122"/>
+              </a:rPr>
+              <a:t>                stackLeak();</a:t>
+            </a:r>
+            <a:br>
+              <a:rPr kumimoji="0" lang="zh-CN" altLang="zh-CN" sz="900" b="0" i="0" u="none" strike="noStrike" cap="none" normalizeH="0" baseline="0" dirty="0">
+                <a:ln>
+                  <a:noFill/>
+                </a:ln>
+                <a:solidFill>
+                  <a:srgbClr val="000000"/>
+                </a:solidFill>
+                <a:effectLst/>
+                <a:latin typeface="宋体" panose="02010600030101010101" pitchFamily="2" charset="-122"/>
+                <a:ea typeface="宋体" panose="02010600030101010101" pitchFamily="2" charset="-122"/>
+              </a:rPr>
+            </a:br>
+            <a:r>
+              <a:rPr kumimoji="0" lang="zh-CN" altLang="zh-CN" sz="900" b="0" i="0" u="none" strike="noStrike" cap="none" normalizeH="0" baseline="0" dirty="0">
+                <a:ln>
+                  <a:noFill/>
+                </a:ln>
+                <a:solidFill>
+                  <a:srgbClr val="000000"/>
+                </a:solidFill>
+                <a:effectLst/>
+                <a:latin typeface="宋体" panose="02010600030101010101" pitchFamily="2" charset="-122"/>
+                <a:ea typeface="宋体" panose="02010600030101010101" pitchFamily="2" charset="-122"/>
+              </a:rPr>
+              <a:t>            }</a:t>
+            </a:r>
+            <a:br>
+              <a:rPr kumimoji="0" lang="zh-CN" altLang="zh-CN" sz="900" b="0" i="0" u="none" strike="noStrike" cap="none" normalizeH="0" baseline="0" dirty="0">
+                <a:ln>
+                  <a:noFill/>
+                </a:ln>
+                <a:solidFill>
+                  <a:srgbClr val="000000"/>
+                </a:solidFill>
+                <a:effectLst/>
+                <a:latin typeface="宋体" panose="02010600030101010101" pitchFamily="2" charset="-122"/>
+                <a:ea typeface="宋体" panose="02010600030101010101" pitchFamily="2" charset="-122"/>
+              </a:rPr>
+            </a:br>
+            <a:r>
+              <a:rPr kumimoji="0" lang="zh-CN" altLang="zh-CN" sz="900" b="0" i="0" u="none" strike="noStrike" cap="none" normalizeH="0" baseline="0" dirty="0">
+                <a:ln>
+                  <a:noFill/>
+                </a:ln>
+                <a:solidFill>
+                  <a:srgbClr val="000000"/>
+                </a:solidFill>
+                <a:effectLst/>
+                <a:latin typeface="宋体" panose="02010600030101010101" pitchFamily="2" charset="-122"/>
+                <a:ea typeface="宋体" panose="02010600030101010101" pitchFamily="2" charset="-122"/>
+              </a:rPr>
+              <a:t>        });</a:t>
+            </a:r>
+            <a:br>
+              <a:rPr kumimoji="0" lang="zh-CN" altLang="zh-CN" sz="900" b="0" i="0" u="none" strike="noStrike" cap="none" normalizeH="0" baseline="0" dirty="0">
+                <a:ln>
+                  <a:noFill/>
+                </a:ln>
+                <a:solidFill>
+                  <a:srgbClr val="000000"/>
+                </a:solidFill>
+                <a:effectLst/>
+                <a:latin typeface="宋体" panose="02010600030101010101" pitchFamily="2" charset="-122"/>
+                <a:ea typeface="宋体" panose="02010600030101010101" pitchFamily="2" charset="-122"/>
+              </a:rPr>
+            </a:br>
+            <a:r>
+              <a:rPr kumimoji="0" lang="zh-CN" altLang="zh-CN" sz="900" b="0" i="0" u="none" strike="noStrike" cap="none" normalizeH="0" baseline="0" dirty="0">
+                <a:ln>
+                  <a:noFill/>
+                </a:ln>
+                <a:solidFill>
+                  <a:srgbClr val="000000"/>
+                </a:solidFill>
+                <a:effectLst/>
+                <a:latin typeface="宋体" panose="02010600030101010101" pitchFamily="2" charset="-122"/>
+                <a:ea typeface="宋体" panose="02010600030101010101" pitchFamily="2" charset="-122"/>
+              </a:rPr>
+              <a:t>        thread.start();</a:t>
+            </a:r>
+            <a:br>
+              <a:rPr kumimoji="0" lang="zh-CN" altLang="zh-CN" sz="900" b="0" i="0" u="none" strike="noStrike" cap="none" normalizeH="0" baseline="0" dirty="0">
+                <a:ln>
+                  <a:noFill/>
+                </a:ln>
+                <a:solidFill>
+                  <a:srgbClr val="000000"/>
+                </a:solidFill>
+                <a:effectLst/>
+                <a:latin typeface="宋体" panose="02010600030101010101" pitchFamily="2" charset="-122"/>
+                <a:ea typeface="宋体" panose="02010600030101010101" pitchFamily="2" charset="-122"/>
+              </a:rPr>
+            </a:br>
+            <a:r>
+              <a:rPr kumimoji="0" lang="zh-CN" altLang="zh-CN" sz="900" b="0" i="0" u="none" strike="noStrike" cap="none" normalizeH="0" baseline="0" dirty="0">
+                <a:ln>
+                  <a:noFill/>
+                </a:ln>
+                <a:solidFill>
+                  <a:srgbClr val="000000"/>
+                </a:solidFill>
+                <a:effectLst/>
+                <a:latin typeface="宋体" panose="02010600030101010101" pitchFamily="2" charset="-122"/>
+                <a:ea typeface="宋体" panose="02010600030101010101" pitchFamily="2" charset="-122"/>
+              </a:rPr>
+              <a:t>    }</a:t>
+            </a:r>
+            <a:br>
+              <a:rPr kumimoji="0" lang="zh-CN" altLang="zh-CN" sz="900" b="0" i="0" u="none" strike="noStrike" cap="none" normalizeH="0" baseline="0" dirty="0">
+                <a:ln>
+                  <a:noFill/>
+                </a:ln>
+                <a:solidFill>
+                  <a:srgbClr val="000000"/>
+                </a:solidFill>
+                <a:effectLst/>
+                <a:latin typeface="宋体" panose="02010600030101010101" pitchFamily="2" charset="-122"/>
+                <a:ea typeface="宋体" panose="02010600030101010101" pitchFamily="2" charset="-122"/>
+              </a:rPr>
+            </a:br>
+            <a:r>
+              <a:rPr kumimoji="0" lang="zh-CN" altLang="zh-CN" sz="900" b="0" i="0" u="none" strike="noStrike" cap="none" normalizeH="0" baseline="0" dirty="0">
+                <a:ln>
+                  <a:noFill/>
+                </a:ln>
+                <a:solidFill>
+                  <a:srgbClr val="000000"/>
+                </a:solidFill>
+                <a:effectLst/>
+                <a:latin typeface="宋体" panose="02010600030101010101" pitchFamily="2" charset="-122"/>
+                <a:ea typeface="宋体" panose="02010600030101010101" pitchFamily="2" charset="-122"/>
+              </a:rPr>
+              <a:t>}</a:t>
+            </a:r>
+            <a:br>
+              <a:rPr kumimoji="0" lang="zh-CN" altLang="zh-CN" sz="900" b="0" i="0" u="none" strike="noStrike" cap="none" normalizeH="0" baseline="0" dirty="0">
+                <a:ln>
+                  <a:noFill/>
+                </a:ln>
+                <a:solidFill>
+                  <a:srgbClr val="000000"/>
+                </a:solidFill>
+                <a:effectLst/>
+                <a:latin typeface="宋体" panose="02010600030101010101" pitchFamily="2" charset="-122"/>
+                <a:ea typeface="宋体" panose="02010600030101010101" pitchFamily="2" charset="-122"/>
+              </a:rPr>
+            </a:br>
+            <a:r>
+              <a:rPr kumimoji="0" lang="zh-CN" altLang="zh-CN" sz="900" b="1" i="0" u="none" strike="noStrike" cap="none" normalizeH="0" baseline="0" dirty="0">
+                <a:ln>
+                  <a:noFill/>
+                </a:ln>
+                <a:solidFill>
+                  <a:srgbClr val="000080"/>
+                </a:solidFill>
+                <a:effectLst/>
+                <a:latin typeface="宋体" panose="02010600030101010101" pitchFamily="2" charset="-122"/>
+                <a:ea typeface="宋体" panose="02010600030101010101" pitchFamily="2" charset="-122"/>
+              </a:rPr>
+              <a:t>public static void </a:t>
+            </a:r>
+            <a:r>
+              <a:rPr kumimoji="0" lang="zh-CN" altLang="zh-CN" sz="900" b="0" i="0" u="none" strike="noStrike" cap="none" normalizeH="0" baseline="0" dirty="0">
+                <a:ln>
+                  <a:noFill/>
+                </a:ln>
+                <a:solidFill>
+                  <a:srgbClr val="000000"/>
+                </a:solidFill>
+                <a:effectLst/>
+                <a:latin typeface="宋体" panose="02010600030101010101" pitchFamily="2" charset="-122"/>
+                <a:ea typeface="宋体" panose="02010600030101010101" pitchFamily="2" charset="-122"/>
+              </a:rPr>
+              <a:t>main(String[] arg) </a:t>
+            </a:r>
+            <a:r>
+              <a:rPr kumimoji="0" lang="zh-CN" altLang="zh-CN" sz="900" b="1" i="0" u="none" strike="noStrike" cap="none" normalizeH="0" baseline="0" dirty="0">
+                <a:ln>
+                  <a:noFill/>
+                </a:ln>
+                <a:solidFill>
+                  <a:srgbClr val="000080"/>
+                </a:solidFill>
+                <a:effectLst/>
+                <a:latin typeface="宋体" panose="02010600030101010101" pitchFamily="2" charset="-122"/>
+                <a:ea typeface="宋体" panose="02010600030101010101" pitchFamily="2" charset="-122"/>
+              </a:rPr>
+              <a:t>throws </a:t>
+            </a:r>
+            <a:r>
+              <a:rPr kumimoji="0" lang="zh-CN" altLang="zh-CN" sz="900" b="0" i="0" u="none" strike="noStrike" cap="none" normalizeH="0" baseline="0" dirty="0">
+                <a:ln>
+                  <a:noFill/>
+                </a:ln>
+                <a:solidFill>
+                  <a:srgbClr val="000000"/>
+                </a:solidFill>
+                <a:effectLst/>
+                <a:latin typeface="宋体" panose="02010600030101010101" pitchFamily="2" charset="-122"/>
+                <a:ea typeface="宋体" panose="02010600030101010101" pitchFamily="2" charset="-122"/>
+              </a:rPr>
+              <a:t>Exception {</a:t>
+            </a:r>
+            <a:br>
+              <a:rPr kumimoji="0" lang="zh-CN" altLang="zh-CN" sz="900" b="0" i="0" u="none" strike="noStrike" cap="none" normalizeH="0" baseline="0" dirty="0">
+                <a:ln>
+                  <a:noFill/>
+                </a:ln>
+                <a:solidFill>
+                  <a:srgbClr val="000000"/>
+                </a:solidFill>
+                <a:effectLst/>
+                <a:latin typeface="宋体" panose="02010600030101010101" pitchFamily="2" charset="-122"/>
+                <a:ea typeface="宋体" panose="02010600030101010101" pitchFamily="2" charset="-122"/>
+              </a:rPr>
+            </a:br>
+            <a:r>
+              <a:rPr kumimoji="0" lang="zh-CN" altLang="zh-CN" sz="900" b="0" i="0" u="none" strike="noStrike" cap="none" normalizeH="0" baseline="0" dirty="0">
+                <a:ln>
+                  <a:noFill/>
+                </a:ln>
+                <a:solidFill>
+                  <a:srgbClr val="000000"/>
+                </a:solidFill>
+                <a:effectLst/>
+                <a:latin typeface="宋体" panose="02010600030101010101" pitchFamily="2" charset="-122"/>
+                <a:ea typeface="宋体" panose="02010600030101010101" pitchFamily="2" charset="-122"/>
+              </a:rPr>
+              <a:t>    </a:t>
+            </a:r>
+            <a:r>
+              <a:rPr kumimoji="0" lang="zh-CN" altLang="zh-CN" sz="900" b="1" i="0" u="none" strike="noStrike" cap="none" normalizeH="0" baseline="0" dirty="0">
+                <a:ln>
+                  <a:noFill/>
+                </a:ln>
+                <a:solidFill>
+                  <a:srgbClr val="000080"/>
+                </a:solidFill>
+                <a:effectLst/>
+                <a:latin typeface="宋体" panose="02010600030101010101" pitchFamily="2" charset="-122"/>
+                <a:ea typeface="宋体" panose="02010600030101010101" pitchFamily="2" charset="-122"/>
+              </a:rPr>
+              <a:t>new </a:t>
+            </a:r>
+            <a:r>
+              <a:rPr kumimoji="0" lang="zh-CN" altLang="zh-CN" sz="900" b="0" i="0" u="none" strike="noStrike" cap="none" normalizeH="0" baseline="0" dirty="0">
+                <a:ln>
+                  <a:noFill/>
+                </a:ln>
+                <a:solidFill>
+                  <a:srgbClr val="000000"/>
+                </a:solidFill>
+                <a:effectLst/>
+                <a:latin typeface="宋体" panose="02010600030101010101" pitchFamily="2" charset="-122"/>
+                <a:ea typeface="宋体" panose="02010600030101010101" pitchFamily="2" charset="-122"/>
+              </a:rPr>
+              <a:t>SchedulerApplicationTests().stackLeak();</a:t>
+            </a:r>
+            <a:br>
+              <a:rPr kumimoji="0" lang="zh-CN" altLang="zh-CN" sz="900" b="0" i="0" u="none" strike="noStrike" cap="none" normalizeH="0" baseline="0" dirty="0">
+                <a:ln>
+                  <a:noFill/>
+                </a:ln>
+                <a:solidFill>
+                  <a:srgbClr val="000000"/>
+                </a:solidFill>
+                <a:effectLst/>
+                <a:latin typeface="宋体" panose="02010600030101010101" pitchFamily="2" charset="-122"/>
+                <a:ea typeface="宋体" panose="02010600030101010101" pitchFamily="2" charset="-122"/>
+              </a:rPr>
+            </a:br>
+            <a:r>
+              <a:rPr kumimoji="0" lang="zh-CN" altLang="zh-CN" sz="900" b="0" i="0" u="none" strike="noStrike" cap="none" normalizeH="0" baseline="0" dirty="0">
+                <a:ln>
+                  <a:noFill/>
+                </a:ln>
+                <a:solidFill>
+                  <a:srgbClr val="000000"/>
+                </a:solidFill>
+                <a:effectLst/>
+                <a:latin typeface="宋体" panose="02010600030101010101" pitchFamily="2" charset="-122"/>
+                <a:ea typeface="宋体" panose="02010600030101010101" pitchFamily="2" charset="-122"/>
+              </a:rPr>
+              <a:t>}</a:t>
+            </a:r>
+            <a:endParaRPr kumimoji="0" lang="zh-CN" altLang="zh-CN" sz="1800" b="0" i="0" u="none" strike="noStrike" cap="none" normalizeH="0" baseline="0" dirty="0">
+              <a:ln>
+                <a:noFill/>
+              </a:ln>
+              <a:solidFill>
+                <a:schemeClr val="tx1"/>
+              </a:solidFill>
+              <a:effectLst/>
+              <a:latin typeface="Arial" panose="020B0604020202020204" pitchFamily="34" charset="0"/>
+            </a:endParaRPr>
+          </a:p>
+        </p:txBody>
+      </p:sp>
+      <p:sp>
+        <p:nvSpPr>
+          <p:cNvPr id="6" name="文本框 5">
+            <a:extLst>
+              <a:ext uri="{FF2B5EF4-FFF2-40B4-BE49-F238E27FC236}">
+                <a16:creationId xmlns:a16="http://schemas.microsoft.com/office/drawing/2014/main" id="{9CBC0024-58DD-4A9E-A6B5-8D8E5EAA08A2}"/>
+              </a:ext>
+            </a:extLst>
+          </p:cNvPr>
+          <p:cNvSpPr txBox="1"/>
+          <p:nvPr/>
+        </p:nvSpPr>
+        <p:spPr>
+          <a:xfrm>
+            <a:off x="1461247" y="4894729"/>
+            <a:ext cx="2723823" cy="369332"/>
+          </a:xfrm>
+          <a:prstGeom prst="rect">
+            <a:avLst/>
+          </a:prstGeom>
+          <a:noFill/>
+        </p:spPr>
+        <p:txBody>
+          <a:bodyPr wrap="none" rtlCol="0">
+            <a:spAutoFit/>
+          </a:bodyPr>
+          <a:lstStyle/>
+          <a:p>
+            <a:r>
+              <a:rPr lang="zh-CN" altLang="en-US" dirty="0"/>
+              <a:t>这里系统假死了。。。。</a:t>
+            </a:r>
+          </a:p>
+        </p:txBody>
+      </p:sp>
+    </p:spTree>
+    <p:extLst>
+      <p:ext uri="{BB962C8B-B14F-4D97-AF65-F5344CB8AC3E}">
+        <p14:creationId xmlns:p14="http://schemas.microsoft.com/office/powerpoint/2010/main" val="3838398824"/>
       </p:ext>
     </p:extLst>
   </p:cSld>
@@ -3578,7 +9270,7 @@
           <p:cNvPr id="2" name="文本框 1">
             <a:extLst>
               <a:ext uri="{FF2B5EF4-FFF2-40B4-BE49-F238E27FC236}">
-                <a16:creationId xmlns:a16="http://schemas.microsoft.com/office/drawing/2014/main" xmlns="" id="{4F08DC2D-4A9D-402D-B53E-308B8BF537D9}"/>
+                <a16:creationId xmlns:a16="http://schemas.microsoft.com/office/drawing/2014/main" id="{4F08DC2D-4A9D-402D-B53E-308B8BF537D9}"/>
               </a:ext>
             </a:extLst>
           </p:cNvPr>
@@ -3613,7 +9305,7 @@
           <p:cNvPr id="3" name="文本框 2">
             <a:extLst>
               <a:ext uri="{FF2B5EF4-FFF2-40B4-BE49-F238E27FC236}">
-                <a16:creationId xmlns:a16="http://schemas.microsoft.com/office/drawing/2014/main" xmlns="" id="{97BCC2E6-AA59-4920-88BD-12CDDB0879BB}"/>
+                <a16:creationId xmlns:a16="http://schemas.microsoft.com/office/drawing/2014/main" id="{97BCC2E6-AA59-4920-88BD-12CDDB0879BB}"/>
               </a:ext>
             </a:extLst>
           </p:cNvPr>
@@ -3656,7 +9348,7 @@
           <p:cNvPr id="4" name="文本框 3">
             <a:extLst>
               <a:ext uri="{FF2B5EF4-FFF2-40B4-BE49-F238E27FC236}">
-                <a16:creationId xmlns:a16="http://schemas.microsoft.com/office/drawing/2014/main" xmlns="" id="{F60ECEE6-35DC-4045-97DB-8B8A5EFFF671}"/>
+                <a16:creationId xmlns:a16="http://schemas.microsoft.com/office/drawing/2014/main" id="{F60ECEE6-35DC-4045-97DB-8B8A5EFFF671}"/>
               </a:ext>
             </a:extLst>
           </p:cNvPr>
@@ -3699,7 +9391,7 @@
           <p:cNvPr id="5" name="文本框 4">
             <a:extLst>
               <a:ext uri="{FF2B5EF4-FFF2-40B4-BE49-F238E27FC236}">
-                <a16:creationId xmlns:a16="http://schemas.microsoft.com/office/drawing/2014/main" xmlns="" id="{F617076A-BE5B-437F-9936-04D6C904C5C0}"/>
+                <a16:creationId xmlns:a16="http://schemas.microsoft.com/office/drawing/2014/main" id="{F617076A-BE5B-437F-9936-04D6C904C5C0}"/>
               </a:ext>
             </a:extLst>
           </p:cNvPr>
@@ -3742,7 +9434,7 @@
           <p:cNvPr id="6" name="文本框 5">
             <a:extLst>
               <a:ext uri="{FF2B5EF4-FFF2-40B4-BE49-F238E27FC236}">
-                <a16:creationId xmlns:a16="http://schemas.microsoft.com/office/drawing/2014/main" xmlns="" id="{E6228F95-F047-424A-8B37-64DA5955CDAD}"/>
+                <a16:creationId xmlns:a16="http://schemas.microsoft.com/office/drawing/2014/main" id="{E6228F95-F047-424A-8B37-64DA5955CDAD}"/>
               </a:ext>
             </a:extLst>
           </p:cNvPr>
@@ -3782,7 +9474,7 @@
           <p:cNvPr id="7" name="文本框 6">
             <a:extLst>
               <a:ext uri="{FF2B5EF4-FFF2-40B4-BE49-F238E27FC236}">
-                <a16:creationId xmlns:a16="http://schemas.microsoft.com/office/drawing/2014/main" xmlns="" id="{2723524A-386E-4D2D-91FF-AFB54D0B789E}"/>
+                <a16:creationId xmlns:a16="http://schemas.microsoft.com/office/drawing/2014/main" id="{2723524A-386E-4D2D-91FF-AFB54D0B789E}"/>
               </a:ext>
             </a:extLst>
           </p:cNvPr>
@@ -3847,7 +9539,7 @@
           <p:cNvPr id="2" name="矩形 1">
             <a:extLst>
               <a:ext uri="{FF2B5EF4-FFF2-40B4-BE49-F238E27FC236}">
-                <a16:creationId xmlns:a16="http://schemas.microsoft.com/office/drawing/2014/main" xmlns="" id="{CA07AAB7-8B3E-4158-A919-8B56D56A31CA}"/>
+                <a16:creationId xmlns:a16="http://schemas.microsoft.com/office/drawing/2014/main" id="{CA07AAB7-8B3E-4158-A919-8B56D56A31CA}"/>
               </a:ext>
             </a:extLst>
           </p:cNvPr>
@@ -3889,7 +9581,7 @@
           <p:cNvPr id="5" name="矩形 4">
             <a:extLst>
               <a:ext uri="{FF2B5EF4-FFF2-40B4-BE49-F238E27FC236}">
-                <a16:creationId xmlns:a16="http://schemas.microsoft.com/office/drawing/2014/main" xmlns="" id="{57DFF98B-5F8F-46C2-856A-EDD782C631D4}"/>
+                <a16:creationId xmlns:a16="http://schemas.microsoft.com/office/drawing/2014/main" id="{57DFF98B-5F8F-46C2-856A-EDD782C631D4}"/>
               </a:ext>
             </a:extLst>
           </p:cNvPr>
@@ -3936,7 +9628,7 @@
           <p:cNvPr id="6" name="矩形 5">
             <a:extLst>
               <a:ext uri="{FF2B5EF4-FFF2-40B4-BE49-F238E27FC236}">
-                <a16:creationId xmlns:a16="http://schemas.microsoft.com/office/drawing/2014/main" xmlns="" id="{0007850F-2A32-4A11-BF1F-3786300964EA}"/>
+                <a16:creationId xmlns:a16="http://schemas.microsoft.com/office/drawing/2014/main" id="{0007850F-2A32-4A11-BF1F-3786300964EA}"/>
               </a:ext>
             </a:extLst>
           </p:cNvPr>
@@ -3983,7 +9675,7 @@
           <p:cNvPr id="7" name="矩形 6">
             <a:extLst>
               <a:ext uri="{FF2B5EF4-FFF2-40B4-BE49-F238E27FC236}">
-                <a16:creationId xmlns:a16="http://schemas.microsoft.com/office/drawing/2014/main" xmlns="" id="{8F9A1174-C279-4F37-8ECF-72073258577C}"/>
+                <a16:creationId xmlns:a16="http://schemas.microsoft.com/office/drawing/2014/main" id="{8F9A1174-C279-4F37-8ECF-72073258577C}"/>
               </a:ext>
             </a:extLst>
           </p:cNvPr>
@@ -4030,7 +9722,7 @@
           <p:cNvPr id="8" name="矩形 7">
             <a:extLst>
               <a:ext uri="{FF2B5EF4-FFF2-40B4-BE49-F238E27FC236}">
-                <a16:creationId xmlns:a16="http://schemas.microsoft.com/office/drawing/2014/main" xmlns="" id="{840A27A9-CB91-4C9D-96FE-E4065F1EC633}"/>
+                <a16:creationId xmlns:a16="http://schemas.microsoft.com/office/drawing/2014/main" id="{840A27A9-CB91-4C9D-96FE-E4065F1EC633}"/>
               </a:ext>
             </a:extLst>
           </p:cNvPr>
@@ -4077,7 +9769,7 @@
           <p:cNvPr id="9" name="矩形 8">
             <a:extLst>
               <a:ext uri="{FF2B5EF4-FFF2-40B4-BE49-F238E27FC236}">
-                <a16:creationId xmlns:a16="http://schemas.microsoft.com/office/drawing/2014/main" xmlns="" id="{459688D8-9A34-4C3A-9F66-696B546C908B}"/>
+                <a16:creationId xmlns:a16="http://schemas.microsoft.com/office/drawing/2014/main" id="{459688D8-9A34-4C3A-9F66-696B546C908B}"/>
               </a:ext>
             </a:extLst>
           </p:cNvPr>
@@ -4124,7 +9816,7 @@
           <p:cNvPr id="10" name="文本框 9">
             <a:extLst>
               <a:ext uri="{FF2B5EF4-FFF2-40B4-BE49-F238E27FC236}">
-                <a16:creationId xmlns:a16="http://schemas.microsoft.com/office/drawing/2014/main" xmlns="" id="{4E90851B-1A8F-42CC-BF01-8D50457F1672}"/>
+                <a16:creationId xmlns:a16="http://schemas.microsoft.com/office/drawing/2014/main" id="{4E90851B-1A8F-42CC-BF01-8D50457F1672}"/>
               </a:ext>
             </a:extLst>
           </p:cNvPr>
@@ -4164,7 +9856,7 @@
           <p:cNvPr id="11" name="箭头: 上下 10">
             <a:extLst>
               <a:ext uri="{FF2B5EF4-FFF2-40B4-BE49-F238E27FC236}">
-                <a16:creationId xmlns:a16="http://schemas.microsoft.com/office/drawing/2014/main" xmlns="" id="{852008AC-045F-4832-A62A-43F5CA7798E9}"/>
+                <a16:creationId xmlns:a16="http://schemas.microsoft.com/office/drawing/2014/main" id="{852008AC-045F-4832-A62A-43F5CA7798E9}"/>
               </a:ext>
             </a:extLst>
           </p:cNvPr>
@@ -4211,7 +9903,7 @@
           <p:cNvPr id="12" name="箭头: 上下 11">
             <a:extLst>
               <a:ext uri="{FF2B5EF4-FFF2-40B4-BE49-F238E27FC236}">
-                <a16:creationId xmlns:a16="http://schemas.microsoft.com/office/drawing/2014/main" xmlns="" id="{C25A8858-7DBB-4C4D-A293-61478901AEBE}"/>
+                <a16:creationId xmlns:a16="http://schemas.microsoft.com/office/drawing/2014/main" id="{C25A8858-7DBB-4C4D-A293-61478901AEBE}"/>
               </a:ext>
             </a:extLst>
           </p:cNvPr>
@@ -4258,7 +9950,7 @@
           <p:cNvPr id="13" name="矩形 12">
             <a:extLst>
               <a:ext uri="{FF2B5EF4-FFF2-40B4-BE49-F238E27FC236}">
-                <a16:creationId xmlns:a16="http://schemas.microsoft.com/office/drawing/2014/main" xmlns="" id="{62C6C5C6-A3A9-4628-A15B-EFAB884B5BAA}"/>
+                <a16:creationId xmlns:a16="http://schemas.microsoft.com/office/drawing/2014/main" id="{62C6C5C6-A3A9-4628-A15B-EFAB884B5BAA}"/>
               </a:ext>
             </a:extLst>
           </p:cNvPr>
@@ -4305,7 +9997,7 @@
           <p:cNvPr id="14" name="文本框 13">
             <a:extLst>
               <a:ext uri="{FF2B5EF4-FFF2-40B4-BE49-F238E27FC236}">
-                <a16:creationId xmlns:a16="http://schemas.microsoft.com/office/drawing/2014/main" xmlns="" id="{21BB0E39-E3F8-4B2D-9CAF-3BFE114383CA}"/>
+                <a16:creationId xmlns:a16="http://schemas.microsoft.com/office/drawing/2014/main" id="{21BB0E39-E3F8-4B2D-9CAF-3BFE114383CA}"/>
               </a:ext>
             </a:extLst>
           </p:cNvPr>
@@ -4344,7 +10036,7 @@
           <p:cNvPr id="15" name="文本框 14">
             <a:extLst>
               <a:ext uri="{FF2B5EF4-FFF2-40B4-BE49-F238E27FC236}">
-                <a16:creationId xmlns:a16="http://schemas.microsoft.com/office/drawing/2014/main" xmlns="" id="{AD454BDB-7E2D-4E76-B201-C963926E79A1}"/>
+                <a16:creationId xmlns:a16="http://schemas.microsoft.com/office/drawing/2014/main" id="{AD454BDB-7E2D-4E76-B201-C963926E79A1}"/>
               </a:ext>
             </a:extLst>
           </p:cNvPr>
@@ -4379,7 +10071,7 @@
           <p:cNvPr id="16" name="文本框 15">
             <a:extLst>
               <a:ext uri="{FF2B5EF4-FFF2-40B4-BE49-F238E27FC236}">
-                <a16:creationId xmlns:a16="http://schemas.microsoft.com/office/drawing/2014/main" xmlns="" id="{F140876A-7AB6-4A8F-99F4-153A9D8F526E}"/>
+                <a16:creationId xmlns:a16="http://schemas.microsoft.com/office/drawing/2014/main" id="{F140876A-7AB6-4A8F-99F4-153A9D8F526E}"/>
               </a:ext>
             </a:extLst>
           </p:cNvPr>
@@ -4419,7 +10111,7 @@
           <p:cNvPr id="17" name="文本框 16">
             <a:extLst>
               <a:ext uri="{FF2B5EF4-FFF2-40B4-BE49-F238E27FC236}">
-                <a16:creationId xmlns:a16="http://schemas.microsoft.com/office/drawing/2014/main" xmlns="" id="{B3BF9DB4-7D87-4853-9CAA-C73EE515736E}"/>
+                <a16:creationId xmlns:a16="http://schemas.microsoft.com/office/drawing/2014/main" id="{B3BF9DB4-7D87-4853-9CAA-C73EE515736E}"/>
               </a:ext>
             </a:extLst>
           </p:cNvPr>
@@ -4459,7 +10151,7 @@
           <p:cNvPr id="18" name="文本框 17">
             <a:extLst>
               <a:ext uri="{FF2B5EF4-FFF2-40B4-BE49-F238E27FC236}">
-                <a16:creationId xmlns:a16="http://schemas.microsoft.com/office/drawing/2014/main" xmlns="" id="{0E253371-F6D9-4D2C-B738-38B04BDB6607}"/>
+                <a16:creationId xmlns:a16="http://schemas.microsoft.com/office/drawing/2014/main" id="{0E253371-F6D9-4D2C-B738-38B04BDB6607}"/>
               </a:ext>
             </a:extLst>
           </p:cNvPr>
@@ -4499,7 +10191,7 @@
           <p:cNvPr id="19" name="箭头: 上下 18">
             <a:extLst>
               <a:ext uri="{FF2B5EF4-FFF2-40B4-BE49-F238E27FC236}">
-                <a16:creationId xmlns:a16="http://schemas.microsoft.com/office/drawing/2014/main" xmlns="" id="{B8C12048-62AA-4403-BA5E-2C5EC1B951B1}"/>
+                <a16:creationId xmlns:a16="http://schemas.microsoft.com/office/drawing/2014/main" id="{B8C12048-62AA-4403-BA5E-2C5EC1B951B1}"/>
               </a:ext>
             </a:extLst>
           </p:cNvPr>
@@ -4546,7 +10238,7 @@
           <p:cNvPr id="20" name="箭头: 上下 19">
             <a:extLst>
               <a:ext uri="{FF2B5EF4-FFF2-40B4-BE49-F238E27FC236}">
-                <a16:creationId xmlns:a16="http://schemas.microsoft.com/office/drawing/2014/main" xmlns="" id="{3F4E0DAE-DE9C-465D-BCC1-241CA6905389}"/>
+                <a16:creationId xmlns:a16="http://schemas.microsoft.com/office/drawing/2014/main" id="{3F4E0DAE-DE9C-465D-BCC1-241CA6905389}"/>
               </a:ext>
             </a:extLst>
           </p:cNvPr>
@@ -4593,7 +10285,7 @@
           <p:cNvPr id="21" name="文本框 20">
             <a:extLst>
               <a:ext uri="{FF2B5EF4-FFF2-40B4-BE49-F238E27FC236}">
-                <a16:creationId xmlns:a16="http://schemas.microsoft.com/office/drawing/2014/main" xmlns="" id="{BCC13642-7A30-45F8-B3C9-2620514AD52E}"/>
+                <a16:creationId xmlns:a16="http://schemas.microsoft.com/office/drawing/2014/main" id="{BCC13642-7A30-45F8-B3C9-2620514AD52E}"/>
               </a:ext>
             </a:extLst>
           </p:cNvPr>
@@ -4680,50 +10372,6 @@
               <a:rPr lang="zh-CN" altLang="en-US" dirty="0"/>
               <a:t>。</a:t>
             </a:r>
-          </a:p>
-        </p:txBody>
-      </p:sp>
-      <p:sp>
-        <p:nvSpPr>
-          <p:cNvPr id="22" name="文本框 21">
-            <a:extLst>
-              <a:ext uri="{FF2B5EF4-FFF2-40B4-BE49-F238E27FC236}">
-                <a16:creationId xmlns:a16="http://schemas.microsoft.com/office/drawing/2014/main" xmlns="" id="{C9BA9FCA-18F1-432E-A867-7AD0211D4C50}"/>
-              </a:ext>
-            </a:extLst>
-          </p:cNvPr>
-          <p:cNvSpPr txBox="1"/>
-          <p:nvPr/>
-        </p:nvSpPr>
-        <p:spPr>
-          <a:xfrm>
-            <a:off x="1762969" y="3507167"/>
-            <a:ext cx="3007555" cy="369332"/>
-          </a:xfrm>
-          <a:prstGeom prst="rect">
-            <a:avLst/>
-          </a:prstGeom>
-          <a:noFill/>
-        </p:spPr>
-        <p:txBody>
-          <a:bodyPr wrap="none" rtlCol="0">
-            <a:spAutoFit/>
-          </a:bodyPr>
-          <a:lstStyle/>
-          <a:p>
-            <a:r>
-              <a:rPr lang="en-US" altLang="zh-CN" dirty="0"/>
-              <a:t>——《JAVA</a:t>
-            </a:r>
-            <a:r>
-              <a:rPr lang="zh-CN" altLang="en-US" dirty="0"/>
-              <a:t>并发编程实战</a:t>
-            </a:r>
-            <a:r>
-              <a:rPr lang="en-US" altLang="zh-CN" dirty="0"/>
-              <a:t>》</a:t>
-            </a:r>
-            <a:endParaRPr lang="zh-CN" altLang="en-US" dirty="0"/>
           </a:p>
         </p:txBody>
       </p:sp>
@@ -4762,7 +10410,7 @@
           <p:cNvPr id="3" name="矩形 2">
             <a:extLst>
               <a:ext uri="{FF2B5EF4-FFF2-40B4-BE49-F238E27FC236}">
-                <a16:creationId xmlns:a16="http://schemas.microsoft.com/office/drawing/2014/main" xmlns="" id="{F8EB3E5E-0CC1-4ABE-8642-2921415D4D95}"/>
+                <a16:creationId xmlns:a16="http://schemas.microsoft.com/office/drawing/2014/main" id="{F8EB3E5E-0CC1-4ABE-8642-2921415D4D95}"/>
               </a:ext>
             </a:extLst>
           </p:cNvPr>
@@ -4804,7 +10452,7 @@
           <p:cNvPr id="5" name="文本框 4">
             <a:extLst>
               <a:ext uri="{FF2B5EF4-FFF2-40B4-BE49-F238E27FC236}">
-                <a16:creationId xmlns:a16="http://schemas.microsoft.com/office/drawing/2014/main" xmlns="" id="{435F4BC5-B731-48E8-A3E1-FA2CEF8C66EC}"/>
+                <a16:creationId xmlns:a16="http://schemas.microsoft.com/office/drawing/2014/main" id="{435F4BC5-B731-48E8-A3E1-FA2CEF8C66EC}"/>
               </a:ext>
             </a:extLst>
           </p:cNvPr>
@@ -4847,7 +10495,7 @@
           <p:cNvPr id="6" name="矩形 5">
             <a:extLst>
               <a:ext uri="{FF2B5EF4-FFF2-40B4-BE49-F238E27FC236}">
-                <a16:creationId xmlns:a16="http://schemas.microsoft.com/office/drawing/2014/main" xmlns="" id="{59CF6EAA-C237-44C5-A03C-B21EC908BD53}"/>
+                <a16:creationId xmlns:a16="http://schemas.microsoft.com/office/drawing/2014/main" id="{59CF6EAA-C237-44C5-A03C-B21EC908BD53}"/>
               </a:ext>
             </a:extLst>
           </p:cNvPr>
@@ -4894,7 +10542,7 @@
           <p:cNvPr id="22" name="矩形 21">
             <a:extLst>
               <a:ext uri="{FF2B5EF4-FFF2-40B4-BE49-F238E27FC236}">
-                <a16:creationId xmlns:a16="http://schemas.microsoft.com/office/drawing/2014/main" xmlns="" id="{7403AE56-E91C-4129-B5F1-E45251A0EDF6}"/>
+                <a16:creationId xmlns:a16="http://schemas.microsoft.com/office/drawing/2014/main" id="{7403AE56-E91C-4129-B5F1-E45251A0EDF6}"/>
               </a:ext>
             </a:extLst>
           </p:cNvPr>
@@ -4979,7 +10627,7 @@
           <p:cNvPr id="28" name="文本框 27">
             <a:extLst>
               <a:ext uri="{FF2B5EF4-FFF2-40B4-BE49-F238E27FC236}">
-                <a16:creationId xmlns:a16="http://schemas.microsoft.com/office/drawing/2014/main" xmlns="" id="{79BE910A-B775-46C2-9D66-A3D71FE4C936}"/>
+                <a16:creationId xmlns:a16="http://schemas.microsoft.com/office/drawing/2014/main" id="{79BE910A-B775-46C2-9D66-A3D71FE4C936}"/>
               </a:ext>
             </a:extLst>
           </p:cNvPr>
@@ -5023,7 +10671,7 @@
           <p:cNvPr id="38" name="矩形 37">
             <a:extLst>
               <a:ext uri="{FF2B5EF4-FFF2-40B4-BE49-F238E27FC236}">
-                <a16:creationId xmlns:a16="http://schemas.microsoft.com/office/drawing/2014/main" xmlns="" id="{AF63298A-E8E9-4906-A46D-533EE8E30780}"/>
+                <a16:creationId xmlns:a16="http://schemas.microsoft.com/office/drawing/2014/main" id="{AF63298A-E8E9-4906-A46D-533EE8E30780}"/>
               </a:ext>
             </a:extLst>
           </p:cNvPr>
@@ -5108,7 +10756,7 @@
           <p:cNvPr id="39" name="矩形 38">
             <a:extLst>
               <a:ext uri="{FF2B5EF4-FFF2-40B4-BE49-F238E27FC236}">
-                <a16:creationId xmlns:a16="http://schemas.microsoft.com/office/drawing/2014/main" xmlns="" id="{90DF6EBB-4AB5-4E9B-8097-189B9D55C41A}"/>
+                <a16:creationId xmlns:a16="http://schemas.microsoft.com/office/drawing/2014/main" id="{90DF6EBB-4AB5-4E9B-8097-189B9D55C41A}"/>
               </a:ext>
             </a:extLst>
           </p:cNvPr>
@@ -5185,7 +10833,7 @@
           <p:cNvPr id="40" name="矩形 39">
             <a:extLst>
               <a:ext uri="{FF2B5EF4-FFF2-40B4-BE49-F238E27FC236}">
-                <a16:creationId xmlns:a16="http://schemas.microsoft.com/office/drawing/2014/main" xmlns="" id="{E4EC09E9-11B4-43F3-9D5D-ADE78B46F2FB}"/>
+                <a16:creationId xmlns:a16="http://schemas.microsoft.com/office/drawing/2014/main" id="{E4EC09E9-11B4-43F3-9D5D-ADE78B46F2FB}"/>
               </a:ext>
             </a:extLst>
           </p:cNvPr>
@@ -5268,7 +10916,7 @@
           <p:cNvPr id="41" name="矩形 40">
             <a:extLst>
               <a:ext uri="{FF2B5EF4-FFF2-40B4-BE49-F238E27FC236}">
-                <a16:creationId xmlns:a16="http://schemas.microsoft.com/office/drawing/2014/main" xmlns="" id="{6E90B86F-E749-4FCC-A98E-4BF1119C477D}"/>
+                <a16:creationId xmlns:a16="http://schemas.microsoft.com/office/drawing/2014/main" id="{6E90B86F-E749-4FCC-A98E-4BF1119C477D}"/>
               </a:ext>
             </a:extLst>
           </p:cNvPr>
@@ -5343,7 +10991,7 @@
           <p:cNvPr id="43" name="矩形 42">
             <a:extLst>
               <a:ext uri="{FF2B5EF4-FFF2-40B4-BE49-F238E27FC236}">
-                <a16:creationId xmlns:a16="http://schemas.microsoft.com/office/drawing/2014/main" xmlns="" id="{E16A3E5B-2A94-44DB-A50D-D8370339C89F}"/>
+                <a16:creationId xmlns:a16="http://schemas.microsoft.com/office/drawing/2014/main" id="{E16A3E5B-2A94-44DB-A50D-D8370339C89F}"/>
               </a:ext>
             </a:extLst>
           </p:cNvPr>
@@ -5448,7 +11096,7 @@
           <p:cNvPr id="2" name="矩形 1">
             <a:extLst>
               <a:ext uri="{FF2B5EF4-FFF2-40B4-BE49-F238E27FC236}">
-                <a16:creationId xmlns:a16="http://schemas.microsoft.com/office/drawing/2014/main" xmlns="" id="{EE67BE76-9ECB-4AC0-84E1-BF9F8D109FA0}"/>
+                <a16:creationId xmlns:a16="http://schemas.microsoft.com/office/drawing/2014/main" id="{EE67BE76-9ECB-4AC0-84E1-BF9F8D109FA0}"/>
               </a:ext>
             </a:extLst>
           </p:cNvPr>
@@ -5490,7 +11138,7 @@
           <p:cNvPr id="4" name="文本框 3">
             <a:extLst>
               <a:ext uri="{FF2B5EF4-FFF2-40B4-BE49-F238E27FC236}">
-                <a16:creationId xmlns:a16="http://schemas.microsoft.com/office/drawing/2014/main" xmlns="" id="{0EA5ABF7-6D70-46C8-A62C-95DD95BD881F}"/>
+                <a16:creationId xmlns:a16="http://schemas.microsoft.com/office/drawing/2014/main" id="{0EA5ABF7-6D70-46C8-A62C-95DD95BD881F}"/>
               </a:ext>
             </a:extLst>
           </p:cNvPr>
@@ -5537,7 +11185,7 @@
           <p:cNvPr id="7" name="文本框 6">
             <a:extLst>
               <a:ext uri="{FF2B5EF4-FFF2-40B4-BE49-F238E27FC236}">
-                <a16:creationId xmlns:a16="http://schemas.microsoft.com/office/drawing/2014/main" xmlns="" id="{B14388D5-D585-458A-99BA-D00F1C1478B0}"/>
+                <a16:creationId xmlns:a16="http://schemas.microsoft.com/office/drawing/2014/main" id="{B14388D5-D585-458A-99BA-D00F1C1478B0}"/>
               </a:ext>
             </a:extLst>
           </p:cNvPr>
@@ -5678,7 +11326,7 @@
           <p:cNvPr id="2" name="矩形 1">
             <a:extLst>
               <a:ext uri="{FF2B5EF4-FFF2-40B4-BE49-F238E27FC236}">
-                <a16:creationId xmlns:a16="http://schemas.microsoft.com/office/drawing/2014/main" xmlns="" id="{3A1EB159-E89D-44EB-9B2A-6C9B0756A967}"/>
+                <a16:creationId xmlns:a16="http://schemas.microsoft.com/office/drawing/2014/main" id="{3A1EB159-E89D-44EB-9B2A-6C9B0756A967}"/>
               </a:ext>
             </a:extLst>
           </p:cNvPr>
@@ -5720,7 +11368,7 @@
           <p:cNvPr id="4" name="文本框 3">
             <a:extLst>
               <a:ext uri="{FF2B5EF4-FFF2-40B4-BE49-F238E27FC236}">
-                <a16:creationId xmlns:a16="http://schemas.microsoft.com/office/drawing/2014/main" xmlns="" id="{928FCD62-AD93-4DAD-A657-B1959D7AD798}"/>
+                <a16:creationId xmlns:a16="http://schemas.microsoft.com/office/drawing/2014/main" id="{928FCD62-AD93-4DAD-A657-B1959D7AD798}"/>
               </a:ext>
             </a:extLst>
           </p:cNvPr>
@@ -5768,7 +11416,7 @@
           <p:cNvPr id="5" name="文本框 4">
             <a:extLst>
               <a:ext uri="{FF2B5EF4-FFF2-40B4-BE49-F238E27FC236}">
-                <a16:creationId xmlns:a16="http://schemas.microsoft.com/office/drawing/2014/main" xmlns="" id="{ED63FF54-EBE0-4DAE-B386-1C4648AF83E5}"/>
+                <a16:creationId xmlns:a16="http://schemas.microsoft.com/office/drawing/2014/main" id="{ED63FF54-EBE0-4DAE-B386-1C4648AF83E5}"/>
               </a:ext>
             </a:extLst>
           </p:cNvPr>
@@ -5827,7 +11475,7 @@
           <p:cNvPr id="6" name="文本框 5">
             <a:extLst>
               <a:ext uri="{FF2B5EF4-FFF2-40B4-BE49-F238E27FC236}">
-                <a16:creationId xmlns:a16="http://schemas.microsoft.com/office/drawing/2014/main" xmlns="" id="{6E5147B3-5162-4B84-9419-D44769980425}"/>
+                <a16:creationId xmlns:a16="http://schemas.microsoft.com/office/drawing/2014/main" id="{6E5147B3-5162-4B84-9419-D44769980425}"/>
               </a:ext>
             </a:extLst>
           </p:cNvPr>
@@ -5871,7 +11519,7 @@
           <p:cNvPr id="7" name="文本框 6">
             <a:extLst>
               <a:ext uri="{FF2B5EF4-FFF2-40B4-BE49-F238E27FC236}">
-                <a16:creationId xmlns:a16="http://schemas.microsoft.com/office/drawing/2014/main" xmlns="" id="{FF2C71F4-9F75-461E-8B29-AB1128D82EC3}"/>
+                <a16:creationId xmlns:a16="http://schemas.microsoft.com/office/drawing/2014/main" id="{FF2C71F4-9F75-461E-8B29-AB1128D82EC3}"/>
               </a:ext>
             </a:extLst>
           </p:cNvPr>
@@ -5922,7 +11570,7 @@
           <p:cNvPr id="8" name="矩形 7">
             <a:extLst>
               <a:ext uri="{FF2B5EF4-FFF2-40B4-BE49-F238E27FC236}">
-                <a16:creationId xmlns:a16="http://schemas.microsoft.com/office/drawing/2014/main" xmlns="" id="{16E9DC24-4233-49FC-B948-A42C30D32028}"/>
+                <a16:creationId xmlns:a16="http://schemas.microsoft.com/office/drawing/2014/main" id="{16E9DC24-4233-49FC-B948-A42C30D32028}"/>
               </a:ext>
             </a:extLst>
           </p:cNvPr>
@@ -5960,7 +11608,7 @@
           <p:cNvPr id="9" name="文本框 8">
             <a:extLst>
               <a:ext uri="{FF2B5EF4-FFF2-40B4-BE49-F238E27FC236}">
-                <a16:creationId xmlns:a16="http://schemas.microsoft.com/office/drawing/2014/main" xmlns="" id="{EA1BBF67-D5A3-404D-8A3F-8BC3210C1090}"/>
+                <a16:creationId xmlns:a16="http://schemas.microsoft.com/office/drawing/2014/main" id="{EA1BBF67-D5A3-404D-8A3F-8BC3210C1090}"/>
               </a:ext>
             </a:extLst>
           </p:cNvPr>
@@ -6032,7 +11680,7 @@
           <p:cNvPr id="10" name="文本框 9">
             <a:extLst>
               <a:ext uri="{FF2B5EF4-FFF2-40B4-BE49-F238E27FC236}">
-                <a16:creationId xmlns:a16="http://schemas.microsoft.com/office/drawing/2014/main" xmlns="" id="{8F0427EE-5878-4266-BAE8-BDAC8415DF08}"/>
+                <a16:creationId xmlns:a16="http://schemas.microsoft.com/office/drawing/2014/main" id="{8F0427EE-5878-4266-BAE8-BDAC8415DF08}"/>
               </a:ext>
             </a:extLst>
           </p:cNvPr>
@@ -6071,7 +11719,7 @@
           <p:cNvPr id="11" name="文本框 10">
             <a:extLst>
               <a:ext uri="{FF2B5EF4-FFF2-40B4-BE49-F238E27FC236}">
-                <a16:creationId xmlns:a16="http://schemas.microsoft.com/office/drawing/2014/main" xmlns="" id="{5DF6A1FA-4048-4053-B14C-709D3DDBC4C0}"/>
+                <a16:creationId xmlns:a16="http://schemas.microsoft.com/office/drawing/2014/main" id="{5DF6A1FA-4048-4053-B14C-709D3DDBC4C0}"/>
               </a:ext>
             </a:extLst>
           </p:cNvPr>
@@ -6140,7 +11788,7 @@
           <p:cNvPr id="2" name="矩形 1">
             <a:extLst>
               <a:ext uri="{FF2B5EF4-FFF2-40B4-BE49-F238E27FC236}">
-                <a16:creationId xmlns:a16="http://schemas.microsoft.com/office/drawing/2014/main" xmlns="" id="{6DCB4F7C-B52A-4D5E-B114-8C69DBD6C0DF}"/>
+                <a16:creationId xmlns:a16="http://schemas.microsoft.com/office/drawing/2014/main" id="{6DCB4F7C-B52A-4D5E-B114-8C69DBD6C0DF}"/>
               </a:ext>
             </a:extLst>
           </p:cNvPr>
@@ -6182,7 +11830,7 @@
           <p:cNvPr id="3" name="文本框 2">
             <a:extLst>
               <a:ext uri="{FF2B5EF4-FFF2-40B4-BE49-F238E27FC236}">
-                <a16:creationId xmlns:a16="http://schemas.microsoft.com/office/drawing/2014/main" xmlns="" id="{A7769E2D-4BD2-4D65-B4CF-C8F168DDB187}"/>
+                <a16:creationId xmlns:a16="http://schemas.microsoft.com/office/drawing/2014/main" id="{A7769E2D-4BD2-4D65-B4CF-C8F168DDB187}"/>
               </a:ext>
             </a:extLst>
           </p:cNvPr>
@@ -6221,7 +11869,7 @@
           <p:cNvPr id="4" name="文本框 3">
             <a:extLst>
               <a:ext uri="{FF2B5EF4-FFF2-40B4-BE49-F238E27FC236}">
-                <a16:creationId xmlns:a16="http://schemas.microsoft.com/office/drawing/2014/main" xmlns="" id="{628D04AF-BCFF-41FF-8FF9-A57DAAFD9D1C}"/>
+                <a16:creationId xmlns:a16="http://schemas.microsoft.com/office/drawing/2014/main" id="{628D04AF-BCFF-41FF-8FF9-A57DAAFD9D1C}"/>
               </a:ext>
             </a:extLst>
           </p:cNvPr>
@@ -6264,7 +11912,7 @@
           <p:cNvPr id="6" name="文本框 5">
             <a:extLst>
               <a:ext uri="{FF2B5EF4-FFF2-40B4-BE49-F238E27FC236}">
-                <a16:creationId xmlns:a16="http://schemas.microsoft.com/office/drawing/2014/main" xmlns="" id="{D970D1A9-527C-4F68-A990-AEE8248EDEF6}"/>
+                <a16:creationId xmlns:a16="http://schemas.microsoft.com/office/drawing/2014/main" id="{D970D1A9-527C-4F68-A990-AEE8248EDEF6}"/>
               </a:ext>
             </a:extLst>
           </p:cNvPr>
@@ -6311,7 +11959,7 @@
           <p:cNvPr id="7" name="文本框 6">
             <a:extLst>
               <a:ext uri="{FF2B5EF4-FFF2-40B4-BE49-F238E27FC236}">
-                <a16:creationId xmlns:a16="http://schemas.microsoft.com/office/drawing/2014/main" xmlns="" id="{57219A2E-A9E2-4CC1-96E1-BCC5A70F977E}"/>
+                <a16:creationId xmlns:a16="http://schemas.microsoft.com/office/drawing/2014/main" id="{57219A2E-A9E2-4CC1-96E1-BCC5A70F977E}"/>
               </a:ext>
             </a:extLst>
           </p:cNvPr>
@@ -6404,7 +12052,7 @@
           <p:cNvPr id="2" name="矩形 1">
             <a:extLst>
               <a:ext uri="{FF2B5EF4-FFF2-40B4-BE49-F238E27FC236}">
-                <a16:creationId xmlns:a16="http://schemas.microsoft.com/office/drawing/2014/main" xmlns="" id="{19DFEA49-A2FC-4FBA-9DBB-021BC61094FD}"/>
+                <a16:creationId xmlns:a16="http://schemas.microsoft.com/office/drawing/2014/main" id="{19DFEA49-A2FC-4FBA-9DBB-021BC61094FD}"/>
               </a:ext>
             </a:extLst>
           </p:cNvPr>
@@ -6464,14 +12112,13 @@
           <a:lstStyle/>
           <a:p>
             <a:r>
-              <a:rPr lang="en-US" altLang="zh-CN" dirty="0" smtClean="0"/>
+              <a:rPr lang="en-US" altLang="zh-CN" dirty="0"/>
               <a:t>2.3</a:t>
             </a:r>
             <a:r>
-              <a:rPr lang="zh-CN" altLang="en-US" dirty="0" smtClean="0"/>
+              <a:rPr lang="zh-CN" altLang="en-US" dirty="0"/>
               <a:t>、本地方法栈</a:t>
             </a:r>
-            <a:endParaRPr lang="zh-CN" altLang="en-US" dirty="0"/>
           </a:p>
         </p:txBody>
       </p:sp>
@@ -6498,58 +12145,57 @@
           <a:lstStyle/>
           <a:p>
             <a:r>
-              <a:rPr lang="zh-CN" altLang="en-US" dirty="0" smtClean="0"/>
+              <a:rPr lang="zh-CN" altLang="en-US" dirty="0"/>
               <a:t>用于</a:t>
             </a:r>
             <a:r>
-              <a:rPr lang="en-US" altLang="zh-CN" dirty="0" smtClean="0"/>
+              <a:rPr lang="en-US" altLang="zh-CN" dirty="0"/>
               <a:t>JVM</a:t>
             </a:r>
             <a:r>
-              <a:rPr lang="zh-CN" altLang="en-US" dirty="0" smtClean="0"/>
+              <a:rPr lang="zh-CN" altLang="en-US" dirty="0"/>
               <a:t>支持</a:t>
             </a:r>
             <a:r>
-              <a:rPr lang="en-US" altLang="zh-CN" dirty="0" smtClean="0"/>
+              <a:rPr lang="en-US" altLang="zh-CN" dirty="0"/>
               <a:t>native</a:t>
             </a:r>
             <a:r>
-              <a:rPr lang="zh-CN" altLang="en-US" dirty="0" smtClean="0"/>
+              <a:rPr lang="zh-CN" altLang="en-US" dirty="0"/>
               <a:t>方法或者使用其他语言来实现指令集解释器。如果</a:t>
             </a:r>
             <a:r>
-              <a:rPr lang="en-US" altLang="zh-CN" dirty="0" smtClean="0"/>
+              <a:rPr lang="en-US" altLang="zh-CN" dirty="0"/>
               <a:t>JVM</a:t>
             </a:r>
             <a:r>
-              <a:rPr lang="zh-CN" altLang="en-US" dirty="0" smtClean="0"/>
+              <a:rPr lang="zh-CN" altLang="en-US" dirty="0"/>
               <a:t>不支持</a:t>
             </a:r>
             <a:r>
-              <a:rPr lang="en-US" altLang="zh-CN" dirty="0" smtClean="0"/>
+              <a:rPr lang="en-US" altLang="zh-CN" dirty="0"/>
               <a:t>native</a:t>
             </a:r>
             <a:r>
-              <a:rPr lang="zh-CN" altLang="en-US" dirty="0" smtClean="0"/>
+              <a:rPr lang="zh-CN" altLang="en-US" dirty="0"/>
               <a:t>方法，或者本身不依赖传统栈，那么</a:t>
             </a:r>
             <a:r>
-              <a:rPr lang="en-US" altLang="zh-CN" dirty="0" smtClean="0"/>
+              <a:rPr lang="en-US" altLang="zh-CN" dirty="0"/>
               <a:t>JVM</a:t>
             </a:r>
             <a:r>
-              <a:rPr lang="zh-CN" altLang="en-US" dirty="0" smtClean="0"/>
+              <a:rPr lang="zh-CN" altLang="en-US" dirty="0"/>
               <a:t>可以不提供本地方法栈。本地方法栈一般会在线程创建时按线程分配。抛错机制通</a:t>
             </a:r>
             <a:r>
-              <a:rPr lang="en-US" altLang="zh-CN" dirty="0" smtClean="0"/>
+              <a:rPr lang="en-US" altLang="zh-CN" dirty="0"/>
               <a:t>JVM</a:t>
             </a:r>
             <a:r>
-              <a:rPr lang="zh-CN" altLang="en-US" dirty="0" smtClean="0"/>
+              <a:rPr lang="zh-CN" altLang="en-US" dirty="0"/>
               <a:t>栈</a:t>
             </a:r>
-            <a:endParaRPr lang="zh-CN" altLang="en-US" dirty="0"/>
           </a:p>
         </p:txBody>
       </p:sp>
@@ -6576,14 +12222,13 @@
           <a:lstStyle/>
           <a:p>
             <a:r>
-              <a:rPr lang="en-US" altLang="zh-CN" dirty="0" smtClean="0"/>
+              <a:rPr lang="en-US" altLang="zh-CN" dirty="0"/>
               <a:t>2.4</a:t>
             </a:r>
             <a:r>
-              <a:rPr lang="zh-CN" altLang="en-US" dirty="0" smtClean="0"/>
+              <a:rPr lang="zh-CN" altLang="en-US" dirty="0"/>
               <a:t>、方法区</a:t>
             </a:r>
-            <a:endParaRPr lang="zh-CN" altLang="en-US" dirty="0"/>
           </a:p>
         </p:txBody>
       </p:sp>
@@ -6610,42 +12255,41 @@
           <a:lstStyle/>
           <a:p>
             <a:r>
-              <a:rPr lang="zh-CN" altLang="en-US" dirty="0" smtClean="0"/>
+              <a:rPr lang="zh-CN" altLang="en-US" dirty="0"/>
               <a:t>各个线程共享的运行时内存区域。存储了每个类信息、常量、静态变量、即时编译后的代码数据</a:t>
             </a:r>
             <a:r>
-              <a:rPr lang="en-US" altLang="zh-CN" dirty="0" smtClean="0"/>
+              <a:rPr lang="en-US" altLang="zh-CN" dirty="0"/>
               <a:t>(</a:t>
             </a:r>
             <a:r>
-              <a:rPr lang="zh-CN" altLang="en-US" dirty="0" smtClean="0"/>
+              <a:rPr lang="zh-CN" altLang="en-US" dirty="0"/>
               <a:t>如构造函数和普通方法的字节码内容</a:t>
             </a:r>
             <a:r>
-              <a:rPr lang="en-US" altLang="zh-CN" dirty="0" smtClean="0"/>
+              <a:rPr lang="en-US" altLang="zh-CN" dirty="0"/>
               <a:t>)</a:t>
             </a:r>
             <a:r>
-              <a:rPr lang="zh-CN" altLang="en-US" dirty="0" smtClean="0"/>
+              <a:rPr lang="zh-CN" altLang="en-US" dirty="0"/>
               <a:t>等。本质上不等于</a:t>
             </a:r>
             <a:r>
-              <a:rPr lang="en-US" altLang="zh-CN" dirty="0" smtClean="0"/>
+              <a:rPr lang="en-US" altLang="zh-CN" dirty="0"/>
               <a:t>Permanent Generation</a:t>
             </a:r>
             <a:r>
-              <a:rPr lang="zh-CN" altLang="en-US" dirty="0" smtClean="0"/>
+              <a:rPr lang="zh-CN" altLang="en-US" dirty="0"/>
               <a:t>。可以不实现垃圾收集与压缩。如果此空间不够，抛出</a:t>
             </a:r>
             <a:r>
-              <a:rPr lang="en-US" altLang="zh-CN" dirty="0" smtClean="0"/>
+              <a:rPr lang="en-US" altLang="zh-CN" dirty="0"/>
               <a:t>OOM</a:t>
             </a:r>
             <a:r>
-              <a:rPr lang="zh-CN" altLang="en-US" dirty="0" smtClean="0"/>
+              <a:rPr lang="zh-CN" altLang="en-US" dirty="0"/>
               <a:t>。</a:t>
             </a:r>
-            <a:endParaRPr lang="zh-CN" altLang="en-US" dirty="0"/>
           </a:p>
         </p:txBody>
       </p:sp>
@@ -6672,14 +12316,13 @@
           <a:lstStyle/>
           <a:p>
             <a:r>
-              <a:rPr lang="en-US" altLang="zh-CN" dirty="0" smtClean="0"/>
+              <a:rPr lang="en-US" altLang="zh-CN" dirty="0"/>
               <a:t>2.4.1</a:t>
             </a:r>
             <a:r>
-              <a:rPr lang="zh-CN" altLang="en-US" dirty="0" smtClean="0"/>
+              <a:rPr lang="zh-CN" altLang="en-US" dirty="0"/>
               <a:t>、运行时常量池</a:t>
             </a:r>
-            <a:endParaRPr lang="zh-CN" altLang="en-US" dirty="0"/>
           </a:p>
         </p:txBody>
       </p:sp>
@@ -6706,18 +12349,17 @@
           <a:lstStyle/>
           <a:p>
             <a:r>
-              <a:rPr lang="zh-CN" altLang="en-US" smtClean="0"/>
+              <a:rPr lang="zh-CN" altLang="en-US"/>
               <a:t>方法区一部分，用存放编译器生成的各种字面量和符号引用。受方法区的内存限制，当内存满时抛出</a:t>
             </a:r>
             <a:r>
-              <a:rPr lang="en-US" altLang="zh-CN" dirty="0" smtClean="0"/>
+              <a:rPr lang="en-US" altLang="zh-CN" dirty="0"/>
               <a:t>OOM</a:t>
             </a:r>
             <a:r>
-              <a:rPr lang="zh-CN" altLang="en-US" dirty="0" smtClean="0"/>
+              <a:rPr lang="zh-CN" altLang="en-US" dirty="0"/>
               <a:t>。</a:t>
             </a:r>
-            <a:endParaRPr lang="zh-CN" altLang="en-US" dirty="0"/>
           </a:p>
         </p:txBody>
       </p:sp>
@@ -6756,7 +12398,7 @@
           <p:cNvPr id="2" name="矩形 1">
             <a:extLst>
               <a:ext uri="{FF2B5EF4-FFF2-40B4-BE49-F238E27FC236}">
-                <a16:creationId xmlns:a16="http://schemas.microsoft.com/office/drawing/2014/main" xmlns="" id="{6D3B5B92-279F-454F-9CD7-2B1C90580976}"/>
+                <a16:creationId xmlns:a16="http://schemas.microsoft.com/office/drawing/2014/main" id="{6D3B5B92-279F-454F-9CD7-2B1C90580976}"/>
               </a:ext>
             </a:extLst>
           </p:cNvPr>
@@ -6789,6 +12431,120 @@
             <a:r>
               <a:rPr lang="zh-CN" altLang="en-US" dirty="0"/>
               <a:t>内存结构</a:t>
+            </a:r>
+          </a:p>
+        </p:txBody>
+      </p:sp>
+      <p:sp>
+        <p:nvSpPr>
+          <p:cNvPr id="3" name="文本框 2">
+            <a:extLst>
+              <a:ext uri="{FF2B5EF4-FFF2-40B4-BE49-F238E27FC236}">
+                <a16:creationId xmlns:a16="http://schemas.microsoft.com/office/drawing/2014/main" id="{654ABD9B-71FC-4607-9281-72CB09C5C006}"/>
+              </a:ext>
+            </a:extLst>
+          </p:cNvPr>
+          <p:cNvSpPr txBox="1"/>
+          <p:nvPr/>
+        </p:nvSpPr>
+        <p:spPr>
+          <a:xfrm>
+            <a:off x="763325" y="989937"/>
+            <a:ext cx="1624163" cy="369332"/>
+          </a:xfrm>
+          <a:prstGeom prst="rect">
+            <a:avLst/>
+          </a:prstGeom>
+          <a:noFill/>
+        </p:spPr>
+        <p:txBody>
+          <a:bodyPr wrap="none" rtlCol="0">
+            <a:spAutoFit/>
+          </a:bodyPr>
+          <a:lstStyle/>
+          <a:p>
+            <a:r>
+              <a:rPr lang="en-US" altLang="zh-CN" dirty="0"/>
+              <a:t>2.5</a:t>
+            </a:r>
+            <a:r>
+              <a:rPr lang="zh-CN" altLang="en-US" dirty="0"/>
+              <a:t>、直接内存</a:t>
+            </a:r>
+          </a:p>
+        </p:txBody>
+      </p:sp>
+      <p:sp>
+        <p:nvSpPr>
+          <p:cNvPr id="5" name="文本框 4">
+            <a:extLst>
+              <a:ext uri="{FF2B5EF4-FFF2-40B4-BE49-F238E27FC236}">
+                <a16:creationId xmlns:a16="http://schemas.microsoft.com/office/drawing/2014/main" id="{D2E561A6-9510-4452-9188-21ADBDE78AC5}"/>
+              </a:ext>
+            </a:extLst>
+          </p:cNvPr>
+          <p:cNvSpPr txBox="1"/>
+          <p:nvPr/>
+        </p:nvSpPr>
+        <p:spPr>
+          <a:xfrm>
+            <a:off x="3037398" y="989937"/>
+            <a:ext cx="7740595" cy="923330"/>
+          </a:xfrm>
+          <a:prstGeom prst="rect">
+            <a:avLst/>
+          </a:prstGeom>
+          <a:noFill/>
+        </p:spPr>
+        <p:txBody>
+          <a:bodyPr wrap="square" rtlCol="0">
+            <a:spAutoFit/>
+          </a:bodyPr>
+          <a:lstStyle/>
+          <a:p>
+            <a:r>
+              <a:rPr lang="zh-CN" altLang="en-US" dirty="0"/>
+              <a:t>并不是</a:t>
+            </a:r>
+            <a:r>
+              <a:rPr lang="en-US" altLang="zh-CN" dirty="0"/>
+              <a:t>JVM</a:t>
+            </a:r>
+            <a:r>
+              <a:rPr lang="zh-CN" altLang="en-US" dirty="0"/>
+              <a:t>运行时数据区的一部分，也不是</a:t>
+            </a:r>
+            <a:r>
+              <a:rPr lang="en-US" altLang="zh-CN" dirty="0"/>
+              <a:t>JVM</a:t>
+            </a:r>
+            <a:r>
+              <a:rPr lang="zh-CN" altLang="en-US" dirty="0"/>
+              <a:t>规范中定义的内存区域，所以也不受</a:t>
+            </a:r>
+            <a:r>
+              <a:rPr lang="en-US" altLang="zh-CN" dirty="0"/>
+              <a:t>java</a:t>
+            </a:r>
+            <a:r>
+              <a:rPr lang="zh-CN" altLang="en-US" dirty="0"/>
+              <a:t>堆大小限制。但也可以通过</a:t>
+            </a:r>
+            <a:r>
+              <a:rPr lang="en-US" altLang="zh-CN" dirty="0"/>
+              <a:t>Native</a:t>
+            </a:r>
+            <a:r>
+              <a:rPr lang="zh-CN" altLang="en-US" dirty="0"/>
+              <a:t>函数库操作这块内存，同时受限于本机总内存和处理器寻址空间的限制，因此也可能导致</a:t>
+            </a:r>
+            <a:r>
+              <a:rPr lang="en-US" altLang="zh-CN" dirty="0"/>
+              <a:t>OOM</a:t>
+            </a:r>
+            <a:r>
+              <a:rPr lang="zh-CN" altLang="en-US" dirty="0"/>
+              <a:t>异常。</a:t>
             </a:r>
           </a:p>
         </p:txBody>

--- a/虚拟机1.pptx
+++ b/虚拟机1.pptx
@@ -20,6 +20,8 @@
     <p:sldId id="270" r:id="rId14"/>
     <p:sldId id="271" r:id="rId15"/>
     <p:sldId id="272" r:id="rId16"/>
+    <p:sldId id="273" r:id="rId17"/>
+    <p:sldId id="276" r:id="rId18"/>
   </p:sldIdLst>
   <p:sldSz cx="12192000" cy="6858000"/>
   <p:notesSz cx="6858000" cy="9144000"/>
@@ -177,7 +179,7 @@
           <a:p>
             <a:fld id="{D3B685CF-05DD-4658-9B06-06845ED9451B}" type="datetimeFigureOut">
               <a:rPr lang="zh-CN" altLang="en-US" smtClean="0"/>
-              <a:t>2018/7/26</a:t>
+              <a:t>2018/7/30</a:t>
             </a:fld>
             <a:endParaRPr lang="zh-CN" altLang="en-US"/>
           </a:p>
@@ -428,7 +430,7 @@
           <a:p>
             <a:fld id="{D3B685CF-05DD-4658-9B06-06845ED9451B}" type="datetimeFigureOut">
               <a:rPr lang="zh-CN" altLang="en-US" smtClean="0"/>
-              <a:t>2018/7/26</a:t>
+              <a:t>2018/7/30</a:t>
             </a:fld>
             <a:endParaRPr lang="zh-CN" altLang="en-US"/>
           </a:p>
@@ -636,7 +638,7 @@
           <a:p>
             <a:fld id="{D3B685CF-05DD-4658-9B06-06845ED9451B}" type="datetimeFigureOut">
               <a:rPr lang="zh-CN" altLang="en-US" smtClean="0"/>
-              <a:t>2018/7/26</a:t>
+              <a:t>2018/7/30</a:t>
             </a:fld>
             <a:endParaRPr lang="zh-CN" altLang="en-US"/>
           </a:p>
@@ -834,7 +836,7 @@
           <a:p>
             <a:fld id="{D3B685CF-05DD-4658-9B06-06845ED9451B}" type="datetimeFigureOut">
               <a:rPr lang="zh-CN" altLang="en-US" smtClean="0"/>
-              <a:t>2018/7/26</a:t>
+              <a:t>2018/7/30</a:t>
             </a:fld>
             <a:endParaRPr lang="zh-CN" altLang="en-US"/>
           </a:p>
@@ -1109,7 +1111,7 @@
           <a:p>
             <a:fld id="{D3B685CF-05DD-4658-9B06-06845ED9451B}" type="datetimeFigureOut">
               <a:rPr lang="zh-CN" altLang="en-US" smtClean="0"/>
-              <a:t>2018/7/26</a:t>
+              <a:t>2018/7/30</a:t>
             </a:fld>
             <a:endParaRPr lang="zh-CN" altLang="en-US"/>
           </a:p>
@@ -1374,7 +1376,7 @@
           <a:p>
             <a:fld id="{D3B685CF-05DD-4658-9B06-06845ED9451B}" type="datetimeFigureOut">
               <a:rPr lang="zh-CN" altLang="en-US" smtClean="0"/>
-              <a:t>2018/7/26</a:t>
+              <a:t>2018/7/30</a:t>
             </a:fld>
             <a:endParaRPr lang="zh-CN" altLang="en-US"/>
           </a:p>
@@ -1786,7 +1788,7 @@
           <a:p>
             <a:fld id="{D3B685CF-05DD-4658-9B06-06845ED9451B}" type="datetimeFigureOut">
               <a:rPr lang="zh-CN" altLang="en-US" smtClean="0"/>
-              <a:t>2018/7/26</a:t>
+              <a:t>2018/7/30</a:t>
             </a:fld>
             <a:endParaRPr lang="zh-CN" altLang="en-US"/>
           </a:p>
@@ -1927,7 +1929,7 @@
           <a:p>
             <a:fld id="{D3B685CF-05DD-4658-9B06-06845ED9451B}" type="datetimeFigureOut">
               <a:rPr lang="zh-CN" altLang="en-US" smtClean="0"/>
-              <a:t>2018/7/26</a:t>
+              <a:t>2018/7/30</a:t>
             </a:fld>
             <a:endParaRPr lang="zh-CN" altLang="en-US"/>
           </a:p>
@@ -2040,7 +2042,7 @@
           <a:p>
             <a:fld id="{D3B685CF-05DD-4658-9B06-06845ED9451B}" type="datetimeFigureOut">
               <a:rPr lang="zh-CN" altLang="en-US" smtClean="0"/>
-              <a:t>2018/7/26</a:t>
+              <a:t>2018/7/30</a:t>
             </a:fld>
             <a:endParaRPr lang="zh-CN" altLang="en-US"/>
           </a:p>
@@ -2351,7 +2353,7 @@
           <a:p>
             <a:fld id="{D3B685CF-05DD-4658-9B06-06845ED9451B}" type="datetimeFigureOut">
               <a:rPr lang="zh-CN" altLang="en-US" smtClean="0"/>
-              <a:t>2018/7/26</a:t>
+              <a:t>2018/7/30</a:t>
             </a:fld>
             <a:endParaRPr lang="zh-CN" altLang="en-US"/>
           </a:p>
@@ -2639,7 +2641,7 @@
           <a:p>
             <a:fld id="{D3B685CF-05DD-4658-9B06-06845ED9451B}" type="datetimeFigureOut">
               <a:rPr lang="zh-CN" altLang="en-US" smtClean="0"/>
-              <a:t>2018/7/26</a:t>
+              <a:t>2018/7/30</a:t>
             </a:fld>
             <a:endParaRPr lang="zh-CN" altLang="en-US"/>
           </a:p>
@@ -2880,7 +2882,7 @@
           <a:p>
             <a:fld id="{D3B685CF-05DD-4658-9B06-06845ED9451B}" type="datetimeFigureOut">
               <a:rPr lang="zh-CN" altLang="en-US" smtClean="0"/>
-              <a:t>2018/7/26</a:t>
+              <a:t>2018/7/30</a:t>
             </a:fld>
             <a:endParaRPr lang="zh-CN" altLang="en-US"/>
           </a:p>
@@ -9215,7 +9217,7 @@
         <p:spPr>
           <a:xfrm>
             <a:off x="1461247" y="4894729"/>
-            <a:ext cx="2723823" cy="369332"/>
+            <a:ext cx="8618065" cy="369332"/>
           </a:xfrm>
           <a:prstGeom prst="rect">
             <a:avLst/>
@@ -9230,8 +9232,17 @@
           <a:p>
             <a:r>
               <a:rPr lang="zh-CN" altLang="en-US" dirty="0"/>
-              <a:t>这里系统假死了。。。。</a:t>
-            </a:r>
+              <a:t>这里系统假死了。。。。理论上这里会抛出</a:t>
+            </a:r>
+            <a:r>
+              <a:rPr lang="en-US" altLang="zh-CN" dirty="0" err="1"/>
+              <a:t>OOM:unable</a:t>
+            </a:r>
+            <a:r>
+              <a:rPr lang="en-US" altLang="zh-CN" dirty="0"/>
+              <a:t> to create new native thread</a:t>
+            </a:r>
+            <a:endParaRPr lang="zh-CN" altLang="en-US" dirty="0"/>
           </a:p>
         </p:txBody>
       </p:sp>
@@ -9239,6 +9250,887 @@
     <p:extLst>
       <p:ext uri="{BB962C8B-B14F-4D97-AF65-F5344CB8AC3E}">
         <p14:creationId xmlns:p14="http://schemas.microsoft.com/office/powerpoint/2010/main" val="3838398824"/>
+      </p:ext>
+    </p:extLst>
+  </p:cSld>
+  <p:clrMapOvr>
+    <a:masterClrMapping/>
+  </p:clrMapOvr>
+</p:sld>
+</file>
+
+<file path=ppt/slides/slide16.xml><?xml version="1.0" encoding="utf-8"?>
+<p:sld xmlns:a="http://schemas.openxmlformats.org/drawingml/2006/main" xmlns:r="http://schemas.openxmlformats.org/officeDocument/2006/relationships" xmlns:p="http://schemas.openxmlformats.org/presentationml/2006/main">
+  <p:cSld>
+    <p:spTree>
+      <p:nvGrpSpPr>
+        <p:cNvPr id="1" name=""/>
+        <p:cNvGrpSpPr/>
+        <p:nvPr/>
+      </p:nvGrpSpPr>
+      <p:grpSpPr>
+        <a:xfrm>
+          <a:off x="0" y="0"/>
+          <a:ext cx="0" cy="0"/>
+          <a:chOff x="0" y="0"/>
+          <a:chExt cx="0" cy="0"/>
+        </a:xfrm>
+      </p:grpSpPr>
+      <p:sp>
+        <p:nvSpPr>
+          <p:cNvPr id="2" name="文本框 1">
+            <a:extLst>
+              <a:ext uri="{FF2B5EF4-FFF2-40B4-BE49-F238E27FC236}">
+                <a16:creationId xmlns:a16="http://schemas.microsoft.com/office/drawing/2014/main" id="{5F19B6CE-D61A-4465-B08D-E3588E334EDC}"/>
+              </a:ext>
+            </a:extLst>
+          </p:cNvPr>
+          <p:cNvSpPr txBox="1"/>
+          <p:nvPr/>
+        </p:nvSpPr>
+        <p:spPr>
+          <a:xfrm>
+            <a:off x="381000" y="174812"/>
+            <a:ext cx="2579552" cy="369332"/>
+          </a:xfrm>
+          <a:prstGeom prst="rect">
+            <a:avLst/>
+          </a:prstGeom>
+          <a:noFill/>
+        </p:spPr>
+        <p:txBody>
+          <a:bodyPr wrap="none" rtlCol="0">
+            <a:spAutoFit/>
+          </a:bodyPr>
+          <a:lstStyle/>
+          <a:p>
+            <a:r>
+              <a:rPr lang="zh-CN" altLang="en-US" dirty="0"/>
+              <a:t>四、</a:t>
+            </a:r>
+            <a:r>
+              <a:rPr lang="en-US" altLang="zh-CN" dirty="0" err="1"/>
+              <a:t>OutOfMemoryError</a:t>
+            </a:r>
+            <a:endParaRPr lang="zh-CN" altLang="en-US" dirty="0"/>
+          </a:p>
+        </p:txBody>
+      </p:sp>
+      <p:sp>
+        <p:nvSpPr>
+          <p:cNvPr id="3" name="文本框 2">
+            <a:extLst>
+              <a:ext uri="{FF2B5EF4-FFF2-40B4-BE49-F238E27FC236}">
+                <a16:creationId xmlns:a16="http://schemas.microsoft.com/office/drawing/2014/main" id="{4230D85E-63D3-4F48-933D-10524AF34FE0}"/>
+              </a:ext>
+            </a:extLst>
+          </p:cNvPr>
+          <p:cNvSpPr txBox="1"/>
+          <p:nvPr/>
+        </p:nvSpPr>
+        <p:spPr>
+          <a:xfrm>
+            <a:off x="381000" y="618564"/>
+            <a:ext cx="3586238" cy="369332"/>
+          </a:xfrm>
+          <a:prstGeom prst="rect">
+            <a:avLst/>
+          </a:prstGeom>
+          <a:noFill/>
+        </p:spPr>
+        <p:txBody>
+          <a:bodyPr wrap="none" rtlCol="0">
+            <a:spAutoFit/>
+          </a:bodyPr>
+          <a:lstStyle/>
+          <a:p>
+            <a:r>
+              <a:rPr lang="en-US" altLang="zh-CN" dirty="0"/>
+              <a:t>4.2</a:t>
+            </a:r>
+            <a:r>
+              <a:rPr lang="zh-CN" altLang="en-US" dirty="0"/>
+              <a:t>、方法区和运行时常量池溢出</a:t>
+            </a:r>
+            <a:endParaRPr lang="en-US" altLang="zh-CN" dirty="0"/>
+          </a:p>
+        </p:txBody>
+      </p:sp>
+      <p:sp>
+        <p:nvSpPr>
+          <p:cNvPr id="4" name="Rectangle 1">
+            <a:extLst>
+              <a:ext uri="{FF2B5EF4-FFF2-40B4-BE49-F238E27FC236}">
+                <a16:creationId xmlns:a16="http://schemas.microsoft.com/office/drawing/2014/main" id="{A42964EA-07BB-4F3B-A045-427C487B5B5C}"/>
+              </a:ext>
+            </a:extLst>
+          </p:cNvPr>
+          <p:cNvSpPr>
+            <a:spLocks noChangeArrowheads="1"/>
+          </p:cNvSpPr>
+          <p:nvPr/>
+        </p:nvSpPr>
+        <p:spPr bwMode="auto">
+          <a:xfrm>
+            <a:off x="580445" y="1417479"/>
+            <a:ext cx="9811910" cy="1200329"/>
+          </a:xfrm>
+          <a:prstGeom prst="rect">
+            <a:avLst/>
+          </a:prstGeom>
+          <a:solidFill>
+            <a:srgbClr val="FFFFFF"/>
+          </a:solidFill>
+          <a:ln>
+            <a:noFill/>
+          </a:ln>
+          <a:effectLst/>
+          <a:extLst>
+            <a:ext uri="{91240B29-F687-4F45-9708-019B960494DF}">
+              <a14:hiddenLine xmlns:a14="http://schemas.microsoft.com/office/drawing/2010/main" w="9525">
+                <a:solidFill>
+                  <a:schemeClr val="tx1"/>
+                </a:solidFill>
+                <a:miter lim="800000"/>
+                <a:headEnd/>
+                <a:tailEnd/>
+              </a14:hiddenLine>
+            </a:ext>
+            <a:ext uri="{AF507438-7753-43E0-B8FC-AC1667EBCBE1}">
+              <a14:hiddenEffects xmlns:a14="http://schemas.microsoft.com/office/drawing/2010/main">
+                <a:effectLst>
+                  <a:outerShdw dist="35921" dir="2700000" algn="ctr" rotWithShape="0">
+                    <a:schemeClr val="bg2"/>
+                  </a:outerShdw>
+                </a:effectLst>
+              </a14:hiddenEffects>
+            </a:ext>
+          </a:extLst>
+        </p:spPr>
+        <p:txBody>
+          <a:bodyPr vert="horz" wrap="square" lIns="91440" tIns="45720" rIns="91440" bIns="45720" numCol="1" anchor="ctr" anchorCtr="0" compatLnSpc="1">
+            <a:prstTxWarp prst="textNoShape">
+              <a:avLst/>
+            </a:prstTxWarp>
+            <a:spAutoFit/>
+          </a:bodyPr>
+          <a:lstStyle/>
+          <a:p>
+            <a:pPr lvl="0" eaLnBrk="0" fontAlgn="base" hangingPunct="0">
+              <a:spcBef>
+                <a:spcPct val="0"/>
+              </a:spcBef>
+              <a:spcAft>
+                <a:spcPct val="0"/>
+              </a:spcAft>
+            </a:pPr>
+            <a:r>
+              <a:rPr lang="en-US" altLang="zh-CN" sz="900" b="1" dirty="0">
+                <a:solidFill>
+                  <a:srgbClr val="000080"/>
+                </a:solidFill>
+                <a:latin typeface="宋体" panose="02010600030101010101" pitchFamily="2" charset="-122"/>
+                <a:ea typeface="宋体" panose="02010600030101010101" pitchFamily="2" charset="-122"/>
+              </a:rPr>
+              <a:t>//-</a:t>
+            </a:r>
+            <a:r>
+              <a:rPr lang="en-US" altLang="zh-CN" sz="900" b="1" dirty="0" err="1">
+                <a:solidFill>
+                  <a:srgbClr val="000080"/>
+                </a:solidFill>
+                <a:latin typeface="宋体" panose="02010600030101010101" pitchFamily="2" charset="-122"/>
+                <a:ea typeface="宋体" panose="02010600030101010101" pitchFamily="2" charset="-122"/>
+              </a:rPr>
+              <a:t>XX:PermSize</a:t>
+            </a:r>
+            <a:r>
+              <a:rPr lang="en-US" altLang="zh-CN" sz="900" b="1" dirty="0">
+                <a:solidFill>
+                  <a:srgbClr val="000080"/>
+                </a:solidFill>
+                <a:latin typeface="宋体" panose="02010600030101010101" pitchFamily="2" charset="-122"/>
+                <a:ea typeface="宋体" panose="02010600030101010101" pitchFamily="2" charset="-122"/>
+              </a:rPr>
+              <a:t>=5m -</a:t>
+            </a:r>
+            <a:r>
+              <a:rPr lang="en-US" altLang="zh-CN" sz="900" b="1" dirty="0" err="1">
+                <a:solidFill>
+                  <a:srgbClr val="000080"/>
+                </a:solidFill>
+                <a:latin typeface="宋体" panose="02010600030101010101" pitchFamily="2" charset="-122"/>
+                <a:ea typeface="宋体" panose="02010600030101010101" pitchFamily="2" charset="-122"/>
+              </a:rPr>
+              <a:t>XX:MaxPermSize</a:t>
+            </a:r>
+            <a:r>
+              <a:rPr lang="en-US" altLang="zh-CN" sz="900" b="1" dirty="0">
+                <a:solidFill>
+                  <a:srgbClr val="000080"/>
+                </a:solidFill>
+                <a:latin typeface="宋体" panose="02010600030101010101" pitchFamily="2" charset="-122"/>
+                <a:ea typeface="宋体" panose="02010600030101010101" pitchFamily="2" charset="-122"/>
+              </a:rPr>
+              <a:t>=5M</a:t>
+            </a:r>
+            <a:endParaRPr kumimoji="0" lang="en-US" altLang="zh-CN" sz="900" b="1" i="0" u="none" strike="noStrike" cap="none" normalizeH="0" baseline="0" dirty="0">
+              <a:ln>
+                <a:noFill/>
+              </a:ln>
+              <a:solidFill>
+                <a:srgbClr val="000080"/>
+              </a:solidFill>
+              <a:effectLst/>
+              <a:latin typeface="宋体" panose="02010600030101010101" pitchFamily="2" charset="-122"/>
+              <a:ea typeface="宋体" panose="02010600030101010101" pitchFamily="2" charset="-122"/>
+            </a:endParaRPr>
+          </a:p>
+          <a:p>
+            <a:pPr marL="0" marR="0" lvl="0" indent="0" algn="l" defTabSz="914400" rtl="0" eaLnBrk="0" fontAlgn="base" latinLnBrk="0" hangingPunct="0">
+              <a:lnSpc>
+                <a:spcPct val="100000"/>
+              </a:lnSpc>
+              <a:spcBef>
+                <a:spcPct val="0"/>
+              </a:spcBef>
+              <a:spcAft>
+                <a:spcPct val="0"/>
+              </a:spcAft>
+              <a:buClrTx/>
+              <a:buSzTx/>
+              <a:buFontTx/>
+              <a:buNone/>
+              <a:tabLst/>
+            </a:pPr>
+            <a:r>
+              <a:rPr kumimoji="0" lang="zh-CN" altLang="zh-CN" sz="900" b="1" i="0" u="none" strike="noStrike" cap="none" normalizeH="0" baseline="0" dirty="0">
+                <a:ln>
+                  <a:noFill/>
+                </a:ln>
+                <a:solidFill>
+                  <a:srgbClr val="000080"/>
+                </a:solidFill>
+                <a:effectLst/>
+                <a:latin typeface="宋体" panose="02010600030101010101" pitchFamily="2" charset="-122"/>
+                <a:ea typeface="宋体" panose="02010600030101010101" pitchFamily="2" charset="-122"/>
+              </a:rPr>
+              <a:t>public static void </a:t>
+            </a:r>
+            <a:r>
+              <a:rPr kumimoji="0" lang="zh-CN" altLang="zh-CN" sz="900" b="0" i="0" u="none" strike="noStrike" cap="none" normalizeH="0" baseline="0" dirty="0">
+                <a:ln>
+                  <a:noFill/>
+                </a:ln>
+                <a:solidFill>
+                  <a:srgbClr val="000000"/>
+                </a:solidFill>
+                <a:effectLst/>
+                <a:latin typeface="宋体" panose="02010600030101010101" pitchFamily="2" charset="-122"/>
+                <a:ea typeface="宋体" panose="02010600030101010101" pitchFamily="2" charset="-122"/>
+              </a:rPr>
+              <a:t>main(String[] arg) </a:t>
+            </a:r>
+            <a:r>
+              <a:rPr kumimoji="0" lang="zh-CN" altLang="zh-CN" sz="900" b="1" i="0" u="none" strike="noStrike" cap="none" normalizeH="0" baseline="0" dirty="0">
+                <a:ln>
+                  <a:noFill/>
+                </a:ln>
+                <a:solidFill>
+                  <a:srgbClr val="000080"/>
+                </a:solidFill>
+                <a:effectLst/>
+                <a:latin typeface="宋体" panose="02010600030101010101" pitchFamily="2" charset="-122"/>
+                <a:ea typeface="宋体" panose="02010600030101010101" pitchFamily="2" charset="-122"/>
+              </a:rPr>
+              <a:t>throws </a:t>
+            </a:r>
+            <a:r>
+              <a:rPr kumimoji="0" lang="zh-CN" altLang="zh-CN" sz="900" b="0" i="0" u="none" strike="noStrike" cap="none" normalizeH="0" baseline="0" dirty="0">
+                <a:ln>
+                  <a:noFill/>
+                </a:ln>
+                <a:solidFill>
+                  <a:srgbClr val="000000"/>
+                </a:solidFill>
+                <a:effectLst/>
+                <a:latin typeface="宋体" panose="02010600030101010101" pitchFamily="2" charset="-122"/>
+                <a:ea typeface="宋体" panose="02010600030101010101" pitchFamily="2" charset="-122"/>
+              </a:rPr>
+              <a:t>Exception {</a:t>
+            </a:r>
+            <a:br>
+              <a:rPr kumimoji="0" lang="zh-CN" altLang="zh-CN" sz="900" b="0" i="0" u="none" strike="noStrike" cap="none" normalizeH="0" baseline="0" dirty="0">
+                <a:ln>
+                  <a:noFill/>
+                </a:ln>
+                <a:solidFill>
+                  <a:srgbClr val="000000"/>
+                </a:solidFill>
+                <a:effectLst/>
+                <a:latin typeface="宋体" panose="02010600030101010101" pitchFamily="2" charset="-122"/>
+                <a:ea typeface="宋体" panose="02010600030101010101" pitchFamily="2" charset="-122"/>
+              </a:rPr>
+            </a:br>
+            <a:r>
+              <a:rPr kumimoji="0" lang="zh-CN" altLang="zh-CN" sz="900" b="0" i="0" u="none" strike="noStrike" cap="none" normalizeH="0" baseline="0" dirty="0">
+                <a:ln>
+                  <a:noFill/>
+                </a:ln>
+                <a:solidFill>
+                  <a:srgbClr val="000000"/>
+                </a:solidFill>
+                <a:effectLst/>
+                <a:latin typeface="宋体" panose="02010600030101010101" pitchFamily="2" charset="-122"/>
+                <a:ea typeface="宋体" panose="02010600030101010101" pitchFamily="2" charset="-122"/>
+              </a:rPr>
+              <a:t>    List&lt;String&gt; list = </a:t>
+            </a:r>
+            <a:r>
+              <a:rPr kumimoji="0" lang="zh-CN" altLang="zh-CN" sz="900" b="1" i="0" u="none" strike="noStrike" cap="none" normalizeH="0" baseline="0" dirty="0">
+                <a:ln>
+                  <a:noFill/>
+                </a:ln>
+                <a:solidFill>
+                  <a:srgbClr val="000080"/>
+                </a:solidFill>
+                <a:effectLst/>
+                <a:latin typeface="宋体" panose="02010600030101010101" pitchFamily="2" charset="-122"/>
+                <a:ea typeface="宋体" panose="02010600030101010101" pitchFamily="2" charset="-122"/>
+              </a:rPr>
+              <a:t>new </a:t>
+            </a:r>
+            <a:r>
+              <a:rPr kumimoji="0" lang="zh-CN" altLang="zh-CN" sz="900" b="0" i="0" u="none" strike="noStrike" cap="none" normalizeH="0" baseline="0" dirty="0">
+                <a:ln>
+                  <a:noFill/>
+                </a:ln>
+                <a:solidFill>
+                  <a:srgbClr val="000000"/>
+                </a:solidFill>
+                <a:effectLst/>
+                <a:latin typeface="宋体" panose="02010600030101010101" pitchFamily="2" charset="-122"/>
+                <a:ea typeface="宋体" panose="02010600030101010101" pitchFamily="2" charset="-122"/>
+              </a:rPr>
+              <a:t>ArrayList&lt;&gt;();</a:t>
+            </a:r>
+            <a:br>
+              <a:rPr kumimoji="0" lang="zh-CN" altLang="zh-CN" sz="900" b="0" i="0" u="none" strike="noStrike" cap="none" normalizeH="0" baseline="0" dirty="0">
+                <a:ln>
+                  <a:noFill/>
+                </a:ln>
+                <a:solidFill>
+                  <a:srgbClr val="000000"/>
+                </a:solidFill>
+                <a:effectLst/>
+                <a:latin typeface="宋体" panose="02010600030101010101" pitchFamily="2" charset="-122"/>
+                <a:ea typeface="宋体" panose="02010600030101010101" pitchFamily="2" charset="-122"/>
+              </a:rPr>
+            </a:br>
+            <a:r>
+              <a:rPr kumimoji="0" lang="zh-CN" altLang="zh-CN" sz="900" b="0" i="0" u="none" strike="noStrike" cap="none" normalizeH="0" baseline="0" dirty="0">
+                <a:ln>
+                  <a:noFill/>
+                </a:ln>
+                <a:solidFill>
+                  <a:srgbClr val="000000"/>
+                </a:solidFill>
+                <a:effectLst/>
+                <a:latin typeface="宋体" panose="02010600030101010101" pitchFamily="2" charset="-122"/>
+                <a:ea typeface="宋体" panose="02010600030101010101" pitchFamily="2" charset="-122"/>
+              </a:rPr>
+              <a:t>    </a:t>
+            </a:r>
+            <a:r>
+              <a:rPr kumimoji="0" lang="zh-CN" altLang="zh-CN" sz="900" b="1" i="0" u="none" strike="noStrike" cap="none" normalizeH="0" baseline="0" dirty="0">
+                <a:ln>
+                  <a:noFill/>
+                </a:ln>
+                <a:solidFill>
+                  <a:srgbClr val="000080"/>
+                </a:solidFill>
+                <a:effectLst/>
+                <a:latin typeface="宋体" panose="02010600030101010101" pitchFamily="2" charset="-122"/>
+                <a:ea typeface="宋体" panose="02010600030101010101" pitchFamily="2" charset="-122"/>
+              </a:rPr>
+              <a:t>int </a:t>
+            </a:r>
+            <a:r>
+              <a:rPr kumimoji="0" lang="zh-CN" altLang="zh-CN" sz="900" b="0" i="0" u="none" strike="noStrike" cap="none" normalizeH="0" baseline="0" dirty="0">
+                <a:ln>
+                  <a:noFill/>
+                </a:ln>
+                <a:solidFill>
+                  <a:srgbClr val="000000"/>
+                </a:solidFill>
+                <a:effectLst/>
+                <a:latin typeface="宋体" panose="02010600030101010101" pitchFamily="2" charset="-122"/>
+                <a:ea typeface="宋体" panose="02010600030101010101" pitchFamily="2" charset="-122"/>
+              </a:rPr>
+              <a:t>i = </a:t>
+            </a:r>
+            <a:r>
+              <a:rPr kumimoji="0" lang="zh-CN" altLang="zh-CN" sz="900" b="0" i="0" u="none" strike="noStrike" cap="none" normalizeH="0" baseline="0" dirty="0">
+                <a:ln>
+                  <a:noFill/>
+                </a:ln>
+                <a:solidFill>
+                  <a:srgbClr val="0000FF"/>
+                </a:solidFill>
+                <a:effectLst/>
+                <a:latin typeface="宋体" panose="02010600030101010101" pitchFamily="2" charset="-122"/>
+                <a:ea typeface="宋体" panose="02010600030101010101" pitchFamily="2" charset="-122"/>
+              </a:rPr>
+              <a:t>0</a:t>
+            </a:r>
+            <a:r>
+              <a:rPr kumimoji="0" lang="zh-CN" altLang="zh-CN" sz="900" b="0" i="0" u="none" strike="noStrike" cap="none" normalizeH="0" baseline="0" dirty="0">
+                <a:ln>
+                  <a:noFill/>
+                </a:ln>
+                <a:solidFill>
+                  <a:srgbClr val="000000"/>
+                </a:solidFill>
+                <a:effectLst/>
+                <a:latin typeface="宋体" panose="02010600030101010101" pitchFamily="2" charset="-122"/>
+                <a:ea typeface="宋体" panose="02010600030101010101" pitchFamily="2" charset="-122"/>
+              </a:rPr>
+              <a:t>;</a:t>
+            </a:r>
+            <a:br>
+              <a:rPr kumimoji="0" lang="zh-CN" altLang="zh-CN" sz="900" b="0" i="0" u="none" strike="noStrike" cap="none" normalizeH="0" baseline="0" dirty="0">
+                <a:ln>
+                  <a:noFill/>
+                </a:ln>
+                <a:solidFill>
+                  <a:srgbClr val="000000"/>
+                </a:solidFill>
+                <a:effectLst/>
+                <a:latin typeface="宋体" panose="02010600030101010101" pitchFamily="2" charset="-122"/>
+                <a:ea typeface="宋体" panose="02010600030101010101" pitchFamily="2" charset="-122"/>
+              </a:rPr>
+            </a:br>
+            <a:r>
+              <a:rPr kumimoji="0" lang="zh-CN" altLang="zh-CN" sz="900" b="0" i="0" u="none" strike="noStrike" cap="none" normalizeH="0" baseline="0" dirty="0">
+                <a:ln>
+                  <a:noFill/>
+                </a:ln>
+                <a:solidFill>
+                  <a:srgbClr val="000000"/>
+                </a:solidFill>
+                <a:effectLst/>
+                <a:latin typeface="宋体" panose="02010600030101010101" pitchFamily="2" charset="-122"/>
+                <a:ea typeface="宋体" panose="02010600030101010101" pitchFamily="2" charset="-122"/>
+              </a:rPr>
+              <a:t>    </a:t>
+            </a:r>
+            <a:r>
+              <a:rPr kumimoji="0" lang="zh-CN" altLang="zh-CN" sz="900" b="1" i="0" u="none" strike="noStrike" cap="none" normalizeH="0" baseline="0" dirty="0">
+                <a:ln>
+                  <a:noFill/>
+                </a:ln>
+                <a:solidFill>
+                  <a:srgbClr val="000080"/>
+                </a:solidFill>
+                <a:effectLst/>
+                <a:latin typeface="宋体" panose="02010600030101010101" pitchFamily="2" charset="-122"/>
+                <a:ea typeface="宋体" panose="02010600030101010101" pitchFamily="2" charset="-122"/>
+              </a:rPr>
+              <a:t>while </a:t>
+            </a:r>
+            <a:r>
+              <a:rPr kumimoji="0" lang="zh-CN" altLang="zh-CN" sz="900" b="0" i="0" u="none" strike="noStrike" cap="none" normalizeH="0" baseline="0" dirty="0">
+                <a:ln>
+                  <a:noFill/>
+                </a:ln>
+                <a:solidFill>
+                  <a:srgbClr val="000000"/>
+                </a:solidFill>
+                <a:effectLst/>
+                <a:latin typeface="宋体" panose="02010600030101010101" pitchFamily="2" charset="-122"/>
+                <a:ea typeface="宋体" panose="02010600030101010101" pitchFamily="2" charset="-122"/>
+              </a:rPr>
+              <a:t>(</a:t>
+            </a:r>
+            <a:r>
+              <a:rPr kumimoji="0" lang="zh-CN" altLang="zh-CN" sz="900" b="1" i="0" u="none" strike="noStrike" cap="none" normalizeH="0" baseline="0" dirty="0">
+                <a:ln>
+                  <a:noFill/>
+                </a:ln>
+                <a:solidFill>
+                  <a:srgbClr val="000080"/>
+                </a:solidFill>
+                <a:effectLst/>
+                <a:latin typeface="宋体" panose="02010600030101010101" pitchFamily="2" charset="-122"/>
+                <a:ea typeface="宋体" panose="02010600030101010101" pitchFamily="2" charset="-122"/>
+              </a:rPr>
+              <a:t>true</a:t>
+            </a:r>
+            <a:r>
+              <a:rPr kumimoji="0" lang="zh-CN" altLang="zh-CN" sz="900" b="0" i="0" u="none" strike="noStrike" cap="none" normalizeH="0" baseline="0" dirty="0">
+                <a:ln>
+                  <a:noFill/>
+                </a:ln>
+                <a:solidFill>
+                  <a:srgbClr val="000000"/>
+                </a:solidFill>
+                <a:effectLst/>
+                <a:latin typeface="宋体" panose="02010600030101010101" pitchFamily="2" charset="-122"/>
+                <a:ea typeface="宋体" panose="02010600030101010101" pitchFamily="2" charset="-122"/>
+              </a:rPr>
+              <a:t>){</a:t>
+            </a:r>
+            <a:br>
+              <a:rPr kumimoji="0" lang="zh-CN" altLang="zh-CN" sz="900" b="0" i="0" u="none" strike="noStrike" cap="none" normalizeH="0" baseline="0" dirty="0">
+                <a:ln>
+                  <a:noFill/>
+                </a:ln>
+                <a:solidFill>
+                  <a:srgbClr val="000000"/>
+                </a:solidFill>
+                <a:effectLst/>
+                <a:latin typeface="宋体" panose="02010600030101010101" pitchFamily="2" charset="-122"/>
+                <a:ea typeface="宋体" panose="02010600030101010101" pitchFamily="2" charset="-122"/>
+              </a:rPr>
+            </a:br>
+            <a:r>
+              <a:rPr kumimoji="0" lang="zh-CN" altLang="zh-CN" sz="900" b="0" i="0" u="none" strike="noStrike" cap="none" normalizeH="0" baseline="0" dirty="0">
+                <a:ln>
+                  <a:noFill/>
+                </a:ln>
+                <a:solidFill>
+                  <a:srgbClr val="000000"/>
+                </a:solidFill>
+                <a:effectLst/>
+                <a:latin typeface="宋体" panose="02010600030101010101" pitchFamily="2" charset="-122"/>
+                <a:ea typeface="宋体" panose="02010600030101010101" pitchFamily="2" charset="-122"/>
+              </a:rPr>
+              <a:t>        list.add(String.</a:t>
+            </a:r>
+            <a:r>
+              <a:rPr kumimoji="0" lang="zh-CN" altLang="zh-CN" sz="900" b="0" i="1" u="none" strike="noStrike" cap="none" normalizeH="0" baseline="0" dirty="0">
+                <a:ln>
+                  <a:noFill/>
+                </a:ln>
+                <a:solidFill>
+                  <a:srgbClr val="000000"/>
+                </a:solidFill>
+                <a:effectLst/>
+                <a:latin typeface="宋体" panose="02010600030101010101" pitchFamily="2" charset="-122"/>
+                <a:ea typeface="宋体" panose="02010600030101010101" pitchFamily="2" charset="-122"/>
+              </a:rPr>
+              <a:t>valueOf</a:t>
+            </a:r>
+            <a:r>
+              <a:rPr kumimoji="0" lang="zh-CN" altLang="zh-CN" sz="900" b="0" i="0" u="none" strike="noStrike" cap="none" normalizeH="0" baseline="0" dirty="0">
+                <a:ln>
+                  <a:noFill/>
+                </a:ln>
+                <a:solidFill>
+                  <a:srgbClr val="000000"/>
+                </a:solidFill>
+                <a:effectLst/>
+                <a:latin typeface="宋体" panose="02010600030101010101" pitchFamily="2" charset="-122"/>
+                <a:ea typeface="宋体" panose="02010600030101010101" pitchFamily="2" charset="-122"/>
+              </a:rPr>
+              <a:t>(i++).intern());</a:t>
+            </a:r>
+            <a:br>
+              <a:rPr kumimoji="0" lang="zh-CN" altLang="zh-CN" sz="900" b="0" i="0" u="none" strike="noStrike" cap="none" normalizeH="0" baseline="0" dirty="0">
+                <a:ln>
+                  <a:noFill/>
+                </a:ln>
+                <a:solidFill>
+                  <a:srgbClr val="000000"/>
+                </a:solidFill>
+                <a:effectLst/>
+                <a:latin typeface="宋体" panose="02010600030101010101" pitchFamily="2" charset="-122"/>
+                <a:ea typeface="宋体" panose="02010600030101010101" pitchFamily="2" charset="-122"/>
+              </a:rPr>
+            </a:br>
+            <a:r>
+              <a:rPr kumimoji="0" lang="zh-CN" altLang="zh-CN" sz="900" b="0" i="0" u="none" strike="noStrike" cap="none" normalizeH="0" baseline="0" dirty="0">
+                <a:ln>
+                  <a:noFill/>
+                </a:ln>
+                <a:solidFill>
+                  <a:srgbClr val="000000"/>
+                </a:solidFill>
+                <a:effectLst/>
+                <a:latin typeface="宋体" panose="02010600030101010101" pitchFamily="2" charset="-122"/>
+                <a:ea typeface="宋体" panose="02010600030101010101" pitchFamily="2" charset="-122"/>
+              </a:rPr>
+              <a:t>    }</a:t>
+            </a:r>
+            <a:br>
+              <a:rPr kumimoji="0" lang="zh-CN" altLang="zh-CN" sz="900" b="0" i="0" u="none" strike="noStrike" cap="none" normalizeH="0" baseline="0" dirty="0">
+                <a:ln>
+                  <a:noFill/>
+                </a:ln>
+                <a:solidFill>
+                  <a:srgbClr val="000000"/>
+                </a:solidFill>
+                <a:effectLst/>
+                <a:latin typeface="宋体" panose="02010600030101010101" pitchFamily="2" charset="-122"/>
+                <a:ea typeface="宋体" panose="02010600030101010101" pitchFamily="2" charset="-122"/>
+              </a:rPr>
+            </a:br>
+            <a:r>
+              <a:rPr kumimoji="0" lang="zh-CN" altLang="zh-CN" sz="900" b="0" i="0" u="none" strike="noStrike" cap="none" normalizeH="0" baseline="0" dirty="0">
+                <a:ln>
+                  <a:noFill/>
+                </a:ln>
+                <a:solidFill>
+                  <a:srgbClr val="000000"/>
+                </a:solidFill>
+                <a:effectLst/>
+                <a:latin typeface="宋体" panose="02010600030101010101" pitchFamily="2" charset="-122"/>
+                <a:ea typeface="宋体" panose="02010600030101010101" pitchFamily="2" charset="-122"/>
+              </a:rPr>
+              <a:t>}</a:t>
+            </a:r>
+            <a:endParaRPr kumimoji="0" lang="zh-CN" altLang="zh-CN" sz="1800" b="0" i="0" u="none" strike="noStrike" cap="none" normalizeH="0" baseline="0" dirty="0">
+              <a:ln>
+                <a:noFill/>
+              </a:ln>
+              <a:solidFill>
+                <a:schemeClr val="tx1"/>
+              </a:solidFill>
+              <a:effectLst/>
+              <a:latin typeface="Arial" panose="020B0604020202020204" pitchFamily="34" charset="0"/>
+            </a:endParaRPr>
+          </a:p>
+        </p:txBody>
+      </p:sp>
+      <p:sp>
+        <p:nvSpPr>
+          <p:cNvPr id="5" name="文本框 4">
+            <a:extLst>
+              <a:ext uri="{FF2B5EF4-FFF2-40B4-BE49-F238E27FC236}">
+                <a16:creationId xmlns:a16="http://schemas.microsoft.com/office/drawing/2014/main" id="{8F2ED099-6F03-42F6-BFE5-CD7564C62CF2}"/>
+              </a:ext>
+            </a:extLst>
+          </p:cNvPr>
+          <p:cNvSpPr txBox="1"/>
+          <p:nvPr/>
+        </p:nvSpPr>
+        <p:spPr>
+          <a:xfrm>
+            <a:off x="683812" y="3045350"/>
+            <a:ext cx="10066351" cy="646331"/>
+          </a:xfrm>
+          <a:prstGeom prst="rect">
+            <a:avLst/>
+          </a:prstGeom>
+          <a:noFill/>
+        </p:spPr>
+        <p:txBody>
+          <a:bodyPr wrap="square" rtlCol="0">
+            <a:spAutoFit/>
+          </a:bodyPr>
+          <a:lstStyle/>
+          <a:p>
+            <a:r>
+              <a:rPr lang="zh-CN" altLang="en-US" dirty="0"/>
+              <a:t>这段代码在</a:t>
+            </a:r>
+            <a:r>
+              <a:rPr lang="en-US" altLang="zh-CN" dirty="0"/>
+              <a:t>JDK1.6</a:t>
+            </a:r>
+            <a:r>
+              <a:rPr lang="zh-CN" altLang="en-US" dirty="0"/>
+              <a:t>以及以前版本，会抛出</a:t>
+            </a:r>
+            <a:r>
+              <a:rPr lang="en-US" altLang="zh-CN" dirty="0"/>
+              <a:t>OOM</a:t>
+            </a:r>
+            <a:r>
+              <a:rPr lang="zh-CN" altLang="en-US" dirty="0"/>
+              <a:t>：</a:t>
+            </a:r>
+            <a:r>
+              <a:rPr lang="en-US" altLang="zh-CN" dirty="0" err="1"/>
+              <a:t>PermGen</a:t>
+            </a:r>
+            <a:r>
+              <a:rPr lang="en-US" altLang="zh-CN" dirty="0"/>
+              <a:t> space</a:t>
+            </a:r>
+            <a:r>
+              <a:rPr lang="zh-CN" altLang="en-US" dirty="0"/>
+              <a:t>。在</a:t>
+            </a:r>
+            <a:r>
+              <a:rPr lang="en-US" altLang="zh-CN" dirty="0"/>
+              <a:t>JDK1.7</a:t>
+            </a:r>
+            <a:r>
+              <a:rPr lang="zh-CN" altLang="en-US" dirty="0"/>
+              <a:t>以及以后，</a:t>
+            </a:r>
+            <a:r>
+              <a:rPr lang="en-US" altLang="zh-CN" dirty="0"/>
+              <a:t>while</a:t>
+            </a:r>
+            <a:r>
+              <a:rPr lang="zh-CN" altLang="en-US" dirty="0"/>
+              <a:t>循环将一直循环下去。</a:t>
+            </a:r>
+          </a:p>
+        </p:txBody>
+      </p:sp>
+    </p:spTree>
+    <p:extLst>
+      <p:ext uri="{BB962C8B-B14F-4D97-AF65-F5344CB8AC3E}">
+        <p14:creationId xmlns:p14="http://schemas.microsoft.com/office/powerpoint/2010/main" val="1494898476"/>
+      </p:ext>
+    </p:extLst>
+  </p:cSld>
+  <p:clrMapOvr>
+    <a:masterClrMapping/>
+  </p:clrMapOvr>
+</p:sld>
+</file>
+
+<file path=ppt/slides/slide17.xml><?xml version="1.0" encoding="utf-8"?>
+<p:sld xmlns:a="http://schemas.openxmlformats.org/drawingml/2006/main" xmlns:r="http://schemas.openxmlformats.org/officeDocument/2006/relationships" xmlns:p="http://schemas.openxmlformats.org/presentationml/2006/main">
+  <p:cSld>
+    <p:spTree>
+      <p:nvGrpSpPr>
+        <p:cNvPr id="1" name=""/>
+        <p:cNvGrpSpPr/>
+        <p:nvPr/>
+      </p:nvGrpSpPr>
+      <p:grpSpPr>
+        <a:xfrm>
+          <a:off x="0" y="0"/>
+          <a:ext cx="0" cy="0"/>
+          <a:chOff x="0" y="0"/>
+          <a:chExt cx="0" cy="0"/>
+        </a:xfrm>
+      </p:grpSpPr>
+      <p:sp>
+        <p:nvSpPr>
+          <p:cNvPr id="2" name="矩形 1">
+            <a:extLst>
+              <a:ext uri="{FF2B5EF4-FFF2-40B4-BE49-F238E27FC236}">
+                <a16:creationId xmlns:a16="http://schemas.microsoft.com/office/drawing/2014/main" id="{376FE611-A662-40A2-AD3B-0BAE0AB1D4E5}"/>
+              </a:ext>
+            </a:extLst>
+          </p:cNvPr>
+          <p:cNvSpPr/>
+          <p:nvPr/>
+        </p:nvSpPr>
+        <p:spPr>
+          <a:xfrm>
+            <a:off x="218604" y="99593"/>
+            <a:ext cx="1569660" cy="369332"/>
+          </a:xfrm>
+          <a:prstGeom prst="rect">
+            <a:avLst/>
+          </a:prstGeom>
+        </p:spPr>
+        <p:txBody>
+          <a:bodyPr wrap="none">
+            <a:spAutoFit/>
+          </a:bodyPr>
+          <a:lstStyle/>
+          <a:p>
+            <a:r>
+              <a:rPr lang="zh-CN" altLang="en-US" dirty="0"/>
+              <a:t>五、下集预告</a:t>
+            </a:r>
+          </a:p>
+        </p:txBody>
+      </p:sp>
+      <p:sp>
+        <p:nvSpPr>
+          <p:cNvPr id="3" name="文本框 2">
+            <a:extLst>
+              <a:ext uri="{FF2B5EF4-FFF2-40B4-BE49-F238E27FC236}">
+                <a16:creationId xmlns:a16="http://schemas.microsoft.com/office/drawing/2014/main" id="{8BA752E4-2543-4636-A135-6DA27580F631}"/>
+              </a:ext>
+            </a:extLst>
+          </p:cNvPr>
+          <p:cNvSpPr txBox="1"/>
+          <p:nvPr/>
+        </p:nvSpPr>
+        <p:spPr>
+          <a:xfrm>
+            <a:off x="3998310" y="1160890"/>
+            <a:ext cx="4195379" cy="707886"/>
+          </a:xfrm>
+          <a:prstGeom prst="rect">
+            <a:avLst/>
+          </a:prstGeom>
+          <a:noFill/>
+        </p:spPr>
+        <p:txBody>
+          <a:bodyPr wrap="none" rtlCol="0">
+            <a:spAutoFit/>
+          </a:bodyPr>
+          <a:lstStyle/>
+          <a:p>
+            <a:r>
+              <a:rPr lang="en-US" altLang="zh-CN" sz="4000" dirty="0"/>
+              <a:t>JVM</a:t>
+            </a:r>
+            <a:r>
+              <a:rPr lang="zh-CN" altLang="en-US" sz="4000" dirty="0"/>
+              <a:t>垃圾回收机制</a:t>
+            </a:r>
+          </a:p>
+        </p:txBody>
+      </p:sp>
+      <p:sp>
+        <p:nvSpPr>
+          <p:cNvPr id="4" name="文本框 3">
+            <a:extLst>
+              <a:ext uri="{FF2B5EF4-FFF2-40B4-BE49-F238E27FC236}">
+                <a16:creationId xmlns:a16="http://schemas.microsoft.com/office/drawing/2014/main" id="{4694248D-035D-468A-9590-F0FE986F9583}"/>
+              </a:ext>
+            </a:extLst>
+          </p:cNvPr>
+          <p:cNvSpPr txBox="1"/>
+          <p:nvPr/>
+        </p:nvSpPr>
+        <p:spPr>
+          <a:xfrm>
+            <a:off x="2662207" y="2886324"/>
+            <a:ext cx="6867586" cy="369332"/>
+          </a:xfrm>
+          <a:prstGeom prst="rect">
+            <a:avLst/>
+          </a:prstGeom>
+          <a:noFill/>
+        </p:spPr>
+        <p:txBody>
+          <a:bodyPr wrap="none" rtlCol="0">
+            <a:spAutoFit/>
+          </a:bodyPr>
+          <a:lstStyle/>
+          <a:p>
+            <a:r>
+              <a:rPr lang="zh-CN" altLang="en-US" dirty="0"/>
+              <a:t>关键字：垃圾收集算法、</a:t>
+            </a:r>
+            <a:r>
+              <a:rPr lang="en-US" altLang="zh-CN" dirty="0"/>
+              <a:t>STW</a:t>
+            </a:r>
+            <a:r>
+              <a:rPr lang="zh-CN" altLang="en-US" dirty="0"/>
+              <a:t>、垃圾收集器、内存分配与回收策略</a:t>
+            </a:r>
+          </a:p>
+        </p:txBody>
+      </p:sp>
+    </p:spTree>
+    <p:extLst>
+      <p:ext uri="{BB962C8B-B14F-4D97-AF65-F5344CB8AC3E}">
+        <p14:creationId xmlns:p14="http://schemas.microsoft.com/office/powerpoint/2010/main" val="2872533499"/>
       </p:ext>
     </p:extLst>
   </p:cSld>
